--- a/Кузовлев Антон Презентация Шахматы.pptx
+++ b/Кузовлев Антон Презентация Шахматы.pptx
@@ -1,20 +1,22 @@
 
 <file path=ppt/presentation.xml><?xml version="1.0" encoding="utf-8"?>
-<p:presentation xmlns:a="http://schemas.openxmlformats.org/drawingml/2006/main" xmlns:r="http://schemas.openxmlformats.org/officeDocument/2006/relationships" xmlns:p="http://schemas.openxmlformats.org/presentationml/2006/main" xmlns:m="http://schemas.openxmlformats.org/officeDocument/2006/math" xmlns:w="http://schemas.openxmlformats.org/wordprocessingml/2006/main" saveSubsetFonts="1">
+<p:presentation xmlns:a="http://schemas.openxmlformats.org/drawingml/2006/main" xmlns:r="http://schemas.openxmlformats.org/officeDocument/2006/relationships" xmlns:p="http://schemas.openxmlformats.org/presentationml/2006/main" saveSubsetFonts="1">
   <p:sldMasterIdLst>
     <p:sldMasterId id="2147483648" r:id="rId1"/>
   </p:sldMasterIdLst>
   <p:sldIdLst>
-    <p:sldId id="256" r:id="rId3"/>
-    <p:sldId id="257" r:id="rId4"/>
-    <p:sldId id="258" r:id="rId5"/>
-    <p:sldId id="259" r:id="rId6"/>
-    <p:sldId id="260" r:id="rId7"/>
-    <p:sldId id="261" r:id="rId8"/>
-    <p:sldId id="262" r:id="rId9"/>
-    <p:sldId id="263" r:id="rId10"/>
-    <p:sldId id="264" r:id="rId11"/>
-    <p:sldId id="265" r:id="rId12"/>
+    <p:sldId id="256" r:id="rId2"/>
+    <p:sldId id="257" r:id="rId3"/>
+    <p:sldId id="258" r:id="rId4"/>
+    <p:sldId id="259" r:id="rId5"/>
+    <p:sldId id="260" r:id="rId6"/>
+    <p:sldId id="261" r:id="rId7"/>
+    <p:sldId id="262" r:id="rId8"/>
+    <p:sldId id="263" r:id="rId9"/>
+    <p:sldId id="264" r:id="rId10"/>
+    <p:sldId id="265" r:id="rId11"/>
+    <p:sldId id="266" r:id="rId12"/>
+    <p:sldId id="268" r:id="rId13"/>
   </p:sldIdLst>
   <p:sldSz cx="12192000" cy="6858000"/>
   <p:notesSz cx="12192000" cy="6858000"/>
@@ -117,7 +119,7 @@
 </file>
 
 <file path=ppt/slideLayouts/slideLayout1.xml><?xml version="1.0" encoding="utf-8"?>
-<p:sldLayout xmlns:a="http://schemas.openxmlformats.org/drawingml/2006/main" xmlns:r="http://schemas.openxmlformats.org/officeDocument/2006/relationships" xmlns:p="http://schemas.openxmlformats.org/presentationml/2006/main" xmlns:m="http://schemas.openxmlformats.org/officeDocument/2006/math" xmlns:w="http://schemas.openxmlformats.org/wordprocessingml/2006/main" matchingName="" preserve="0" showMasterPhAnim="0" showMasterSp="0" type="title" userDrawn="1">
+<p:sldLayout xmlns:a="http://schemas.openxmlformats.org/drawingml/2006/main" xmlns:r="http://schemas.openxmlformats.org/officeDocument/2006/relationships" xmlns:p="http://schemas.openxmlformats.org/presentationml/2006/main" showMasterSp="0" showMasterPhAnim="0" type="title" userDrawn="1">
   <p:cSld name="Title Slide">
     <p:spTree>
       <p:nvGrpSpPr>
@@ -137,7 +139,7 @@
         <p:nvSpPr>
           <p:cNvPr id="13" name="Shape 1059"/>
           <p:cNvSpPr>
-            <a:spLocks noChangeArrowheads="1" noGrp="1"/>
+            <a:spLocks noGrp="1" noChangeArrowheads="1"/>
           </p:cNvSpPr>
           <p:nvPr userDrawn="1"/>
         </p:nvSpPr>
@@ -153,7 +155,7 @@
             <a:cxnLst/>
             <a:rect l="l" t="t" r="r" b="b"/>
             <a:pathLst>
-              <a:path w="43200" h="43200" fill="norm" stroke="0" extrusionOk="0">
+              <a:path w="43200" h="43200" stroke="0" extrusionOk="0">
                 <a:moveTo>
                   <a:pt x="22112" y="3116"/>
                 </a:moveTo>
@@ -260,7 +262,7 @@
         <p:nvSpPr>
           <p:cNvPr id="14" name="Shape 1060"/>
           <p:cNvSpPr>
-            <a:spLocks noChangeArrowheads="1" noGrp="1"/>
+            <a:spLocks noGrp="1" noChangeArrowheads="1"/>
           </p:cNvSpPr>
           <p:nvPr userDrawn="1"/>
         </p:nvSpPr>
@@ -276,7 +278,7 @@
             <a:cxnLst/>
             <a:rect l="l" t="t" r="r" b="b"/>
             <a:pathLst>
-              <a:path w="43200" h="43200" fill="norm" stroke="0" extrusionOk="0">
+              <a:path w="43200" h="43200" stroke="0" extrusionOk="0">
                 <a:moveTo>
                   <a:pt x="40162" y="13104"/>
                 </a:moveTo>
@@ -351,7 +353,7 @@
         <p:nvSpPr>
           <p:cNvPr id="15" name="Shape 1061"/>
           <p:cNvSpPr>
-            <a:spLocks noChangeArrowheads="1" noGrp="1"/>
+            <a:spLocks noGrp="1" noChangeArrowheads="1"/>
           </p:cNvSpPr>
           <p:nvPr userDrawn="1"/>
         </p:nvSpPr>
@@ -367,7 +369,7 @@
             <a:cxnLst/>
             <a:rect l="l" t="t" r="r" b="b"/>
             <a:pathLst>
-              <a:path w="43200" h="43200" fill="norm" stroke="0" extrusionOk="0">
+              <a:path w="43200" h="43200" stroke="0" extrusionOk="0">
                 <a:moveTo>
                   <a:pt x="43200" y="43200"/>
                 </a:moveTo>
@@ -437,7 +439,7 @@
         <p:nvSpPr>
           <p:cNvPr id="16" name="Shape 1062"/>
           <p:cNvSpPr>
-            <a:spLocks noChangeArrowheads="1" noGrp="1"/>
+            <a:spLocks noGrp="1" noChangeArrowheads="1"/>
           </p:cNvSpPr>
           <p:nvPr userDrawn="1"/>
         </p:nvSpPr>
@@ -453,7 +455,7 @@
             <a:cxnLst/>
             <a:rect l="l" t="t" r="r" b="b"/>
             <a:pathLst>
-              <a:path w="43200" h="43200" fill="norm" stroke="0" extrusionOk="0">
+              <a:path w="43200" h="43200" stroke="0" extrusionOk="0">
                 <a:moveTo>
                   <a:pt x="43200" y="43200"/>
                 </a:moveTo>
@@ -515,7 +517,7 @@
         <p:nvSpPr>
           <p:cNvPr id="17" name="Shape 1063"/>
           <p:cNvSpPr>
-            <a:spLocks noChangeArrowheads="1" noGrp="1"/>
+            <a:spLocks noGrp="1" noChangeArrowheads="1"/>
           </p:cNvSpPr>
           <p:nvPr userDrawn="1"/>
         </p:nvSpPr>
@@ -531,7 +533,7 @@
             <a:cxnLst/>
             <a:rect l="l" t="t" r="r" b="b"/>
             <a:pathLst>
-              <a:path w="43200" h="43200" fill="norm" stroke="0" extrusionOk="0">
+              <a:path w="43200" h="43200" stroke="0" extrusionOk="0">
                 <a:moveTo>
                   <a:pt x="0" y="43200"/>
                 </a:moveTo>
@@ -708,7 +710,6 @@
               <a:rPr lang="ru-RU"/>
               <a:t>Образец подзаголовка</a:t>
             </a:r>
-            <a:endParaRPr lang="ru-RU"/>
           </a:p>
         </p:txBody>
       </p:sp>
@@ -732,7 +733,7 @@
             </a:pPr>
             <a:fld id="{A69D51E0-3758-456B-809F-07B187805C7D}" type="datetimeFigureOut">
               <a:rPr lang="ru-RU"/>
-              <a:t/>
+              <a:t>28.07.2024</a:t>
             </a:fld>
             <a:endParaRPr lang="ru-RU"/>
           </a:p>
@@ -780,7 +781,7 @@
             </a:pPr>
             <a:fld id="{4D3B38E7-149F-4D77-9EEF-9309C2CB69A9}" type="slidenum">
               <a:rPr lang="ru-RU"/>
-              <a:t/>
+              <a:t>‹#›</a:t>
             </a:fld>
             <a:endParaRPr lang="ru-RU"/>
           </a:p>
@@ -817,7 +818,6 @@
               <a:rPr lang="ru-RU"/>
               <a:t>Образец заголовка</a:t>
             </a:r>
-            <a:endParaRPr lang="ru-RU"/>
           </a:p>
         </p:txBody>
       </p:sp>
@@ -830,7 +830,7 @@
 </file>
 
 <file path=ppt/slideLayouts/slideLayout10.xml><?xml version="1.0" encoding="utf-8"?>
-<p:sldLayout xmlns:a="http://schemas.openxmlformats.org/drawingml/2006/main" xmlns:r="http://schemas.openxmlformats.org/officeDocument/2006/relationships" xmlns:p="http://schemas.openxmlformats.org/presentationml/2006/main" xmlns:m="http://schemas.openxmlformats.org/officeDocument/2006/math" xmlns:w="http://schemas.openxmlformats.org/wordprocessingml/2006/main" matchingName="" preserve="0" showMasterPhAnim="0" type="vertTx" userDrawn="1">
+<p:sldLayout xmlns:a="http://schemas.openxmlformats.org/drawingml/2006/main" xmlns:r="http://schemas.openxmlformats.org/officeDocument/2006/relationships" xmlns:p="http://schemas.openxmlformats.org/presentationml/2006/main" showMasterPhAnim="0" type="vertTx" userDrawn="1">
   <p:cSld name="Title and Vertical Text">
     <p:spTree>
       <p:nvGrpSpPr>
@@ -868,7 +868,6 @@
               <a:rPr lang="ru-RU"/>
               <a:t>Образец заголовка</a:t>
             </a:r>
-            <a:endParaRPr lang="ru-RU"/>
           </a:p>
         </p:txBody>
       </p:sp>
@@ -934,7 +933,6 @@
               <a:rPr lang="ru-RU"/>
               <a:t>Пятый уровень</a:t>
             </a:r>
-            <a:endParaRPr lang="ru-RU"/>
           </a:p>
         </p:txBody>
       </p:sp>
@@ -958,7 +956,7 @@
             </a:pPr>
             <a:fld id="{A69D51E0-3758-456B-809F-07B187805C7D}" type="datetimeFigureOut">
               <a:rPr lang="ru-RU"/>
-              <a:t/>
+              <a:t>28.07.2024</a:t>
             </a:fld>
             <a:endParaRPr lang="ru-RU"/>
           </a:p>
@@ -1006,7 +1004,7 @@
             </a:pPr>
             <a:fld id="{4D3B38E7-149F-4D77-9EEF-9309C2CB69A9}" type="slidenum">
               <a:rPr lang="ru-RU"/>
-              <a:t/>
+              <a:t>‹#›</a:t>
             </a:fld>
             <a:endParaRPr lang="ru-RU"/>
           </a:p>
@@ -1021,7 +1019,7 @@
 </file>
 
 <file path=ppt/slideLayouts/slideLayout11.xml><?xml version="1.0" encoding="utf-8"?>
-<p:sldLayout xmlns:a="http://schemas.openxmlformats.org/drawingml/2006/main" xmlns:r="http://schemas.openxmlformats.org/officeDocument/2006/relationships" xmlns:p="http://schemas.openxmlformats.org/presentationml/2006/main" xmlns:m="http://schemas.openxmlformats.org/officeDocument/2006/math" xmlns:w="http://schemas.openxmlformats.org/wordprocessingml/2006/main" matchingName="" preserve="0" showMasterPhAnim="0" type="vertTitleAndTx" userDrawn="1">
+<p:sldLayout xmlns:a="http://schemas.openxmlformats.org/drawingml/2006/main" xmlns:r="http://schemas.openxmlformats.org/officeDocument/2006/relationships" xmlns:p="http://schemas.openxmlformats.org/presentationml/2006/main" showMasterPhAnim="0" type="vertTitleAndTx" userDrawn="1">
   <p:cSld name="Vertical Title and Text">
     <p:spTree>
       <p:nvGrpSpPr>
@@ -1068,7 +1066,6 @@
               <a:rPr lang="ru-RU"/>
               <a:t>Образец заголовка</a:t>
             </a:r>
-            <a:endParaRPr lang="ru-RU"/>
           </a:p>
         </p:txBody>
       </p:sp>
@@ -1139,7 +1136,6 @@
               <a:rPr lang="ru-RU"/>
               <a:t>Пятый уровень</a:t>
             </a:r>
-            <a:endParaRPr lang="ru-RU"/>
           </a:p>
         </p:txBody>
       </p:sp>
@@ -1163,7 +1159,7 @@
             </a:pPr>
             <a:fld id="{A69D51E0-3758-456B-809F-07B187805C7D}" type="datetimeFigureOut">
               <a:rPr lang="ru-RU"/>
-              <a:t/>
+              <a:t>28.07.2024</a:t>
             </a:fld>
             <a:endParaRPr lang="ru-RU"/>
           </a:p>
@@ -1211,7 +1207,7 @@
             </a:pPr>
             <a:fld id="{4D3B38E7-149F-4D77-9EEF-9309C2CB69A9}" type="slidenum">
               <a:rPr lang="ru-RU"/>
-              <a:t/>
+              <a:t>‹#›</a:t>
             </a:fld>
             <a:endParaRPr lang="ru-RU"/>
           </a:p>
@@ -1226,7 +1222,7 @@
 </file>
 
 <file path=ppt/slideLayouts/slideLayout2.xml><?xml version="1.0" encoding="utf-8"?>
-<p:sldLayout xmlns:a="http://schemas.openxmlformats.org/drawingml/2006/main" xmlns:r="http://schemas.openxmlformats.org/officeDocument/2006/relationships" xmlns:p="http://schemas.openxmlformats.org/presentationml/2006/main" xmlns:m="http://schemas.openxmlformats.org/officeDocument/2006/math" xmlns:w="http://schemas.openxmlformats.org/wordprocessingml/2006/main" matchingName="" preserve="0" showMasterPhAnim="0" type="obj" userDrawn="1">
+<p:sldLayout xmlns:a="http://schemas.openxmlformats.org/drawingml/2006/main" xmlns:r="http://schemas.openxmlformats.org/officeDocument/2006/relationships" xmlns:p="http://schemas.openxmlformats.org/presentationml/2006/main" showMasterPhAnim="0" type="obj" userDrawn="1">
   <p:cSld name="Title and Content">
     <p:spTree>
       <p:nvGrpSpPr>
@@ -1264,7 +1260,6 @@
               <a:rPr lang="ru-RU"/>
               <a:t>Образец заголовка</a:t>
             </a:r>
-            <a:endParaRPr lang="ru-RU"/>
           </a:p>
         </p:txBody>
       </p:sp>
@@ -1330,7 +1325,6 @@
               <a:rPr lang="ru-RU"/>
               <a:t>Пятый уровень</a:t>
             </a:r>
-            <a:endParaRPr lang="ru-RU"/>
           </a:p>
         </p:txBody>
       </p:sp>
@@ -1354,7 +1348,7 @@
             </a:pPr>
             <a:fld id="{A69D51E0-3758-456B-809F-07B187805C7D}" type="datetimeFigureOut">
               <a:rPr lang="ru-RU"/>
-              <a:t/>
+              <a:t>28.07.2024</a:t>
             </a:fld>
             <a:endParaRPr lang="ru-RU"/>
           </a:p>
@@ -1402,7 +1396,7 @@
             </a:pPr>
             <a:fld id="{4D3B38E7-149F-4D77-9EEF-9309C2CB69A9}" type="slidenum">
               <a:rPr lang="ru-RU"/>
-              <a:t/>
+              <a:t>‹#›</a:t>
             </a:fld>
             <a:endParaRPr lang="ru-RU"/>
           </a:p>
@@ -1417,7 +1411,7 @@
 </file>
 
 <file path=ppt/slideLayouts/slideLayout3.xml><?xml version="1.0" encoding="utf-8"?>
-<p:sldLayout xmlns:a="http://schemas.openxmlformats.org/drawingml/2006/main" xmlns:r="http://schemas.openxmlformats.org/officeDocument/2006/relationships" xmlns:p="http://schemas.openxmlformats.org/presentationml/2006/main" xmlns:m="http://schemas.openxmlformats.org/officeDocument/2006/math" xmlns:w="http://schemas.openxmlformats.org/wordprocessingml/2006/main" matchingName="" preserve="0" showMasterPhAnim="0" type="secHead" userDrawn="1">
+<p:sldLayout xmlns:a="http://schemas.openxmlformats.org/drawingml/2006/main" xmlns:r="http://schemas.openxmlformats.org/officeDocument/2006/relationships" xmlns:p="http://schemas.openxmlformats.org/presentationml/2006/main" showMasterPhAnim="0" type="secHead" userDrawn="1">
   <p:cSld name="Section Header">
     <p:spTree>
       <p:nvGrpSpPr>
@@ -1464,7 +1458,6 @@
               <a:rPr lang="ru-RU"/>
               <a:t>Образец заголовка</a:t>
             </a:r>
-            <a:endParaRPr lang="ru-RU"/>
           </a:p>
         </p:txBody>
       </p:sp>
@@ -1610,7 +1603,7 @@
             </a:pPr>
             <a:fld id="{A69D51E0-3758-456B-809F-07B187805C7D}" type="datetimeFigureOut">
               <a:rPr lang="ru-RU"/>
-              <a:t/>
+              <a:t>28.07.2024</a:t>
             </a:fld>
             <a:endParaRPr lang="ru-RU"/>
           </a:p>
@@ -1658,7 +1651,7 @@
             </a:pPr>
             <a:fld id="{4D3B38E7-149F-4D77-9EEF-9309C2CB69A9}" type="slidenum">
               <a:rPr lang="ru-RU"/>
-              <a:t/>
+              <a:t>‹#›</a:t>
             </a:fld>
             <a:endParaRPr lang="ru-RU"/>
           </a:p>
@@ -1673,7 +1666,7 @@
 </file>
 
 <file path=ppt/slideLayouts/slideLayout4.xml><?xml version="1.0" encoding="utf-8"?>
-<p:sldLayout xmlns:a="http://schemas.openxmlformats.org/drawingml/2006/main" xmlns:r="http://schemas.openxmlformats.org/officeDocument/2006/relationships" xmlns:p="http://schemas.openxmlformats.org/presentationml/2006/main" xmlns:m="http://schemas.openxmlformats.org/officeDocument/2006/math" xmlns:w="http://schemas.openxmlformats.org/wordprocessingml/2006/main" matchingName="" preserve="0" showMasterPhAnim="0" type="twoObj" userDrawn="1">
+<p:sldLayout xmlns:a="http://schemas.openxmlformats.org/drawingml/2006/main" xmlns:r="http://schemas.openxmlformats.org/officeDocument/2006/relationships" xmlns:p="http://schemas.openxmlformats.org/presentationml/2006/main" showMasterPhAnim="0" type="twoObj" userDrawn="1">
   <p:cSld name="Two Content">
     <p:spTree>
       <p:nvGrpSpPr>
@@ -1711,7 +1704,6 @@
               <a:rPr lang="ru-RU"/>
               <a:t>Образец заголовка</a:t>
             </a:r>
-            <a:endParaRPr lang="ru-RU"/>
           </a:p>
         </p:txBody>
       </p:sp>
@@ -1810,7 +1802,6 @@
               <a:rPr lang="ru-RU"/>
               <a:t>Пятый уровень</a:t>
             </a:r>
-            <a:endParaRPr lang="ru-RU"/>
           </a:p>
         </p:txBody>
       </p:sp>
@@ -1909,7 +1900,6 @@
               <a:rPr lang="ru-RU"/>
               <a:t>Пятый уровень</a:t>
             </a:r>
-            <a:endParaRPr lang="ru-RU"/>
           </a:p>
         </p:txBody>
       </p:sp>
@@ -1933,7 +1923,7 @@
             </a:pPr>
             <a:fld id="{A69D51E0-3758-456B-809F-07B187805C7D}" type="datetimeFigureOut">
               <a:rPr lang="ru-RU"/>
-              <a:t/>
+              <a:t>28.07.2024</a:t>
             </a:fld>
             <a:endParaRPr lang="ru-RU"/>
           </a:p>
@@ -1981,7 +1971,7 @@
             </a:pPr>
             <a:fld id="{4D3B38E7-149F-4D77-9EEF-9309C2CB69A9}" type="slidenum">
               <a:rPr lang="ru-RU"/>
-              <a:t/>
+              <a:t>‹#›</a:t>
             </a:fld>
             <a:endParaRPr lang="ru-RU"/>
           </a:p>
@@ -1996,7 +1986,7 @@
 </file>
 
 <file path=ppt/slideLayouts/slideLayout5.xml><?xml version="1.0" encoding="utf-8"?>
-<p:sldLayout xmlns:a="http://schemas.openxmlformats.org/drawingml/2006/main" xmlns:r="http://schemas.openxmlformats.org/officeDocument/2006/relationships" xmlns:p="http://schemas.openxmlformats.org/presentationml/2006/main" xmlns:m="http://schemas.openxmlformats.org/officeDocument/2006/math" xmlns:w="http://schemas.openxmlformats.org/wordprocessingml/2006/main" matchingName="" preserve="0" showMasterPhAnim="0" type="twoTxTwoObj" userDrawn="1">
+<p:sldLayout xmlns:a="http://schemas.openxmlformats.org/drawingml/2006/main" xmlns:r="http://schemas.openxmlformats.org/officeDocument/2006/relationships" xmlns:p="http://schemas.openxmlformats.org/presentationml/2006/main" showMasterPhAnim="0" type="twoTxTwoObj" userDrawn="1">
   <p:cSld name="Comparison">
     <p:spTree>
       <p:nvGrpSpPr>
@@ -2038,7 +2028,6 @@
               <a:rPr lang="ru-RU"/>
               <a:t>Образец заголовка</a:t>
             </a:r>
-            <a:endParaRPr lang="ru-RU"/>
           </a:p>
         </p:txBody>
       </p:sp>
@@ -2205,7 +2194,6 @@
               <a:rPr lang="ru-RU"/>
               <a:t>Пятый уровень</a:t>
             </a:r>
-            <a:endParaRPr lang="ru-RU"/>
           </a:p>
         </p:txBody>
       </p:sp>
@@ -2372,7 +2360,6 @@
               <a:rPr lang="ru-RU"/>
               <a:t>Пятый уровень</a:t>
             </a:r>
-            <a:endParaRPr lang="ru-RU"/>
           </a:p>
         </p:txBody>
       </p:sp>
@@ -2396,7 +2383,7 @@
             </a:pPr>
             <a:fld id="{A69D51E0-3758-456B-809F-07B187805C7D}" type="datetimeFigureOut">
               <a:rPr lang="ru-RU"/>
-              <a:t/>
+              <a:t>28.07.2024</a:t>
             </a:fld>
             <a:endParaRPr lang="ru-RU"/>
           </a:p>
@@ -2444,7 +2431,7 @@
             </a:pPr>
             <a:fld id="{4D3B38E7-149F-4D77-9EEF-9309C2CB69A9}" type="slidenum">
               <a:rPr lang="ru-RU"/>
-              <a:t/>
+              <a:t>‹#›</a:t>
             </a:fld>
             <a:endParaRPr lang="ru-RU"/>
           </a:p>
@@ -2459,7 +2446,7 @@
 </file>
 
 <file path=ppt/slideLayouts/slideLayout6.xml><?xml version="1.0" encoding="utf-8"?>
-<p:sldLayout xmlns:a="http://schemas.openxmlformats.org/drawingml/2006/main" xmlns:r="http://schemas.openxmlformats.org/officeDocument/2006/relationships" xmlns:p="http://schemas.openxmlformats.org/presentationml/2006/main" xmlns:m="http://schemas.openxmlformats.org/officeDocument/2006/math" xmlns:w="http://schemas.openxmlformats.org/wordprocessingml/2006/main" matchingName="" preserve="0" showMasterPhAnim="0" type="titleOnly" userDrawn="1">
+<p:sldLayout xmlns:a="http://schemas.openxmlformats.org/drawingml/2006/main" xmlns:r="http://schemas.openxmlformats.org/officeDocument/2006/relationships" xmlns:p="http://schemas.openxmlformats.org/presentationml/2006/main" showMasterPhAnim="0" type="titleOnly" userDrawn="1">
   <p:cSld name="Title Only">
     <p:spTree>
       <p:nvGrpSpPr>
@@ -2497,7 +2484,6 @@
               <a:rPr lang="ru-RU"/>
               <a:t>Образец заголовка</a:t>
             </a:r>
-            <a:endParaRPr lang="ru-RU"/>
           </a:p>
         </p:txBody>
       </p:sp>
@@ -2521,7 +2507,7 @@
             </a:pPr>
             <a:fld id="{A69D51E0-3758-456B-809F-07B187805C7D}" type="datetimeFigureOut">
               <a:rPr lang="ru-RU"/>
-              <a:t/>
+              <a:t>28.07.2024</a:t>
             </a:fld>
             <a:endParaRPr lang="ru-RU"/>
           </a:p>
@@ -2569,7 +2555,7 @@
             </a:pPr>
             <a:fld id="{4D3B38E7-149F-4D77-9EEF-9309C2CB69A9}" type="slidenum">
               <a:rPr lang="ru-RU"/>
-              <a:t/>
+              <a:t>‹#›</a:t>
             </a:fld>
             <a:endParaRPr lang="ru-RU"/>
           </a:p>
@@ -2584,7 +2570,7 @@
 </file>
 
 <file path=ppt/slideLayouts/slideLayout7.xml><?xml version="1.0" encoding="utf-8"?>
-<p:sldLayout xmlns:a="http://schemas.openxmlformats.org/drawingml/2006/main" xmlns:r="http://schemas.openxmlformats.org/officeDocument/2006/relationships" xmlns:p="http://schemas.openxmlformats.org/presentationml/2006/main" xmlns:m="http://schemas.openxmlformats.org/officeDocument/2006/math" xmlns:w="http://schemas.openxmlformats.org/wordprocessingml/2006/main" matchingName="" preserve="0" showMasterPhAnim="0" type="blank" userDrawn="1">
+<p:sldLayout xmlns:a="http://schemas.openxmlformats.org/drawingml/2006/main" xmlns:r="http://schemas.openxmlformats.org/officeDocument/2006/relationships" xmlns:p="http://schemas.openxmlformats.org/presentationml/2006/main" showMasterPhAnim="0" type="blank" userDrawn="1">
   <p:cSld name="Blank">
     <p:spTree>
       <p:nvGrpSpPr>
@@ -2620,7 +2606,7 @@
             </a:pPr>
             <a:fld id="{A69D51E0-3758-456B-809F-07B187805C7D}" type="datetimeFigureOut">
               <a:rPr lang="ru-RU"/>
-              <a:t/>
+              <a:t>28.07.2024</a:t>
             </a:fld>
             <a:endParaRPr lang="ru-RU"/>
           </a:p>
@@ -2668,7 +2654,7 @@
             </a:pPr>
             <a:fld id="{4D3B38E7-149F-4D77-9EEF-9309C2CB69A9}" type="slidenum">
               <a:rPr lang="ru-RU"/>
-              <a:t/>
+              <a:t>‹#›</a:t>
             </a:fld>
             <a:endParaRPr lang="ru-RU"/>
           </a:p>
@@ -2683,7 +2669,7 @@
 </file>
 
 <file path=ppt/slideLayouts/slideLayout8.xml><?xml version="1.0" encoding="utf-8"?>
-<p:sldLayout xmlns:a="http://schemas.openxmlformats.org/drawingml/2006/main" xmlns:r="http://schemas.openxmlformats.org/officeDocument/2006/relationships" xmlns:p="http://schemas.openxmlformats.org/presentationml/2006/main" xmlns:m="http://schemas.openxmlformats.org/officeDocument/2006/math" xmlns:w="http://schemas.openxmlformats.org/wordprocessingml/2006/main" matchingName="" preserve="0" showMasterPhAnim="0" type="objTx" userDrawn="1">
+<p:sldLayout xmlns:a="http://schemas.openxmlformats.org/drawingml/2006/main" xmlns:r="http://schemas.openxmlformats.org/officeDocument/2006/relationships" xmlns:p="http://schemas.openxmlformats.org/presentationml/2006/main" showMasterPhAnim="0" type="objTx" userDrawn="1">
   <p:cSld name="Content with Caption">
     <p:spTree>
       <p:nvGrpSpPr>
@@ -2730,7 +2716,6 @@
               <a:rPr lang="ru-RU"/>
               <a:t>Образец заголовка</a:t>
             </a:r>
-            <a:endParaRPr lang="ru-RU"/>
           </a:p>
         </p:txBody>
       </p:sp>
@@ -2829,7 +2814,6 @@
               <a:rPr lang="ru-RU"/>
               <a:t>Пятый уровень</a:t>
             </a:r>
-            <a:endParaRPr lang="ru-RU"/>
           </a:p>
         </p:txBody>
       </p:sp>
@@ -2921,7 +2905,7 @@
             </a:pPr>
             <a:fld id="{A69D51E0-3758-456B-809F-07B187805C7D}" type="datetimeFigureOut">
               <a:rPr lang="ru-RU"/>
-              <a:t/>
+              <a:t>28.07.2024</a:t>
             </a:fld>
             <a:endParaRPr lang="ru-RU"/>
           </a:p>
@@ -2969,7 +2953,7 @@
             </a:pPr>
             <a:fld id="{4D3B38E7-149F-4D77-9EEF-9309C2CB69A9}" type="slidenum">
               <a:rPr lang="ru-RU"/>
-              <a:t/>
+              <a:t>‹#›</a:t>
             </a:fld>
             <a:endParaRPr lang="ru-RU"/>
           </a:p>
@@ -2984,7 +2968,7 @@
 </file>
 
 <file path=ppt/slideLayouts/slideLayout9.xml><?xml version="1.0" encoding="utf-8"?>
-<p:sldLayout xmlns:a="http://schemas.openxmlformats.org/drawingml/2006/main" xmlns:r="http://schemas.openxmlformats.org/officeDocument/2006/relationships" xmlns:p="http://schemas.openxmlformats.org/presentationml/2006/main" xmlns:m="http://schemas.openxmlformats.org/officeDocument/2006/math" xmlns:w="http://schemas.openxmlformats.org/wordprocessingml/2006/main" matchingName="" preserve="0" showMasterPhAnim="0" type="picTx" userDrawn="1">
+<p:sldLayout xmlns:a="http://schemas.openxmlformats.org/drawingml/2006/main" xmlns:r="http://schemas.openxmlformats.org/officeDocument/2006/relationships" xmlns:p="http://schemas.openxmlformats.org/presentationml/2006/main" showMasterPhAnim="0" type="picTx" userDrawn="1">
   <p:cSld name="Picture with Caption">
     <p:spTree>
       <p:nvGrpSpPr>
@@ -3031,7 +3015,6 @@
               <a:rPr lang="ru-RU"/>
               <a:t>Образец заголовка</a:t>
             </a:r>
-            <a:endParaRPr lang="ru-RU"/>
           </a:p>
         </p:txBody>
       </p:sp>
@@ -3187,7 +3170,7 @@
             </a:pPr>
             <a:fld id="{A69D51E0-3758-456B-809F-07B187805C7D}" type="datetimeFigureOut">
               <a:rPr lang="ru-RU"/>
-              <a:t/>
+              <a:t>28.07.2024</a:t>
             </a:fld>
             <a:endParaRPr lang="ru-RU"/>
           </a:p>
@@ -3235,7 +3218,7 @@
             </a:pPr>
             <a:fld id="{4D3B38E7-149F-4D77-9EEF-9309C2CB69A9}" type="slidenum">
               <a:rPr lang="ru-RU"/>
-              <a:t/>
+              <a:t>‹#›</a:t>
             </a:fld>
             <a:endParaRPr lang="ru-RU"/>
           </a:p>
@@ -3250,8 +3233,8 @@
 </file>
 
 <file path=ppt/slideMasters/slideMaster1.xml><?xml version="1.0" encoding="utf-8"?>
-<p:sldMaster xmlns:a="http://schemas.openxmlformats.org/drawingml/2006/main" xmlns:r="http://schemas.openxmlformats.org/officeDocument/2006/relationships" xmlns:p="http://schemas.openxmlformats.org/presentationml/2006/main" xmlns:m="http://schemas.openxmlformats.org/officeDocument/2006/math" xmlns:w="http://schemas.openxmlformats.org/wordprocessingml/2006/main" preserve="0">
-  <p:cSld name="">
+<p:sldMaster xmlns:a="http://schemas.openxmlformats.org/drawingml/2006/main" xmlns:r="http://schemas.openxmlformats.org/officeDocument/2006/relationships" xmlns:p="http://schemas.openxmlformats.org/presentationml/2006/main">
+  <p:cSld>
     <p:bg>
       <p:bgRef idx="1001">
         <a:schemeClr val="bg1"/>
@@ -3275,7 +3258,7 @@
         <p:nvSpPr>
           <p:cNvPr id="7" name="Shape 1059"/>
           <p:cNvSpPr>
-            <a:spLocks noChangeArrowheads="1" noGrp="1"/>
+            <a:spLocks noGrp="1" noChangeArrowheads="1"/>
           </p:cNvSpPr>
           <p:nvPr userDrawn="1"/>
         </p:nvSpPr>
@@ -3291,7 +3274,7 @@
             <a:cxnLst/>
             <a:rect l="l" t="t" r="r" b="b"/>
             <a:pathLst>
-              <a:path w="43200" h="43200" fill="norm" stroke="0" extrusionOk="0">
+              <a:path w="43200" h="43200" stroke="0" extrusionOk="0">
                 <a:moveTo>
                   <a:pt x="0" y="0"/>
                 </a:moveTo>
@@ -3353,7 +3336,7 @@
         <p:nvSpPr>
           <p:cNvPr id="8" name="Shape 1060"/>
           <p:cNvSpPr>
-            <a:spLocks noChangeArrowheads="1" noGrp="1"/>
+            <a:spLocks noGrp="1" noChangeArrowheads="1"/>
           </p:cNvSpPr>
           <p:nvPr userDrawn="1"/>
         </p:nvSpPr>
@@ -3369,7 +3352,7 @@
             <a:cxnLst/>
             <a:rect l="l" t="t" r="r" b="b"/>
             <a:pathLst>
-              <a:path w="43200" h="43200" fill="norm" stroke="0" extrusionOk="0">
+              <a:path w="43200" h="43200" stroke="0" extrusionOk="0">
                 <a:moveTo>
                   <a:pt x="31743" y="2484"/>
                 </a:moveTo>
@@ -3434,7 +3417,7 @@
         <p:nvSpPr>
           <p:cNvPr id="9" name="Shape 1061"/>
           <p:cNvSpPr>
-            <a:spLocks noChangeArrowheads="1" noGrp="1"/>
+            <a:spLocks noGrp="1" noChangeArrowheads="1"/>
           </p:cNvSpPr>
           <p:nvPr userDrawn="1"/>
         </p:nvSpPr>
@@ -3450,7 +3433,7 @@
             <a:cxnLst/>
             <a:rect l="l" t="t" r="r" b="b"/>
             <a:pathLst>
-              <a:path w="43200" h="43200" fill="norm" stroke="0" extrusionOk="0">
+              <a:path w="43200" h="43200" stroke="0" extrusionOk="0">
                 <a:moveTo>
                   <a:pt x="32864" y="0"/>
                 </a:moveTo>
@@ -3580,7 +3563,6 @@
               <a:rPr lang="ru-RU"/>
               <a:t>Образец заголовка</a:t>
             </a:r>
-            <a:endParaRPr lang="ru-RU"/>
           </a:p>
         </p:txBody>
       </p:sp>
@@ -3656,7 +3638,6 @@
               <a:rPr lang="ru-RU"/>
               <a:t>Пятый уровень</a:t>
             </a:r>
-            <a:endParaRPr lang="ru-RU"/>
           </a:p>
         </p:txBody>
       </p:sp>
@@ -3698,7 +3679,7 @@
             </a:pPr>
             <a:fld id="{A69D51E0-3758-456B-809F-07B187805C7D}" type="datetimeFigureOut">
               <a:rPr lang="ru-RU"/>
-              <a:t/>
+              <a:t>28.07.2024</a:t>
             </a:fld>
             <a:endParaRPr lang="ru-RU"/>
           </a:p>
@@ -3782,7 +3763,7 @@
             </a:pPr>
             <a:fld id="{4D3B38E7-149F-4D77-9EEF-9309C2CB69A9}" type="slidenum">
               <a:rPr lang="ru-RU"/>
-              <a:t/>
+              <a:t>‹#›</a:t>
             </a:fld>
             <a:endParaRPr lang="ru-RU"/>
           </a:p>
@@ -4076,8 +4057,8 @@
 </file>
 
 <file path=ppt/slides/slide1.xml><?xml version="1.0" encoding="utf-8"?>
-<p:sld xmlns:a="http://schemas.openxmlformats.org/drawingml/2006/main" xmlns:r="http://schemas.openxmlformats.org/officeDocument/2006/relationships" xmlns:p="http://schemas.openxmlformats.org/presentationml/2006/main" xmlns:m="http://schemas.openxmlformats.org/officeDocument/2006/math" xmlns:w="http://schemas.openxmlformats.org/wordprocessingml/2006/main" showMasterPhAnim="0" show="1">
-  <p:cSld name="">
+<p:sld xmlns:a="http://schemas.openxmlformats.org/drawingml/2006/main" xmlns:r="http://schemas.openxmlformats.org/officeDocument/2006/relationships" xmlns:p="http://schemas.openxmlformats.org/presentationml/2006/main" showMasterPhAnim="0">
+  <p:cSld>
     <p:spTree>
       <p:nvGrpSpPr>
         <p:cNvPr id="1" name=""/>
@@ -4109,7 +4090,9 @@
           </a:xfrm>
         </p:spPr>
         <p:txBody>
-          <a:bodyPr/>
+          <a:bodyPr>
+            <a:normAutofit fontScale="90000"/>
+          </a:bodyPr>
           <a:lstStyle/>
           <a:p>
             <a:pPr>
@@ -4127,14 +4110,7 @@
                 <a:latin typeface="Times New Roman"/>
                 <a:cs typeface="Times New Roman"/>
               </a:rPr>
-              <a:t>Шахматы</a:t>
-            </a:r>
-            <a:r>
-              <a:rPr lang="ru-RU" sz="7200">
-                <a:latin typeface="Times New Roman"/>
-                <a:cs typeface="Times New Roman"/>
-              </a:rPr>
-              <a:t> на 3</a:t>
+              <a:t>Шахматы на 3</a:t>
             </a:r>
             <a:r>
               <a:rPr lang="en-US" sz="7200">
@@ -4174,7 +4150,9 @@
           </a:xfrm>
         </p:spPr>
         <p:txBody>
-          <a:bodyPr/>
+          <a:bodyPr>
+            <a:normAutofit fontScale="62500" lnSpcReduction="20000"/>
+          </a:bodyPr>
           <a:lstStyle/>
           <a:p>
             <a:pPr>
@@ -4203,10 +4181,6 @@
               </a:rPr>
               <a:t>23.07.2024</a:t>
             </a:r>
-            <a:endParaRPr lang="ru-RU" sz="2800">
-              <a:latin typeface="Times New Roman"/>
-              <a:cs typeface="Times New Roman"/>
-            </a:endParaRPr>
           </a:p>
         </p:txBody>
       </p:sp>
@@ -4215,20 +4189,27 @@
   <p:clrMapOvr>
     <a:masterClrMapping/>
   </p:clrMapOvr>
-  <mc:AlternateContent xmlns:mc="http://schemas.openxmlformats.org/markup-compatibility/2006">
-    <mc:Choice xmlns:p14="http://schemas.microsoft.com/office/powerpoint/2010/main" Requires="p14">
-      <p:transition p14:dur="2000" advClick="1"/>
+  <mc:AlternateContent xmlns:mc="http://schemas.openxmlformats.org/markup-compatibility/2006" xmlns:p14="http://schemas.microsoft.com/office/powerpoint/2010/main">
+    <mc:Choice Requires="p14">
+      <p:transition spd="slow" p14:dur="2000"/>
     </mc:Choice>
-    <mc:Fallback>
+    <mc:Fallback xmlns:w="http://schemas.openxmlformats.org/wordprocessingml/2006/main" xmlns:m="http://schemas.openxmlformats.org/officeDocument/2006/math" xmlns="">
       <p:transition advClick="1"/>
     </mc:Fallback>
   </mc:AlternateContent>
+  <p:timing>
+    <p:tnLst>
+      <p:par>
+        <p:cTn id="1" dur="indefinite" restart="never" nodeType="tmRoot"/>
+      </p:par>
+    </p:tnLst>
+  </p:timing>
 </p:sld>
 </file>
 
 <file path=ppt/slides/slide10.xml><?xml version="1.0" encoding="utf-8"?>
-<p:sld xmlns:a="http://schemas.openxmlformats.org/drawingml/2006/main" xmlns:r="http://schemas.openxmlformats.org/officeDocument/2006/relationships" xmlns:p="http://schemas.openxmlformats.org/presentationml/2006/main" xmlns:m="http://schemas.openxmlformats.org/officeDocument/2006/math" xmlns:w="http://schemas.openxmlformats.org/wordprocessingml/2006/main" showMasterPhAnim="0" show="1">
-  <p:cSld name="">
+<p:sld xmlns:a="http://schemas.openxmlformats.org/drawingml/2006/main" xmlns:r="http://schemas.openxmlformats.org/officeDocument/2006/relationships" xmlns:p="http://schemas.openxmlformats.org/presentationml/2006/main" showMasterPhAnim="0">
+  <p:cSld>
     <p:spTree>
       <p:nvGrpSpPr>
         <p:cNvPr id="1" name=""/>
@@ -4262,14 +4243,44 @@
               <a:defRPr/>
             </a:pPr>
             <a:r>
-              <a:rPr/>
-              <a:t>Параметры печати</a:t>
-            </a:r>
-            <a:r>
-              <a:rPr lang="en-US"/>
+              <a:rPr dirty="0" err="1">
+                <a:latin typeface="Times New Roman" panose="02020603050405020304" pitchFamily="18" charset="0"/>
+                <a:cs typeface="Times New Roman" panose="02020603050405020304" pitchFamily="18" charset="0"/>
+              </a:rPr>
+              <a:t>Параметры</a:t>
+            </a:r>
+            <a:r>
+              <a:rPr dirty="0">
+                <a:latin typeface="Times New Roman" panose="02020603050405020304" pitchFamily="18" charset="0"/>
+                <a:cs typeface="Times New Roman" panose="02020603050405020304" pitchFamily="18" charset="0"/>
+              </a:rPr>
+              <a:t> </a:t>
+            </a:r>
+            <a:r>
+              <a:rPr lang="ru-RU" dirty="0" smtClean="0">
+                <a:latin typeface="Times New Roman" panose="02020603050405020304" pitchFamily="18" charset="0"/>
+                <a:cs typeface="Times New Roman" panose="02020603050405020304" pitchFamily="18" charset="0"/>
+              </a:rPr>
+              <a:t>слоя </a:t>
+            </a:r>
+            <a:r>
+              <a:rPr dirty="0" err="1" smtClean="0">
+                <a:latin typeface="Times New Roman" panose="02020603050405020304" pitchFamily="18" charset="0"/>
+                <a:cs typeface="Times New Roman" panose="02020603050405020304" pitchFamily="18" charset="0"/>
+              </a:rPr>
+              <a:t>печати</a:t>
+            </a:r>
+            <a:r>
+              <a:rPr lang="en-US" dirty="0">
+                <a:latin typeface="Times New Roman" panose="02020603050405020304" pitchFamily="18" charset="0"/>
+                <a:cs typeface="Times New Roman" panose="02020603050405020304" pitchFamily="18" charset="0"/>
+              </a:rPr>
               <a:t>:</a:t>
             </a:r>
-            <a:endParaRPr/>
+            <a:endParaRPr dirty="0">
+              <a:latin typeface="Times New Roman" panose="02020603050405020304" pitchFamily="18" charset="0"/>
+              <a:cs typeface="Times New Roman" panose="02020603050405020304" pitchFamily="18" charset="0"/>
+            </a:endParaRPr>
           </a:p>
         </p:txBody>
       </p:sp>
@@ -4285,8 +4296,8 @@
         </p:nvSpPr>
         <p:spPr bwMode="auto"/>
         <p:txBody>
-          <a:bodyPr vertOverflow="overflow" horzOverflow="overflow" vert="horz" wrap="square" lIns="91440" tIns="45720" rIns="91440" bIns="45720" numCol="1" spcCol="0" rtlCol="0" fromWordArt="0" anchor="t" anchorCtr="0" forceAA="0" upright="0" compatLnSpc="0">
-            <a:normAutofit fontScale="85000" lnSpcReduction="3000"/>
+          <a:bodyPr vertOverflow="overflow" horzOverflow="overflow" vert="horz" wrap="square" lIns="91440" tIns="45720" rIns="91440" bIns="45720" numCol="1" spcCol="0" rtlCol="0" fromWordArt="0" anchor="t" anchorCtr="0" forceAA="0" compatLnSpc="0">
+            <a:normAutofit fontScale="92500" lnSpcReduction="13000"/>
           </a:bodyPr>
           <a:lstStyle/>
           <a:p>
@@ -4296,10 +4307,54 @@
               <a:defRPr/>
             </a:pPr>
             <a:r>
-              <a:rPr/>
-              <a:t>Высота слоя - 0.25 мм.</a:t>
-            </a:r>
-            <a:endParaRPr/>
+              <a:rPr dirty="0" err="1">
+                <a:latin typeface="Times New Roman" panose="02020603050405020304" pitchFamily="18" charset="0"/>
+                <a:cs typeface="Times New Roman" panose="02020603050405020304" pitchFamily="18" charset="0"/>
+              </a:rPr>
+              <a:t>Высота</a:t>
+            </a:r>
+            <a:r>
+              <a:rPr dirty="0">
+                <a:latin typeface="Times New Roman" panose="02020603050405020304" pitchFamily="18" charset="0"/>
+                <a:cs typeface="Times New Roman" panose="02020603050405020304" pitchFamily="18" charset="0"/>
+              </a:rPr>
+              <a:t> </a:t>
+            </a:r>
+            <a:r>
+              <a:rPr dirty="0" smtClean="0">
+                <a:latin typeface="Times New Roman" panose="02020603050405020304" pitchFamily="18" charset="0"/>
+                <a:cs typeface="Times New Roman" panose="02020603050405020304" pitchFamily="18" charset="0"/>
+              </a:rPr>
+              <a:t>слоя</a:t>
+            </a:r>
+            <a:r>
+              <a:rPr lang="en-US" dirty="0" smtClean="0">
+                <a:latin typeface="Times New Roman" panose="02020603050405020304" pitchFamily="18" charset="0"/>
+                <a:cs typeface="Times New Roman" panose="02020603050405020304" pitchFamily="18" charset="0"/>
+              </a:rPr>
+              <a:t>:</a:t>
+            </a:r>
+            <a:r>
+              <a:rPr dirty="0" smtClean="0">
+                <a:latin typeface="Times New Roman" panose="02020603050405020304" pitchFamily="18" charset="0"/>
+                <a:cs typeface="Times New Roman" panose="02020603050405020304" pitchFamily="18" charset="0"/>
+              </a:rPr>
+              <a:t>0.25 </a:t>
+            </a:r>
+            <a:r>
+              <a:rPr dirty="0" err="1">
+                <a:latin typeface="Times New Roman" panose="02020603050405020304" pitchFamily="18" charset="0"/>
+                <a:cs typeface="Times New Roman" panose="02020603050405020304" pitchFamily="18" charset="0"/>
+              </a:rPr>
+              <a:t>мм</a:t>
+            </a:r>
+            <a:r>
+              <a:rPr dirty="0">
+                <a:latin typeface="Times New Roman" panose="02020603050405020304" pitchFamily="18" charset="0"/>
+                <a:cs typeface="Times New Roman" panose="02020603050405020304" pitchFamily="18" charset="0"/>
+              </a:rPr>
+              <a:t>.</a:t>
+            </a:r>
           </a:p>
           <a:p>
             <a:pPr marL="0" indent="0">
@@ -4308,10 +4363,54 @@
               <a:defRPr/>
             </a:pPr>
             <a:r>
-              <a:rPr/>
-              <a:t>Первый слой - 0.30 мм.</a:t>
-            </a:r>
-            <a:endParaRPr/>
+              <a:rPr dirty="0" err="1">
+                <a:latin typeface="Times New Roman" panose="02020603050405020304" pitchFamily="18" charset="0"/>
+                <a:cs typeface="Times New Roman" panose="02020603050405020304" pitchFamily="18" charset="0"/>
+              </a:rPr>
+              <a:t>Первый</a:t>
+            </a:r>
+            <a:r>
+              <a:rPr dirty="0">
+                <a:latin typeface="Times New Roman" panose="02020603050405020304" pitchFamily="18" charset="0"/>
+                <a:cs typeface="Times New Roman" panose="02020603050405020304" pitchFamily="18" charset="0"/>
+              </a:rPr>
+              <a:t> </a:t>
+            </a:r>
+            <a:r>
+              <a:rPr dirty="0" err="1" smtClean="0">
+                <a:latin typeface="Times New Roman" panose="02020603050405020304" pitchFamily="18" charset="0"/>
+                <a:cs typeface="Times New Roman" panose="02020603050405020304" pitchFamily="18" charset="0"/>
+              </a:rPr>
+              <a:t>слой</a:t>
+            </a:r>
+            <a:r>
+              <a:rPr lang="en-US" dirty="0" smtClean="0">
+                <a:latin typeface="Times New Roman" panose="02020603050405020304" pitchFamily="18" charset="0"/>
+                <a:cs typeface="Times New Roman" panose="02020603050405020304" pitchFamily="18" charset="0"/>
+              </a:rPr>
+              <a:t>: </a:t>
+            </a:r>
+            <a:r>
+              <a:rPr dirty="0" smtClean="0">
+                <a:latin typeface="Times New Roman" panose="02020603050405020304" pitchFamily="18" charset="0"/>
+                <a:cs typeface="Times New Roman" panose="02020603050405020304" pitchFamily="18" charset="0"/>
+              </a:rPr>
+              <a:t>0.30 </a:t>
+            </a:r>
+            <a:r>
+              <a:rPr dirty="0" err="1">
+                <a:latin typeface="Times New Roman" panose="02020603050405020304" pitchFamily="18" charset="0"/>
+                <a:cs typeface="Times New Roman" panose="02020603050405020304" pitchFamily="18" charset="0"/>
+              </a:rPr>
+              <a:t>мм</a:t>
+            </a:r>
+            <a:r>
+              <a:rPr dirty="0">
+                <a:latin typeface="Times New Roman" panose="02020603050405020304" pitchFamily="18" charset="0"/>
+                <a:cs typeface="Times New Roman" panose="02020603050405020304" pitchFamily="18" charset="0"/>
+              </a:rPr>
+              <a:t>.</a:t>
+            </a:r>
           </a:p>
           <a:p>
             <a:pPr marL="0" indent="0">
@@ -4320,10 +4419,58 @@
               <a:defRPr/>
             </a:pPr>
             <a:r>
-              <a:rPr/>
-              <a:t>Ширина линии - 0.65 мм.</a:t>
-            </a:r>
-            <a:endParaRPr/>
+              <a:rPr dirty="0" err="1">
+                <a:latin typeface="Times New Roman" panose="02020603050405020304" pitchFamily="18" charset="0"/>
+                <a:cs typeface="Times New Roman" panose="02020603050405020304" pitchFamily="18" charset="0"/>
+              </a:rPr>
+              <a:t>Ширина</a:t>
+            </a:r>
+            <a:r>
+              <a:rPr dirty="0">
+                <a:latin typeface="Times New Roman" panose="02020603050405020304" pitchFamily="18" charset="0"/>
+                <a:cs typeface="Times New Roman" panose="02020603050405020304" pitchFamily="18" charset="0"/>
+              </a:rPr>
+              <a:t> </a:t>
+            </a:r>
+            <a:r>
+              <a:rPr dirty="0" smtClean="0">
+                <a:latin typeface="Times New Roman" panose="02020603050405020304" pitchFamily="18" charset="0"/>
+                <a:cs typeface="Times New Roman" panose="02020603050405020304" pitchFamily="18" charset="0"/>
+              </a:rPr>
+              <a:t>линии</a:t>
+            </a:r>
+            <a:r>
+              <a:rPr lang="en-US" dirty="0" smtClean="0">
+                <a:latin typeface="Times New Roman" panose="02020603050405020304" pitchFamily="18" charset="0"/>
+                <a:cs typeface="Times New Roman" panose="02020603050405020304" pitchFamily="18" charset="0"/>
+              </a:rPr>
+              <a:t>:</a:t>
+            </a:r>
+            <a:r>
+              <a:rPr dirty="0" smtClean="0">
+                <a:latin typeface="Times New Roman" panose="02020603050405020304" pitchFamily="18" charset="0"/>
+                <a:cs typeface="Times New Roman" panose="02020603050405020304" pitchFamily="18" charset="0"/>
+              </a:rPr>
+              <a:t>0.65 </a:t>
+            </a:r>
+            <a:r>
+              <a:rPr dirty="0" err="1">
+                <a:latin typeface="Times New Roman" panose="02020603050405020304" pitchFamily="18" charset="0"/>
+                <a:cs typeface="Times New Roman" panose="02020603050405020304" pitchFamily="18" charset="0"/>
+              </a:rPr>
+              <a:t>мм</a:t>
+            </a:r>
+            <a:r>
+              <a:rPr dirty="0" smtClean="0">
+                <a:latin typeface="Times New Roman" panose="02020603050405020304" pitchFamily="18" charset="0"/>
+                <a:cs typeface="Times New Roman" panose="02020603050405020304" pitchFamily="18" charset="0"/>
+              </a:rPr>
+              <a:t>.</a:t>
+            </a:r>
+            <a:endParaRPr dirty="0">
+              <a:latin typeface="Times New Roman" panose="02020603050405020304" pitchFamily="18" charset="0"/>
+              <a:cs typeface="Times New Roman" panose="02020603050405020304" pitchFamily="18" charset="0"/>
+            </a:endParaRPr>
           </a:p>
           <a:p>
             <a:pPr marL="0" indent="0">
@@ -4332,10 +4479,40 @@
               <a:defRPr/>
             </a:pPr>
             <a:r>
-              <a:rPr/>
-              <a:t>Плотность заполнения - 15 %.</a:t>
-            </a:r>
-            <a:endParaRPr/>
+              <a:rPr dirty="0" err="1">
+                <a:latin typeface="Times New Roman" panose="02020603050405020304" pitchFamily="18" charset="0"/>
+                <a:cs typeface="Times New Roman" panose="02020603050405020304" pitchFamily="18" charset="0"/>
+              </a:rPr>
+              <a:t>Кратность</a:t>
+            </a:r>
+            <a:r>
+              <a:rPr dirty="0">
+                <a:latin typeface="Times New Roman" panose="02020603050405020304" pitchFamily="18" charset="0"/>
+                <a:cs typeface="Times New Roman" panose="02020603050405020304" pitchFamily="18" charset="0"/>
+              </a:rPr>
+              <a:t> </a:t>
+            </a:r>
+            <a:r>
+              <a:rPr dirty="0" err="1" smtClean="0">
+                <a:latin typeface="Times New Roman" panose="02020603050405020304" pitchFamily="18" charset="0"/>
+                <a:cs typeface="Times New Roman" panose="02020603050405020304" pitchFamily="18" charset="0"/>
+              </a:rPr>
+              <a:t>слоёв</a:t>
+            </a:r>
+            <a:r>
+              <a:rPr lang="en-US" dirty="0">
+                <a:latin typeface="Times New Roman" panose="02020603050405020304" pitchFamily="18" charset="0"/>
+                <a:cs typeface="Times New Roman" panose="02020603050405020304" pitchFamily="18" charset="0"/>
+              </a:rPr>
+              <a:t>:</a:t>
+            </a:r>
+            <a:r>
+              <a:rPr dirty="0" smtClean="0">
+                <a:latin typeface="Times New Roman" panose="02020603050405020304" pitchFamily="18" charset="0"/>
+                <a:cs typeface="Times New Roman" panose="02020603050405020304" pitchFamily="18" charset="0"/>
+              </a:rPr>
+              <a:t> 2.</a:t>
+            </a:r>
           </a:p>
           <a:p>
             <a:pPr marL="0" indent="0">
@@ -4344,10 +4521,68 @@
               <a:defRPr/>
             </a:pPr>
             <a:r>
-              <a:rPr/>
-              <a:t>Тип заполнения - Гироид.</a:t>
-            </a:r>
-            <a:endParaRPr/>
+              <a:rPr dirty="0" err="1" smtClean="0">
+                <a:latin typeface="Times New Roman" panose="02020603050405020304" pitchFamily="18" charset="0"/>
+                <a:cs typeface="Times New Roman" panose="02020603050405020304" pitchFamily="18" charset="0"/>
+              </a:rPr>
+              <a:t>Ширина</a:t>
+            </a:r>
+            <a:r>
+              <a:rPr dirty="0" smtClean="0">
+                <a:latin typeface="Times New Roman" panose="02020603050405020304" pitchFamily="18" charset="0"/>
+                <a:cs typeface="Times New Roman" panose="02020603050405020304" pitchFamily="18" charset="0"/>
+              </a:rPr>
+              <a:t> </a:t>
+            </a:r>
+            <a:r>
+              <a:rPr dirty="0" err="1" smtClean="0">
+                <a:latin typeface="Times New Roman" panose="02020603050405020304" pitchFamily="18" charset="0"/>
+                <a:cs typeface="Times New Roman" panose="02020603050405020304" pitchFamily="18" charset="0"/>
+              </a:rPr>
+              <a:t>линии</a:t>
+            </a:r>
+            <a:r>
+              <a:rPr dirty="0" smtClean="0">
+                <a:latin typeface="Times New Roman" panose="02020603050405020304" pitchFamily="18" charset="0"/>
+                <a:cs typeface="Times New Roman" panose="02020603050405020304" pitchFamily="18" charset="0"/>
+              </a:rPr>
+              <a:t> </a:t>
+            </a:r>
+            <a:r>
+              <a:rPr dirty="0" err="1" smtClean="0">
+                <a:latin typeface="Times New Roman" panose="02020603050405020304" pitchFamily="18" charset="0"/>
+                <a:cs typeface="Times New Roman" panose="02020603050405020304" pitchFamily="18" charset="0"/>
+              </a:rPr>
+              <a:t>периметров</a:t>
+            </a:r>
+            <a:r>
+              <a:rPr lang="en-US" dirty="0">
+                <a:latin typeface="Times New Roman" panose="02020603050405020304" pitchFamily="18" charset="0"/>
+                <a:cs typeface="Times New Roman" panose="02020603050405020304" pitchFamily="18" charset="0"/>
+              </a:rPr>
+              <a:t>:</a:t>
+            </a:r>
+            <a:r>
+              <a:rPr dirty="0" smtClean="0">
+                <a:latin typeface="Times New Roman" panose="02020603050405020304" pitchFamily="18" charset="0"/>
+                <a:cs typeface="Times New Roman" panose="02020603050405020304" pitchFamily="18" charset="0"/>
+              </a:rPr>
+              <a:t> 0.55 </a:t>
+            </a:r>
+            <a:r>
+              <a:rPr dirty="0" err="1" smtClean="0">
+                <a:latin typeface="Times New Roman" panose="02020603050405020304" pitchFamily="18" charset="0"/>
+                <a:cs typeface="Times New Roman" panose="02020603050405020304" pitchFamily="18" charset="0"/>
+              </a:rPr>
+              <a:t>мм</a:t>
+            </a:r>
+            <a:r>
+              <a:rPr dirty="0" smtClean="0">
+                <a:latin typeface="Times New Roman" panose="02020603050405020304" pitchFamily="18" charset="0"/>
+                <a:cs typeface="Times New Roman" panose="02020603050405020304" pitchFamily="18" charset="0"/>
+              </a:rPr>
+              <a:t>.</a:t>
+            </a:r>
           </a:p>
           <a:p>
             <a:pPr marL="0" indent="0">
@@ -4356,10 +4591,47 @@
               <a:defRPr/>
             </a:pPr>
             <a:r>
-              <a:rPr/>
-              <a:t>Кратность слоёв - 2.</a:t>
-            </a:r>
-            <a:endParaRPr/>
+              <a:rPr dirty="0" err="1" smtClean="0">
+                <a:latin typeface="Times New Roman" panose="02020603050405020304" pitchFamily="18" charset="0"/>
+                <a:cs typeface="Times New Roman" panose="02020603050405020304" pitchFamily="18" charset="0"/>
+              </a:rPr>
+              <a:t>Количество</a:t>
+            </a:r>
+            <a:r>
+              <a:rPr dirty="0" smtClean="0">
+                <a:latin typeface="Times New Roman" panose="02020603050405020304" pitchFamily="18" charset="0"/>
+                <a:cs typeface="Times New Roman" panose="02020603050405020304" pitchFamily="18" charset="0"/>
+              </a:rPr>
+              <a:t> </a:t>
+            </a:r>
+            <a:r>
+              <a:rPr dirty="0" err="1" smtClean="0">
+                <a:latin typeface="Times New Roman" panose="02020603050405020304" pitchFamily="18" charset="0"/>
+                <a:cs typeface="Times New Roman" panose="02020603050405020304" pitchFamily="18" charset="0"/>
+              </a:rPr>
+              <a:t>периметров</a:t>
+            </a:r>
+            <a:r>
+              <a:rPr lang="en-US" dirty="0">
+                <a:latin typeface="Times New Roman" panose="02020603050405020304" pitchFamily="18" charset="0"/>
+                <a:cs typeface="Times New Roman" panose="02020603050405020304" pitchFamily="18" charset="0"/>
+              </a:rPr>
+              <a:t>:</a:t>
+            </a:r>
+            <a:r>
+              <a:rPr dirty="0" smtClean="0">
+                <a:latin typeface="Times New Roman" panose="02020603050405020304" pitchFamily="18" charset="0"/>
+                <a:cs typeface="Times New Roman" panose="02020603050405020304" pitchFamily="18" charset="0"/>
+              </a:rPr>
+              <a:t> </a:t>
+            </a:r>
+            <a:r>
+              <a:rPr dirty="0">
+                <a:latin typeface="Times New Roman" panose="02020603050405020304" pitchFamily="18" charset="0"/>
+                <a:cs typeface="Times New Roman" panose="02020603050405020304" pitchFamily="18" charset="0"/>
+              </a:rPr>
+              <a:t>2.</a:t>
+            </a:r>
           </a:p>
           <a:p>
             <a:pPr marL="0" indent="0">
@@ -4368,10 +4640,65 @@
               <a:defRPr/>
             </a:pPr>
             <a:r>
-              <a:rPr/>
-              <a:t>Ширина линии периметров - 0.55 мм.</a:t>
-            </a:r>
-            <a:endParaRPr/>
+              <a:rPr dirty="0" err="1">
+                <a:latin typeface="Times New Roman" panose="02020603050405020304" pitchFamily="18" charset="0"/>
+                <a:cs typeface="Times New Roman" panose="02020603050405020304" pitchFamily="18" charset="0"/>
+              </a:rPr>
+              <a:t>Количество</a:t>
+            </a:r>
+            <a:r>
+              <a:rPr dirty="0">
+                <a:latin typeface="Times New Roman" panose="02020603050405020304" pitchFamily="18" charset="0"/>
+                <a:cs typeface="Times New Roman" panose="02020603050405020304" pitchFamily="18" charset="0"/>
+              </a:rPr>
+              <a:t> </a:t>
+            </a:r>
+            <a:r>
+              <a:rPr dirty="0" err="1">
+                <a:latin typeface="Times New Roman" panose="02020603050405020304" pitchFamily="18" charset="0"/>
+                <a:cs typeface="Times New Roman" panose="02020603050405020304" pitchFamily="18" charset="0"/>
+              </a:rPr>
+              <a:t>верхних</a:t>
+            </a:r>
+            <a:r>
+              <a:rPr dirty="0">
+                <a:latin typeface="Times New Roman" panose="02020603050405020304" pitchFamily="18" charset="0"/>
+                <a:cs typeface="Times New Roman" panose="02020603050405020304" pitchFamily="18" charset="0"/>
+              </a:rPr>
+              <a:t> </a:t>
+            </a:r>
+            <a:r>
+              <a:rPr dirty="0" err="1" smtClean="0">
+                <a:latin typeface="Times New Roman" panose="02020603050405020304" pitchFamily="18" charset="0"/>
+                <a:cs typeface="Times New Roman" panose="02020603050405020304" pitchFamily="18" charset="0"/>
+              </a:rPr>
+              <a:t>слоёв</a:t>
+            </a:r>
+            <a:r>
+              <a:rPr lang="en-US" dirty="0">
+                <a:latin typeface="Times New Roman" panose="02020603050405020304" pitchFamily="18" charset="0"/>
+                <a:cs typeface="Times New Roman" panose="02020603050405020304" pitchFamily="18" charset="0"/>
+              </a:rPr>
+              <a:t>:</a:t>
+            </a:r>
+            <a:r>
+              <a:rPr dirty="0" smtClean="0">
+                <a:latin typeface="Times New Roman" panose="02020603050405020304" pitchFamily="18" charset="0"/>
+                <a:cs typeface="Times New Roman" panose="02020603050405020304" pitchFamily="18" charset="0"/>
+              </a:rPr>
+              <a:t> </a:t>
+            </a:r>
+            <a:r>
+              <a:rPr dirty="0">
+                <a:latin typeface="Times New Roman" panose="02020603050405020304" pitchFamily="18" charset="0"/>
+                <a:cs typeface="Times New Roman" panose="02020603050405020304" pitchFamily="18" charset="0"/>
+              </a:rPr>
+              <a:t>4.</a:t>
+            </a:r>
+            <a:endParaRPr sz="3200" dirty="0">
+              <a:latin typeface="Times New Roman" panose="02020603050405020304" pitchFamily="18" charset="0"/>
+              <a:cs typeface="Times New Roman" panose="02020603050405020304" pitchFamily="18" charset="0"/>
+            </a:endParaRPr>
           </a:p>
           <a:p>
             <a:pPr marL="0" indent="0">
@@ -4380,56 +4707,87 @@
               <a:defRPr/>
             </a:pPr>
             <a:r>
-              <a:rPr/>
-              <a:t>Количество периметров - 2.</a:t>
-            </a:r>
-            <a:endParaRPr/>
-          </a:p>
-          <a:p>
-            <a:pPr marL="0" indent="0">
-              <a:buFont typeface="Arial"/>
-              <a:buNone/>
-              <a:defRPr/>
-            </a:pPr>
-            <a:r>
-              <a:rPr/>
-              <a:t>Количество верхних слоёв - 4.</a:t>
-            </a:r>
-            <a:endParaRPr sz="3200"/>
-          </a:p>
-          <a:p>
-            <a:pPr marL="0" indent="0">
-              <a:buFont typeface="Arial"/>
-              <a:buNone/>
-              <a:defRPr/>
-            </a:pPr>
-            <a:r>
-              <a:rPr lang="ru-RU" sz="3200" b="0" i="0" u="none" strike="noStrike" cap="none" spc="0">
+              <a:rPr lang="ru-RU" sz="3200" b="0" i="0" u="none" strike="noStrike" cap="none" spc="0" dirty="0">
                 <a:solidFill>
                   <a:schemeClr val="tx1">
                     <a:lumMod val="75000"/>
                     <a:lumOff val="25000"/>
                   </a:schemeClr>
                 </a:solidFill>
-                <a:latin typeface="+mn-lt"/>
-                <a:ea typeface="+mn-ea"/>
-                <a:cs typeface="+mn-cs"/>
-              </a:rPr>
-              <a:t>Количество нижних слоёв - 3.</a:t>
-            </a:r>
-            <a:endParaRPr sz="3200"/>
-          </a:p>
-          <a:p>
-            <a:pPr marL="0" indent="0">
-              <a:buFont typeface="Arial"/>
-              <a:buNone/>
-              <a:defRPr/>
-            </a:pPr>
-            <a:r>
-              <a:rPr/>
-              <a:t>Тип адгезии – Обрамление.</a:t>
-            </a:r>
-            <a:endParaRPr/>
+                <a:latin typeface="Times New Roman" panose="02020603050405020304" pitchFamily="18" charset="0"/>
+                <a:cs typeface="Times New Roman" panose="02020603050405020304" pitchFamily="18" charset="0"/>
+              </a:rPr>
+              <a:t>Количество нижних </a:t>
+            </a:r>
+            <a:r>
+              <a:rPr lang="ru-RU" sz="3200" b="0" i="0" u="none" strike="noStrike" cap="none" spc="0" dirty="0" smtClean="0">
+                <a:solidFill>
+                  <a:schemeClr val="tx1">
+                    <a:lumMod val="75000"/>
+                    <a:lumOff val="25000"/>
+                  </a:schemeClr>
+                </a:solidFill>
+                <a:latin typeface="Times New Roman" panose="02020603050405020304" pitchFamily="18" charset="0"/>
+                <a:cs typeface="Times New Roman" panose="02020603050405020304" pitchFamily="18" charset="0"/>
+              </a:rPr>
+              <a:t>слоёв</a:t>
+            </a:r>
+            <a:r>
+              <a:rPr lang="en-US" sz="3200" b="0" i="0" u="none" strike="noStrike" cap="none" spc="0" dirty="0" smtClean="0">
+                <a:solidFill>
+                  <a:schemeClr val="tx1">
+                    <a:lumMod val="75000"/>
+                    <a:lumOff val="25000"/>
+                  </a:schemeClr>
+                </a:solidFill>
+                <a:latin typeface="Times New Roman" panose="02020603050405020304" pitchFamily="18" charset="0"/>
+                <a:cs typeface="Times New Roman" panose="02020603050405020304" pitchFamily="18" charset="0"/>
+              </a:rPr>
+              <a:t>:</a:t>
+            </a:r>
+            <a:r>
+              <a:rPr lang="ru-RU" sz="3200" b="0" i="0" u="none" strike="noStrike" cap="none" spc="0" dirty="0" smtClean="0">
+                <a:solidFill>
+                  <a:schemeClr val="tx1">
+                    <a:lumMod val="75000"/>
+                    <a:lumOff val="25000"/>
+                  </a:schemeClr>
+                </a:solidFill>
+                <a:latin typeface="Times New Roman" panose="02020603050405020304" pitchFamily="18" charset="0"/>
+                <a:cs typeface="Times New Roman" panose="02020603050405020304" pitchFamily="18" charset="0"/>
+              </a:rPr>
+              <a:t> </a:t>
+            </a:r>
+            <a:r>
+              <a:rPr lang="ru-RU" sz="3200" b="0" i="0" u="none" strike="noStrike" cap="none" spc="0" dirty="0">
+                <a:solidFill>
+                  <a:schemeClr val="tx1">
+                    <a:lumMod val="75000"/>
+                    <a:lumOff val="25000"/>
+                  </a:schemeClr>
+                </a:solidFill>
+                <a:latin typeface="Times New Roman" panose="02020603050405020304" pitchFamily="18" charset="0"/>
+                <a:cs typeface="Times New Roman" panose="02020603050405020304" pitchFamily="18" charset="0"/>
+              </a:rPr>
+              <a:t>3</a:t>
+            </a:r>
+            <a:r>
+              <a:rPr lang="ru-RU" sz="3200" b="0" i="0" u="none" strike="noStrike" cap="none" spc="0" dirty="0" smtClean="0">
+                <a:solidFill>
+                  <a:schemeClr val="tx1">
+                    <a:lumMod val="75000"/>
+                    <a:lumOff val="25000"/>
+                  </a:schemeClr>
+                </a:solidFill>
+                <a:latin typeface="Times New Roman" panose="02020603050405020304" pitchFamily="18" charset="0"/>
+                <a:cs typeface="Times New Roman" panose="02020603050405020304" pitchFamily="18" charset="0"/>
+              </a:rPr>
+              <a:t>.</a:t>
+            </a:r>
+            <a:endParaRPr dirty="0">
+              <a:latin typeface="Times New Roman" panose="02020603050405020304" pitchFamily="18" charset="0"/>
+              <a:cs typeface="Times New Roman" panose="02020603050405020304" pitchFamily="18" charset="0"/>
+            </a:endParaRPr>
           </a:p>
         </p:txBody>
       </p:sp>
@@ -4438,20 +4796,27 @@
   <p:clrMapOvr>
     <a:masterClrMapping/>
   </p:clrMapOvr>
-  <mc:AlternateContent xmlns:mc="http://schemas.openxmlformats.org/markup-compatibility/2006">
-    <mc:Choice xmlns:p14="http://schemas.microsoft.com/office/powerpoint/2010/main" Requires="p14">
-      <p:transition p14:dur="2000" advClick="1"/>
+  <mc:AlternateContent xmlns:mc="http://schemas.openxmlformats.org/markup-compatibility/2006" xmlns:p14="http://schemas.microsoft.com/office/powerpoint/2010/main">
+    <mc:Choice Requires="p14">
+      <p:transition spd="slow" p14:dur="2000"/>
     </mc:Choice>
-    <mc:Fallback>
+    <mc:Fallback xmlns:w="http://schemas.openxmlformats.org/wordprocessingml/2006/main" xmlns:m="http://schemas.openxmlformats.org/officeDocument/2006/math" xmlns="">
       <p:transition advClick="1"/>
     </mc:Fallback>
   </mc:AlternateContent>
+  <p:timing>
+    <p:tnLst>
+      <p:par>
+        <p:cTn id="1" dur="indefinite" restart="never" nodeType="tmRoot"/>
+      </p:par>
+    </p:tnLst>
+  </p:timing>
 </p:sld>
 </file>
 
-<file path=ppt/slides/slide2.xml><?xml version="1.0" encoding="utf-8"?>
-<p:sld xmlns:a="http://schemas.openxmlformats.org/drawingml/2006/main" xmlns:r="http://schemas.openxmlformats.org/officeDocument/2006/relationships" xmlns:p="http://schemas.openxmlformats.org/presentationml/2006/main" xmlns:m="http://schemas.openxmlformats.org/officeDocument/2006/math" xmlns:w="http://schemas.openxmlformats.org/wordprocessingml/2006/main" showMasterPhAnim="0" show="1">
-  <p:cSld name="">
+<file path=ppt/slides/slide11.xml><?xml version="1.0" encoding="utf-8"?>
+<p:sld xmlns:a="http://schemas.openxmlformats.org/drawingml/2006/main" xmlns:r="http://schemas.openxmlformats.org/officeDocument/2006/relationships" xmlns:p="http://schemas.openxmlformats.org/presentationml/2006/main" showMasterPhAnim="0">
+  <p:cSld>
     <p:spTree>
       <p:nvGrpSpPr>
         <p:cNvPr id="1" name=""/>
@@ -4468,7 +4833,7 @@
       </p:grpSpPr>
       <p:sp>
         <p:nvSpPr>
-          <p:cNvPr id="479222588" name="Заголовок 1"/>
+          <p:cNvPr id="1257594394" name="Заголовок 1"/>
           <p:cNvSpPr>
             <a:spLocks noGrp="1"/>
           </p:cNvSpPr>
@@ -4476,43 +4841,52 @@
             <p:ph type="title"/>
           </p:nvPr>
         </p:nvSpPr>
-        <p:spPr bwMode="auto">
-          <a:xfrm>
-            <a:off x="838199" y="153458"/>
-            <a:ext cx="10515600" cy="1325562"/>
-          </a:xfrm>
-        </p:spPr>
+        <p:spPr bwMode="auto"/>
         <p:txBody>
           <a:bodyPr/>
           <a:lstStyle/>
           <a:p>
-            <a:pPr algn="ctr">
-              <a:defRPr/>
-            </a:pPr>
-            <a:r>
-              <a:rPr lang="ru-RU">
-                <a:latin typeface="Times New Roman"/>
-                <a:cs typeface="Times New Roman"/>
-              </a:rPr>
-              <a:t>Описание проекта</a:t>
-            </a:r>
-            <a:r>
-              <a:rPr lang="en-US">
-                <a:latin typeface="Times New Roman"/>
-                <a:cs typeface="Times New Roman"/>
+            <a:pPr>
+              <a:defRPr/>
+            </a:pPr>
+            <a:r>
+              <a:rPr dirty="0" err="1">
+                <a:latin typeface="Times New Roman" panose="02020603050405020304" pitchFamily="18" charset="0"/>
+                <a:cs typeface="Times New Roman" panose="02020603050405020304" pitchFamily="18" charset="0"/>
+              </a:rPr>
+              <a:t>Параметры</a:t>
+            </a:r>
+            <a:r>
+              <a:rPr dirty="0">
+                <a:latin typeface="Times New Roman" panose="02020603050405020304" pitchFamily="18" charset="0"/>
+                <a:cs typeface="Times New Roman" panose="02020603050405020304" pitchFamily="18" charset="0"/>
+              </a:rPr>
+              <a:t> </a:t>
+            </a:r>
+            <a:r>
+              <a:rPr lang="ru-RU" dirty="0" smtClean="0">
+                <a:latin typeface="Times New Roman" panose="02020603050405020304" pitchFamily="18" charset="0"/>
+                <a:cs typeface="Times New Roman" panose="02020603050405020304" pitchFamily="18" charset="0"/>
+              </a:rPr>
+              <a:t>заполнения и адгезии</a:t>
+            </a:r>
+            <a:r>
+              <a:rPr lang="en-US" dirty="0" smtClean="0">
+                <a:latin typeface="Times New Roman" panose="02020603050405020304" pitchFamily="18" charset="0"/>
+                <a:cs typeface="Times New Roman" panose="02020603050405020304" pitchFamily="18" charset="0"/>
               </a:rPr>
               <a:t>:</a:t>
             </a:r>
-            <a:endParaRPr>
-              <a:latin typeface="Times New Roman"/>
-              <a:cs typeface="Times New Roman"/>
+            <a:endParaRPr dirty="0">
+              <a:latin typeface="Times New Roman" panose="02020603050405020304" pitchFamily="18" charset="0"/>
+              <a:cs typeface="Times New Roman" panose="02020603050405020304" pitchFamily="18" charset="0"/>
             </a:endParaRPr>
           </a:p>
         </p:txBody>
       </p:sp>
       <p:sp>
         <p:nvSpPr>
-          <p:cNvPr id="50658332" name="Объект 2"/>
+          <p:cNvPr id="247263244" name="Объект 2"/>
           <p:cNvSpPr>
             <a:spLocks noGrp="1"/>
           </p:cNvSpPr>
@@ -4520,15 +4894,10 @@
             <p:ph idx="1"/>
           </p:nvPr>
         </p:nvSpPr>
-        <p:spPr bwMode="auto">
-          <a:xfrm flipH="0" flipV="0">
-            <a:off x="838199" y="1389062"/>
-            <a:ext cx="10515600" cy="4787900"/>
-          </a:xfrm>
-        </p:spPr>
-        <p:txBody>
-          <a:bodyPr vertOverflow="overflow" horzOverflow="overflow" vert="horz" wrap="square" lIns="91440" tIns="45720" rIns="91440" bIns="45720" numCol="1" spcCol="0" rtlCol="0" fromWordArt="0" anchor="t" anchorCtr="0" forceAA="0" upright="0" compatLnSpc="0">
-            <a:normAutofit/>
+        <p:spPr bwMode="auto"/>
+        <p:txBody>
+          <a:bodyPr vertOverflow="overflow" horzOverflow="overflow" vert="horz" wrap="square" lIns="91440" tIns="45720" rIns="91440" bIns="45720" numCol="1" spcCol="0" rtlCol="0" fromWordArt="0" anchor="t" anchorCtr="0" forceAA="0" compatLnSpc="0">
+            <a:normAutofit fontScale="92500" lnSpcReduction="13000"/>
           </a:bodyPr>
           <a:lstStyle/>
           <a:p>
@@ -4538,52 +4907,40 @@
               <a:defRPr/>
             </a:pPr>
             <a:r>
-              <a:rPr>
-                <a:latin typeface="Times New Roman"/>
-                <a:cs typeface="Times New Roman"/>
-              </a:rPr>
-              <a:t>Проект представляет собой программу в среде </a:t>
-            </a:r>
-            <a:r>
-              <a:rPr lang="en-US">
-                <a:latin typeface="Times New Roman"/>
-                <a:cs typeface="Times New Roman"/>
-              </a:rPr>
-              <a:t>Tinkercad Codeblocks </a:t>
-            </a:r>
-            <a:r>
-              <a:rPr lang="ru-RU">
-                <a:latin typeface="Times New Roman"/>
-                <a:cs typeface="Times New Roman"/>
-              </a:rPr>
-              <a:t>(</a:t>
-            </a:r>
-            <a:r>
-              <a:rPr lang="ru-RU" u="sng">
-                <a:latin typeface="Times New Roman"/>
-                <a:cs typeface="Times New Roman"/>
-                <a:hlinkClick r:id="rId2" tooltip="https://www.tinkercad.com/codeblocks/9UoP7KFguWk-chesskuzovlev"/>
-              </a:rPr>
-              <a:t>ссылка на проект</a:t>
-            </a:r>
-            <a:r>
-              <a:rPr lang="en-US">
-                <a:latin typeface="Times New Roman"/>
-                <a:cs typeface="Times New Roman"/>
-              </a:rPr>
-              <a:t>),</a:t>
-            </a:r>
-            <a:r>
-              <a:rPr lang="ru-RU">
-                <a:latin typeface="Times New Roman"/>
-                <a:cs typeface="Times New Roman"/>
-              </a:rPr>
-              <a:t> предназначенную для создание модели шахмат, с меняемыми параметрами.</a:t>
-            </a:r>
-            <a:endParaRPr>
-              <a:latin typeface="Times New Roman"/>
-              <a:cs typeface="Times New Roman"/>
-            </a:endParaRPr>
+              <a:rPr dirty="0" err="1" smtClean="0">
+                <a:latin typeface="Times New Roman" panose="02020603050405020304" pitchFamily="18" charset="0"/>
+                <a:cs typeface="Times New Roman" panose="02020603050405020304" pitchFamily="18" charset="0"/>
+              </a:rPr>
+              <a:t>Плотность</a:t>
+            </a:r>
+            <a:r>
+              <a:rPr dirty="0" smtClean="0">
+                <a:latin typeface="Times New Roman" panose="02020603050405020304" pitchFamily="18" charset="0"/>
+                <a:cs typeface="Times New Roman" panose="02020603050405020304" pitchFamily="18" charset="0"/>
+              </a:rPr>
+              <a:t> заполнения</a:t>
+            </a:r>
+            <a:r>
+              <a:rPr lang="en-US" dirty="0">
+                <a:latin typeface="Times New Roman" panose="02020603050405020304" pitchFamily="18" charset="0"/>
+                <a:cs typeface="Times New Roman" panose="02020603050405020304" pitchFamily="18" charset="0"/>
+              </a:rPr>
+              <a:t>:</a:t>
+            </a:r>
+            <a:r>
+              <a:rPr dirty="0" smtClean="0">
+                <a:latin typeface="Times New Roman" panose="02020603050405020304" pitchFamily="18" charset="0"/>
+                <a:cs typeface="Times New Roman" panose="02020603050405020304" pitchFamily="18" charset="0"/>
+              </a:rPr>
+              <a:t>15 </a:t>
+            </a:r>
+            <a:r>
+              <a:rPr dirty="0">
+                <a:latin typeface="Times New Roman" panose="02020603050405020304" pitchFamily="18" charset="0"/>
+                <a:cs typeface="Times New Roman" panose="02020603050405020304" pitchFamily="18" charset="0"/>
+              </a:rPr>
+              <a:t>%.</a:t>
+            </a:r>
           </a:p>
           <a:p>
             <a:pPr marL="0" indent="0">
@@ -4592,52 +4949,141 @@
               <a:defRPr/>
             </a:pPr>
             <a:r>
-              <a:rPr lang="ru-RU">
-                <a:latin typeface="Times New Roman"/>
-                <a:cs typeface="Times New Roman"/>
-              </a:rPr>
-              <a:t>Общее время разработки</a:t>
-            </a:r>
-            <a:r>
-              <a:rPr lang="en-US">
-                <a:latin typeface="Times New Roman"/>
-                <a:cs typeface="Times New Roman"/>
-              </a:rPr>
-              <a:t>: 8</a:t>
-            </a:r>
-            <a:r>
-              <a:rPr lang="ru-RU">
-                <a:latin typeface="Times New Roman"/>
-                <a:cs typeface="Times New Roman"/>
-              </a:rPr>
-              <a:t> часов.</a:t>
-            </a:r>
-            <a:endParaRPr>
-              <a:latin typeface="Times New Roman"/>
-              <a:cs typeface="Times New Roman"/>
+              <a:rPr dirty="0" err="1">
+                <a:latin typeface="Times New Roman" panose="02020603050405020304" pitchFamily="18" charset="0"/>
+                <a:cs typeface="Times New Roman" panose="02020603050405020304" pitchFamily="18" charset="0"/>
+              </a:rPr>
+              <a:t>Тип</a:t>
+            </a:r>
+            <a:r>
+              <a:rPr dirty="0">
+                <a:latin typeface="Times New Roman" panose="02020603050405020304" pitchFamily="18" charset="0"/>
+                <a:cs typeface="Times New Roman" panose="02020603050405020304" pitchFamily="18" charset="0"/>
+              </a:rPr>
+              <a:t> </a:t>
+            </a:r>
+            <a:r>
+              <a:rPr dirty="0" err="1" smtClean="0">
+                <a:latin typeface="Times New Roman" panose="02020603050405020304" pitchFamily="18" charset="0"/>
+                <a:cs typeface="Times New Roman" panose="02020603050405020304" pitchFamily="18" charset="0"/>
+              </a:rPr>
+              <a:t>заполнения</a:t>
+            </a:r>
+            <a:r>
+              <a:rPr lang="en-US" dirty="0" smtClean="0">
+                <a:latin typeface="Times New Roman" panose="02020603050405020304" pitchFamily="18" charset="0"/>
+                <a:cs typeface="Times New Roman" panose="02020603050405020304" pitchFamily="18" charset="0"/>
+              </a:rPr>
+              <a:t>: </a:t>
+            </a:r>
+            <a:r>
+              <a:rPr dirty="0" err="1" smtClean="0">
+                <a:latin typeface="Times New Roman" panose="02020603050405020304" pitchFamily="18" charset="0"/>
+                <a:cs typeface="Times New Roman" panose="02020603050405020304" pitchFamily="18" charset="0"/>
+              </a:rPr>
+              <a:t>Гироид</a:t>
+            </a:r>
+            <a:r>
+              <a:rPr dirty="0" smtClean="0">
+                <a:latin typeface="Times New Roman" panose="02020603050405020304" pitchFamily="18" charset="0"/>
+                <a:cs typeface="Times New Roman" panose="02020603050405020304" pitchFamily="18" charset="0"/>
+              </a:rPr>
+              <a:t>.</a:t>
+            </a:r>
+            <a:endParaRPr lang="ru-RU" dirty="0" smtClean="0">
+              <a:latin typeface="Times New Roman" panose="02020603050405020304" pitchFamily="18" charset="0"/>
+              <a:cs typeface="Times New Roman" panose="02020603050405020304" pitchFamily="18" charset="0"/>
             </a:endParaRPr>
           </a:p>
+          <a:p>
+            <a:pPr marL="0" indent="0">
+              <a:buFont typeface="Arial"/>
+              <a:buNone/>
+              <a:defRPr/>
+            </a:pPr>
+            <a:r>
+              <a:rPr dirty="0" err="1" smtClean="0">
+                <a:latin typeface="Times New Roman" panose="02020603050405020304" pitchFamily="18" charset="0"/>
+                <a:cs typeface="Times New Roman" panose="02020603050405020304" pitchFamily="18" charset="0"/>
+              </a:rPr>
+              <a:t>Тип</a:t>
+            </a:r>
+            <a:r>
+              <a:rPr dirty="0" smtClean="0">
+                <a:latin typeface="Times New Roman" panose="02020603050405020304" pitchFamily="18" charset="0"/>
+                <a:cs typeface="Times New Roman" panose="02020603050405020304" pitchFamily="18" charset="0"/>
+              </a:rPr>
+              <a:t> </a:t>
+            </a:r>
+            <a:r>
+              <a:rPr dirty="0" err="1" smtClean="0">
+                <a:latin typeface="Times New Roman" panose="02020603050405020304" pitchFamily="18" charset="0"/>
+                <a:cs typeface="Times New Roman" panose="02020603050405020304" pitchFamily="18" charset="0"/>
+              </a:rPr>
+              <a:t>адгезии</a:t>
+            </a:r>
+            <a:r>
+              <a:rPr lang="en-US" dirty="0">
+                <a:latin typeface="Times New Roman" panose="02020603050405020304" pitchFamily="18" charset="0"/>
+                <a:cs typeface="Times New Roman" panose="02020603050405020304" pitchFamily="18" charset="0"/>
+              </a:rPr>
+              <a:t>:</a:t>
+            </a:r>
+            <a:r>
+              <a:rPr dirty="0" smtClean="0">
+                <a:latin typeface="Times New Roman" panose="02020603050405020304" pitchFamily="18" charset="0"/>
+                <a:cs typeface="Times New Roman" panose="02020603050405020304" pitchFamily="18" charset="0"/>
+              </a:rPr>
+              <a:t> </a:t>
+            </a:r>
+            <a:r>
+              <a:rPr dirty="0" err="1">
+                <a:latin typeface="Times New Roman" panose="02020603050405020304" pitchFamily="18" charset="0"/>
+                <a:cs typeface="Times New Roman" panose="02020603050405020304" pitchFamily="18" charset="0"/>
+              </a:rPr>
+              <a:t>Обрамление</a:t>
+            </a:r>
+            <a:r>
+              <a:rPr dirty="0">
+                <a:latin typeface="Times New Roman" panose="02020603050405020304" pitchFamily="18" charset="0"/>
+                <a:cs typeface="Times New Roman" panose="02020603050405020304" pitchFamily="18" charset="0"/>
+              </a:rPr>
+              <a:t>.</a:t>
+            </a:r>
+          </a:p>
         </p:txBody>
       </p:sp>
     </p:spTree>
+    <p:extLst>
+      <p:ext uri="{BB962C8B-B14F-4D97-AF65-F5344CB8AC3E}">
+        <p14:creationId xmlns:p14="http://schemas.microsoft.com/office/powerpoint/2010/main" val="659926461"/>
+      </p:ext>
+    </p:extLst>
   </p:cSld>
   <p:clrMapOvr>
     <a:masterClrMapping/>
   </p:clrMapOvr>
-  <mc:AlternateContent xmlns:mc="http://schemas.openxmlformats.org/markup-compatibility/2006">
-    <mc:Choice xmlns:p14="http://schemas.microsoft.com/office/powerpoint/2010/main" Requires="p14">
-      <p:transition p14:dur="2000" advClick="1"/>
+  <mc:AlternateContent xmlns:mc="http://schemas.openxmlformats.org/markup-compatibility/2006" xmlns:p14="http://schemas.microsoft.com/office/powerpoint/2010/main">
+    <mc:Choice Requires="p14">
+      <p:transition spd="slow" p14:dur="2000"/>
     </mc:Choice>
-    <mc:Fallback>
+    <mc:Fallback xmlns:w="http://schemas.openxmlformats.org/wordprocessingml/2006/main" xmlns:m="http://schemas.openxmlformats.org/officeDocument/2006/math" xmlns="">
       <p:transition advClick="1"/>
     </mc:Fallback>
   </mc:AlternateContent>
+  <p:timing>
+    <p:tnLst>
+      <p:par>
+        <p:cTn id="1" dur="indefinite" restart="never" nodeType="tmRoot"/>
+      </p:par>
+    </p:tnLst>
+  </p:timing>
 </p:sld>
 </file>
 
-<file path=ppt/slides/slide3.xml><?xml version="1.0" encoding="utf-8"?>
-<p:sld xmlns:a="http://schemas.openxmlformats.org/drawingml/2006/main" xmlns:r="http://schemas.openxmlformats.org/officeDocument/2006/relationships" xmlns:p="http://schemas.openxmlformats.org/presentationml/2006/main" xmlns:m="http://schemas.openxmlformats.org/officeDocument/2006/math" xmlns:w="http://schemas.openxmlformats.org/wordprocessingml/2006/main" showMasterPhAnim="0" show="1">
-  <p:cSld name="">
+<file path=ppt/slides/slide12.xml><?xml version="1.0" encoding="utf-8"?>
+<p:sld xmlns:a="http://schemas.openxmlformats.org/drawingml/2006/main" xmlns:r="http://schemas.openxmlformats.org/officeDocument/2006/relationships" xmlns:p="http://schemas.openxmlformats.org/presentationml/2006/main" showMasterPhAnim="0">
+  <p:cSld>
     <p:spTree>
       <p:nvGrpSpPr>
         <p:cNvPr id="1" name=""/>
@@ -4654,6 +5100,333 @@
       </p:grpSpPr>
       <p:sp>
         <p:nvSpPr>
+          <p:cNvPr id="1257594394" name="Заголовок 1"/>
+          <p:cNvSpPr>
+            <a:spLocks noGrp="1"/>
+          </p:cNvSpPr>
+          <p:nvPr>
+            <p:ph type="title"/>
+          </p:nvPr>
+        </p:nvSpPr>
+        <p:spPr bwMode="auto"/>
+        <p:txBody>
+          <a:bodyPr/>
+          <a:lstStyle/>
+          <a:p>
+            <a:pPr>
+              <a:defRPr/>
+            </a:pPr>
+            <a:r>
+              <a:rPr lang="ru-RU" dirty="0" smtClean="0">
+                <a:latin typeface="Times New Roman" panose="02020603050405020304" pitchFamily="18" charset="0"/>
+                <a:cs typeface="Times New Roman" panose="02020603050405020304" pitchFamily="18" charset="0"/>
+              </a:rPr>
+              <a:t>Постобработка модели</a:t>
+            </a:r>
+            <a:r>
+              <a:rPr lang="en-US" dirty="0" smtClean="0">
+                <a:latin typeface="Times New Roman" panose="02020603050405020304" pitchFamily="18" charset="0"/>
+                <a:cs typeface="Times New Roman" panose="02020603050405020304" pitchFamily="18" charset="0"/>
+              </a:rPr>
+              <a:t>:</a:t>
+            </a:r>
+            <a:endParaRPr dirty="0">
+              <a:latin typeface="Times New Roman" panose="02020603050405020304" pitchFamily="18" charset="0"/>
+              <a:cs typeface="Times New Roman" panose="02020603050405020304" pitchFamily="18" charset="0"/>
+            </a:endParaRPr>
+          </a:p>
+        </p:txBody>
+      </p:sp>
+      <p:sp>
+        <p:nvSpPr>
+          <p:cNvPr id="247263244" name="Объект 2"/>
+          <p:cNvSpPr>
+            <a:spLocks noGrp="1"/>
+          </p:cNvSpPr>
+          <p:nvPr>
+            <p:ph idx="1"/>
+          </p:nvPr>
+        </p:nvSpPr>
+        <p:spPr bwMode="auto"/>
+        <p:txBody>
+          <a:bodyPr vertOverflow="overflow" horzOverflow="overflow" vert="horz" wrap="square" lIns="91440" tIns="45720" rIns="91440" bIns="45720" numCol="1" spcCol="0" rtlCol="0" fromWordArt="0" anchor="t" anchorCtr="0" forceAA="0" compatLnSpc="0">
+            <a:normAutofit fontScale="92500" lnSpcReduction="13000"/>
+          </a:bodyPr>
+          <a:lstStyle/>
+          <a:p>
+            <a:pPr marL="514350" indent="-514350">
+              <a:buFont typeface="Arial"/>
+              <a:buAutoNum type="arabicPeriod"/>
+              <a:defRPr/>
+            </a:pPr>
+            <a:r>
+              <a:rPr lang="ru-RU" dirty="0" smtClean="0">
+                <a:latin typeface="Times New Roman" panose="02020603050405020304" pitchFamily="18" charset="0"/>
+                <a:cs typeface="Times New Roman" panose="02020603050405020304" pitchFamily="18" charset="0"/>
+              </a:rPr>
+              <a:t>Снятие поддержек</a:t>
+            </a:r>
+          </a:p>
+          <a:p>
+            <a:pPr marL="514350" indent="-514350">
+              <a:buFont typeface="Arial"/>
+              <a:buAutoNum type="arabicPeriod"/>
+              <a:defRPr/>
+            </a:pPr>
+            <a:r>
+              <a:rPr lang="ru-RU" dirty="0" smtClean="0">
+                <a:latin typeface="Times New Roman" panose="02020603050405020304" pitchFamily="18" charset="0"/>
+                <a:cs typeface="Times New Roman" panose="02020603050405020304" pitchFamily="18" charset="0"/>
+              </a:rPr>
+              <a:t>Сборка коня</a:t>
+            </a:r>
+            <a:endParaRPr dirty="0">
+              <a:latin typeface="Times New Roman" panose="02020603050405020304" pitchFamily="18" charset="0"/>
+              <a:cs typeface="Times New Roman" panose="02020603050405020304" pitchFamily="18" charset="0"/>
+            </a:endParaRPr>
+          </a:p>
+        </p:txBody>
+      </p:sp>
+    </p:spTree>
+    <p:extLst>
+      <p:ext uri="{BB962C8B-B14F-4D97-AF65-F5344CB8AC3E}">
+        <p14:creationId xmlns:p14="http://schemas.microsoft.com/office/powerpoint/2010/main" val="2526833186"/>
+      </p:ext>
+    </p:extLst>
+  </p:cSld>
+  <p:clrMapOvr>
+    <a:masterClrMapping/>
+  </p:clrMapOvr>
+  <mc:AlternateContent xmlns:mc="http://schemas.openxmlformats.org/markup-compatibility/2006" xmlns:p14="http://schemas.microsoft.com/office/powerpoint/2010/main">
+    <mc:Choice Requires="p14">
+      <p:transition spd="slow" p14:dur="2000"/>
+    </mc:Choice>
+    <mc:Fallback xmlns:w="http://schemas.openxmlformats.org/wordprocessingml/2006/main" xmlns:m="http://schemas.openxmlformats.org/officeDocument/2006/math" xmlns="">
+      <p:transition advClick="1"/>
+    </mc:Fallback>
+  </mc:AlternateContent>
+  <p:timing>
+    <p:tnLst>
+      <p:par>
+        <p:cTn id="1" dur="indefinite" restart="never" nodeType="tmRoot"/>
+      </p:par>
+    </p:tnLst>
+  </p:timing>
+</p:sld>
+</file>
+
+<file path=ppt/slides/slide2.xml><?xml version="1.0" encoding="utf-8"?>
+<p:sld xmlns:a="http://schemas.openxmlformats.org/drawingml/2006/main" xmlns:r="http://schemas.openxmlformats.org/officeDocument/2006/relationships" xmlns:p="http://schemas.openxmlformats.org/presentationml/2006/main" showMasterPhAnim="0">
+  <p:cSld>
+    <p:spTree>
+      <p:nvGrpSpPr>
+        <p:cNvPr id="1" name=""/>
+        <p:cNvGrpSpPr/>
+        <p:nvPr/>
+      </p:nvGrpSpPr>
+      <p:grpSpPr bwMode="auto">
+        <a:xfrm>
+          <a:off x="0" y="0"/>
+          <a:ext cx="0" cy="0"/>
+          <a:chOff x="0" y="0"/>
+          <a:chExt cx="0" cy="0"/>
+        </a:xfrm>
+      </p:grpSpPr>
+      <p:sp>
+        <p:nvSpPr>
+          <p:cNvPr id="479222588" name="Заголовок 1"/>
+          <p:cNvSpPr>
+            <a:spLocks noGrp="1"/>
+          </p:cNvSpPr>
+          <p:nvPr>
+            <p:ph type="title"/>
+          </p:nvPr>
+        </p:nvSpPr>
+        <p:spPr bwMode="auto">
+          <a:xfrm>
+            <a:off x="838199" y="153458"/>
+            <a:ext cx="10515600" cy="1325562"/>
+          </a:xfrm>
+        </p:spPr>
+        <p:txBody>
+          <a:bodyPr/>
+          <a:lstStyle/>
+          <a:p>
+            <a:pPr algn="ctr">
+              <a:defRPr/>
+            </a:pPr>
+            <a:r>
+              <a:rPr lang="ru-RU">
+                <a:latin typeface="Times New Roman"/>
+                <a:cs typeface="Times New Roman"/>
+              </a:rPr>
+              <a:t>Описание проекта</a:t>
+            </a:r>
+            <a:r>
+              <a:rPr lang="en-US">
+                <a:latin typeface="Times New Roman"/>
+                <a:cs typeface="Times New Roman"/>
+              </a:rPr>
+              <a:t>:</a:t>
+            </a:r>
+            <a:endParaRPr>
+              <a:latin typeface="Times New Roman"/>
+              <a:cs typeface="Times New Roman"/>
+            </a:endParaRPr>
+          </a:p>
+        </p:txBody>
+      </p:sp>
+      <p:sp>
+        <p:nvSpPr>
+          <p:cNvPr id="50658332" name="Объект 2"/>
+          <p:cNvSpPr>
+            <a:spLocks noGrp="1"/>
+          </p:cNvSpPr>
+          <p:nvPr>
+            <p:ph idx="1"/>
+          </p:nvPr>
+        </p:nvSpPr>
+        <p:spPr bwMode="auto">
+          <a:xfrm>
+            <a:off x="838199" y="1389062"/>
+            <a:ext cx="10515600" cy="4787900"/>
+          </a:xfrm>
+        </p:spPr>
+        <p:txBody>
+          <a:bodyPr vertOverflow="overflow" horzOverflow="overflow" vert="horz" wrap="square" lIns="91440" tIns="45720" rIns="91440" bIns="45720" numCol="1" spcCol="0" rtlCol="0" fromWordArt="0" anchor="t" anchorCtr="0" forceAA="0" compatLnSpc="0">
+            <a:normAutofit/>
+          </a:bodyPr>
+          <a:lstStyle/>
+          <a:p>
+            <a:pPr marL="0" indent="0">
+              <a:buFont typeface="Arial"/>
+              <a:buNone/>
+              <a:defRPr/>
+            </a:pPr>
+            <a:r>
+              <a:rPr>
+                <a:latin typeface="Times New Roman"/>
+                <a:cs typeface="Times New Roman"/>
+              </a:rPr>
+              <a:t>Проект представляет собой программу в среде </a:t>
+            </a:r>
+            <a:r>
+              <a:rPr lang="en-US">
+                <a:latin typeface="Times New Roman"/>
+                <a:cs typeface="Times New Roman"/>
+              </a:rPr>
+              <a:t>Tinkercad Codeblocks </a:t>
+            </a:r>
+            <a:r>
+              <a:rPr lang="ru-RU">
+                <a:latin typeface="Times New Roman"/>
+                <a:cs typeface="Times New Roman"/>
+              </a:rPr>
+              <a:t>(</a:t>
+            </a:r>
+            <a:r>
+              <a:rPr lang="ru-RU" u="sng">
+                <a:latin typeface="Times New Roman"/>
+                <a:cs typeface="Times New Roman"/>
+                <a:hlinkClick r:id="rId2" tooltip="https://www.tinkercad.com/codeblocks/9UoP7KFguWk-chesskuzovlev"/>
+              </a:rPr>
+              <a:t>ссылка на проект</a:t>
+            </a:r>
+            <a:r>
+              <a:rPr lang="en-US">
+                <a:latin typeface="Times New Roman"/>
+                <a:cs typeface="Times New Roman"/>
+              </a:rPr>
+              <a:t>),</a:t>
+            </a:r>
+            <a:r>
+              <a:rPr lang="ru-RU">
+                <a:latin typeface="Times New Roman"/>
+                <a:cs typeface="Times New Roman"/>
+              </a:rPr>
+              <a:t> предназначенную для создание модели шахмат, с меняемыми параметрами.</a:t>
+            </a:r>
+            <a:endParaRPr>
+              <a:latin typeface="Times New Roman"/>
+              <a:cs typeface="Times New Roman"/>
+            </a:endParaRPr>
+          </a:p>
+          <a:p>
+            <a:pPr marL="0" indent="0">
+              <a:buFont typeface="Arial"/>
+              <a:buNone/>
+              <a:defRPr/>
+            </a:pPr>
+            <a:r>
+              <a:rPr lang="ru-RU">
+                <a:latin typeface="Times New Roman"/>
+                <a:cs typeface="Times New Roman"/>
+              </a:rPr>
+              <a:t>Общее время разработки</a:t>
+            </a:r>
+            <a:r>
+              <a:rPr lang="en-US">
+                <a:latin typeface="Times New Roman"/>
+                <a:cs typeface="Times New Roman"/>
+              </a:rPr>
+              <a:t>: 8</a:t>
+            </a:r>
+            <a:r>
+              <a:rPr lang="ru-RU">
+                <a:latin typeface="Times New Roman"/>
+                <a:cs typeface="Times New Roman"/>
+              </a:rPr>
+              <a:t> часов.</a:t>
+            </a:r>
+            <a:endParaRPr>
+              <a:latin typeface="Times New Roman"/>
+              <a:cs typeface="Times New Roman"/>
+            </a:endParaRPr>
+          </a:p>
+        </p:txBody>
+      </p:sp>
+    </p:spTree>
+  </p:cSld>
+  <p:clrMapOvr>
+    <a:masterClrMapping/>
+  </p:clrMapOvr>
+  <mc:AlternateContent xmlns:mc="http://schemas.openxmlformats.org/markup-compatibility/2006" xmlns:p14="http://schemas.microsoft.com/office/powerpoint/2010/main">
+    <mc:Choice Requires="p14">
+      <p:transition spd="slow" p14:dur="2000"/>
+    </mc:Choice>
+    <mc:Fallback xmlns:w="http://schemas.openxmlformats.org/wordprocessingml/2006/main" xmlns:m="http://schemas.openxmlformats.org/officeDocument/2006/math" xmlns="">
+      <p:transition advClick="1"/>
+    </mc:Fallback>
+  </mc:AlternateContent>
+  <p:timing>
+    <p:tnLst>
+      <p:par>
+        <p:cTn id="1" dur="indefinite" restart="never" nodeType="tmRoot"/>
+      </p:par>
+    </p:tnLst>
+  </p:timing>
+</p:sld>
+</file>
+
+<file path=ppt/slides/slide3.xml><?xml version="1.0" encoding="utf-8"?>
+<p:sld xmlns:a="http://schemas.openxmlformats.org/drawingml/2006/main" xmlns:r="http://schemas.openxmlformats.org/officeDocument/2006/relationships" xmlns:p="http://schemas.openxmlformats.org/presentationml/2006/main" showMasterPhAnim="0">
+  <p:cSld>
+    <p:spTree>
+      <p:nvGrpSpPr>
+        <p:cNvPr id="1" name=""/>
+        <p:cNvGrpSpPr/>
+        <p:nvPr/>
+      </p:nvGrpSpPr>
+      <p:grpSpPr bwMode="auto">
+        <a:xfrm>
+          <a:off x="0" y="0"/>
+          <a:ext cx="0" cy="0"/>
+          <a:chOff x="0" y="0"/>
+          <a:chExt cx="0" cy="0"/>
+        </a:xfrm>
+      </p:grpSpPr>
+      <p:sp>
+        <p:nvSpPr>
           <p:cNvPr id="1953838888" name="Заголовок 1"/>
           <p:cNvSpPr>
             <a:spLocks noGrp="1"/>
@@ -4664,7 +5437,7 @@
         </p:nvSpPr>
         <p:spPr bwMode="auto"/>
         <p:txBody>
-          <a:bodyPr vertOverflow="overflow" horzOverflow="overflow" vert="horz" wrap="square" lIns="91440" tIns="45720" rIns="91440" bIns="45720" numCol="1" spcCol="0" rtlCol="0" fromWordArt="0" anchor="ctr" anchorCtr="0" forceAA="0" upright="0" compatLnSpc="0">
+          <a:bodyPr vertOverflow="overflow" horzOverflow="overflow" vert="horz" wrap="square" lIns="91440" tIns="45720" rIns="91440" bIns="45720" numCol="1" spcCol="0" rtlCol="0" fromWordArt="0" anchor="ctr" anchorCtr="0" forceAA="0" compatLnSpc="0">
             <a:normAutofit/>
           </a:bodyPr>
           <a:lstStyle/>
@@ -5146,18 +5919,7 @@
                 <a:ea typeface="Arial"/>
                 <a:cs typeface="Times New Roman"/>
               </a:rPr>
-              <a:t>28</a:t>
-            </a:r>
-            <a:r>
-              <a:rPr lang="ru-RU" sz="3200" b="0" i="0" u="none" strike="noStrike" cap="none" spc="0">
-                <a:solidFill>
-                  <a:schemeClr val="tx1"/>
-                </a:solidFill>
-                <a:latin typeface="Times New Roman"/>
-                <a:ea typeface="Arial"/>
-                <a:cs typeface="Times New Roman"/>
-              </a:rPr>
-              <a:t> </a:t>
+              <a:t>28 </a:t>
             </a:r>
             <a:r>
               <a:rPr lang="en-US" sz="3200" b="0" i="0" u="none" strike="noStrike" cap="none" spc="0">
@@ -5375,25 +6137,33 @@
   <p:clrMapOvr>
     <a:masterClrMapping/>
   </p:clrMapOvr>
-  <mc:AlternateContent xmlns:mc="http://schemas.openxmlformats.org/markup-compatibility/2006">
-    <mc:Choice xmlns:p14="http://schemas.microsoft.com/office/powerpoint/2010/main" Requires="p14">
-      <p:transition p14:dur="2000" advClick="1"/>
+  <mc:AlternateContent xmlns:mc="http://schemas.openxmlformats.org/markup-compatibility/2006" xmlns:p14="http://schemas.microsoft.com/office/powerpoint/2010/main">
+    <mc:Choice Requires="p14">
+      <p:transition spd="slow" p14:dur="2000"/>
     </mc:Choice>
-    <mc:Fallback>
+    <mc:Fallback xmlns:w="http://schemas.openxmlformats.org/wordprocessingml/2006/main" xmlns:m="http://schemas.openxmlformats.org/officeDocument/2006/math" xmlns="">
       <p:transition advClick="1"/>
     </mc:Fallback>
   </mc:AlternateContent>
+  <p:timing>
+    <p:tnLst>
+      <p:par>
+        <p:cTn id="1" dur="indefinite" restart="never" nodeType="tmRoot"/>
+      </p:par>
+    </p:tnLst>
+  </p:timing>
 </p:sld>
 </file>
 
 <file path=ppt/slides/slide4.xml><?xml version="1.0" encoding="utf-8"?>
-<p:sld xmlns:a="http://schemas.openxmlformats.org/drawingml/2006/main" xmlns:r="http://schemas.openxmlformats.org/officeDocument/2006/relationships" xmlns:p="http://schemas.openxmlformats.org/presentationml/2006/main" xmlns:m="http://schemas.openxmlformats.org/officeDocument/2006/math" xmlns:w="http://schemas.openxmlformats.org/wordprocessingml/2006/main" showMasterPhAnim="0" show="1">
-  <p:cSld name="">
+<p:sld xmlns:a="http://schemas.openxmlformats.org/drawingml/2006/main" xmlns:r="http://schemas.openxmlformats.org/officeDocument/2006/relationships" xmlns:p="http://schemas.openxmlformats.org/presentationml/2006/main" showMasterPhAnim="0">
+  <p:cSld>
     <p:bg>
-      <p:bgPr shadeToTitle="0">
+      <p:bgPr>
         <a:solidFill>
           <a:schemeClr val="bg1"/>
         </a:solidFill>
+        <a:effectLst/>
       </p:bgPr>
     </p:bg>
     <p:spTree>
@@ -5460,7 +6230,7 @@
           </p:nvPr>
         </p:nvSpPr>
         <p:spPr bwMode="auto">
-          <a:xfrm flipH="0" flipV="0">
+          <a:xfrm>
             <a:off x="609599" y="2539999"/>
             <a:ext cx="10972800" cy="3586163"/>
           </a:xfrm>
@@ -5667,12 +6437,12 @@
       </p:sp>
       <p:sp>
         <p:nvSpPr>
-          <p:cNvPr id="2070367433" name=""/>
+          <p:cNvPr id="2070367433" name="TextBox 2070367432"/>
           <p:cNvSpPr txBox="1"/>
           <p:nvPr/>
         </p:nvSpPr>
         <p:spPr bwMode="auto">
-          <a:xfrm flipH="0" flipV="0">
+          <a:xfrm>
             <a:off x="609599" y="1336145"/>
             <a:ext cx="10973159" cy="1554516"/>
           </a:xfrm>
@@ -5682,9 +6452,10 @@
           <a:noFill/>
         </p:spPr>
         <p:txBody>
-          <a:bodyPr vertOverflow="overflow" horzOverflow="overflow" vert="horz" wrap="square" lIns="91440" tIns="45720" rIns="91440" bIns="45720" numCol="1" spcCol="0" rtlCol="0" fromWordArt="0" anchor="t" anchorCtr="0" forceAA="0" upright="0" compatLnSpc="0">
+          <a:bodyPr vertOverflow="overflow" horzOverflow="overflow" vert="horz" wrap="square" lIns="91440" tIns="45720" rIns="91440" bIns="45720" numCol="1" spcCol="0" rtlCol="0" fromWordArt="0" anchor="t" anchorCtr="0" forceAA="0" compatLnSpc="0">
             <a:spAutoFit/>
           </a:bodyPr>
+          <a:lstStyle/>
           <a:p>
             <a:pPr marL="0" indent="0">
               <a:buFont typeface="Arial"/>
@@ -5703,35 +6474,7 @@
                 <a:ea typeface="+mn-ea"/>
                 <a:cs typeface="Times New Roman"/>
               </a:rPr>
-              <a:t>Всего </a:t>
-            </a:r>
-            <a:r>
-              <a:rPr lang="ru-RU" sz="3200" b="0" i="0" u="none" strike="noStrike" cap="none" spc="0">
-                <a:solidFill>
-                  <a:schemeClr val="tx1">
-                    <a:lumMod val="85000"/>
-                    <a:lumOff val="15000"/>
-                  </a:schemeClr>
-                </a:solidFill>
-                <a:latin typeface="Times New Roman"/>
-                <a:ea typeface="+mn-ea"/>
-                <a:cs typeface="Times New Roman"/>
-              </a:rPr>
-              <a:t>использовано </a:t>
-            </a:r>
-            <a:r>
-              <a:rPr lang="ru-RU" sz="3200" b="0" i="0" u="none" strike="noStrike" cap="none" spc="0">
-                <a:solidFill>
-                  <a:schemeClr val="tx1">
-                    <a:lumMod val="85000"/>
-                    <a:lumOff val="15000"/>
-                  </a:schemeClr>
-                </a:solidFill>
-                <a:latin typeface="Times New Roman"/>
-                <a:ea typeface="+mn-ea"/>
-                <a:cs typeface="Times New Roman"/>
-              </a:rPr>
-              <a:t>63 объекта, но это количество можно изменить параметрами.</a:t>
+              <a:t>Всего использовано 63 объекта, но это количество можно изменить параметрами.</a:t>
             </a:r>
             <a:endParaRPr sz="3200">
               <a:solidFill>
@@ -5757,20 +6500,27 @@
   <p:clrMapOvr>
     <a:masterClrMapping/>
   </p:clrMapOvr>
-  <mc:AlternateContent xmlns:mc="http://schemas.openxmlformats.org/markup-compatibility/2006">
-    <mc:Choice xmlns:p14="http://schemas.microsoft.com/office/powerpoint/2010/main" Requires="p14">
-      <p:transition p14:dur="2000" advClick="1"/>
+  <mc:AlternateContent xmlns:mc="http://schemas.openxmlformats.org/markup-compatibility/2006" xmlns:p14="http://schemas.microsoft.com/office/powerpoint/2010/main">
+    <mc:Choice Requires="p14">
+      <p:transition spd="slow" p14:dur="2000"/>
     </mc:Choice>
-    <mc:Fallback>
+    <mc:Fallback xmlns:w="http://schemas.openxmlformats.org/wordprocessingml/2006/main" xmlns:m="http://schemas.openxmlformats.org/officeDocument/2006/math" xmlns="">
       <p:transition advClick="1"/>
     </mc:Fallback>
   </mc:AlternateContent>
+  <p:timing>
+    <p:tnLst>
+      <p:par>
+        <p:cTn id="1" dur="indefinite" restart="never" nodeType="tmRoot"/>
+      </p:par>
+    </p:tnLst>
+  </p:timing>
 </p:sld>
 </file>
 
 <file path=ppt/slides/slide5.xml><?xml version="1.0" encoding="utf-8"?>
-<p:sld xmlns:a="http://schemas.openxmlformats.org/drawingml/2006/main" xmlns:r="http://schemas.openxmlformats.org/officeDocument/2006/relationships" xmlns:p="http://schemas.openxmlformats.org/presentationml/2006/main" xmlns:m="http://schemas.openxmlformats.org/officeDocument/2006/math" xmlns:w="http://schemas.openxmlformats.org/wordprocessingml/2006/main" showMasterPhAnim="0" show="1">
-  <p:cSld name="">
+<p:sld xmlns:a="http://schemas.openxmlformats.org/drawingml/2006/main" xmlns:r="http://schemas.openxmlformats.org/officeDocument/2006/relationships" xmlns:p="http://schemas.openxmlformats.org/presentationml/2006/main" showMasterPhAnim="0">
+  <p:cSld>
     <p:spTree>
       <p:nvGrpSpPr>
         <p:cNvPr id="1" name=""/>
@@ -5927,12 +6677,12 @@
       </p:sp>
       <p:sp>
         <p:nvSpPr>
-          <p:cNvPr id="2092022917" name=""/>
+          <p:cNvPr id="2092022917" name="TextBox 2092022916"/>
           <p:cNvSpPr txBox="1"/>
           <p:nvPr/>
         </p:nvSpPr>
         <p:spPr bwMode="auto">
-          <a:xfrm flipH="0" flipV="0">
+          <a:xfrm>
             <a:off x="609599" y="1600201"/>
             <a:ext cx="10973447" cy="1554516"/>
           </a:xfrm>
@@ -5942,9 +6692,10 @@
           <a:noFill/>
         </p:spPr>
         <p:txBody>
-          <a:bodyPr vertOverflow="overflow" horzOverflow="overflow" vert="horz" wrap="square" lIns="91440" tIns="45720" rIns="91440" bIns="45720" numCol="1" spcCol="0" rtlCol="0" fromWordArt="0" anchor="t" anchorCtr="0" forceAA="0" upright="0" compatLnSpc="0">
+          <a:bodyPr vertOverflow="overflow" horzOverflow="overflow" vert="horz" wrap="square" lIns="91440" tIns="45720" rIns="91440" bIns="45720" numCol="1" spcCol="0" rtlCol="0" fromWordArt="0" anchor="t" anchorCtr="0" forceAA="0" compatLnSpc="0">
             <a:spAutoFit/>
           </a:bodyPr>
+          <a:lstStyle/>
           <a:p>
             <a:pPr>
               <a:defRPr/>
@@ -5994,20 +6745,27 @@
   <p:clrMapOvr>
     <a:masterClrMapping/>
   </p:clrMapOvr>
-  <mc:AlternateContent xmlns:mc="http://schemas.openxmlformats.org/markup-compatibility/2006">
-    <mc:Choice xmlns:p14="http://schemas.microsoft.com/office/powerpoint/2010/main" Requires="p14">
-      <p:transition p14:dur="2000" advClick="1"/>
+  <mc:AlternateContent xmlns:mc="http://schemas.openxmlformats.org/markup-compatibility/2006" xmlns:p14="http://schemas.microsoft.com/office/powerpoint/2010/main">
+    <mc:Choice Requires="p14">
+      <p:transition spd="slow" p14:dur="2000"/>
     </mc:Choice>
-    <mc:Fallback>
+    <mc:Fallback xmlns:w="http://schemas.openxmlformats.org/wordprocessingml/2006/main" xmlns:m="http://schemas.openxmlformats.org/officeDocument/2006/math" xmlns="">
       <p:transition advClick="1"/>
     </mc:Fallback>
   </mc:AlternateContent>
+  <p:timing>
+    <p:tnLst>
+      <p:par>
+        <p:cTn id="1" dur="indefinite" restart="never" nodeType="tmRoot"/>
+      </p:par>
+    </p:tnLst>
+  </p:timing>
 </p:sld>
 </file>
 
 <file path=ppt/slides/slide6.xml><?xml version="1.0" encoding="utf-8"?>
-<p:sld xmlns:a="http://schemas.openxmlformats.org/drawingml/2006/main" xmlns:r="http://schemas.openxmlformats.org/officeDocument/2006/relationships" xmlns:p="http://schemas.openxmlformats.org/presentationml/2006/main" xmlns:m="http://schemas.openxmlformats.org/officeDocument/2006/math" xmlns:w="http://schemas.openxmlformats.org/wordprocessingml/2006/main" showMasterPhAnim="0" show="1">
-  <p:cSld name="">
+<p:sld xmlns:a="http://schemas.openxmlformats.org/drawingml/2006/main" xmlns:r="http://schemas.openxmlformats.org/officeDocument/2006/relationships" xmlns:p="http://schemas.openxmlformats.org/presentationml/2006/main" showMasterPhAnim="0">
+  <p:cSld>
     <p:spTree>
       <p:nvGrpSpPr>
         <p:cNvPr id="1" name=""/>
@@ -6086,7 +6844,7 @@
           </p:nvPr>
         </p:nvSpPr>
         <p:spPr bwMode="auto">
-          <a:xfrm flipH="0" flipV="0">
+          <a:xfrm>
             <a:off x="609599" y="2698749"/>
             <a:ext cx="10972800" cy="3030538"/>
           </a:xfrm>
@@ -6155,12 +6913,12 @@
       </p:sp>
       <p:sp>
         <p:nvSpPr>
-          <p:cNvPr id="437747436" name=""/>
+          <p:cNvPr id="437747436" name="TextBox 437747435"/>
           <p:cNvSpPr txBox="1"/>
           <p:nvPr/>
         </p:nvSpPr>
         <p:spPr bwMode="auto">
-          <a:xfrm flipH="0" flipV="0">
+          <a:xfrm>
             <a:off x="609895" y="1296458"/>
             <a:ext cx="11033232" cy="1554516"/>
           </a:xfrm>
@@ -6170,9 +6928,10 @@
           <a:noFill/>
         </p:spPr>
         <p:txBody>
-          <a:bodyPr vertOverflow="overflow" horzOverflow="overflow" vert="horz" wrap="square" lIns="91440" tIns="45720" rIns="91440" bIns="45720" numCol="1" spcCol="0" rtlCol="0" fromWordArt="0" anchor="t" anchorCtr="0" forceAA="0" upright="0" compatLnSpc="0">
+          <a:bodyPr vertOverflow="overflow" horzOverflow="overflow" vert="horz" wrap="square" lIns="91440" tIns="45720" rIns="91440" bIns="45720" numCol="1" spcCol="0" rtlCol="0" fromWordArt="0" anchor="t" anchorCtr="0" forceAA="0" compatLnSpc="0">
             <a:spAutoFit/>
           </a:bodyPr>
+          <a:lstStyle/>
           <a:p>
             <a:pPr marL="0" indent="0">
               <a:buFont typeface="Arial"/>
@@ -6231,20 +6990,27 @@
   <p:clrMapOvr>
     <a:masterClrMapping/>
   </p:clrMapOvr>
-  <mc:AlternateContent xmlns:mc="http://schemas.openxmlformats.org/markup-compatibility/2006">
-    <mc:Choice xmlns:p14="http://schemas.microsoft.com/office/powerpoint/2010/main" Requires="p14">
-      <p:transition p14:dur="2000" advClick="1"/>
+  <mc:AlternateContent xmlns:mc="http://schemas.openxmlformats.org/markup-compatibility/2006" xmlns:p14="http://schemas.microsoft.com/office/powerpoint/2010/main">
+    <mc:Choice Requires="p14">
+      <p:transition spd="slow" p14:dur="2000"/>
     </mc:Choice>
-    <mc:Fallback>
+    <mc:Fallback xmlns:w="http://schemas.openxmlformats.org/wordprocessingml/2006/main" xmlns:m="http://schemas.openxmlformats.org/officeDocument/2006/math" xmlns="">
       <p:transition advClick="1"/>
     </mc:Fallback>
   </mc:AlternateContent>
+  <p:timing>
+    <p:tnLst>
+      <p:par>
+        <p:cTn id="1" dur="indefinite" restart="never" nodeType="tmRoot"/>
+      </p:par>
+    </p:tnLst>
+  </p:timing>
 </p:sld>
 </file>
 
 <file path=ppt/slides/slide7.xml><?xml version="1.0" encoding="utf-8"?>
-<p:sld xmlns:a="http://schemas.openxmlformats.org/drawingml/2006/main" xmlns:r="http://schemas.openxmlformats.org/officeDocument/2006/relationships" xmlns:p="http://schemas.openxmlformats.org/presentationml/2006/main" xmlns:m="http://schemas.openxmlformats.org/officeDocument/2006/math" xmlns:w="http://schemas.openxmlformats.org/wordprocessingml/2006/main" showMasterPhAnim="0" show="1">
-  <p:cSld name="">
+<p:sld xmlns:a="http://schemas.openxmlformats.org/drawingml/2006/main" xmlns:r="http://schemas.openxmlformats.org/officeDocument/2006/relationships" xmlns:p="http://schemas.openxmlformats.org/presentationml/2006/main" showMasterPhAnim="0">
+  <p:cSld>
     <p:spTree>
       <p:nvGrpSpPr>
         <p:cNvPr id="1" name=""/>
@@ -6323,7 +7089,7 @@
           </p:nvPr>
         </p:nvSpPr>
         <p:spPr bwMode="auto">
-          <a:xfrm flipH="0" flipV="0">
+          <a:xfrm>
             <a:off x="609599" y="2950103"/>
             <a:ext cx="10972800" cy="3176059"/>
           </a:xfrm>
@@ -6426,12 +7192,12 @@
       </p:sp>
       <p:sp>
         <p:nvSpPr>
-          <p:cNvPr id="1143925647" name=""/>
+          <p:cNvPr id="1143925647" name="TextBox 1143925646"/>
           <p:cNvSpPr txBox="1"/>
           <p:nvPr/>
         </p:nvSpPr>
         <p:spPr bwMode="auto">
-          <a:xfrm flipH="0" flipV="0">
+          <a:xfrm>
             <a:off x="625739" y="1336145"/>
             <a:ext cx="10940520" cy="365795"/>
           </a:xfrm>
@@ -6441,9 +7207,10 @@
           <a:noFill/>
         </p:spPr>
         <p:txBody>
-          <a:bodyPr vertOverflow="overflow" horzOverflow="overflow" vert="horz" wrap="square" lIns="91440" tIns="45720" rIns="91440" bIns="45720" numCol="1" spcCol="0" rtlCol="0" fromWordArt="0" anchor="t" anchorCtr="0" forceAA="0" upright="0" compatLnSpc="0">
+          <a:bodyPr vertOverflow="overflow" horzOverflow="overflow" vert="horz" wrap="square" lIns="91440" tIns="45720" rIns="91440" bIns="45720" numCol="1" spcCol="0" rtlCol="0" fromWordArt="0" anchor="t" anchorCtr="0" forceAA="0" compatLnSpc="0">
             <a:spAutoFit/>
           </a:bodyPr>
+          <a:lstStyle/>
           <a:p>
             <a:pPr>
               <a:defRPr/>
@@ -6454,12 +7221,12 @@
       </p:sp>
       <p:sp>
         <p:nvSpPr>
-          <p:cNvPr id="1676671792" name=""/>
+          <p:cNvPr id="1676671792" name="TextBox 1676671791"/>
           <p:cNvSpPr txBox="1"/>
           <p:nvPr/>
         </p:nvSpPr>
         <p:spPr bwMode="auto">
-          <a:xfrm flipH="0" flipV="0">
+          <a:xfrm>
             <a:off x="609599" y="1199003"/>
             <a:ext cx="10956840" cy="1341155"/>
           </a:xfrm>
@@ -6469,9 +7236,10 @@
           <a:noFill/>
         </p:spPr>
         <p:txBody>
-          <a:bodyPr vertOverflow="overflow" horzOverflow="overflow" vert="horz" wrap="square" lIns="91440" tIns="45720" rIns="91440" bIns="45720" numCol="1" spcCol="0" rtlCol="0" fromWordArt="0" anchor="t" anchorCtr="0" forceAA="0" upright="0" compatLnSpc="0">
+          <a:bodyPr vertOverflow="overflow" horzOverflow="overflow" vert="horz" wrap="square" lIns="91440" tIns="45720" rIns="91440" bIns="45720" numCol="1" spcCol="0" rtlCol="0" fromWordArt="0" anchor="t" anchorCtr="0" forceAA="0" compatLnSpc="0">
             <a:spAutoFit/>
           </a:bodyPr>
+          <a:lstStyle/>
           <a:p>
             <a:pPr marL="0" indent="0">
               <a:buFont typeface="Arial"/>
@@ -6516,20 +7284,27 @@
   <p:clrMapOvr>
     <a:masterClrMapping/>
   </p:clrMapOvr>
-  <mc:AlternateContent xmlns:mc="http://schemas.openxmlformats.org/markup-compatibility/2006">
-    <mc:Choice xmlns:p14="http://schemas.microsoft.com/office/powerpoint/2010/main" Requires="p14">
-      <p:transition p14:dur="2000" advClick="1"/>
+  <mc:AlternateContent xmlns:mc="http://schemas.openxmlformats.org/markup-compatibility/2006" xmlns:p14="http://schemas.microsoft.com/office/powerpoint/2010/main">
+    <mc:Choice Requires="p14">
+      <p:transition spd="slow" p14:dur="2000"/>
     </mc:Choice>
-    <mc:Fallback>
+    <mc:Fallback xmlns:w="http://schemas.openxmlformats.org/wordprocessingml/2006/main" xmlns:m="http://schemas.openxmlformats.org/officeDocument/2006/math" xmlns="">
       <p:transition advClick="1"/>
     </mc:Fallback>
   </mc:AlternateContent>
+  <p:timing>
+    <p:tnLst>
+      <p:par>
+        <p:cTn id="1" dur="indefinite" restart="never" nodeType="tmRoot"/>
+      </p:par>
+    </p:tnLst>
+  </p:timing>
 </p:sld>
 </file>
 
 <file path=ppt/slides/slide8.xml><?xml version="1.0" encoding="utf-8"?>
-<p:sld xmlns:a="http://schemas.openxmlformats.org/drawingml/2006/main" xmlns:r="http://schemas.openxmlformats.org/officeDocument/2006/relationships" xmlns:p="http://schemas.openxmlformats.org/presentationml/2006/main" xmlns:m="http://schemas.openxmlformats.org/officeDocument/2006/math" xmlns:w="http://schemas.openxmlformats.org/wordprocessingml/2006/main" showMasterPhAnim="0" show="1">
-  <p:cSld name="">
+<p:sld xmlns:a="http://schemas.openxmlformats.org/drawingml/2006/main" xmlns:r="http://schemas.openxmlformats.org/officeDocument/2006/relationships" xmlns:p="http://schemas.openxmlformats.org/presentationml/2006/main" showMasterPhAnim="0">
+  <p:cSld>
     <p:spTree>
       <p:nvGrpSpPr>
         <p:cNvPr id="1" name=""/>
@@ -6595,7 +7370,7 @@
         </p:nvSpPr>
         <p:spPr bwMode="auto"/>
         <p:txBody>
-          <a:bodyPr vertOverflow="overflow" horzOverflow="overflow" vert="horz" wrap="square" lIns="91440" tIns="45720" rIns="91440" bIns="45720" numCol="1" spcCol="0" rtlCol="0" fromWordArt="0" anchor="t" anchorCtr="0" forceAA="0" upright="0" compatLnSpc="0">
+          <a:bodyPr vertOverflow="overflow" horzOverflow="overflow" vert="horz" wrap="square" lIns="91440" tIns="45720" rIns="91440" bIns="45720" numCol="1" spcCol="0" rtlCol="0" fromWordArt="0" anchor="t" anchorCtr="0" forceAA="0" compatLnSpc="0">
             <a:normAutofit/>
           </a:bodyPr>
           <a:lstStyle/>
@@ -6702,14 +7477,7 @@
                 <a:latin typeface="Times New Roman"/>
                 <a:cs typeface="Times New Roman"/>
               </a:rPr>
-              <a:t>: </a:t>
-            </a:r>
-            <a:r>
-              <a:rPr lang="en-US">
-                <a:latin typeface="Times New Roman"/>
-                <a:cs typeface="Times New Roman"/>
-              </a:rPr>
-              <a:t>Knight body angle</a:t>
+              <a:t>: Knight body angle</a:t>
             </a:r>
             <a:r>
               <a:rPr lang="ru-RU">
@@ -6765,20 +7533,27 @@
   <p:clrMapOvr>
     <a:masterClrMapping/>
   </p:clrMapOvr>
-  <mc:AlternateContent xmlns:mc="http://schemas.openxmlformats.org/markup-compatibility/2006">
-    <mc:Choice xmlns:p14="http://schemas.microsoft.com/office/powerpoint/2010/main" Requires="p14">
-      <p:transition p14:dur="2000" advClick="1"/>
+  <mc:AlternateContent xmlns:mc="http://schemas.openxmlformats.org/markup-compatibility/2006" xmlns:p14="http://schemas.microsoft.com/office/powerpoint/2010/main">
+    <mc:Choice Requires="p14">
+      <p:transition spd="slow" p14:dur="2000"/>
     </mc:Choice>
-    <mc:Fallback>
+    <mc:Fallback xmlns:w="http://schemas.openxmlformats.org/wordprocessingml/2006/main" xmlns:m="http://schemas.openxmlformats.org/officeDocument/2006/math" xmlns="">
       <p:transition advClick="1"/>
     </mc:Fallback>
   </mc:AlternateContent>
+  <p:timing>
+    <p:tnLst>
+      <p:par>
+        <p:cTn id="1" dur="indefinite" restart="never" nodeType="tmRoot"/>
+      </p:par>
+    </p:tnLst>
+  </p:timing>
 </p:sld>
 </file>
 
 <file path=ppt/slides/slide9.xml><?xml version="1.0" encoding="utf-8"?>
-<p:sld xmlns:a="http://schemas.openxmlformats.org/drawingml/2006/main" xmlns:r="http://schemas.openxmlformats.org/officeDocument/2006/relationships" xmlns:p="http://schemas.openxmlformats.org/presentationml/2006/main" xmlns:m="http://schemas.openxmlformats.org/officeDocument/2006/math" xmlns:w="http://schemas.openxmlformats.org/wordprocessingml/2006/main" showMasterPhAnim="0" show="1">
-  <p:cSld name="">
+<p:sld xmlns:a="http://schemas.openxmlformats.org/drawingml/2006/main" xmlns:r="http://schemas.openxmlformats.org/officeDocument/2006/relationships" xmlns:p="http://schemas.openxmlformats.org/presentationml/2006/main" showMasterPhAnim="0">
+  <p:cSld>
     <p:spTree>
       <p:nvGrpSpPr>
         <p:cNvPr id="1" name=""/>
@@ -6812,14 +7587,37 @@
               <a:defRPr/>
             </a:pPr>
             <a:r>
-              <a:rPr/>
-              <a:t>Назначения переменных</a:t>
-            </a:r>
-            <a:r>
-              <a:rPr lang="en-US"/>
+              <a:rPr dirty="0" err="1">
+                <a:latin typeface="Times New Roman" panose="02020603050405020304" pitchFamily="18" charset="0"/>
+                <a:cs typeface="Times New Roman" panose="02020603050405020304" pitchFamily="18" charset="0"/>
+              </a:rPr>
+              <a:t>Назначения</a:t>
+            </a:r>
+            <a:r>
+              <a:rPr dirty="0">
+                <a:latin typeface="Times New Roman" panose="02020603050405020304" pitchFamily="18" charset="0"/>
+                <a:cs typeface="Times New Roman" panose="02020603050405020304" pitchFamily="18" charset="0"/>
+              </a:rPr>
+              <a:t> </a:t>
+            </a:r>
+            <a:r>
+              <a:rPr dirty="0" err="1">
+                <a:latin typeface="Times New Roman" panose="02020603050405020304" pitchFamily="18" charset="0"/>
+                <a:cs typeface="Times New Roman" panose="02020603050405020304" pitchFamily="18" charset="0"/>
+              </a:rPr>
+              <a:t>переменных</a:t>
+            </a:r>
+            <a:r>
+              <a:rPr lang="en-US" dirty="0">
+                <a:latin typeface="Times New Roman" panose="02020603050405020304" pitchFamily="18" charset="0"/>
+                <a:cs typeface="Times New Roman" panose="02020603050405020304" pitchFamily="18" charset="0"/>
+              </a:rPr>
               <a:t>:</a:t>
             </a:r>
-            <a:endParaRPr/>
+            <a:endParaRPr dirty="0">
+              <a:latin typeface="Times New Roman" panose="02020603050405020304" pitchFamily="18" charset="0"/>
+              <a:cs typeface="Times New Roman" panose="02020603050405020304" pitchFamily="18" charset="0"/>
+            </a:endParaRPr>
           </a:p>
         </p:txBody>
       </p:sp>
@@ -6895,21 +7693,7 @@
                 <a:ea typeface="Times New Roman"/>
                 <a:cs typeface="Times New Roman"/>
               </a:rPr>
-              <a:t> вращение</a:t>
-            </a:r>
-            <a:r>
-              <a:rPr lang="ru-RU" sz="3200" b="0" i="0" u="none" strike="noStrike" cap="none" spc="0">
-                <a:solidFill>
-                  <a:schemeClr val="tx1">
-                    <a:lumMod val="75000"/>
-                    <a:lumOff val="25000"/>
-                  </a:schemeClr>
-                </a:solidFill>
-                <a:latin typeface="Times New Roman"/>
-                <a:ea typeface="Times New Roman"/>
-                <a:cs typeface="Times New Roman"/>
-              </a:rPr>
-              <a:t>)</a:t>
+              <a:t> вращение)</a:t>
             </a:r>
             <a:r>
               <a:rPr lang="en-US" sz="3200" b="0" i="0" u="none" strike="noStrike" cap="none" spc="0">
@@ -7191,19 +7975,26 @@
   <p:clrMapOvr>
     <a:masterClrMapping/>
   </p:clrMapOvr>
-  <mc:AlternateContent xmlns:mc="http://schemas.openxmlformats.org/markup-compatibility/2006">
-    <mc:Choice xmlns:p14="http://schemas.microsoft.com/office/powerpoint/2010/main" Requires="p14">
-      <p:transition p14:dur="2000" advClick="1"/>
+  <mc:AlternateContent xmlns:mc="http://schemas.openxmlformats.org/markup-compatibility/2006" xmlns:p14="http://schemas.microsoft.com/office/powerpoint/2010/main">
+    <mc:Choice Requires="p14">
+      <p:transition spd="slow" p14:dur="2000"/>
     </mc:Choice>
-    <mc:Fallback>
+    <mc:Fallback xmlns:w="http://schemas.openxmlformats.org/wordprocessingml/2006/main" xmlns:m="http://schemas.openxmlformats.org/officeDocument/2006/math" xmlns="">
       <p:transition advClick="1"/>
     </mc:Fallback>
   </mc:AlternateContent>
+  <p:timing>
+    <p:tnLst>
+      <p:par>
+        <p:cTn id="1" dur="indefinite" restart="never" nodeType="tmRoot"/>
+      </p:par>
+    </p:tnLst>
+  </p:timing>
 </p:sld>
 </file>
 
 <file path=ppt/theme/theme1.xml><?xml version="1.0" encoding="utf-8"?>
-<a:theme xmlns:a="http://schemas.openxmlformats.org/drawingml/2006/main" xmlns:r="http://schemas.openxmlformats.org/officeDocument/2006/relationships" xmlns:p="http://schemas.openxmlformats.org/presentationml/2006/main" name="Turtle">
+<a:theme xmlns:a="http://schemas.openxmlformats.org/drawingml/2006/main" name="Turtle">
   <a:themeElements>
     <a:clrScheme name="Office">
       <a:dk1>
@@ -7408,5 +8199,6 @@
     </a:fmtScheme>
   </a:themeElements>
   <a:objectDefaults/>
+  <a:extraClrSchemeLst/>
 </a:theme>
 </file>
--- a/Кузовлев Антон Презентация Шахматы.pptx
+++ b/Кузовлев Антон Презентация Шахматы.pptx
@@ -1,22 +1,22 @@
 
 <file path=ppt/presentation.xml><?xml version="1.0" encoding="utf-8"?>
-<p:presentation xmlns:a="http://schemas.openxmlformats.org/drawingml/2006/main" xmlns:r="http://schemas.openxmlformats.org/officeDocument/2006/relationships" xmlns:p="http://schemas.openxmlformats.org/presentationml/2006/main" saveSubsetFonts="1">
+<p:presentation xmlns:a="http://schemas.openxmlformats.org/drawingml/2006/main" xmlns:r="http://schemas.openxmlformats.org/officeDocument/2006/relationships" xmlns:p="http://schemas.openxmlformats.org/presentationml/2006/main" xmlns:m="http://schemas.openxmlformats.org/officeDocument/2006/math" xmlns:w="http://schemas.openxmlformats.org/wordprocessingml/2006/main" saveSubsetFonts="1">
   <p:sldMasterIdLst>
     <p:sldMasterId id="2147483648" r:id="rId1"/>
   </p:sldMasterIdLst>
   <p:sldIdLst>
-    <p:sldId id="256" r:id="rId2"/>
-    <p:sldId id="257" r:id="rId3"/>
-    <p:sldId id="258" r:id="rId4"/>
-    <p:sldId id="259" r:id="rId5"/>
-    <p:sldId id="260" r:id="rId6"/>
-    <p:sldId id="261" r:id="rId7"/>
-    <p:sldId id="262" r:id="rId8"/>
-    <p:sldId id="263" r:id="rId9"/>
-    <p:sldId id="264" r:id="rId10"/>
-    <p:sldId id="265" r:id="rId11"/>
-    <p:sldId id="266" r:id="rId12"/>
-    <p:sldId id="268" r:id="rId13"/>
+    <p:sldId id="256" r:id="rId3"/>
+    <p:sldId id="257" r:id="rId4"/>
+    <p:sldId id="258" r:id="rId5"/>
+    <p:sldId id="259" r:id="rId6"/>
+    <p:sldId id="260" r:id="rId7"/>
+    <p:sldId id="261" r:id="rId8"/>
+    <p:sldId id="262" r:id="rId9"/>
+    <p:sldId id="263" r:id="rId10"/>
+    <p:sldId id="264" r:id="rId11"/>
+    <p:sldId id="265" r:id="rId12"/>
+    <p:sldId id="266" r:id="rId13"/>
+    <p:sldId id="267" r:id="rId14"/>
   </p:sldIdLst>
   <p:sldSz cx="12192000" cy="6858000"/>
   <p:notesSz cx="12192000" cy="6858000"/>
@@ -119,7 +119,7 @@
 </file>
 
 <file path=ppt/slideLayouts/slideLayout1.xml><?xml version="1.0" encoding="utf-8"?>
-<p:sldLayout xmlns:a="http://schemas.openxmlformats.org/drawingml/2006/main" xmlns:r="http://schemas.openxmlformats.org/officeDocument/2006/relationships" xmlns:p="http://schemas.openxmlformats.org/presentationml/2006/main" showMasterSp="0" showMasterPhAnim="0" type="title" userDrawn="1">
+<p:sldLayout xmlns:a="http://schemas.openxmlformats.org/drawingml/2006/main" xmlns:r="http://schemas.openxmlformats.org/officeDocument/2006/relationships" xmlns:p="http://schemas.openxmlformats.org/presentationml/2006/main" xmlns:m="http://schemas.openxmlformats.org/officeDocument/2006/math" xmlns:w="http://schemas.openxmlformats.org/wordprocessingml/2006/main" matchingName="" preserve="0" showMasterPhAnim="0" type="title" userDrawn="1">
   <p:cSld name="Title Slide">
     <p:spTree>
       <p:nvGrpSpPr>
@@ -137,569 +137,93 @@
       </p:grpSpPr>
       <p:sp>
         <p:nvSpPr>
-          <p:cNvPr id="13" name="Shape 1059"/>
-          <p:cNvSpPr>
-            <a:spLocks noGrp="1" noChangeArrowheads="1"/>
-          </p:cNvSpPr>
-          <p:nvPr userDrawn="1"/>
+          <p:cNvPr id="2" name="Title 1"/>
+          <p:cNvSpPr>
+            <a:spLocks noGrp="1"/>
+          </p:cNvSpPr>
+          <p:nvPr>
+            <p:ph type="ctrTitle"/>
+          </p:nvPr>
         </p:nvSpPr>
         <p:spPr bwMode="auto">
           <a:xfrm>
-            <a:off x="2396066" y="2291401"/>
-            <a:ext cx="5452533" cy="4165115"/>
+            <a:off x="1523999" y="1122362"/>
+            <a:ext cx="9144000" cy="2387599"/>
           </a:xfrm>
-          <a:custGeom>
-            <a:avLst/>
-            <a:gdLst/>
-            <a:ahLst/>
-            <a:cxnLst/>
-            <a:rect l="l" t="t" r="r" b="b"/>
-            <a:pathLst>
-              <a:path w="43200" h="43200" stroke="0" extrusionOk="0">
-                <a:moveTo>
-                  <a:pt x="22112" y="3116"/>
-                </a:moveTo>
-                <a:lnTo>
-                  <a:pt x="22112" y="3116"/>
-                </a:lnTo>
-                <a:cubicBezTo>
-                  <a:pt x="22112" y="3116"/>
-                  <a:pt x="27356" y="0"/>
-                  <a:pt x="30300" y="4263"/>
-                </a:cubicBezTo>
-                <a:lnTo>
-                  <a:pt x="30300" y="4263"/>
-                </a:lnTo>
-                <a:cubicBezTo>
-                  <a:pt x="33277" y="8577"/>
-                  <a:pt x="36666" y="13779"/>
-                  <a:pt x="39369" y="17410"/>
-                </a:cubicBezTo>
-                <a:lnTo>
-                  <a:pt x="39369" y="17410"/>
-                </a:lnTo>
-                <a:cubicBezTo>
-                  <a:pt x="41761" y="20624"/>
-                  <a:pt x="43200" y="22708"/>
-                  <a:pt x="40979" y="26940"/>
-                </a:cubicBezTo>
-                <a:lnTo>
-                  <a:pt x="40979" y="26940"/>
-                </a:lnTo>
-                <a:cubicBezTo>
-                  <a:pt x="39655" y="29461"/>
-                  <a:pt x="35076" y="35072"/>
-                  <a:pt x="32639" y="38623"/>
-                </a:cubicBezTo>
-                <a:lnTo>
-                  <a:pt x="32639" y="38623"/>
-                </a:lnTo>
-                <a:cubicBezTo>
-                  <a:pt x="30200" y="42175"/>
-                  <a:pt x="26202" y="43200"/>
-                  <a:pt x="23268" y="42185"/>
-                </a:cubicBezTo>
-                <a:lnTo>
-                  <a:pt x="23268" y="42185"/>
-                </a:lnTo>
-                <a:cubicBezTo>
-                  <a:pt x="20331" y="41168"/>
-                  <a:pt x="11584" y="38623"/>
-                  <a:pt x="6213" y="36974"/>
-                </a:cubicBezTo>
-                <a:lnTo>
-                  <a:pt x="6213" y="36974"/>
-                </a:lnTo>
-                <a:cubicBezTo>
-                  <a:pt x="1431" y="35502"/>
-                  <a:pt x="0" y="32900"/>
-                  <a:pt x="214" y="31157"/>
-                </a:cubicBezTo>
-                <a:lnTo>
-                  <a:pt x="214" y="31157"/>
-                </a:lnTo>
-                <a:cubicBezTo>
-                  <a:pt x="760" y="26703"/>
-                  <a:pt x="1113" y="19920"/>
-                  <a:pt x="1214" y="16042"/>
-                </a:cubicBezTo>
-                <a:lnTo>
-                  <a:pt x="1214" y="16042"/>
-                </a:lnTo>
-                <a:cubicBezTo>
-                  <a:pt x="1303" y="12626"/>
-                  <a:pt x="4203" y="11313"/>
-                  <a:pt x="6907" y="9989"/>
-                </a:cubicBezTo>
-                <a:lnTo>
-                  <a:pt x="6907" y="9989"/>
-                </a:lnTo>
-                <a:cubicBezTo>
-                  <a:pt x="9245" y="8843"/>
-                  <a:pt x="19774" y="4261"/>
-                  <a:pt x="22112" y="3116"/>
-                </a:cubicBezTo>
-                <a:close/>
-              </a:path>
-            </a:pathLst>
-          </a:custGeom>
-          <a:solidFill>
-            <a:schemeClr val="bg1">
-              <a:lumMod val="85000"/>
-            </a:schemeClr>
-          </a:solidFill>
-          <a:ln w="9524">
-            <a:solidFill>
-              <a:srgbClr val="000000"/>
-            </a:solidFill>
-            <a:round/>
-            <a:headEnd/>
-            <a:tailEnd/>
-          </a:ln>
         </p:spPr>
-      </p:sp>
-      <p:sp>
-        <p:nvSpPr>
-          <p:cNvPr id="14" name="Shape 1060"/>
-          <p:cNvSpPr>
-            <a:spLocks noGrp="1" noChangeArrowheads="1"/>
-          </p:cNvSpPr>
-          <p:nvPr userDrawn="1"/>
+        <p:txBody>
+          <a:bodyPr anchor="b"/>
+          <a:lstStyle>
+            <a:lvl1pPr algn="ctr">
+              <a:defRPr sz="4500"/>
+            </a:lvl1pPr>
+          </a:lstStyle>
+          <a:p>
+            <a:pPr>
+              <a:defRPr/>
+            </a:pPr>
+            <a:r>
+              <a:rPr lang="en-US"/>
+              <a:t>Click to edit Master title style</a:t>
+            </a:r>
+            <a:endParaRPr lang="en-US"/>
+          </a:p>
+        </p:txBody>
+      </p:sp>
+      <p:sp>
+        <p:nvSpPr>
+          <p:cNvPr id="3" name="Subtitle 2"/>
+          <p:cNvSpPr>
+            <a:spLocks noGrp="1"/>
+          </p:cNvSpPr>
+          <p:nvPr>
+            <p:ph type="subTitle" idx="1"/>
+          </p:nvPr>
         </p:nvSpPr>
         <p:spPr bwMode="auto">
           <a:xfrm>
-            <a:off x="1309514" y="1839834"/>
-            <a:ext cx="4011787" cy="1314325"/>
-          </a:xfrm>
-          <a:custGeom>
-            <a:avLst/>
-            <a:gdLst/>
-            <a:ahLst/>
-            <a:cxnLst/>
-            <a:rect l="l" t="t" r="r" b="b"/>
-            <a:pathLst>
-              <a:path w="43200" h="43200" stroke="0" extrusionOk="0">
-                <a:moveTo>
-                  <a:pt x="40162" y="13104"/>
-                </a:moveTo>
-                <a:lnTo>
-                  <a:pt x="40162" y="13104"/>
-                </a:lnTo>
-                <a:cubicBezTo>
-                  <a:pt x="36799" y="16736"/>
-                  <a:pt x="26204" y="28154"/>
-                  <a:pt x="22676" y="31251"/>
-                </a:cubicBezTo>
-                <a:lnTo>
-                  <a:pt x="22676" y="31251"/>
-                </a:lnTo>
-                <a:cubicBezTo>
-                  <a:pt x="18513" y="34899"/>
-                  <a:pt x="15093" y="37527"/>
-                  <a:pt x="13136" y="38511"/>
-                </a:cubicBezTo>
-                <a:lnTo>
-                  <a:pt x="13136" y="38511"/>
-                </a:lnTo>
-                <a:cubicBezTo>
-                  <a:pt x="10861" y="39650"/>
-                  <a:pt x="0" y="43200"/>
-                  <a:pt x="422" y="38511"/>
-                </a:cubicBezTo>
-                <a:lnTo>
-                  <a:pt x="422" y="38511"/>
-                </a:lnTo>
-                <a:cubicBezTo>
-                  <a:pt x="750" y="34836"/>
-                  <a:pt x="12785" y="17028"/>
-                  <a:pt x="15584" y="14358"/>
-                </a:cubicBezTo>
-                <a:lnTo>
-                  <a:pt x="15584" y="14358"/>
-                </a:lnTo>
-                <a:cubicBezTo>
-                  <a:pt x="18382" y="11693"/>
-                  <a:pt x="34508" y="0"/>
-                  <a:pt x="36286" y="2133"/>
-                </a:cubicBezTo>
-                <a:lnTo>
-                  <a:pt x="36286" y="2133"/>
-                </a:lnTo>
-                <a:cubicBezTo>
-                  <a:pt x="38064" y="4272"/>
-                  <a:pt x="43200" y="9825"/>
-                  <a:pt x="40162" y="13104"/>
-                </a:cubicBezTo>
-                <a:close/>
-              </a:path>
-            </a:pathLst>
-          </a:custGeom>
-          <a:solidFill>
-            <a:schemeClr val="bg1">
-              <a:lumMod val="85000"/>
-            </a:schemeClr>
-          </a:solidFill>
-          <a:ln w="9524">
-            <a:solidFill>
-              <a:srgbClr val="000000"/>
-            </a:solidFill>
-            <a:round/>
-            <a:headEnd/>
-            <a:tailEnd/>
-          </a:ln>
-        </p:spPr>
-      </p:sp>
-      <p:sp>
-        <p:nvSpPr>
-          <p:cNvPr id="15" name="Shape 1061"/>
-          <p:cNvSpPr>
-            <a:spLocks noGrp="1" noChangeArrowheads="1"/>
-          </p:cNvSpPr>
-          <p:nvPr userDrawn="1"/>
-        </p:nvSpPr>
-        <p:spPr bwMode="auto">
-          <a:xfrm>
-            <a:off x="6567031" y="4629133"/>
-            <a:ext cx="5395523" cy="2231707"/>
-          </a:xfrm>
-          <a:custGeom>
-            <a:avLst/>
-            <a:gdLst/>
-            <a:ahLst/>
-            <a:cxnLst/>
-            <a:rect l="l" t="t" r="r" b="b"/>
-            <a:pathLst>
-              <a:path w="43200" h="43200" stroke="0" extrusionOk="0">
-                <a:moveTo>
-                  <a:pt x="43200" y="43200"/>
-                </a:moveTo>
-                <a:lnTo>
-                  <a:pt x="43200" y="43200"/>
-                </a:lnTo>
-                <a:cubicBezTo>
-                  <a:pt x="42680" y="32337"/>
-                  <a:pt x="42264" y="24810"/>
-                  <a:pt x="41982" y="22533"/>
-                </a:cubicBezTo>
-                <a:lnTo>
-                  <a:pt x="41982" y="22533"/>
-                </a:lnTo>
-                <a:cubicBezTo>
-                  <a:pt x="41353" y="17445"/>
-                  <a:pt x="31020" y="10782"/>
-                  <a:pt x="25434" y="7567"/>
-                </a:cubicBezTo>
-                <a:lnTo>
-                  <a:pt x="25434" y="7567"/>
-                </a:lnTo>
-                <a:cubicBezTo>
-                  <a:pt x="20461" y="4707"/>
-                  <a:pt x="15752" y="0"/>
-                  <a:pt x="10688" y="12771"/>
-                </a:cubicBezTo>
-                <a:lnTo>
-                  <a:pt x="10688" y="12771"/>
-                </a:lnTo>
-                <a:cubicBezTo>
-                  <a:pt x="5409" y="26085"/>
-                  <a:pt x="2329" y="33891"/>
-                  <a:pt x="451" y="39632"/>
-                </a:cubicBezTo>
-                <a:lnTo>
-                  <a:pt x="451" y="39632"/>
-                </a:lnTo>
-                <a:cubicBezTo>
-                  <a:pt x="180" y="40459"/>
-                  <a:pt x="44" y="41820"/>
-                  <a:pt x="0" y="43200"/>
-                </a:cubicBezTo>
-                <a:lnTo>
-                  <a:pt x="43200" y="43200"/>
-                </a:lnTo>
-                <a:close/>
-              </a:path>
-            </a:pathLst>
-          </a:custGeom>
-          <a:solidFill>
-            <a:schemeClr val="bg1">
-              <a:lumMod val="85000"/>
-            </a:schemeClr>
-          </a:solidFill>
-          <a:ln w="9524">
-            <a:solidFill>
-              <a:srgbClr val="000000"/>
-            </a:solidFill>
-            <a:round/>
-            <a:headEnd/>
-            <a:tailEnd/>
-          </a:ln>
-        </p:spPr>
-      </p:sp>
-      <p:sp>
-        <p:nvSpPr>
-          <p:cNvPr id="16" name="Shape 1062"/>
-          <p:cNvSpPr>
-            <a:spLocks noGrp="1" noChangeArrowheads="1"/>
-          </p:cNvSpPr>
-          <p:nvPr userDrawn="1"/>
-        </p:nvSpPr>
-        <p:spPr bwMode="auto">
-          <a:xfrm>
-            <a:off x="389187" y="6100774"/>
-            <a:ext cx="4968521" cy="759999"/>
-          </a:xfrm>
-          <a:custGeom>
-            <a:avLst/>
-            <a:gdLst/>
-            <a:ahLst/>
-            <a:cxnLst/>
-            <a:rect l="l" t="t" r="r" b="b"/>
-            <a:pathLst>
-              <a:path w="43200" h="43200" stroke="0" extrusionOk="0">
-                <a:moveTo>
-                  <a:pt x="43200" y="43200"/>
-                </a:moveTo>
-                <a:lnTo>
-                  <a:pt x="43200" y="43200"/>
-                </a:lnTo>
-                <a:cubicBezTo>
-                  <a:pt x="37750" y="34083"/>
-                  <a:pt x="28707" y="20178"/>
-                  <a:pt x="28707" y="20178"/>
-                </a:cubicBezTo>
-                <a:lnTo>
-                  <a:pt x="28707" y="20178"/>
-                </a:lnTo>
-                <a:cubicBezTo>
-                  <a:pt x="23196" y="11772"/>
-                  <a:pt x="17935" y="0"/>
-                  <a:pt x="14588" y="1341"/>
-                </a:cubicBezTo>
-                <a:lnTo>
-                  <a:pt x="14588" y="1341"/>
-                </a:lnTo>
-                <a:cubicBezTo>
-                  <a:pt x="11240" y="2673"/>
-                  <a:pt x="6350" y="22671"/>
-                  <a:pt x="1602" y="37718"/>
-                </a:cubicBezTo>
-                <a:lnTo>
-                  <a:pt x="1602" y="37718"/>
-                </a:lnTo>
-                <a:cubicBezTo>
-                  <a:pt x="1072" y="39393"/>
-                  <a:pt x="536" y="41175"/>
-                  <a:pt x="0" y="43200"/>
-                </a:cubicBezTo>
-                <a:lnTo>
-                  <a:pt x="43200" y="43200"/>
-                </a:lnTo>
-                <a:close/>
-              </a:path>
-            </a:pathLst>
-          </a:custGeom>
-          <a:solidFill>
-            <a:schemeClr val="bg1">
-              <a:lumMod val="85000"/>
-            </a:schemeClr>
-          </a:solidFill>
-          <a:ln w="9524">
-            <a:solidFill>
-              <a:srgbClr val="000000"/>
-            </a:solidFill>
-            <a:round/>
-            <a:headEnd/>
-            <a:tailEnd/>
-          </a:ln>
-        </p:spPr>
-      </p:sp>
-      <p:sp>
-        <p:nvSpPr>
-          <p:cNvPr id="17" name="Shape 1063"/>
-          <p:cNvSpPr>
-            <a:spLocks noGrp="1" noChangeArrowheads="1"/>
-          </p:cNvSpPr>
-          <p:nvPr userDrawn="1"/>
-        </p:nvSpPr>
-        <p:spPr bwMode="auto">
-          <a:xfrm>
-            <a:off x="0" y="3254701"/>
-            <a:ext cx="2099733" cy="3343682"/>
-          </a:xfrm>
-          <a:custGeom>
-            <a:avLst/>
-            <a:gdLst/>
-            <a:ahLst/>
-            <a:cxnLst/>
-            <a:rect l="l" t="t" r="r" b="b"/>
-            <a:pathLst>
-              <a:path w="43200" h="43200" stroke="0" extrusionOk="0">
-                <a:moveTo>
-                  <a:pt x="0" y="43200"/>
-                </a:moveTo>
-                <a:lnTo>
-                  <a:pt x="0" y="43200"/>
-                </a:lnTo>
-                <a:cubicBezTo>
-                  <a:pt x="10450" y="39319"/>
-                  <a:pt x="26476" y="34991"/>
-                  <a:pt x="31760" y="32779"/>
-                </a:cubicBezTo>
-                <a:lnTo>
-                  <a:pt x="31760" y="32779"/>
-                </a:lnTo>
-                <a:cubicBezTo>
-                  <a:pt x="38554" y="29929"/>
-                  <a:pt x="35982" y="23868"/>
-                  <a:pt x="39587" y="11934"/>
-                </a:cubicBezTo>
-                <a:lnTo>
-                  <a:pt x="39587" y="11934"/>
-                </a:lnTo>
-                <a:cubicBezTo>
-                  <a:pt x="43199" y="0"/>
-                  <a:pt x="33409" y="2565"/>
-                  <a:pt x="25082" y="2041"/>
-                </a:cubicBezTo>
-                <a:lnTo>
-                  <a:pt x="25082" y="2041"/>
-                </a:lnTo>
-                <a:cubicBezTo>
-                  <a:pt x="14497" y="1374"/>
-                  <a:pt x="7053" y="4621"/>
-                  <a:pt x="0" y="7243"/>
-                </a:cubicBezTo>
-                <a:lnTo>
-                  <a:pt x="0" y="43200"/>
-                </a:lnTo>
-                <a:close/>
-              </a:path>
-            </a:pathLst>
-          </a:custGeom>
-          <a:solidFill>
-            <a:schemeClr val="bg1">
-              <a:lumMod val="85000"/>
-            </a:schemeClr>
-          </a:solidFill>
-          <a:ln w="9524">
-            <a:solidFill>
-              <a:srgbClr val="000000"/>
-            </a:solidFill>
-            <a:round/>
-            <a:headEnd/>
-            <a:tailEnd/>
-          </a:ln>
-        </p:spPr>
-      </p:sp>
-      <p:sp>
-        <p:nvSpPr>
-          <p:cNvPr id="3" name="Подзаголовок 2"/>
-          <p:cNvSpPr>
-            <a:spLocks noGrp="1"/>
-          </p:cNvSpPr>
-          <p:nvPr>
-            <p:ph type="subTitle" idx="1"/>
-          </p:nvPr>
-        </p:nvSpPr>
-        <p:spPr bwMode="auto">
-          <a:xfrm>
-            <a:off x="4655839" y="2708919"/>
-            <a:ext cx="6720746" cy="720079"/>
+            <a:off x="1523999" y="3602037"/>
+            <a:ext cx="9144000" cy="1655762"/>
           </a:xfrm>
         </p:spPr>
         <p:txBody>
           <a:bodyPr/>
           <a:lstStyle>
-            <a:lvl1pPr marL="0" indent="0" algn="r">
-              <a:buNone/>
-              <a:defRPr>
-                <a:solidFill>
-                  <a:schemeClr val="tx1">
-                    <a:lumMod val="50000"/>
-                    <a:lumOff val="50000"/>
-                  </a:schemeClr>
-                </a:solidFill>
-              </a:defRPr>
+            <a:lvl1pPr marL="0" indent="0" algn="ctr">
+              <a:buNone/>
+              <a:defRPr sz="1800"/>
             </a:lvl1pPr>
-            <a:lvl2pPr marL="457200" indent="0" algn="ctr">
-              <a:buNone/>
-              <a:defRPr>
-                <a:solidFill>
-                  <a:schemeClr val="tx1">
-                    <a:tint val="75000"/>
-                  </a:schemeClr>
-                </a:solidFill>
-              </a:defRPr>
+            <a:lvl2pPr marL="342900" indent="0" algn="ctr">
+              <a:buNone/>
+              <a:defRPr sz="1500"/>
             </a:lvl2pPr>
-            <a:lvl3pPr marL="914400" indent="0" algn="ctr">
-              <a:buNone/>
-              <a:defRPr>
-                <a:solidFill>
-                  <a:schemeClr val="tx1">
-                    <a:tint val="75000"/>
-                  </a:schemeClr>
-                </a:solidFill>
-              </a:defRPr>
+            <a:lvl3pPr marL="685800" indent="0" algn="ctr">
+              <a:buNone/>
+              <a:defRPr sz="1350"/>
             </a:lvl3pPr>
-            <a:lvl4pPr marL="1371600" indent="0" algn="ctr">
-              <a:buNone/>
-              <a:defRPr>
-                <a:solidFill>
-                  <a:schemeClr val="tx1">
-                    <a:tint val="75000"/>
-                  </a:schemeClr>
-                </a:solidFill>
-              </a:defRPr>
+            <a:lvl4pPr marL="1028700" indent="0" algn="ctr">
+              <a:buNone/>
+              <a:defRPr sz="1200"/>
             </a:lvl4pPr>
-            <a:lvl5pPr marL="1828800" indent="0" algn="ctr">
-              <a:buNone/>
-              <a:defRPr>
-                <a:solidFill>
-                  <a:schemeClr val="tx1">
-                    <a:tint val="75000"/>
-                  </a:schemeClr>
-                </a:solidFill>
-              </a:defRPr>
+            <a:lvl5pPr marL="1371600" indent="0" algn="ctr">
+              <a:buNone/>
+              <a:defRPr sz="1200"/>
             </a:lvl5pPr>
-            <a:lvl6pPr marL="2286000" indent="0" algn="ctr">
-              <a:buNone/>
-              <a:defRPr>
-                <a:solidFill>
-                  <a:schemeClr val="tx1">
-                    <a:tint val="75000"/>
-                  </a:schemeClr>
-                </a:solidFill>
-              </a:defRPr>
+            <a:lvl6pPr marL="1714500" indent="0" algn="ctr">
+              <a:buNone/>
+              <a:defRPr sz="1200"/>
             </a:lvl6pPr>
-            <a:lvl7pPr marL="2743200" indent="0" algn="ctr">
-              <a:buNone/>
-              <a:defRPr>
-                <a:solidFill>
-                  <a:schemeClr val="tx1">
-                    <a:tint val="75000"/>
-                  </a:schemeClr>
-                </a:solidFill>
-              </a:defRPr>
+            <a:lvl7pPr marL="2057400" indent="0" algn="ctr">
+              <a:buNone/>
+              <a:defRPr sz="1200"/>
             </a:lvl7pPr>
-            <a:lvl8pPr marL="3200400" indent="0" algn="ctr">
-              <a:buNone/>
-              <a:defRPr>
-                <a:solidFill>
-                  <a:schemeClr val="tx1">
-                    <a:tint val="75000"/>
-                  </a:schemeClr>
-                </a:solidFill>
-              </a:defRPr>
+            <a:lvl8pPr marL="2400300" indent="0" algn="ctr">
+              <a:buNone/>
+              <a:defRPr sz="1200"/>
             </a:lvl8pPr>
-            <a:lvl9pPr marL="3657600" indent="0" algn="ctr">
-              <a:buNone/>
-              <a:defRPr>
-                <a:solidFill>
-                  <a:schemeClr val="tx1">
-                    <a:tint val="75000"/>
-                  </a:schemeClr>
-                </a:solidFill>
-              </a:defRPr>
+            <a:lvl9pPr marL="2743200" indent="0" algn="ctr">
+              <a:buNone/>
+              <a:defRPr sz="1200"/>
             </a:lvl9pPr>
           </a:lstStyle>
           <a:p>
@@ -707,15 +231,16 @@
               <a:defRPr/>
             </a:pPr>
             <a:r>
-              <a:rPr lang="ru-RU"/>
-              <a:t>Образец подзаголовка</a:t>
-            </a:r>
-          </a:p>
-        </p:txBody>
-      </p:sp>
-      <p:sp>
-        <p:nvSpPr>
-          <p:cNvPr id="4" name="Дата 3"/>
+              <a:rPr lang="en-US"/>
+              <a:t>Click to edit Master subtitle style</a:t>
+            </a:r>
+            <a:endParaRPr lang="en-US"/>
+          </a:p>
+        </p:txBody>
+      </p:sp>
+      <p:sp>
+        <p:nvSpPr>
+          <p:cNvPr id="4" name="Date Placeholder 3"/>
           <p:cNvSpPr>
             <a:spLocks noGrp="1"/>
           </p:cNvSpPr>
@@ -731,9 +256,9 @@
             <a:pPr>
               <a:defRPr/>
             </a:pPr>
-            <a:fld id="{A69D51E0-3758-456B-809F-07B187805C7D}" type="datetimeFigureOut">
+            <a:fld id="{BCC18F51-09EC-435C-A3BA-64A766E099C0}" type="datetimeFigureOut">
               <a:rPr lang="ru-RU"/>
-              <a:t>28.07.2024</a:t>
+              <a:t/>
             </a:fld>
             <a:endParaRPr lang="ru-RU"/>
           </a:p>
@@ -741,7 +266,7 @@
       </p:sp>
       <p:sp>
         <p:nvSpPr>
-          <p:cNvPr id="5" name="Нижний колонтитул 4"/>
+          <p:cNvPr id="5" name="Footer Placeholder 4"/>
           <p:cNvSpPr>
             <a:spLocks noGrp="1"/>
           </p:cNvSpPr>
@@ -763,7 +288,7 @@
       </p:sp>
       <p:sp>
         <p:nvSpPr>
-          <p:cNvPr id="6" name="Номер слайда 5"/>
+          <p:cNvPr id="6" name="Slide Number Placeholder 5"/>
           <p:cNvSpPr>
             <a:spLocks noGrp="1"/>
           </p:cNvSpPr>
@@ -779,45 +304,11 @@
             <a:pPr>
               <a:defRPr/>
             </a:pPr>
-            <a:fld id="{4D3B38E7-149F-4D77-9EEF-9309C2CB69A9}" type="slidenum">
+            <a:fld id="{08395586-F03A-48D1-94DF-16B239DF4FB5}" type="slidenum">
               <a:rPr lang="ru-RU"/>
-              <a:t>‹#›</a:t>
+              <a:t/>
             </a:fld>
             <a:endParaRPr lang="ru-RU"/>
-          </a:p>
-        </p:txBody>
-      </p:sp>
-      <p:sp>
-        <p:nvSpPr>
-          <p:cNvPr id="7" name="Заголовок 6"/>
-          <p:cNvSpPr>
-            <a:spLocks noGrp="1"/>
-          </p:cNvSpPr>
-          <p:nvPr>
-            <p:ph type="title"/>
-          </p:nvPr>
-        </p:nvSpPr>
-        <p:spPr bwMode="auto">
-          <a:xfrm>
-            <a:off x="4595833" y="1808820"/>
-            <a:ext cx="6720746" cy="720079"/>
-          </a:xfrm>
-        </p:spPr>
-        <p:txBody>
-          <a:bodyPr/>
-          <a:lstStyle>
-            <a:lvl1pPr algn="r">
-              <a:defRPr/>
-            </a:lvl1pPr>
-          </a:lstStyle>
-          <a:p>
-            <a:pPr>
-              <a:defRPr/>
-            </a:pPr>
-            <a:r>
-              <a:rPr lang="ru-RU"/>
-              <a:t>Образец заголовка</a:t>
-            </a:r>
           </a:p>
         </p:txBody>
       </p:sp>
@@ -830,7 +321,7 @@
 </file>
 
 <file path=ppt/slideLayouts/slideLayout10.xml><?xml version="1.0" encoding="utf-8"?>
-<p:sldLayout xmlns:a="http://schemas.openxmlformats.org/drawingml/2006/main" xmlns:r="http://schemas.openxmlformats.org/officeDocument/2006/relationships" xmlns:p="http://schemas.openxmlformats.org/presentationml/2006/main" showMasterPhAnim="0" type="vertTx" userDrawn="1">
+<p:sldLayout xmlns:a="http://schemas.openxmlformats.org/drawingml/2006/main" xmlns:r="http://schemas.openxmlformats.org/officeDocument/2006/relationships" xmlns:p="http://schemas.openxmlformats.org/presentationml/2006/main" xmlns:m="http://schemas.openxmlformats.org/officeDocument/2006/math" xmlns:w="http://schemas.openxmlformats.org/wordprocessingml/2006/main" matchingName="" preserve="0" showMasterPhAnim="0" type="vertTx" userDrawn="1">
   <p:cSld name="Title and Vertical Text">
     <p:spTree>
       <p:nvGrpSpPr>
@@ -848,7 +339,7 @@
       </p:grpSpPr>
       <p:sp>
         <p:nvSpPr>
-          <p:cNvPr id="2" name="Заголовок 1"/>
+          <p:cNvPr id="2" name="Title 1"/>
           <p:cNvSpPr>
             <a:spLocks noGrp="1"/>
           </p:cNvSpPr>
@@ -865,15 +356,16 @@
               <a:defRPr/>
             </a:pPr>
             <a:r>
-              <a:rPr lang="ru-RU"/>
-              <a:t>Образец заголовка</a:t>
-            </a:r>
-          </a:p>
-        </p:txBody>
-      </p:sp>
-      <p:sp>
-        <p:nvSpPr>
-          <p:cNvPr id="3" name="Вертикальный текст 2"/>
+              <a:rPr lang="en-US"/>
+              <a:t>Click to edit Master title style</a:t>
+            </a:r>
+            <a:endParaRPr lang="en-US"/>
+          </a:p>
+        </p:txBody>
+      </p:sp>
+      <p:sp>
+        <p:nvSpPr>
+          <p:cNvPr id="3" name="Vertical Text Placeholder 2"/>
           <p:cNvSpPr>
             <a:spLocks noGrp="1"/>
           </p:cNvSpPr>
@@ -890,8 +382,8 @@
               <a:defRPr/>
             </a:pPr>
             <a:r>
-              <a:rPr lang="ru-RU"/>
-              <a:t>Образец текста</a:t>
+              <a:rPr lang="en-US"/>
+              <a:t>Click to edit Master text styles</a:t>
             </a:r>
             <a:endParaRPr/>
           </a:p>
@@ -900,8 +392,8 @@
               <a:defRPr/>
             </a:pPr>
             <a:r>
-              <a:rPr lang="ru-RU"/>
-              <a:t>Второй уровень</a:t>
+              <a:rPr lang="en-US"/>
+              <a:t>Second level</a:t>
             </a:r>
             <a:endParaRPr/>
           </a:p>
@@ -910,8 +402,8 @@
               <a:defRPr/>
             </a:pPr>
             <a:r>
-              <a:rPr lang="ru-RU"/>
-              <a:t>Третий уровень</a:t>
+              <a:rPr lang="en-US"/>
+              <a:t>Third level</a:t>
             </a:r>
             <a:endParaRPr/>
           </a:p>
@@ -920,8 +412,8 @@
               <a:defRPr/>
             </a:pPr>
             <a:r>
-              <a:rPr lang="ru-RU"/>
-              <a:t>Четвертый уровень</a:t>
+              <a:rPr lang="en-US"/>
+              <a:t>Fourth level</a:t>
             </a:r>
             <a:endParaRPr/>
           </a:p>
@@ -930,15 +422,16 @@
               <a:defRPr/>
             </a:pPr>
             <a:r>
-              <a:rPr lang="ru-RU"/>
-              <a:t>Пятый уровень</a:t>
-            </a:r>
-          </a:p>
-        </p:txBody>
-      </p:sp>
-      <p:sp>
-        <p:nvSpPr>
-          <p:cNvPr id="4" name="Дата 3"/>
+              <a:rPr lang="en-US"/>
+              <a:t>Fifth level</a:t>
+            </a:r>
+            <a:endParaRPr lang="en-US"/>
+          </a:p>
+        </p:txBody>
+      </p:sp>
+      <p:sp>
+        <p:nvSpPr>
+          <p:cNvPr id="4" name="Date Placeholder 3"/>
           <p:cNvSpPr>
             <a:spLocks noGrp="1"/>
           </p:cNvSpPr>
@@ -954,9 +447,9 @@
             <a:pPr>
               <a:defRPr/>
             </a:pPr>
-            <a:fld id="{A69D51E0-3758-456B-809F-07B187805C7D}" type="datetimeFigureOut">
+            <a:fld id="{BCC18F51-09EC-435C-A3BA-64A766E099C0}" type="datetimeFigureOut">
               <a:rPr lang="ru-RU"/>
-              <a:t>28.07.2024</a:t>
+              <a:t/>
             </a:fld>
             <a:endParaRPr lang="ru-RU"/>
           </a:p>
@@ -964,7 +457,7 @@
       </p:sp>
       <p:sp>
         <p:nvSpPr>
-          <p:cNvPr id="5" name="Нижний колонтитул 4"/>
+          <p:cNvPr id="5" name="Footer Placeholder 4"/>
           <p:cNvSpPr>
             <a:spLocks noGrp="1"/>
           </p:cNvSpPr>
@@ -986,7 +479,7 @@
       </p:sp>
       <p:sp>
         <p:nvSpPr>
-          <p:cNvPr id="6" name="Номер слайда 5"/>
+          <p:cNvPr id="6" name="Slide Number Placeholder 5"/>
           <p:cNvSpPr>
             <a:spLocks noGrp="1"/>
           </p:cNvSpPr>
@@ -1002,9 +495,9 @@
             <a:pPr>
               <a:defRPr/>
             </a:pPr>
-            <a:fld id="{4D3B38E7-149F-4D77-9EEF-9309C2CB69A9}" type="slidenum">
+            <a:fld id="{08395586-F03A-48D1-94DF-16B239DF4FB5}" type="slidenum">
               <a:rPr lang="ru-RU"/>
-              <a:t>‹#›</a:t>
+              <a:t/>
             </a:fld>
             <a:endParaRPr lang="ru-RU"/>
           </a:p>
@@ -1019,7 +512,7 @@
 </file>
 
 <file path=ppt/slideLayouts/slideLayout11.xml><?xml version="1.0" encoding="utf-8"?>
-<p:sldLayout xmlns:a="http://schemas.openxmlformats.org/drawingml/2006/main" xmlns:r="http://schemas.openxmlformats.org/officeDocument/2006/relationships" xmlns:p="http://schemas.openxmlformats.org/presentationml/2006/main" showMasterPhAnim="0" type="vertTitleAndTx" userDrawn="1">
+<p:sldLayout xmlns:a="http://schemas.openxmlformats.org/drawingml/2006/main" xmlns:r="http://schemas.openxmlformats.org/officeDocument/2006/relationships" xmlns:p="http://schemas.openxmlformats.org/presentationml/2006/main" xmlns:m="http://schemas.openxmlformats.org/officeDocument/2006/math" xmlns:w="http://schemas.openxmlformats.org/wordprocessingml/2006/main" matchingName="" preserve="0" showMasterPhAnim="0" type="vertTitleAndTx" userDrawn="1">
   <p:cSld name="Vertical Title and Text">
     <p:spTree>
       <p:nvGrpSpPr>
@@ -1037,7 +530,7 @@
       </p:grpSpPr>
       <p:sp>
         <p:nvSpPr>
-          <p:cNvPr id="2" name="Вертикальный заголовок 1"/>
+          <p:cNvPr id="2" name="Vertical Title 1"/>
           <p:cNvSpPr>
             <a:spLocks noGrp="1"/>
           </p:cNvSpPr>
@@ -1047,31 +540,28 @@
         </p:nvSpPr>
         <p:spPr bwMode="auto">
           <a:xfrm>
-            <a:off x="8839199" y="274639"/>
-            <a:ext cx="2743200" cy="5851525"/>
+            <a:off x="8724899" y="365125"/>
+            <a:ext cx="2628900" cy="5811838"/>
           </a:xfrm>
         </p:spPr>
         <p:txBody>
           <a:bodyPr vert="eaVert"/>
-          <a:lstStyle>
-            <a:lvl1pPr algn="ctr">
-              <a:defRPr/>
-            </a:lvl1pPr>
-          </a:lstStyle>
-          <a:p>
-            <a:pPr>
-              <a:defRPr/>
-            </a:pPr>
-            <a:r>
-              <a:rPr lang="ru-RU"/>
-              <a:t>Образец заголовка</a:t>
-            </a:r>
-          </a:p>
-        </p:txBody>
-      </p:sp>
-      <p:sp>
-        <p:nvSpPr>
-          <p:cNvPr id="3" name="Вертикальный текст 2"/>
+          <a:lstStyle/>
+          <a:p>
+            <a:pPr>
+              <a:defRPr/>
+            </a:pPr>
+            <a:r>
+              <a:rPr lang="en-US"/>
+              <a:t>Click to edit Master title style</a:t>
+            </a:r>
+            <a:endParaRPr lang="en-US"/>
+          </a:p>
+        </p:txBody>
+      </p:sp>
+      <p:sp>
+        <p:nvSpPr>
+          <p:cNvPr id="3" name="Vertical Text Placeholder 2"/>
           <p:cNvSpPr>
             <a:spLocks noGrp="1"/>
           </p:cNvSpPr>
@@ -1081,8 +571,8 @@
         </p:nvSpPr>
         <p:spPr bwMode="auto">
           <a:xfrm>
-            <a:off x="609599" y="274639"/>
-            <a:ext cx="8026399" cy="5851525"/>
+            <a:off x="838199" y="365125"/>
+            <a:ext cx="7734299" cy="5811838"/>
           </a:xfrm>
         </p:spPr>
         <p:txBody>
@@ -1093,8 +583,8 @@
               <a:defRPr/>
             </a:pPr>
             <a:r>
-              <a:rPr lang="ru-RU"/>
-              <a:t>Образец текста</a:t>
+              <a:rPr lang="en-US"/>
+              <a:t>Click to edit Master text styles</a:t>
             </a:r>
             <a:endParaRPr/>
           </a:p>
@@ -1103,8 +593,8 @@
               <a:defRPr/>
             </a:pPr>
             <a:r>
-              <a:rPr lang="ru-RU"/>
-              <a:t>Второй уровень</a:t>
+              <a:rPr lang="en-US"/>
+              <a:t>Second level</a:t>
             </a:r>
             <a:endParaRPr/>
           </a:p>
@@ -1113,8 +603,8 @@
               <a:defRPr/>
             </a:pPr>
             <a:r>
-              <a:rPr lang="ru-RU"/>
-              <a:t>Третий уровень</a:t>
+              <a:rPr lang="en-US"/>
+              <a:t>Third level</a:t>
             </a:r>
             <a:endParaRPr/>
           </a:p>
@@ -1123,8 +613,8 @@
               <a:defRPr/>
             </a:pPr>
             <a:r>
-              <a:rPr lang="ru-RU"/>
-              <a:t>Четвертый уровень</a:t>
+              <a:rPr lang="en-US"/>
+              <a:t>Fourth level</a:t>
             </a:r>
             <a:endParaRPr/>
           </a:p>
@@ -1133,15 +623,16 @@
               <a:defRPr/>
             </a:pPr>
             <a:r>
-              <a:rPr lang="ru-RU"/>
-              <a:t>Пятый уровень</a:t>
-            </a:r>
-          </a:p>
-        </p:txBody>
-      </p:sp>
-      <p:sp>
-        <p:nvSpPr>
-          <p:cNvPr id="4" name="Дата 3"/>
+              <a:rPr lang="en-US"/>
+              <a:t>Fifth level</a:t>
+            </a:r>
+            <a:endParaRPr lang="en-US"/>
+          </a:p>
+        </p:txBody>
+      </p:sp>
+      <p:sp>
+        <p:nvSpPr>
+          <p:cNvPr id="4" name="Date Placeholder 3"/>
           <p:cNvSpPr>
             <a:spLocks noGrp="1"/>
           </p:cNvSpPr>
@@ -1157,9 +648,9 @@
             <a:pPr>
               <a:defRPr/>
             </a:pPr>
-            <a:fld id="{A69D51E0-3758-456B-809F-07B187805C7D}" type="datetimeFigureOut">
+            <a:fld id="{BCC18F51-09EC-435C-A3BA-64A766E099C0}" type="datetimeFigureOut">
               <a:rPr lang="ru-RU"/>
-              <a:t>28.07.2024</a:t>
+              <a:t/>
             </a:fld>
             <a:endParaRPr lang="ru-RU"/>
           </a:p>
@@ -1167,7 +658,7 @@
       </p:sp>
       <p:sp>
         <p:nvSpPr>
-          <p:cNvPr id="5" name="Нижний колонтитул 4"/>
+          <p:cNvPr id="5" name="Footer Placeholder 4"/>
           <p:cNvSpPr>
             <a:spLocks noGrp="1"/>
           </p:cNvSpPr>
@@ -1189,7 +680,7 @@
       </p:sp>
       <p:sp>
         <p:nvSpPr>
-          <p:cNvPr id="6" name="Номер слайда 5"/>
+          <p:cNvPr id="6" name="Slide Number Placeholder 5"/>
           <p:cNvSpPr>
             <a:spLocks noGrp="1"/>
           </p:cNvSpPr>
@@ -1205,9 +696,9 @@
             <a:pPr>
               <a:defRPr/>
             </a:pPr>
-            <a:fld id="{4D3B38E7-149F-4D77-9EEF-9309C2CB69A9}" type="slidenum">
+            <a:fld id="{08395586-F03A-48D1-94DF-16B239DF4FB5}" type="slidenum">
               <a:rPr lang="ru-RU"/>
-              <a:t>‹#›</a:t>
+              <a:t/>
             </a:fld>
             <a:endParaRPr lang="ru-RU"/>
           </a:p>
@@ -1222,7 +713,7 @@
 </file>
 
 <file path=ppt/slideLayouts/slideLayout2.xml><?xml version="1.0" encoding="utf-8"?>
-<p:sldLayout xmlns:a="http://schemas.openxmlformats.org/drawingml/2006/main" xmlns:r="http://schemas.openxmlformats.org/officeDocument/2006/relationships" xmlns:p="http://schemas.openxmlformats.org/presentationml/2006/main" showMasterPhAnim="0" type="obj" userDrawn="1">
+<p:sldLayout xmlns:a="http://schemas.openxmlformats.org/drawingml/2006/main" xmlns:r="http://schemas.openxmlformats.org/officeDocument/2006/relationships" xmlns:p="http://schemas.openxmlformats.org/presentationml/2006/main" xmlns:m="http://schemas.openxmlformats.org/officeDocument/2006/math" xmlns:w="http://schemas.openxmlformats.org/wordprocessingml/2006/main" matchingName="" preserve="0" showMasterPhAnim="0" type="obj" userDrawn="1">
   <p:cSld name="Title and Content">
     <p:spTree>
       <p:nvGrpSpPr>
@@ -1240,7 +731,7 @@
       </p:grpSpPr>
       <p:sp>
         <p:nvSpPr>
-          <p:cNvPr id="2" name="Заголовок 1"/>
+          <p:cNvPr id="2" name="Title 1"/>
           <p:cNvSpPr>
             <a:spLocks noGrp="1"/>
           </p:cNvSpPr>
@@ -1257,15 +748,16 @@
               <a:defRPr/>
             </a:pPr>
             <a:r>
-              <a:rPr lang="ru-RU"/>
-              <a:t>Образец заголовка</a:t>
-            </a:r>
-          </a:p>
-        </p:txBody>
-      </p:sp>
-      <p:sp>
-        <p:nvSpPr>
-          <p:cNvPr id="3" name="Объект 2"/>
+              <a:rPr lang="en-US"/>
+              <a:t>Click to edit Master title style</a:t>
+            </a:r>
+            <a:endParaRPr lang="en-US"/>
+          </a:p>
+        </p:txBody>
+      </p:sp>
+      <p:sp>
+        <p:nvSpPr>
+          <p:cNvPr id="3" name="Content Placeholder 2"/>
           <p:cNvSpPr>
             <a:spLocks noGrp="1"/>
           </p:cNvSpPr>
@@ -1282,8 +774,8 @@
               <a:defRPr/>
             </a:pPr>
             <a:r>
-              <a:rPr lang="ru-RU"/>
-              <a:t>Образец текста</a:t>
+              <a:rPr lang="en-US"/>
+              <a:t>Click to edit Master text styles</a:t>
             </a:r>
             <a:endParaRPr/>
           </a:p>
@@ -1292,8 +784,8 @@
               <a:defRPr/>
             </a:pPr>
             <a:r>
-              <a:rPr lang="ru-RU"/>
-              <a:t>Второй уровень</a:t>
+              <a:rPr lang="en-US"/>
+              <a:t>Second level</a:t>
             </a:r>
             <a:endParaRPr/>
           </a:p>
@@ -1302,8 +794,8 @@
               <a:defRPr/>
             </a:pPr>
             <a:r>
-              <a:rPr lang="ru-RU"/>
-              <a:t>Третий уровень</a:t>
+              <a:rPr lang="en-US"/>
+              <a:t>Third level</a:t>
             </a:r>
             <a:endParaRPr/>
           </a:p>
@@ -1312,8 +804,8 @@
               <a:defRPr/>
             </a:pPr>
             <a:r>
-              <a:rPr lang="ru-RU"/>
-              <a:t>Четвертый уровень</a:t>
+              <a:rPr lang="en-US"/>
+              <a:t>Fourth level</a:t>
             </a:r>
             <a:endParaRPr/>
           </a:p>
@@ -1322,15 +814,16 @@
               <a:defRPr/>
             </a:pPr>
             <a:r>
-              <a:rPr lang="ru-RU"/>
-              <a:t>Пятый уровень</a:t>
-            </a:r>
-          </a:p>
-        </p:txBody>
-      </p:sp>
-      <p:sp>
-        <p:nvSpPr>
-          <p:cNvPr id="4" name="Дата 3"/>
+              <a:rPr lang="en-US"/>
+              <a:t>Fifth level</a:t>
+            </a:r>
+            <a:endParaRPr lang="en-US"/>
+          </a:p>
+        </p:txBody>
+      </p:sp>
+      <p:sp>
+        <p:nvSpPr>
+          <p:cNvPr id="4" name="Date Placeholder 3"/>
           <p:cNvSpPr>
             <a:spLocks noGrp="1"/>
           </p:cNvSpPr>
@@ -1346,9 +839,9 @@
             <a:pPr>
               <a:defRPr/>
             </a:pPr>
-            <a:fld id="{A69D51E0-3758-456B-809F-07B187805C7D}" type="datetimeFigureOut">
+            <a:fld id="{BCC18F51-09EC-435C-A3BA-64A766E099C0}" type="datetimeFigureOut">
               <a:rPr lang="ru-RU"/>
-              <a:t>28.07.2024</a:t>
+              <a:t/>
             </a:fld>
             <a:endParaRPr lang="ru-RU"/>
           </a:p>
@@ -1356,7 +849,7 @@
       </p:sp>
       <p:sp>
         <p:nvSpPr>
-          <p:cNvPr id="5" name="Нижний колонтитул 4"/>
+          <p:cNvPr id="5" name="Footer Placeholder 4"/>
           <p:cNvSpPr>
             <a:spLocks noGrp="1"/>
           </p:cNvSpPr>
@@ -1378,7 +871,7 @@
       </p:sp>
       <p:sp>
         <p:nvSpPr>
-          <p:cNvPr id="6" name="Номер слайда 5"/>
+          <p:cNvPr id="6" name="Slide Number Placeholder 5"/>
           <p:cNvSpPr>
             <a:spLocks noGrp="1"/>
           </p:cNvSpPr>
@@ -1394,9 +887,9 @@
             <a:pPr>
               <a:defRPr/>
             </a:pPr>
-            <a:fld id="{4D3B38E7-149F-4D77-9EEF-9309C2CB69A9}" type="slidenum">
+            <a:fld id="{08395586-F03A-48D1-94DF-16B239DF4FB5}" type="slidenum">
               <a:rPr lang="ru-RU"/>
-              <a:t>‹#›</a:t>
+              <a:t/>
             </a:fld>
             <a:endParaRPr lang="ru-RU"/>
           </a:p>
@@ -1411,7 +904,7 @@
 </file>
 
 <file path=ppt/slideLayouts/slideLayout3.xml><?xml version="1.0" encoding="utf-8"?>
-<p:sldLayout xmlns:a="http://schemas.openxmlformats.org/drawingml/2006/main" xmlns:r="http://schemas.openxmlformats.org/officeDocument/2006/relationships" xmlns:p="http://schemas.openxmlformats.org/presentationml/2006/main" showMasterPhAnim="0" type="secHead" userDrawn="1">
+<p:sldLayout xmlns:a="http://schemas.openxmlformats.org/drawingml/2006/main" xmlns:r="http://schemas.openxmlformats.org/officeDocument/2006/relationships" xmlns:p="http://schemas.openxmlformats.org/presentationml/2006/main" xmlns:m="http://schemas.openxmlformats.org/officeDocument/2006/math" xmlns:w="http://schemas.openxmlformats.org/wordprocessingml/2006/main" matchingName="" preserve="0" showMasterPhAnim="0" type="secHead" userDrawn="1">
   <p:cSld name="Section Header">
     <p:spTree>
       <p:nvGrpSpPr>
@@ -1429,7 +922,7 @@
       </p:grpSpPr>
       <p:sp>
         <p:nvSpPr>
-          <p:cNvPr id="2" name="Заголовок 1"/>
+          <p:cNvPr id="2" name="Title 1"/>
           <p:cNvSpPr>
             <a:spLocks noGrp="1"/>
           </p:cNvSpPr>
@@ -1439,15 +932,15 @@
         </p:nvSpPr>
         <p:spPr bwMode="auto">
           <a:xfrm>
-            <a:off x="963083" y="4406901"/>
-            <a:ext cx="10363199" cy="1362074"/>
+            <a:off x="831850" y="1709738"/>
+            <a:ext cx="10515600" cy="2852737"/>
           </a:xfrm>
         </p:spPr>
         <p:txBody>
-          <a:bodyPr anchor="t"/>
+          <a:bodyPr anchor="b"/>
           <a:lstStyle>
-            <a:lvl1pPr algn="l">
-              <a:defRPr sz="4000" b="1" cap="all"/>
+            <a:lvl1pPr>
+              <a:defRPr sz="4500"/>
             </a:lvl1pPr>
           </a:lstStyle>
           <a:p>
@@ -1455,15 +948,16 @@
               <a:defRPr/>
             </a:pPr>
             <a:r>
-              <a:rPr lang="ru-RU"/>
-              <a:t>Образец заголовка</a:t>
-            </a:r>
-          </a:p>
-        </p:txBody>
-      </p:sp>
-      <p:sp>
-        <p:nvSpPr>
-          <p:cNvPr id="3" name="Текст 2"/>
+              <a:rPr lang="en-US"/>
+              <a:t>Click to edit Master title style</a:t>
+            </a:r>
+            <a:endParaRPr lang="en-US"/>
+          </a:p>
+        </p:txBody>
+      </p:sp>
+      <p:sp>
+        <p:nvSpPr>
+          <p:cNvPr id="3" name="Text Placeholder 2"/>
           <p:cNvSpPr>
             <a:spLocks noGrp="1"/>
           </p:cNvSpPr>
@@ -1473,16 +967,16 @@
         </p:nvSpPr>
         <p:spPr bwMode="auto">
           <a:xfrm>
-            <a:off x="963083" y="2906713"/>
-            <a:ext cx="10363199" cy="1500186"/>
+            <a:off x="831850" y="4589463"/>
+            <a:ext cx="10515600" cy="1500186"/>
           </a:xfrm>
         </p:spPr>
         <p:txBody>
-          <a:bodyPr anchor="b"/>
+          <a:bodyPr/>
           <a:lstStyle>
             <a:lvl1pPr marL="0" indent="0">
               <a:buNone/>
-              <a:defRPr sz="2000">
+              <a:defRPr sz="1800">
                 <a:solidFill>
                   <a:schemeClr val="tx1">
                     <a:tint val="75000"/>
@@ -1490,9 +984,9 @@
                 </a:solidFill>
               </a:defRPr>
             </a:lvl1pPr>
-            <a:lvl2pPr marL="457200" indent="0">
-              <a:buNone/>
-              <a:defRPr sz="1800">
+            <a:lvl2pPr marL="342900" indent="0">
+              <a:buNone/>
+              <a:defRPr sz="1500">
                 <a:solidFill>
                   <a:schemeClr val="tx1">
                     <a:tint val="75000"/>
@@ -1500,9 +994,9 @@
                 </a:solidFill>
               </a:defRPr>
             </a:lvl2pPr>
-            <a:lvl3pPr marL="914400" indent="0">
-              <a:buNone/>
-              <a:defRPr sz="1600">
+            <a:lvl3pPr marL="685800" indent="0">
+              <a:buNone/>
+              <a:defRPr sz="1350">
                 <a:solidFill>
                   <a:schemeClr val="tx1">
                     <a:tint val="75000"/>
@@ -1510,9 +1004,9 @@
                 </a:solidFill>
               </a:defRPr>
             </a:lvl3pPr>
-            <a:lvl4pPr marL="1371600" indent="0">
-              <a:buNone/>
-              <a:defRPr sz="1400">
+            <a:lvl4pPr marL="1028700" indent="0">
+              <a:buNone/>
+              <a:defRPr sz="1200">
                 <a:solidFill>
                   <a:schemeClr val="tx1">
                     <a:tint val="75000"/>
@@ -1520,9 +1014,9 @@
                 </a:solidFill>
               </a:defRPr>
             </a:lvl4pPr>
-            <a:lvl5pPr marL="1828800" indent="0">
-              <a:buNone/>
-              <a:defRPr sz="1400">
+            <a:lvl5pPr marL="1371600" indent="0">
+              <a:buNone/>
+              <a:defRPr sz="1200">
                 <a:solidFill>
                   <a:schemeClr val="tx1">
                     <a:tint val="75000"/>
@@ -1530,9 +1024,9 @@
                 </a:solidFill>
               </a:defRPr>
             </a:lvl5pPr>
-            <a:lvl6pPr marL="2286000" indent="0">
-              <a:buNone/>
-              <a:defRPr sz="1400">
+            <a:lvl6pPr marL="1714500" indent="0">
+              <a:buNone/>
+              <a:defRPr sz="1200">
                 <a:solidFill>
                   <a:schemeClr val="tx1">
                     <a:tint val="75000"/>
@@ -1540,9 +1034,9 @@
                 </a:solidFill>
               </a:defRPr>
             </a:lvl6pPr>
-            <a:lvl7pPr marL="2743200" indent="0">
-              <a:buNone/>
-              <a:defRPr sz="1400">
+            <a:lvl7pPr marL="2057400" indent="0">
+              <a:buNone/>
+              <a:defRPr sz="1200">
                 <a:solidFill>
                   <a:schemeClr val="tx1">
                     <a:tint val="75000"/>
@@ -1550,9 +1044,9 @@
                 </a:solidFill>
               </a:defRPr>
             </a:lvl7pPr>
-            <a:lvl8pPr marL="3200400" indent="0">
-              <a:buNone/>
-              <a:defRPr sz="1400">
+            <a:lvl8pPr marL="2400300" indent="0">
+              <a:buNone/>
+              <a:defRPr sz="1200">
                 <a:solidFill>
                   <a:schemeClr val="tx1">
                     <a:tint val="75000"/>
@@ -1560,9 +1054,9 @@
                 </a:solidFill>
               </a:defRPr>
             </a:lvl8pPr>
-            <a:lvl9pPr marL="3657600" indent="0">
-              <a:buNone/>
-              <a:defRPr sz="1400">
+            <a:lvl9pPr marL="2743200" indent="0">
+              <a:buNone/>
+              <a:defRPr sz="1200">
                 <a:solidFill>
                   <a:schemeClr val="tx1">
                     <a:tint val="75000"/>
@@ -1576,8 +1070,8 @@
               <a:defRPr/>
             </a:pPr>
             <a:r>
-              <a:rPr lang="ru-RU"/>
-              <a:t>Образец текста</a:t>
+              <a:rPr lang="en-US"/>
+              <a:t>Click to edit Master text styles</a:t>
             </a:r>
             <a:endParaRPr/>
           </a:p>
@@ -1585,7 +1079,7 @@
       </p:sp>
       <p:sp>
         <p:nvSpPr>
-          <p:cNvPr id="4" name="Дата 3"/>
+          <p:cNvPr id="4" name="Date Placeholder 3"/>
           <p:cNvSpPr>
             <a:spLocks noGrp="1"/>
           </p:cNvSpPr>
@@ -1601,9 +1095,9 @@
             <a:pPr>
               <a:defRPr/>
             </a:pPr>
-            <a:fld id="{A69D51E0-3758-456B-809F-07B187805C7D}" type="datetimeFigureOut">
+            <a:fld id="{BCC18F51-09EC-435C-A3BA-64A766E099C0}" type="datetimeFigureOut">
               <a:rPr lang="ru-RU"/>
-              <a:t>28.07.2024</a:t>
+              <a:t/>
             </a:fld>
             <a:endParaRPr lang="ru-RU"/>
           </a:p>
@@ -1611,7 +1105,7 @@
       </p:sp>
       <p:sp>
         <p:nvSpPr>
-          <p:cNvPr id="5" name="Нижний колонтитул 4"/>
+          <p:cNvPr id="5" name="Footer Placeholder 4"/>
           <p:cNvSpPr>
             <a:spLocks noGrp="1"/>
           </p:cNvSpPr>
@@ -1633,7 +1127,7 @@
       </p:sp>
       <p:sp>
         <p:nvSpPr>
-          <p:cNvPr id="6" name="Номер слайда 5"/>
+          <p:cNvPr id="6" name="Slide Number Placeholder 5"/>
           <p:cNvSpPr>
             <a:spLocks noGrp="1"/>
           </p:cNvSpPr>
@@ -1649,9 +1143,9 @@
             <a:pPr>
               <a:defRPr/>
             </a:pPr>
-            <a:fld id="{4D3B38E7-149F-4D77-9EEF-9309C2CB69A9}" type="slidenum">
+            <a:fld id="{08395586-F03A-48D1-94DF-16B239DF4FB5}" type="slidenum">
               <a:rPr lang="ru-RU"/>
-              <a:t>‹#›</a:t>
+              <a:t/>
             </a:fld>
             <a:endParaRPr lang="ru-RU"/>
           </a:p>
@@ -1666,7 +1160,7 @@
 </file>
 
 <file path=ppt/slideLayouts/slideLayout4.xml><?xml version="1.0" encoding="utf-8"?>
-<p:sldLayout xmlns:a="http://schemas.openxmlformats.org/drawingml/2006/main" xmlns:r="http://schemas.openxmlformats.org/officeDocument/2006/relationships" xmlns:p="http://schemas.openxmlformats.org/presentationml/2006/main" showMasterPhAnim="0" type="twoObj" userDrawn="1">
+<p:sldLayout xmlns:a="http://schemas.openxmlformats.org/drawingml/2006/main" xmlns:r="http://schemas.openxmlformats.org/officeDocument/2006/relationships" xmlns:p="http://schemas.openxmlformats.org/presentationml/2006/main" xmlns:m="http://schemas.openxmlformats.org/officeDocument/2006/math" xmlns:w="http://schemas.openxmlformats.org/wordprocessingml/2006/main" matchingName="" preserve="0" showMasterPhAnim="0" type="twoObj" userDrawn="1">
   <p:cSld name="Two Content">
     <p:spTree>
       <p:nvGrpSpPr>
@@ -1684,7 +1178,7 @@
       </p:grpSpPr>
       <p:sp>
         <p:nvSpPr>
-          <p:cNvPr id="2" name="Заголовок 1"/>
+          <p:cNvPr id="2" name="Title 1"/>
           <p:cNvSpPr>
             <a:spLocks noGrp="1"/>
           </p:cNvSpPr>
@@ -1701,15 +1195,16 @@
               <a:defRPr/>
             </a:pPr>
             <a:r>
-              <a:rPr lang="ru-RU"/>
-              <a:t>Образец заголовка</a:t>
-            </a:r>
-          </a:p>
-        </p:txBody>
-      </p:sp>
-      <p:sp>
-        <p:nvSpPr>
-          <p:cNvPr id="3" name="Объект 2"/>
+              <a:rPr lang="en-US"/>
+              <a:t>Click to edit Master title style</a:t>
+            </a:r>
+            <a:endParaRPr lang="en-US"/>
+          </a:p>
+        </p:txBody>
+      </p:sp>
+      <p:sp>
+        <p:nvSpPr>
+          <p:cNvPr id="3" name="Content Placeholder 2"/>
           <p:cNvSpPr>
             <a:spLocks noGrp="1"/>
           </p:cNvSpPr>
@@ -1719,48 +1214,20 @@
         </p:nvSpPr>
         <p:spPr bwMode="auto">
           <a:xfrm>
-            <a:off x="609599" y="1600201"/>
-            <a:ext cx="5384799" cy="4525962"/>
+            <a:off x="838199" y="1825625"/>
+            <a:ext cx="5181599" cy="4351338"/>
           </a:xfrm>
         </p:spPr>
         <p:txBody>
           <a:bodyPr/>
-          <a:lstStyle>
-            <a:lvl1pPr>
-              <a:defRPr sz="2800"/>
-            </a:lvl1pPr>
-            <a:lvl2pPr>
-              <a:defRPr sz="2400"/>
-            </a:lvl2pPr>
-            <a:lvl3pPr>
-              <a:defRPr sz="2000"/>
-            </a:lvl3pPr>
-            <a:lvl4pPr>
-              <a:defRPr sz="1800"/>
-            </a:lvl4pPr>
-            <a:lvl5pPr>
-              <a:defRPr sz="1800"/>
-            </a:lvl5pPr>
-            <a:lvl6pPr>
-              <a:defRPr sz="1800"/>
-            </a:lvl6pPr>
-            <a:lvl7pPr>
-              <a:defRPr sz="1800"/>
-            </a:lvl7pPr>
-            <a:lvl8pPr>
-              <a:defRPr sz="1800"/>
-            </a:lvl8pPr>
-            <a:lvl9pPr>
-              <a:defRPr sz="1800"/>
-            </a:lvl9pPr>
-          </a:lstStyle>
+          <a:lstStyle/>
           <a:p>
             <a:pPr lvl="0">
               <a:defRPr/>
             </a:pPr>
             <a:r>
-              <a:rPr lang="ru-RU"/>
-              <a:t>Образец текста</a:t>
+              <a:rPr lang="en-US"/>
+              <a:t>Click to edit Master text styles</a:t>
             </a:r>
             <a:endParaRPr/>
           </a:p>
@@ -1769,8 +1236,8 @@
               <a:defRPr/>
             </a:pPr>
             <a:r>
-              <a:rPr lang="ru-RU"/>
-              <a:t>Второй уровень</a:t>
+              <a:rPr lang="en-US"/>
+              <a:t>Second level</a:t>
             </a:r>
             <a:endParaRPr/>
           </a:p>
@@ -1779,8 +1246,8 @@
               <a:defRPr/>
             </a:pPr>
             <a:r>
-              <a:rPr lang="ru-RU"/>
-              <a:t>Третий уровень</a:t>
+              <a:rPr lang="en-US"/>
+              <a:t>Third level</a:t>
             </a:r>
             <a:endParaRPr/>
           </a:p>
@@ -1789,8 +1256,8 @@
               <a:defRPr/>
             </a:pPr>
             <a:r>
-              <a:rPr lang="ru-RU"/>
-              <a:t>Четвертый уровень</a:t>
+              <a:rPr lang="en-US"/>
+              <a:t>Fourth level</a:t>
             </a:r>
             <a:endParaRPr/>
           </a:p>
@@ -1799,15 +1266,16 @@
               <a:defRPr/>
             </a:pPr>
             <a:r>
-              <a:rPr lang="ru-RU"/>
-              <a:t>Пятый уровень</a:t>
-            </a:r>
-          </a:p>
-        </p:txBody>
-      </p:sp>
-      <p:sp>
-        <p:nvSpPr>
-          <p:cNvPr id="4" name="Объект 3"/>
+              <a:rPr lang="en-US"/>
+              <a:t>Fifth level</a:t>
+            </a:r>
+            <a:endParaRPr lang="en-US"/>
+          </a:p>
+        </p:txBody>
+      </p:sp>
+      <p:sp>
+        <p:nvSpPr>
+          <p:cNvPr id="4" name="Content Placeholder 3"/>
           <p:cNvSpPr>
             <a:spLocks noGrp="1"/>
           </p:cNvSpPr>
@@ -1817,48 +1285,20 @@
         </p:nvSpPr>
         <p:spPr bwMode="auto">
           <a:xfrm>
-            <a:off x="6197599" y="1600201"/>
-            <a:ext cx="5384799" cy="4525962"/>
+            <a:off x="6172200" y="1825625"/>
+            <a:ext cx="5181599" cy="4351338"/>
           </a:xfrm>
         </p:spPr>
         <p:txBody>
           <a:bodyPr/>
-          <a:lstStyle>
-            <a:lvl1pPr>
-              <a:defRPr sz="2800"/>
-            </a:lvl1pPr>
-            <a:lvl2pPr>
-              <a:defRPr sz="2400"/>
-            </a:lvl2pPr>
-            <a:lvl3pPr>
-              <a:defRPr sz="2000"/>
-            </a:lvl3pPr>
-            <a:lvl4pPr>
-              <a:defRPr sz="1800"/>
-            </a:lvl4pPr>
-            <a:lvl5pPr>
-              <a:defRPr sz="1800"/>
-            </a:lvl5pPr>
-            <a:lvl6pPr>
-              <a:defRPr sz="1800"/>
-            </a:lvl6pPr>
-            <a:lvl7pPr>
-              <a:defRPr sz="1800"/>
-            </a:lvl7pPr>
-            <a:lvl8pPr>
-              <a:defRPr sz="1800"/>
-            </a:lvl8pPr>
-            <a:lvl9pPr>
-              <a:defRPr sz="1800"/>
-            </a:lvl9pPr>
-          </a:lstStyle>
+          <a:lstStyle/>
           <a:p>
             <a:pPr lvl="0">
               <a:defRPr/>
             </a:pPr>
             <a:r>
-              <a:rPr lang="ru-RU"/>
-              <a:t>Образец текста</a:t>
+              <a:rPr lang="en-US"/>
+              <a:t>Click to edit Master text styles</a:t>
             </a:r>
             <a:endParaRPr/>
           </a:p>
@@ -1867,8 +1307,8 @@
               <a:defRPr/>
             </a:pPr>
             <a:r>
-              <a:rPr lang="ru-RU"/>
-              <a:t>Второй уровень</a:t>
+              <a:rPr lang="en-US"/>
+              <a:t>Second level</a:t>
             </a:r>
             <a:endParaRPr/>
           </a:p>
@@ -1877,8 +1317,8 @@
               <a:defRPr/>
             </a:pPr>
             <a:r>
-              <a:rPr lang="ru-RU"/>
-              <a:t>Третий уровень</a:t>
+              <a:rPr lang="en-US"/>
+              <a:t>Third level</a:t>
             </a:r>
             <a:endParaRPr/>
           </a:p>
@@ -1887,8 +1327,8 @@
               <a:defRPr/>
             </a:pPr>
             <a:r>
-              <a:rPr lang="ru-RU"/>
-              <a:t>Четвертый уровень</a:t>
+              <a:rPr lang="en-US"/>
+              <a:t>Fourth level</a:t>
             </a:r>
             <a:endParaRPr/>
           </a:p>
@@ -1897,15 +1337,16 @@
               <a:defRPr/>
             </a:pPr>
             <a:r>
-              <a:rPr lang="ru-RU"/>
-              <a:t>Пятый уровень</a:t>
-            </a:r>
-          </a:p>
-        </p:txBody>
-      </p:sp>
-      <p:sp>
-        <p:nvSpPr>
-          <p:cNvPr id="5" name="Дата 4"/>
+              <a:rPr lang="en-US"/>
+              <a:t>Fifth level</a:t>
+            </a:r>
+            <a:endParaRPr lang="en-US"/>
+          </a:p>
+        </p:txBody>
+      </p:sp>
+      <p:sp>
+        <p:nvSpPr>
+          <p:cNvPr id="5" name="Date Placeholder 4"/>
           <p:cNvSpPr>
             <a:spLocks noGrp="1"/>
           </p:cNvSpPr>
@@ -1921,9 +1362,9 @@
             <a:pPr>
               <a:defRPr/>
             </a:pPr>
-            <a:fld id="{A69D51E0-3758-456B-809F-07B187805C7D}" type="datetimeFigureOut">
+            <a:fld id="{BCC18F51-09EC-435C-A3BA-64A766E099C0}" type="datetimeFigureOut">
               <a:rPr lang="ru-RU"/>
-              <a:t>28.07.2024</a:t>
+              <a:t/>
             </a:fld>
             <a:endParaRPr lang="ru-RU"/>
           </a:p>
@@ -1931,7 +1372,7 @@
       </p:sp>
       <p:sp>
         <p:nvSpPr>
-          <p:cNvPr id="6" name="Нижний колонтитул 5"/>
+          <p:cNvPr id="6" name="Footer Placeholder 5"/>
           <p:cNvSpPr>
             <a:spLocks noGrp="1"/>
           </p:cNvSpPr>
@@ -1953,7 +1394,7 @@
       </p:sp>
       <p:sp>
         <p:nvSpPr>
-          <p:cNvPr id="7" name="Номер слайда 6"/>
+          <p:cNvPr id="7" name="Slide Number Placeholder 6"/>
           <p:cNvSpPr>
             <a:spLocks noGrp="1"/>
           </p:cNvSpPr>
@@ -1969,9 +1410,9 @@
             <a:pPr>
               <a:defRPr/>
             </a:pPr>
-            <a:fld id="{4D3B38E7-149F-4D77-9EEF-9309C2CB69A9}" type="slidenum">
+            <a:fld id="{08395586-F03A-48D1-94DF-16B239DF4FB5}" type="slidenum">
               <a:rPr lang="ru-RU"/>
-              <a:t>‹#›</a:t>
+              <a:t/>
             </a:fld>
             <a:endParaRPr lang="ru-RU"/>
           </a:p>
@@ -1986,7 +1427,7 @@
 </file>
 
 <file path=ppt/slideLayouts/slideLayout5.xml><?xml version="1.0" encoding="utf-8"?>
-<p:sldLayout xmlns:a="http://schemas.openxmlformats.org/drawingml/2006/main" xmlns:r="http://schemas.openxmlformats.org/officeDocument/2006/relationships" xmlns:p="http://schemas.openxmlformats.org/presentationml/2006/main" showMasterPhAnim="0" type="twoTxTwoObj" userDrawn="1">
+<p:sldLayout xmlns:a="http://schemas.openxmlformats.org/drawingml/2006/main" xmlns:r="http://schemas.openxmlformats.org/officeDocument/2006/relationships" xmlns:p="http://schemas.openxmlformats.org/presentationml/2006/main" xmlns:m="http://schemas.openxmlformats.org/officeDocument/2006/math" xmlns:w="http://schemas.openxmlformats.org/wordprocessingml/2006/main" matchingName="" preserve="0" showMasterPhAnim="0" type="twoTxTwoObj" userDrawn="1">
   <p:cSld name="Comparison">
     <p:spTree>
       <p:nvGrpSpPr>
@@ -2004,47 +1445,49 @@
       </p:grpSpPr>
       <p:sp>
         <p:nvSpPr>
-          <p:cNvPr id="2" name="Заголовок 1"/>
+          <p:cNvPr id="2" name="Title 1"/>
           <p:cNvSpPr>
             <a:spLocks noGrp="1"/>
           </p:cNvSpPr>
           <p:nvPr>
             <p:ph type="title"/>
-          </p:nvPr>
-        </p:nvSpPr>
-        <p:spPr bwMode="auto"/>
-        <p:txBody>
-          <a:bodyPr/>
-          <a:lstStyle>
-            <a:lvl1pPr>
-              <a:defRPr/>
-            </a:lvl1pPr>
-          </a:lstStyle>
-          <a:p>
-            <a:pPr>
-              <a:defRPr/>
-            </a:pPr>
-            <a:r>
-              <a:rPr lang="ru-RU"/>
-              <a:t>Образец заголовка</a:t>
-            </a:r>
-          </a:p>
-        </p:txBody>
-      </p:sp>
-      <p:sp>
-        <p:nvSpPr>
-          <p:cNvPr id="3" name="Текст 2"/>
-          <p:cNvSpPr>
-            <a:spLocks noGrp="1"/>
-          </p:cNvSpPr>
-          <p:nvPr>
-            <p:ph type="body" idx="1"/>
           </p:nvPr>
         </p:nvSpPr>
         <p:spPr bwMode="auto">
           <a:xfrm>
-            <a:off x="609599" y="1535113"/>
-            <a:ext cx="5386917" cy="639762"/>
+            <a:off x="839787" y="365125"/>
+            <a:ext cx="10515600" cy="1325562"/>
+          </a:xfrm>
+        </p:spPr>
+        <p:txBody>
+          <a:bodyPr/>
+          <a:lstStyle/>
+          <a:p>
+            <a:pPr>
+              <a:defRPr/>
+            </a:pPr>
+            <a:r>
+              <a:rPr lang="en-US"/>
+              <a:t>Click to edit Master title style</a:t>
+            </a:r>
+            <a:endParaRPr lang="en-US"/>
+          </a:p>
+        </p:txBody>
+      </p:sp>
+      <p:sp>
+        <p:nvSpPr>
+          <p:cNvPr id="3" name="Text Placeholder 2"/>
+          <p:cNvSpPr>
+            <a:spLocks noGrp="1"/>
+          </p:cNvSpPr>
+          <p:nvPr>
+            <p:ph type="body" idx="1"/>
+          </p:nvPr>
+        </p:nvSpPr>
+        <p:spPr bwMode="auto">
+          <a:xfrm>
+            <a:off x="839789" y="1681162"/>
+            <a:ext cx="5157786" cy="823911"/>
           </a:xfrm>
         </p:spPr>
         <p:txBody>
@@ -2052,39 +1495,39 @@
           <a:lstStyle>
             <a:lvl1pPr marL="0" indent="0">
               <a:buNone/>
-              <a:defRPr sz="2400" b="1"/>
+              <a:defRPr sz="1800" b="1"/>
             </a:lvl1pPr>
-            <a:lvl2pPr marL="457200" indent="0">
-              <a:buNone/>
-              <a:defRPr sz="2000" b="1"/>
+            <a:lvl2pPr marL="342900" indent="0">
+              <a:buNone/>
+              <a:defRPr sz="1500" b="1"/>
             </a:lvl2pPr>
-            <a:lvl3pPr marL="914400" indent="0">
-              <a:buNone/>
-              <a:defRPr sz="1800" b="1"/>
+            <a:lvl3pPr marL="685800" indent="0">
+              <a:buNone/>
+              <a:defRPr sz="1350" b="1"/>
             </a:lvl3pPr>
-            <a:lvl4pPr marL="1371600" indent="0">
-              <a:buNone/>
-              <a:defRPr sz="1600" b="1"/>
+            <a:lvl4pPr marL="1028700" indent="0">
+              <a:buNone/>
+              <a:defRPr sz="1200" b="1"/>
             </a:lvl4pPr>
-            <a:lvl5pPr marL="1828800" indent="0">
-              <a:buNone/>
-              <a:defRPr sz="1600" b="1"/>
+            <a:lvl5pPr marL="1371600" indent="0">
+              <a:buNone/>
+              <a:defRPr sz="1200" b="1"/>
             </a:lvl5pPr>
-            <a:lvl6pPr marL="2286000" indent="0">
-              <a:buNone/>
-              <a:defRPr sz="1600" b="1"/>
+            <a:lvl6pPr marL="1714500" indent="0">
+              <a:buNone/>
+              <a:defRPr sz="1200" b="1"/>
             </a:lvl6pPr>
-            <a:lvl7pPr marL="2743200" indent="0">
-              <a:buNone/>
-              <a:defRPr sz="1600" b="1"/>
+            <a:lvl7pPr marL="2057400" indent="0">
+              <a:buNone/>
+              <a:defRPr sz="1200" b="1"/>
             </a:lvl7pPr>
-            <a:lvl8pPr marL="3200400" indent="0">
-              <a:buNone/>
-              <a:defRPr sz="1600" b="1"/>
+            <a:lvl8pPr marL="2400300" indent="0">
+              <a:buNone/>
+              <a:defRPr sz="1200" b="1"/>
             </a:lvl8pPr>
-            <a:lvl9pPr marL="3657600" indent="0">
-              <a:buNone/>
-              <a:defRPr sz="1600" b="1"/>
+            <a:lvl9pPr marL="2743200" indent="0">
+              <a:buNone/>
+              <a:defRPr sz="1200" b="1"/>
             </a:lvl9pPr>
           </a:lstStyle>
           <a:p>
@@ -2092,8 +1535,8 @@
               <a:defRPr/>
             </a:pPr>
             <a:r>
-              <a:rPr lang="ru-RU"/>
-              <a:t>Образец текста</a:t>
+              <a:rPr lang="en-US"/>
+              <a:t>Click to edit Master text styles</a:t>
             </a:r>
             <a:endParaRPr/>
           </a:p>
@@ -2101,7 +1544,7 @@
       </p:sp>
       <p:sp>
         <p:nvSpPr>
-          <p:cNvPr id="4" name="Объект 3"/>
+          <p:cNvPr id="4" name="Content Placeholder 3"/>
           <p:cNvSpPr>
             <a:spLocks noGrp="1"/>
           </p:cNvSpPr>
@@ -2111,48 +1554,20 @@
         </p:nvSpPr>
         <p:spPr bwMode="auto">
           <a:xfrm>
-            <a:off x="609599" y="2174874"/>
-            <a:ext cx="5386917" cy="3951288"/>
+            <a:off x="839789" y="2505074"/>
+            <a:ext cx="5157786" cy="3684587"/>
           </a:xfrm>
         </p:spPr>
         <p:txBody>
           <a:bodyPr/>
-          <a:lstStyle>
-            <a:lvl1pPr>
-              <a:defRPr sz="2400"/>
-            </a:lvl1pPr>
-            <a:lvl2pPr>
-              <a:defRPr sz="2000"/>
-            </a:lvl2pPr>
-            <a:lvl3pPr>
-              <a:defRPr sz="1800"/>
-            </a:lvl3pPr>
-            <a:lvl4pPr>
-              <a:defRPr sz="1600"/>
-            </a:lvl4pPr>
-            <a:lvl5pPr>
-              <a:defRPr sz="1600"/>
-            </a:lvl5pPr>
-            <a:lvl6pPr>
-              <a:defRPr sz="1600"/>
-            </a:lvl6pPr>
-            <a:lvl7pPr>
-              <a:defRPr sz="1600"/>
-            </a:lvl7pPr>
-            <a:lvl8pPr>
-              <a:defRPr sz="1600"/>
-            </a:lvl8pPr>
-            <a:lvl9pPr>
-              <a:defRPr sz="1600"/>
-            </a:lvl9pPr>
-          </a:lstStyle>
+          <a:lstStyle/>
           <a:p>
             <a:pPr lvl="0">
               <a:defRPr/>
             </a:pPr>
             <a:r>
-              <a:rPr lang="ru-RU"/>
-              <a:t>Образец текста</a:t>
+              <a:rPr lang="en-US"/>
+              <a:t>Click to edit Master text styles</a:t>
             </a:r>
             <a:endParaRPr/>
           </a:p>
@@ -2161,8 +1576,8 @@
               <a:defRPr/>
             </a:pPr>
             <a:r>
-              <a:rPr lang="ru-RU"/>
-              <a:t>Второй уровень</a:t>
+              <a:rPr lang="en-US"/>
+              <a:t>Second level</a:t>
             </a:r>
             <a:endParaRPr/>
           </a:p>
@@ -2171,8 +1586,8 @@
               <a:defRPr/>
             </a:pPr>
             <a:r>
-              <a:rPr lang="ru-RU"/>
-              <a:t>Третий уровень</a:t>
+              <a:rPr lang="en-US"/>
+              <a:t>Third level</a:t>
             </a:r>
             <a:endParaRPr/>
           </a:p>
@@ -2181,8 +1596,8 @@
               <a:defRPr/>
             </a:pPr>
             <a:r>
-              <a:rPr lang="ru-RU"/>
-              <a:t>Четвертый уровень</a:t>
+              <a:rPr lang="en-US"/>
+              <a:t>Fourth level</a:t>
             </a:r>
             <a:endParaRPr/>
           </a:p>
@@ -2191,15 +1606,16 @@
               <a:defRPr/>
             </a:pPr>
             <a:r>
-              <a:rPr lang="ru-RU"/>
-              <a:t>Пятый уровень</a:t>
-            </a:r>
-          </a:p>
-        </p:txBody>
-      </p:sp>
-      <p:sp>
-        <p:nvSpPr>
-          <p:cNvPr id="5" name="Текст 4"/>
+              <a:rPr lang="en-US"/>
+              <a:t>Fifth level</a:t>
+            </a:r>
+            <a:endParaRPr lang="en-US"/>
+          </a:p>
+        </p:txBody>
+      </p:sp>
+      <p:sp>
+        <p:nvSpPr>
+          <p:cNvPr id="5" name="Text Placeholder 4"/>
           <p:cNvSpPr>
             <a:spLocks noGrp="1"/>
           </p:cNvSpPr>
@@ -2209,8 +1625,8 @@
         </p:nvSpPr>
         <p:spPr bwMode="auto">
           <a:xfrm>
-            <a:off x="6193370" y="1535113"/>
-            <a:ext cx="5389033" cy="639762"/>
+            <a:off x="6172200" y="1681162"/>
+            <a:ext cx="5183187" cy="823911"/>
           </a:xfrm>
         </p:spPr>
         <p:txBody>
@@ -2218,39 +1634,39 @@
           <a:lstStyle>
             <a:lvl1pPr marL="0" indent="0">
               <a:buNone/>
-              <a:defRPr sz="2400" b="1"/>
+              <a:defRPr sz="1800" b="1"/>
             </a:lvl1pPr>
-            <a:lvl2pPr marL="457200" indent="0">
-              <a:buNone/>
-              <a:defRPr sz="2000" b="1"/>
+            <a:lvl2pPr marL="342900" indent="0">
+              <a:buNone/>
+              <a:defRPr sz="1500" b="1"/>
             </a:lvl2pPr>
-            <a:lvl3pPr marL="914400" indent="0">
-              <a:buNone/>
-              <a:defRPr sz="1800" b="1"/>
+            <a:lvl3pPr marL="685800" indent="0">
+              <a:buNone/>
+              <a:defRPr sz="1350" b="1"/>
             </a:lvl3pPr>
-            <a:lvl4pPr marL="1371600" indent="0">
-              <a:buNone/>
-              <a:defRPr sz="1600" b="1"/>
+            <a:lvl4pPr marL="1028700" indent="0">
+              <a:buNone/>
+              <a:defRPr sz="1200" b="1"/>
             </a:lvl4pPr>
-            <a:lvl5pPr marL="1828800" indent="0">
-              <a:buNone/>
-              <a:defRPr sz="1600" b="1"/>
+            <a:lvl5pPr marL="1371600" indent="0">
+              <a:buNone/>
+              <a:defRPr sz="1200" b="1"/>
             </a:lvl5pPr>
-            <a:lvl6pPr marL="2286000" indent="0">
-              <a:buNone/>
-              <a:defRPr sz="1600" b="1"/>
+            <a:lvl6pPr marL="1714500" indent="0">
+              <a:buNone/>
+              <a:defRPr sz="1200" b="1"/>
             </a:lvl6pPr>
-            <a:lvl7pPr marL="2743200" indent="0">
-              <a:buNone/>
-              <a:defRPr sz="1600" b="1"/>
+            <a:lvl7pPr marL="2057400" indent="0">
+              <a:buNone/>
+              <a:defRPr sz="1200" b="1"/>
             </a:lvl7pPr>
-            <a:lvl8pPr marL="3200400" indent="0">
-              <a:buNone/>
-              <a:defRPr sz="1600" b="1"/>
+            <a:lvl8pPr marL="2400300" indent="0">
+              <a:buNone/>
+              <a:defRPr sz="1200" b="1"/>
             </a:lvl8pPr>
-            <a:lvl9pPr marL="3657600" indent="0">
-              <a:buNone/>
-              <a:defRPr sz="1600" b="1"/>
+            <a:lvl9pPr marL="2743200" indent="0">
+              <a:buNone/>
+              <a:defRPr sz="1200" b="1"/>
             </a:lvl9pPr>
           </a:lstStyle>
           <a:p>
@@ -2258,8 +1674,8 @@
               <a:defRPr/>
             </a:pPr>
             <a:r>
-              <a:rPr lang="ru-RU"/>
-              <a:t>Образец текста</a:t>
+              <a:rPr lang="en-US"/>
+              <a:t>Click to edit Master text styles</a:t>
             </a:r>
             <a:endParaRPr/>
           </a:p>
@@ -2267,7 +1683,7 @@
       </p:sp>
       <p:sp>
         <p:nvSpPr>
-          <p:cNvPr id="6" name="Объект 5"/>
+          <p:cNvPr id="6" name="Content Placeholder 5"/>
           <p:cNvSpPr>
             <a:spLocks noGrp="1"/>
           </p:cNvSpPr>
@@ -2277,48 +1693,20 @@
         </p:nvSpPr>
         <p:spPr bwMode="auto">
           <a:xfrm>
-            <a:off x="6193370" y="2174874"/>
-            <a:ext cx="5389033" cy="3951288"/>
+            <a:off x="6172200" y="2505074"/>
+            <a:ext cx="5183187" cy="3684587"/>
           </a:xfrm>
         </p:spPr>
         <p:txBody>
           <a:bodyPr/>
-          <a:lstStyle>
-            <a:lvl1pPr>
-              <a:defRPr sz="2400"/>
-            </a:lvl1pPr>
-            <a:lvl2pPr>
-              <a:defRPr sz="2000"/>
-            </a:lvl2pPr>
-            <a:lvl3pPr>
-              <a:defRPr sz="1800"/>
-            </a:lvl3pPr>
-            <a:lvl4pPr>
-              <a:defRPr sz="1600"/>
-            </a:lvl4pPr>
-            <a:lvl5pPr>
-              <a:defRPr sz="1600"/>
-            </a:lvl5pPr>
-            <a:lvl6pPr>
-              <a:defRPr sz="1600"/>
-            </a:lvl6pPr>
-            <a:lvl7pPr>
-              <a:defRPr sz="1600"/>
-            </a:lvl7pPr>
-            <a:lvl8pPr>
-              <a:defRPr sz="1600"/>
-            </a:lvl8pPr>
-            <a:lvl9pPr>
-              <a:defRPr sz="1600"/>
-            </a:lvl9pPr>
-          </a:lstStyle>
+          <a:lstStyle/>
           <a:p>
             <a:pPr lvl="0">
               <a:defRPr/>
             </a:pPr>
             <a:r>
-              <a:rPr lang="ru-RU"/>
-              <a:t>Образец текста</a:t>
+              <a:rPr lang="en-US"/>
+              <a:t>Click to edit Master text styles</a:t>
             </a:r>
             <a:endParaRPr/>
           </a:p>
@@ -2327,8 +1715,8 @@
               <a:defRPr/>
             </a:pPr>
             <a:r>
-              <a:rPr lang="ru-RU"/>
-              <a:t>Второй уровень</a:t>
+              <a:rPr lang="en-US"/>
+              <a:t>Second level</a:t>
             </a:r>
             <a:endParaRPr/>
           </a:p>
@@ -2337,8 +1725,8 @@
               <a:defRPr/>
             </a:pPr>
             <a:r>
-              <a:rPr lang="ru-RU"/>
-              <a:t>Третий уровень</a:t>
+              <a:rPr lang="en-US"/>
+              <a:t>Third level</a:t>
             </a:r>
             <a:endParaRPr/>
           </a:p>
@@ -2347,8 +1735,8 @@
               <a:defRPr/>
             </a:pPr>
             <a:r>
-              <a:rPr lang="ru-RU"/>
-              <a:t>Четвертый уровень</a:t>
+              <a:rPr lang="en-US"/>
+              <a:t>Fourth level</a:t>
             </a:r>
             <a:endParaRPr/>
           </a:p>
@@ -2357,15 +1745,16 @@
               <a:defRPr/>
             </a:pPr>
             <a:r>
-              <a:rPr lang="ru-RU"/>
-              <a:t>Пятый уровень</a:t>
-            </a:r>
-          </a:p>
-        </p:txBody>
-      </p:sp>
-      <p:sp>
-        <p:nvSpPr>
-          <p:cNvPr id="7" name="Дата 6"/>
+              <a:rPr lang="en-US"/>
+              <a:t>Fifth level</a:t>
+            </a:r>
+            <a:endParaRPr lang="en-US"/>
+          </a:p>
+        </p:txBody>
+      </p:sp>
+      <p:sp>
+        <p:nvSpPr>
+          <p:cNvPr id="7" name="Date Placeholder 6"/>
           <p:cNvSpPr>
             <a:spLocks noGrp="1"/>
           </p:cNvSpPr>
@@ -2381,9 +1770,9 @@
             <a:pPr>
               <a:defRPr/>
             </a:pPr>
-            <a:fld id="{A69D51E0-3758-456B-809F-07B187805C7D}" type="datetimeFigureOut">
+            <a:fld id="{BCC18F51-09EC-435C-A3BA-64A766E099C0}" type="datetimeFigureOut">
               <a:rPr lang="ru-RU"/>
-              <a:t>28.07.2024</a:t>
+              <a:t/>
             </a:fld>
             <a:endParaRPr lang="ru-RU"/>
           </a:p>
@@ -2391,7 +1780,7 @@
       </p:sp>
       <p:sp>
         <p:nvSpPr>
-          <p:cNvPr id="8" name="Нижний колонтитул 7"/>
+          <p:cNvPr id="8" name="Footer Placeholder 7"/>
           <p:cNvSpPr>
             <a:spLocks noGrp="1"/>
           </p:cNvSpPr>
@@ -2413,7 +1802,7 @@
       </p:sp>
       <p:sp>
         <p:nvSpPr>
-          <p:cNvPr id="9" name="Номер слайда 8"/>
+          <p:cNvPr id="9" name="Slide Number Placeholder 8"/>
           <p:cNvSpPr>
             <a:spLocks noGrp="1"/>
           </p:cNvSpPr>
@@ -2429,9 +1818,9 @@
             <a:pPr>
               <a:defRPr/>
             </a:pPr>
-            <a:fld id="{4D3B38E7-149F-4D77-9EEF-9309C2CB69A9}" type="slidenum">
+            <a:fld id="{08395586-F03A-48D1-94DF-16B239DF4FB5}" type="slidenum">
               <a:rPr lang="ru-RU"/>
-              <a:t>‹#›</a:t>
+              <a:t/>
             </a:fld>
             <a:endParaRPr lang="ru-RU"/>
           </a:p>
@@ -2446,7 +1835,7 @@
 </file>
 
 <file path=ppt/slideLayouts/slideLayout6.xml><?xml version="1.0" encoding="utf-8"?>
-<p:sldLayout xmlns:a="http://schemas.openxmlformats.org/drawingml/2006/main" xmlns:r="http://schemas.openxmlformats.org/officeDocument/2006/relationships" xmlns:p="http://schemas.openxmlformats.org/presentationml/2006/main" showMasterPhAnim="0" type="titleOnly" userDrawn="1">
+<p:sldLayout xmlns:a="http://schemas.openxmlformats.org/drawingml/2006/main" xmlns:r="http://schemas.openxmlformats.org/officeDocument/2006/relationships" xmlns:p="http://schemas.openxmlformats.org/presentationml/2006/main" xmlns:m="http://schemas.openxmlformats.org/officeDocument/2006/math" xmlns:w="http://schemas.openxmlformats.org/wordprocessingml/2006/main" matchingName="" preserve="0" showMasterPhAnim="0" type="titleOnly" userDrawn="1">
   <p:cSld name="Title Only">
     <p:spTree>
       <p:nvGrpSpPr>
@@ -2464,7 +1853,7 @@
       </p:grpSpPr>
       <p:sp>
         <p:nvSpPr>
-          <p:cNvPr id="2" name="Заголовок 1"/>
+          <p:cNvPr id="2" name="Title 1"/>
           <p:cNvSpPr>
             <a:spLocks noGrp="1"/>
           </p:cNvSpPr>
@@ -2481,15 +1870,16 @@
               <a:defRPr/>
             </a:pPr>
             <a:r>
-              <a:rPr lang="ru-RU"/>
-              <a:t>Образец заголовка</a:t>
-            </a:r>
-          </a:p>
-        </p:txBody>
-      </p:sp>
-      <p:sp>
-        <p:nvSpPr>
-          <p:cNvPr id="3" name="Дата 2"/>
+              <a:rPr lang="en-US"/>
+              <a:t>Click to edit Master title style</a:t>
+            </a:r>
+            <a:endParaRPr lang="en-US"/>
+          </a:p>
+        </p:txBody>
+      </p:sp>
+      <p:sp>
+        <p:nvSpPr>
+          <p:cNvPr id="3" name="Date Placeholder 2"/>
           <p:cNvSpPr>
             <a:spLocks noGrp="1"/>
           </p:cNvSpPr>
@@ -2505,9 +1895,9 @@
             <a:pPr>
               <a:defRPr/>
             </a:pPr>
-            <a:fld id="{A69D51E0-3758-456B-809F-07B187805C7D}" type="datetimeFigureOut">
+            <a:fld id="{BCC18F51-09EC-435C-A3BA-64A766E099C0}" type="datetimeFigureOut">
               <a:rPr lang="ru-RU"/>
-              <a:t>28.07.2024</a:t>
+              <a:t/>
             </a:fld>
             <a:endParaRPr lang="ru-RU"/>
           </a:p>
@@ -2515,7 +1905,7 @@
       </p:sp>
       <p:sp>
         <p:nvSpPr>
-          <p:cNvPr id="4" name="Нижний колонтитул 3"/>
+          <p:cNvPr id="4" name="Footer Placeholder 3"/>
           <p:cNvSpPr>
             <a:spLocks noGrp="1"/>
           </p:cNvSpPr>
@@ -2537,7 +1927,7 @@
       </p:sp>
       <p:sp>
         <p:nvSpPr>
-          <p:cNvPr id="5" name="Номер слайда 4"/>
+          <p:cNvPr id="5" name="Slide Number Placeholder 4"/>
           <p:cNvSpPr>
             <a:spLocks noGrp="1"/>
           </p:cNvSpPr>
@@ -2553,9 +1943,9 @@
             <a:pPr>
               <a:defRPr/>
             </a:pPr>
-            <a:fld id="{4D3B38E7-149F-4D77-9EEF-9309C2CB69A9}" type="slidenum">
+            <a:fld id="{08395586-F03A-48D1-94DF-16B239DF4FB5}" type="slidenum">
               <a:rPr lang="ru-RU"/>
-              <a:t>‹#›</a:t>
+              <a:t/>
             </a:fld>
             <a:endParaRPr lang="ru-RU"/>
           </a:p>
@@ -2570,7 +1960,7 @@
 </file>
 
 <file path=ppt/slideLayouts/slideLayout7.xml><?xml version="1.0" encoding="utf-8"?>
-<p:sldLayout xmlns:a="http://schemas.openxmlformats.org/drawingml/2006/main" xmlns:r="http://schemas.openxmlformats.org/officeDocument/2006/relationships" xmlns:p="http://schemas.openxmlformats.org/presentationml/2006/main" showMasterPhAnim="0" type="blank" userDrawn="1">
+<p:sldLayout xmlns:a="http://schemas.openxmlformats.org/drawingml/2006/main" xmlns:r="http://schemas.openxmlformats.org/officeDocument/2006/relationships" xmlns:p="http://schemas.openxmlformats.org/presentationml/2006/main" xmlns:m="http://schemas.openxmlformats.org/officeDocument/2006/math" xmlns:w="http://schemas.openxmlformats.org/wordprocessingml/2006/main" matchingName="" preserve="0" showMasterPhAnim="0" type="blank" userDrawn="1">
   <p:cSld name="Blank">
     <p:spTree>
       <p:nvGrpSpPr>
@@ -2588,7 +1978,7 @@
       </p:grpSpPr>
       <p:sp>
         <p:nvSpPr>
-          <p:cNvPr id="2" name="Дата 1"/>
+          <p:cNvPr id="2" name="Date Placeholder 1"/>
           <p:cNvSpPr>
             <a:spLocks noGrp="1"/>
           </p:cNvSpPr>
@@ -2604,9 +1994,9 @@
             <a:pPr>
               <a:defRPr/>
             </a:pPr>
-            <a:fld id="{A69D51E0-3758-456B-809F-07B187805C7D}" type="datetimeFigureOut">
+            <a:fld id="{BCC18F51-09EC-435C-A3BA-64A766E099C0}" type="datetimeFigureOut">
               <a:rPr lang="ru-RU"/>
-              <a:t>28.07.2024</a:t>
+              <a:t/>
             </a:fld>
             <a:endParaRPr lang="ru-RU"/>
           </a:p>
@@ -2614,7 +2004,7 @@
       </p:sp>
       <p:sp>
         <p:nvSpPr>
-          <p:cNvPr id="3" name="Нижний колонтитул 2"/>
+          <p:cNvPr id="3" name="Footer Placeholder 2"/>
           <p:cNvSpPr>
             <a:spLocks noGrp="1"/>
           </p:cNvSpPr>
@@ -2636,7 +2026,7 @@
       </p:sp>
       <p:sp>
         <p:nvSpPr>
-          <p:cNvPr id="4" name="Номер слайда 3"/>
+          <p:cNvPr id="4" name="Slide Number Placeholder 3"/>
           <p:cNvSpPr>
             <a:spLocks noGrp="1"/>
           </p:cNvSpPr>
@@ -2652,9 +2042,9 @@
             <a:pPr>
               <a:defRPr/>
             </a:pPr>
-            <a:fld id="{4D3B38E7-149F-4D77-9EEF-9309C2CB69A9}" type="slidenum">
+            <a:fld id="{08395586-F03A-48D1-94DF-16B239DF4FB5}" type="slidenum">
               <a:rPr lang="ru-RU"/>
-              <a:t>‹#›</a:t>
+              <a:t/>
             </a:fld>
             <a:endParaRPr lang="ru-RU"/>
           </a:p>
@@ -2669,7 +2059,7 @@
 </file>
 
 <file path=ppt/slideLayouts/slideLayout8.xml><?xml version="1.0" encoding="utf-8"?>
-<p:sldLayout xmlns:a="http://schemas.openxmlformats.org/drawingml/2006/main" xmlns:r="http://schemas.openxmlformats.org/officeDocument/2006/relationships" xmlns:p="http://schemas.openxmlformats.org/presentationml/2006/main" showMasterPhAnim="0" type="objTx" userDrawn="1">
+<p:sldLayout xmlns:a="http://schemas.openxmlformats.org/drawingml/2006/main" xmlns:r="http://schemas.openxmlformats.org/officeDocument/2006/relationships" xmlns:p="http://schemas.openxmlformats.org/presentationml/2006/main" xmlns:m="http://schemas.openxmlformats.org/officeDocument/2006/math" xmlns:w="http://schemas.openxmlformats.org/wordprocessingml/2006/main" matchingName="" preserve="0" showMasterPhAnim="0" type="objTx" userDrawn="1">
   <p:cSld name="Content with Caption">
     <p:spTree>
       <p:nvGrpSpPr>
@@ -2687,7 +2077,7 @@
       </p:grpSpPr>
       <p:sp>
         <p:nvSpPr>
-          <p:cNvPr id="2" name="Заголовок 1"/>
+          <p:cNvPr id="2" name="Title 1"/>
           <p:cNvSpPr>
             <a:spLocks noGrp="1"/>
           </p:cNvSpPr>
@@ -2697,15 +2087,15 @@
         </p:nvSpPr>
         <p:spPr bwMode="auto">
           <a:xfrm>
-            <a:off x="609603" y="273049"/>
-            <a:ext cx="4011084" cy="1162050"/>
+            <a:off x="839787" y="457200"/>
+            <a:ext cx="3932237" cy="1600200"/>
           </a:xfrm>
         </p:spPr>
         <p:txBody>
           <a:bodyPr anchor="b"/>
           <a:lstStyle>
-            <a:lvl1pPr algn="l">
-              <a:defRPr sz="2000" b="1"/>
+            <a:lvl1pPr>
+              <a:defRPr sz="2400"/>
             </a:lvl1pPr>
           </a:lstStyle>
           <a:p>
@@ -2713,15 +2103,16 @@
               <a:defRPr/>
             </a:pPr>
             <a:r>
-              <a:rPr lang="ru-RU"/>
-              <a:t>Образец заголовка</a:t>
-            </a:r>
-          </a:p>
-        </p:txBody>
-      </p:sp>
-      <p:sp>
-        <p:nvSpPr>
-          <p:cNvPr id="3" name="Объект 2"/>
+              <a:rPr lang="en-US"/>
+              <a:t>Click to edit Master title style</a:t>
+            </a:r>
+            <a:endParaRPr lang="en-US"/>
+          </a:p>
+        </p:txBody>
+      </p:sp>
+      <p:sp>
+        <p:nvSpPr>
+          <p:cNvPr id="3" name="Content Placeholder 2"/>
           <p:cNvSpPr>
             <a:spLocks noGrp="1"/>
           </p:cNvSpPr>
@@ -2731,39 +2122,39 @@
         </p:nvSpPr>
         <p:spPr bwMode="auto">
           <a:xfrm>
-            <a:off x="4766732" y="273051"/>
-            <a:ext cx="6815666" cy="5853113"/>
+            <a:off x="5183187" y="987425"/>
+            <a:ext cx="6172200" cy="4873625"/>
           </a:xfrm>
         </p:spPr>
         <p:txBody>
           <a:bodyPr/>
           <a:lstStyle>
             <a:lvl1pPr>
-              <a:defRPr sz="3200"/>
+              <a:defRPr sz="2400"/>
             </a:lvl1pPr>
             <a:lvl2pPr>
-              <a:defRPr sz="2800"/>
+              <a:defRPr sz="2100"/>
             </a:lvl2pPr>
             <a:lvl3pPr>
-              <a:defRPr sz="2400"/>
+              <a:defRPr sz="1800"/>
             </a:lvl3pPr>
             <a:lvl4pPr>
-              <a:defRPr sz="2000"/>
+              <a:defRPr sz="1500"/>
             </a:lvl4pPr>
             <a:lvl5pPr>
-              <a:defRPr sz="2000"/>
+              <a:defRPr sz="1500"/>
             </a:lvl5pPr>
             <a:lvl6pPr>
-              <a:defRPr sz="2000"/>
+              <a:defRPr sz="1500"/>
             </a:lvl6pPr>
             <a:lvl7pPr>
-              <a:defRPr sz="2000"/>
+              <a:defRPr sz="1500"/>
             </a:lvl7pPr>
             <a:lvl8pPr>
-              <a:defRPr sz="2000"/>
+              <a:defRPr sz="1500"/>
             </a:lvl8pPr>
             <a:lvl9pPr>
-              <a:defRPr sz="2000"/>
+              <a:defRPr sz="1500"/>
             </a:lvl9pPr>
           </a:lstStyle>
           <a:p>
@@ -2771,8 +2162,8 @@
               <a:defRPr/>
             </a:pPr>
             <a:r>
-              <a:rPr lang="ru-RU"/>
-              <a:t>Образец текста</a:t>
+              <a:rPr lang="en-US"/>
+              <a:t>Click to edit Master text styles</a:t>
             </a:r>
             <a:endParaRPr/>
           </a:p>
@@ -2781,8 +2172,8 @@
               <a:defRPr/>
             </a:pPr>
             <a:r>
-              <a:rPr lang="ru-RU"/>
-              <a:t>Второй уровень</a:t>
+              <a:rPr lang="en-US"/>
+              <a:t>Second level</a:t>
             </a:r>
             <a:endParaRPr/>
           </a:p>
@@ -2791,8 +2182,8 @@
               <a:defRPr/>
             </a:pPr>
             <a:r>
-              <a:rPr lang="ru-RU"/>
-              <a:t>Третий уровень</a:t>
+              <a:rPr lang="en-US"/>
+              <a:t>Third level</a:t>
             </a:r>
             <a:endParaRPr/>
           </a:p>
@@ -2801,8 +2192,8 @@
               <a:defRPr/>
             </a:pPr>
             <a:r>
-              <a:rPr lang="ru-RU"/>
-              <a:t>Четвертый уровень</a:t>
+              <a:rPr lang="en-US"/>
+              <a:t>Fourth level</a:t>
             </a:r>
             <a:endParaRPr/>
           </a:p>
@@ -2811,15 +2202,16 @@
               <a:defRPr/>
             </a:pPr>
             <a:r>
-              <a:rPr lang="ru-RU"/>
-              <a:t>Пятый уровень</a:t>
-            </a:r>
-          </a:p>
-        </p:txBody>
-      </p:sp>
-      <p:sp>
-        <p:nvSpPr>
-          <p:cNvPr id="4" name="Текст 3"/>
+              <a:rPr lang="en-US"/>
+              <a:t>Fifth level</a:t>
+            </a:r>
+            <a:endParaRPr lang="en-US"/>
+          </a:p>
+        </p:txBody>
+      </p:sp>
+      <p:sp>
+        <p:nvSpPr>
+          <p:cNvPr id="4" name="Text Placeholder 3"/>
           <p:cNvSpPr>
             <a:spLocks noGrp="1"/>
           </p:cNvSpPr>
@@ -2829,8 +2221,8 @@
         </p:nvSpPr>
         <p:spPr bwMode="auto">
           <a:xfrm>
-            <a:off x="609603" y="1435102"/>
-            <a:ext cx="4011084" cy="4691062"/>
+            <a:off x="839787" y="2057399"/>
+            <a:ext cx="3932237" cy="3811587"/>
           </a:xfrm>
         </p:spPr>
         <p:txBody>
@@ -2838,39 +2230,39 @@
           <a:lstStyle>
             <a:lvl1pPr marL="0" indent="0">
               <a:buNone/>
-              <a:defRPr sz="1400"/>
+              <a:defRPr sz="1200"/>
             </a:lvl1pPr>
-            <a:lvl2pPr marL="457200" indent="0">
-              <a:buNone/>
-              <a:defRPr sz="1200"/>
+            <a:lvl2pPr marL="342900" indent="0">
+              <a:buNone/>
+              <a:defRPr sz="1050"/>
             </a:lvl2pPr>
-            <a:lvl3pPr marL="914400" indent="0">
-              <a:buNone/>
-              <a:defRPr sz="1000"/>
+            <a:lvl3pPr marL="685800" indent="0">
+              <a:buNone/>
+              <a:defRPr sz="900"/>
             </a:lvl3pPr>
-            <a:lvl4pPr marL="1371600" indent="0">
-              <a:buNone/>
-              <a:defRPr sz="900"/>
+            <a:lvl4pPr marL="1028700" indent="0">
+              <a:buNone/>
+              <a:defRPr sz="750"/>
             </a:lvl4pPr>
-            <a:lvl5pPr marL="1828800" indent="0">
-              <a:buNone/>
-              <a:defRPr sz="900"/>
+            <a:lvl5pPr marL="1371600" indent="0">
+              <a:buNone/>
+              <a:defRPr sz="750"/>
             </a:lvl5pPr>
-            <a:lvl6pPr marL="2286000" indent="0">
-              <a:buNone/>
-              <a:defRPr sz="900"/>
+            <a:lvl6pPr marL="1714500" indent="0">
+              <a:buNone/>
+              <a:defRPr sz="750"/>
             </a:lvl6pPr>
-            <a:lvl7pPr marL="2743200" indent="0">
-              <a:buNone/>
-              <a:defRPr sz="900"/>
+            <a:lvl7pPr marL="2057400" indent="0">
+              <a:buNone/>
+              <a:defRPr sz="750"/>
             </a:lvl7pPr>
-            <a:lvl8pPr marL="3200400" indent="0">
-              <a:buNone/>
-              <a:defRPr sz="900"/>
+            <a:lvl8pPr marL="2400300" indent="0">
+              <a:buNone/>
+              <a:defRPr sz="750"/>
             </a:lvl8pPr>
-            <a:lvl9pPr marL="3657600" indent="0">
-              <a:buNone/>
-              <a:defRPr sz="900"/>
+            <a:lvl9pPr marL="2743200" indent="0">
+              <a:buNone/>
+              <a:defRPr sz="750"/>
             </a:lvl9pPr>
           </a:lstStyle>
           <a:p>
@@ -2878,8 +2270,8 @@
               <a:defRPr/>
             </a:pPr>
             <a:r>
-              <a:rPr lang="ru-RU"/>
-              <a:t>Образец текста</a:t>
+              <a:rPr lang="en-US"/>
+              <a:t>Click to edit Master text styles</a:t>
             </a:r>
             <a:endParaRPr/>
           </a:p>
@@ -2887,7 +2279,7 @@
       </p:sp>
       <p:sp>
         <p:nvSpPr>
-          <p:cNvPr id="5" name="Дата 4"/>
+          <p:cNvPr id="5" name="Date Placeholder 4"/>
           <p:cNvSpPr>
             <a:spLocks noGrp="1"/>
           </p:cNvSpPr>
@@ -2903,9 +2295,9 @@
             <a:pPr>
               <a:defRPr/>
             </a:pPr>
-            <a:fld id="{A69D51E0-3758-456B-809F-07B187805C7D}" type="datetimeFigureOut">
+            <a:fld id="{BCC18F51-09EC-435C-A3BA-64A766E099C0}" type="datetimeFigureOut">
               <a:rPr lang="ru-RU"/>
-              <a:t>28.07.2024</a:t>
+              <a:t/>
             </a:fld>
             <a:endParaRPr lang="ru-RU"/>
           </a:p>
@@ -2913,7 +2305,7 @@
       </p:sp>
       <p:sp>
         <p:nvSpPr>
-          <p:cNvPr id="6" name="Нижний колонтитул 5"/>
+          <p:cNvPr id="6" name="Footer Placeholder 5"/>
           <p:cNvSpPr>
             <a:spLocks noGrp="1"/>
           </p:cNvSpPr>
@@ -2935,7 +2327,7 @@
       </p:sp>
       <p:sp>
         <p:nvSpPr>
-          <p:cNvPr id="7" name="Номер слайда 6"/>
+          <p:cNvPr id="7" name="Slide Number Placeholder 6"/>
           <p:cNvSpPr>
             <a:spLocks noGrp="1"/>
           </p:cNvSpPr>
@@ -2951,9 +2343,9 @@
             <a:pPr>
               <a:defRPr/>
             </a:pPr>
-            <a:fld id="{4D3B38E7-149F-4D77-9EEF-9309C2CB69A9}" type="slidenum">
+            <a:fld id="{08395586-F03A-48D1-94DF-16B239DF4FB5}" type="slidenum">
               <a:rPr lang="ru-RU"/>
-              <a:t>‹#›</a:t>
+              <a:t/>
             </a:fld>
             <a:endParaRPr lang="ru-RU"/>
           </a:p>
@@ -2968,7 +2360,7 @@
 </file>
 
 <file path=ppt/slideLayouts/slideLayout9.xml><?xml version="1.0" encoding="utf-8"?>
-<p:sldLayout xmlns:a="http://schemas.openxmlformats.org/drawingml/2006/main" xmlns:r="http://schemas.openxmlformats.org/officeDocument/2006/relationships" xmlns:p="http://schemas.openxmlformats.org/presentationml/2006/main" showMasterPhAnim="0" type="picTx" userDrawn="1">
+<p:sldLayout xmlns:a="http://schemas.openxmlformats.org/drawingml/2006/main" xmlns:r="http://schemas.openxmlformats.org/officeDocument/2006/relationships" xmlns:p="http://schemas.openxmlformats.org/presentationml/2006/main" xmlns:m="http://schemas.openxmlformats.org/officeDocument/2006/math" xmlns:w="http://schemas.openxmlformats.org/wordprocessingml/2006/main" matchingName="" preserve="0" showMasterPhAnim="0" type="picTx" userDrawn="1">
   <p:cSld name="Picture with Caption">
     <p:spTree>
       <p:nvGrpSpPr>
@@ -2986,7 +2378,7 @@
       </p:grpSpPr>
       <p:sp>
         <p:nvSpPr>
-          <p:cNvPr id="2" name="Заголовок 1"/>
+          <p:cNvPr id="2" name="Title 1"/>
           <p:cNvSpPr>
             <a:spLocks noGrp="1"/>
           </p:cNvSpPr>
@@ -2996,15 +2388,15 @@
         </p:nvSpPr>
         <p:spPr bwMode="auto">
           <a:xfrm>
-            <a:off x="2389717" y="4800601"/>
-            <a:ext cx="7315200" cy="566738"/>
+            <a:off x="839787" y="457200"/>
+            <a:ext cx="3932237" cy="1600200"/>
           </a:xfrm>
         </p:spPr>
         <p:txBody>
           <a:bodyPr anchor="b"/>
           <a:lstStyle>
-            <a:lvl1pPr algn="l">
-              <a:defRPr sz="2000" b="1"/>
+            <a:lvl1pPr>
+              <a:defRPr sz="2400"/>
             </a:lvl1pPr>
           </a:lstStyle>
           <a:p>
@@ -3012,17 +2404,18 @@
               <a:defRPr/>
             </a:pPr>
             <a:r>
-              <a:rPr lang="ru-RU"/>
-              <a:t>Образец заголовка</a:t>
-            </a:r>
-          </a:p>
-        </p:txBody>
-      </p:sp>
-      <p:sp>
-        <p:nvSpPr>
-          <p:cNvPr id="3" name="Рисунок 2"/>
-          <p:cNvSpPr>
-            <a:spLocks noGrp="1"/>
+              <a:rPr lang="en-US"/>
+              <a:t>Click to edit Master title style</a:t>
+            </a:r>
+            <a:endParaRPr lang="en-US"/>
+          </a:p>
+        </p:txBody>
+      </p:sp>
+      <p:sp>
+        <p:nvSpPr>
+          <p:cNvPr id="3" name="Picture Placeholder 2"/>
+          <p:cNvSpPr>
+            <a:spLocks noChangeAspect="1" noGrp="1"/>
           </p:cNvSpPr>
           <p:nvPr>
             <p:ph type="pic" idx="1"/>
@@ -3030,8 +2423,76 @@
         </p:nvSpPr>
         <p:spPr bwMode="auto">
           <a:xfrm>
-            <a:off x="2389717" y="612774"/>
-            <a:ext cx="7315200" cy="4114799"/>
+            <a:off x="5183187" y="987425"/>
+            <a:ext cx="6172200" cy="4873625"/>
+          </a:xfrm>
+        </p:spPr>
+        <p:txBody>
+          <a:bodyPr anchor="t"/>
+          <a:lstStyle>
+            <a:lvl1pPr marL="0" indent="0">
+              <a:buNone/>
+              <a:defRPr sz="2400"/>
+            </a:lvl1pPr>
+            <a:lvl2pPr marL="342900" indent="0">
+              <a:buNone/>
+              <a:defRPr sz="2100"/>
+            </a:lvl2pPr>
+            <a:lvl3pPr marL="685800" indent="0">
+              <a:buNone/>
+              <a:defRPr sz="1800"/>
+            </a:lvl3pPr>
+            <a:lvl4pPr marL="1028700" indent="0">
+              <a:buNone/>
+              <a:defRPr sz="1500"/>
+            </a:lvl4pPr>
+            <a:lvl5pPr marL="1371600" indent="0">
+              <a:buNone/>
+              <a:defRPr sz="1500"/>
+            </a:lvl5pPr>
+            <a:lvl6pPr marL="1714500" indent="0">
+              <a:buNone/>
+              <a:defRPr sz="1500"/>
+            </a:lvl6pPr>
+            <a:lvl7pPr marL="2057400" indent="0">
+              <a:buNone/>
+              <a:defRPr sz="1500"/>
+            </a:lvl7pPr>
+            <a:lvl8pPr marL="2400300" indent="0">
+              <a:buNone/>
+              <a:defRPr sz="1500"/>
+            </a:lvl8pPr>
+            <a:lvl9pPr marL="2743200" indent="0">
+              <a:buNone/>
+              <a:defRPr sz="1500"/>
+            </a:lvl9pPr>
+          </a:lstStyle>
+          <a:p>
+            <a:pPr>
+              <a:defRPr/>
+            </a:pPr>
+            <a:r>
+              <a:rPr lang="en-US"/>
+              <a:t>Click icon to add picture</a:t>
+            </a:r>
+            <a:endParaRPr lang="en-US"/>
+          </a:p>
+        </p:txBody>
+      </p:sp>
+      <p:sp>
+        <p:nvSpPr>
+          <p:cNvPr id="4" name="Text Placeholder 3"/>
+          <p:cNvSpPr>
+            <a:spLocks noGrp="1"/>
+          </p:cNvSpPr>
+          <p:nvPr>
+            <p:ph type="body" sz="half" idx="2"/>
+          </p:nvPr>
+        </p:nvSpPr>
+        <p:spPr bwMode="auto">
+          <a:xfrm>
+            <a:off x="839787" y="2057399"/>
+            <a:ext cx="3932237" cy="3811587"/>
           </a:xfrm>
         </p:spPr>
         <p:txBody>
@@ -3039,112 +2500,48 @@
           <a:lstStyle>
             <a:lvl1pPr marL="0" indent="0">
               <a:buNone/>
-              <a:defRPr sz="3200"/>
+              <a:defRPr sz="1200"/>
             </a:lvl1pPr>
-            <a:lvl2pPr marL="457200" indent="0">
-              <a:buNone/>
-              <a:defRPr sz="2800"/>
+            <a:lvl2pPr marL="342900" indent="0">
+              <a:buNone/>
+              <a:defRPr sz="1050"/>
             </a:lvl2pPr>
-            <a:lvl3pPr marL="914400" indent="0">
-              <a:buNone/>
-              <a:defRPr sz="2400"/>
+            <a:lvl3pPr marL="685800" indent="0">
+              <a:buNone/>
+              <a:defRPr sz="900"/>
             </a:lvl3pPr>
-            <a:lvl4pPr marL="1371600" indent="0">
-              <a:buNone/>
-              <a:defRPr sz="2000"/>
+            <a:lvl4pPr marL="1028700" indent="0">
+              <a:buNone/>
+              <a:defRPr sz="750"/>
             </a:lvl4pPr>
-            <a:lvl5pPr marL="1828800" indent="0">
-              <a:buNone/>
-              <a:defRPr sz="2000"/>
+            <a:lvl5pPr marL="1371600" indent="0">
+              <a:buNone/>
+              <a:defRPr sz="750"/>
             </a:lvl5pPr>
-            <a:lvl6pPr marL="2286000" indent="0">
-              <a:buNone/>
-              <a:defRPr sz="2000"/>
+            <a:lvl6pPr marL="1714500" indent="0">
+              <a:buNone/>
+              <a:defRPr sz="750"/>
             </a:lvl6pPr>
-            <a:lvl7pPr marL="2743200" indent="0">
-              <a:buNone/>
-              <a:defRPr sz="2000"/>
+            <a:lvl7pPr marL="2057400" indent="0">
+              <a:buNone/>
+              <a:defRPr sz="750"/>
             </a:lvl7pPr>
-            <a:lvl8pPr marL="3200400" indent="0">
-              <a:buNone/>
-              <a:defRPr sz="2000"/>
+            <a:lvl8pPr marL="2400300" indent="0">
+              <a:buNone/>
+              <a:defRPr sz="750"/>
             </a:lvl8pPr>
-            <a:lvl9pPr marL="3657600" indent="0">
-              <a:buNone/>
-              <a:defRPr sz="2000"/>
+            <a:lvl9pPr marL="2743200" indent="0">
+              <a:buNone/>
+              <a:defRPr sz="750"/>
             </a:lvl9pPr>
           </a:lstStyle>
           <a:p>
-            <a:pPr>
-              <a:defRPr/>
-            </a:pPr>
-            <a:endParaRPr lang="ru-RU"/>
-          </a:p>
-        </p:txBody>
-      </p:sp>
-      <p:sp>
-        <p:nvSpPr>
-          <p:cNvPr id="4" name="Текст 3"/>
-          <p:cNvSpPr>
-            <a:spLocks noGrp="1"/>
-          </p:cNvSpPr>
-          <p:nvPr>
-            <p:ph type="body" sz="half" idx="2"/>
-          </p:nvPr>
-        </p:nvSpPr>
-        <p:spPr bwMode="auto">
-          <a:xfrm>
-            <a:off x="2389717" y="5367338"/>
-            <a:ext cx="7315200" cy="804862"/>
-          </a:xfrm>
-        </p:spPr>
-        <p:txBody>
-          <a:bodyPr/>
-          <a:lstStyle>
-            <a:lvl1pPr marL="0" indent="0">
-              <a:buNone/>
-              <a:defRPr sz="1400"/>
-            </a:lvl1pPr>
-            <a:lvl2pPr marL="457200" indent="0">
-              <a:buNone/>
-              <a:defRPr sz="1200"/>
-            </a:lvl2pPr>
-            <a:lvl3pPr marL="914400" indent="0">
-              <a:buNone/>
-              <a:defRPr sz="1000"/>
-            </a:lvl3pPr>
-            <a:lvl4pPr marL="1371600" indent="0">
-              <a:buNone/>
-              <a:defRPr sz="900"/>
-            </a:lvl4pPr>
-            <a:lvl5pPr marL="1828800" indent="0">
-              <a:buNone/>
-              <a:defRPr sz="900"/>
-            </a:lvl5pPr>
-            <a:lvl6pPr marL="2286000" indent="0">
-              <a:buNone/>
-              <a:defRPr sz="900"/>
-            </a:lvl6pPr>
-            <a:lvl7pPr marL="2743200" indent="0">
-              <a:buNone/>
-              <a:defRPr sz="900"/>
-            </a:lvl7pPr>
-            <a:lvl8pPr marL="3200400" indent="0">
-              <a:buNone/>
-              <a:defRPr sz="900"/>
-            </a:lvl8pPr>
-            <a:lvl9pPr marL="3657600" indent="0">
-              <a:buNone/>
-              <a:defRPr sz="900"/>
-            </a:lvl9pPr>
-          </a:lstStyle>
-          <a:p>
             <a:pPr lvl="0">
               <a:defRPr/>
             </a:pPr>
             <a:r>
-              <a:rPr lang="ru-RU"/>
-              <a:t>Образец текста</a:t>
+              <a:rPr lang="en-US"/>
+              <a:t>Click to edit Master text styles</a:t>
             </a:r>
             <a:endParaRPr/>
           </a:p>
@@ -3152,7 +2549,7 @@
       </p:sp>
       <p:sp>
         <p:nvSpPr>
-          <p:cNvPr id="5" name="Дата 4"/>
+          <p:cNvPr id="5" name="Date Placeholder 4"/>
           <p:cNvSpPr>
             <a:spLocks noGrp="1"/>
           </p:cNvSpPr>
@@ -3168,9 +2565,9 @@
             <a:pPr>
               <a:defRPr/>
             </a:pPr>
-            <a:fld id="{A69D51E0-3758-456B-809F-07B187805C7D}" type="datetimeFigureOut">
+            <a:fld id="{BCC18F51-09EC-435C-A3BA-64A766E099C0}" type="datetimeFigureOut">
               <a:rPr lang="ru-RU"/>
-              <a:t>28.07.2024</a:t>
+              <a:t/>
             </a:fld>
             <a:endParaRPr lang="ru-RU"/>
           </a:p>
@@ -3178,7 +2575,7 @@
       </p:sp>
       <p:sp>
         <p:nvSpPr>
-          <p:cNvPr id="6" name="Нижний колонтитул 5"/>
+          <p:cNvPr id="6" name="Footer Placeholder 5"/>
           <p:cNvSpPr>
             <a:spLocks noGrp="1"/>
           </p:cNvSpPr>
@@ -3200,7 +2597,7 @@
       </p:sp>
       <p:sp>
         <p:nvSpPr>
-          <p:cNvPr id="7" name="Номер слайда 6"/>
+          <p:cNvPr id="7" name="Slide Number Placeholder 6"/>
           <p:cNvSpPr>
             <a:spLocks noGrp="1"/>
           </p:cNvSpPr>
@@ -3216,9 +2613,9 @@
             <a:pPr>
               <a:defRPr/>
             </a:pPr>
-            <a:fld id="{4D3B38E7-149F-4D77-9EEF-9309C2CB69A9}" type="slidenum">
+            <a:fld id="{08395586-F03A-48D1-94DF-16B239DF4FB5}" type="slidenum">
               <a:rPr lang="ru-RU"/>
-              <a:t>‹#›</a:t>
+              <a:t/>
             </a:fld>
             <a:endParaRPr lang="ru-RU"/>
           </a:p>
@@ -3233,8 +2630,8 @@
 </file>
 
 <file path=ppt/slideMasters/slideMaster1.xml><?xml version="1.0" encoding="utf-8"?>
-<p:sldMaster xmlns:a="http://schemas.openxmlformats.org/drawingml/2006/main" xmlns:r="http://schemas.openxmlformats.org/officeDocument/2006/relationships" xmlns:p="http://schemas.openxmlformats.org/presentationml/2006/main">
-  <p:cSld>
+<p:sldMaster xmlns:a="http://schemas.openxmlformats.org/drawingml/2006/main" xmlns:r="http://schemas.openxmlformats.org/officeDocument/2006/relationships" xmlns:p="http://schemas.openxmlformats.org/presentationml/2006/main" xmlns:m="http://schemas.openxmlformats.org/officeDocument/2006/math" xmlns:w="http://schemas.openxmlformats.org/wordprocessingml/2006/main" preserve="0">
+  <p:cSld name="">
     <p:bg>
       <p:bgRef idx="1001">
         <a:schemeClr val="bg1"/>
@@ -3256,295 +2653,18 @@
       </p:grpSpPr>
       <p:sp>
         <p:nvSpPr>
-          <p:cNvPr id="7" name="Shape 1059"/>
-          <p:cNvSpPr>
-            <a:spLocks noGrp="1" noChangeArrowheads="1"/>
-          </p:cNvSpPr>
-          <p:nvPr userDrawn="1"/>
+          <p:cNvPr id="2" name="Title Placeholder 1"/>
+          <p:cNvSpPr>
+            <a:spLocks noGrp="1"/>
+          </p:cNvSpPr>
+          <p:nvPr>
+            <p:ph type="title"/>
+          </p:nvPr>
         </p:nvSpPr>
         <p:spPr bwMode="auto">
           <a:xfrm>
-            <a:off x="4976706" y="2"/>
-            <a:ext cx="3058159" cy="893790"/>
-          </a:xfrm>
-          <a:custGeom>
-            <a:avLst/>
-            <a:gdLst/>
-            <a:ahLst/>
-            <a:cxnLst/>
-            <a:rect l="l" t="t" r="r" b="b"/>
-            <a:pathLst>
-              <a:path w="43200" h="43200" stroke="0" extrusionOk="0">
-                <a:moveTo>
-                  <a:pt x="0" y="0"/>
-                </a:moveTo>
-                <a:lnTo>
-                  <a:pt x="0" y="0"/>
-                </a:lnTo>
-                <a:cubicBezTo>
-                  <a:pt x="1690" y="6213"/>
-                  <a:pt x="3698" y="13338"/>
-                  <a:pt x="6091" y="21902"/>
-                </a:cubicBezTo>
-                <a:lnTo>
-                  <a:pt x="6091" y="21902"/>
-                </a:lnTo>
-                <a:cubicBezTo>
-                  <a:pt x="12043" y="43199"/>
-                  <a:pt x="17573" y="35347"/>
-                  <a:pt x="23417" y="30579"/>
-                </a:cubicBezTo>
-                <a:lnTo>
-                  <a:pt x="23417" y="30579"/>
-                </a:lnTo>
-                <a:cubicBezTo>
-                  <a:pt x="29984" y="25223"/>
-                  <a:pt x="42123" y="14119"/>
-                  <a:pt x="42860" y="5640"/>
-                </a:cubicBezTo>
-                <a:lnTo>
-                  <a:pt x="42860" y="5640"/>
-                </a:lnTo>
-                <a:cubicBezTo>
-                  <a:pt x="42960" y="4507"/>
-                  <a:pt x="43072" y="2479"/>
-                  <a:pt x="43200" y="0"/>
-                </a:cubicBezTo>
-                <a:lnTo>
-                  <a:pt x="0" y="0"/>
-                </a:lnTo>
-                <a:close/>
-              </a:path>
-            </a:pathLst>
-          </a:custGeom>
-          <a:solidFill>
-            <a:schemeClr val="bg1">
-              <a:lumMod val="85000"/>
-            </a:schemeClr>
-          </a:solidFill>
-          <a:ln w="9524">
-            <a:solidFill>
-              <a:srgbClr val="000000"/>
-            </a:solidFill>
-            <a:round/>
-            <a:headEnd/>
-            <a:tailEnd/>
-          </a:ln>
-        </p:spPr>
-      </p:sp>
-      <p:sp>
-        <p:nvSpPr>
-          <p:cNvPr id="8" name="Shape 1060"/>
-          <p:cNvSpPr>
-            <a:spLocks noGrp="1" noChangeArrowheads="1"/>
-          </p:cNvSpPr>
-          <p:nvPr userDrawn="1"/>
-        </p:nvSpPr>
-        <p:spPr bwMode="auto">
-          <a:xfrm>
-            <a:off x="-24679" y="1"/>
-            <a:ext cx="1399539" cy="1797558"/>
-          </a:xfrm>
-          <a:custGeom>
-            <a:avLst/>
-            <a:gdLst/>
-            <a:ahLst/>
-            <a:cxnLst/>
-            <a:rect l="l" t="t" r="r" b="b"/>
-            <a:pathLst>
-              <a:path w="43200" h="43200" stroke="0" extrusionOk="0">
-                <a:moveTo>
-                  <a:pt x="31743" y="2484"/>
-                </a:moveTo>
-                <a:lnTo>
-                  <a:pt x="31743" y="2484"/>
-                </a:lnTo>
-                <a:cubicBezTo>
-                  <a:pt x="30428" y="1799"/>
-                  <a:pt x="28450" y="1080"/>
-                  <a:pt x="26054" y="0"/>
-                </a:cubicBezTo>
-                <a:lnTo>
-                  <a:pt x="0" y="0"/>
-                </a:lnTo>
-                <a:lnTo>
-                  <a:pt x="0" y="34200"/>
-                </a:lnTo>
-                <a:lnTo>
-                  <a:pt x="0" y="34200"/>
-                </a:lnTo>
-                <a:cubicBezTo>
-                  <a:pt x="7029" y="37461"/>
-                  <a:pt x="14504" y="41491"/>
-                  <a:pt x="25070" y="40664"/>
-                </a:cubicBezTo>
-                <a:lnTo>
-                  <a:pt x="25070" y="40664"/>
-                </a:lnTo>
-                <a:cubicBezTo>
-                  <a:pt x="33399" y="40015"/>
-                  <a:pt x="43200" y="43200"/>
-                  <a:pt x="39593" y="28375"/>
-                </a:cubicBezTo>
-                <a:lnTo>
-                  <a:pt x="39593" y="28375"/>
-                </a:lnTo>
-                <a:cubicBezTo>
-                  <a:pt x="35986" y="13550"/>
-                  <a:pt x="38530" y="6023"/>
-                  <a:pt x="31743" y="2484"/>
-                </a:cubicBezTo>
-                <a:close/>
-              </a:path>
-            </a:pathLst>
-          </a:custGeom>
-          <a:solidFill>
-            <a:schemeClr val="bg1">
-              <a:lumMod val="85000"/>
-            </a:schemeClr>
-          </a:solidFill>
-          <a:ln w="9524">
-            <a:solidFill>
-              <a:srgbClr val="000000"/>
-            </a:solidFill>
-            <a:round/>
-            <a:headEnd/>
-            <a:tailEnd/>
-          </a:ln>
-        </p:spPr>
-      </p:sp>
-      <p:sp>
-        <p:nvSpPr>
-          <p:cNvPr id="9" name="Shape 1061"/>
-          <p:cNvSpPr>
-            <a:spLocks noGrp="1" noChangeArrowheads="1"/>
-          </p:cNvSpPr>
-          <p:nvPr userDrawn="1"/>
-        </p:nvSpPr>
-        <p:spPr bwMode="auto">
-          <a:xfrm>
-            <a:off x="1637457" y="1"/>
-            <a:ext cx="3839633" cy="2609650"/>
-          </a:xfrm>
-          <a:custGeom>
-            <a:avLst/>
-            <a:gdLst/>
-            <a:ahLst/>
-            <a:cxnLst/>
-            <a:rect l="l" t="t" r="r" b="b"/>
-            <a:pathLst>
-              <a:path w="43200" h="43200" stroke="0" extrusionOk="0">
-                <a:moveTo>
-                  <a:pt x="32864" y="0"/>
-                </a:moveTo>
-                <a:lnTo>
-                  <a:pt x="10583" y="0"/>
-                </a:lnTo>
-                <a:lnTo>
-                  <a:pt x="10583" y="0"/>
-                </a:lnTo>
-                <a:cubicBezTo>
-                  <a:pt x="9017" y="532"/>
-                  <a:pt x="7515" y="1058"/>
-                  <a:pt x="6214" y="1509"/>
-                </a:cubicBezTo>
-                <a:lnTo>
-                  <a:pt x="6214" y="1509"/>
-                </a:lnTo>
-                <a:cubicBezTo>
-                  <a:pt x="1428" y="3166"/>
-                  <a:pt x="0" y="6109"/>
-                  <a:pt x="212" y="8072"/>
-                </a:cubicBezTo>
-                <a:lnTo>
-                  <a:pt x="212" y="8072"/>
-                </a:lnTo>
-                <a:cubicBezTo>
-                  <a:pt x="758" y="13092"/>
-                  <a:pt x="1111" y="20742"/>
-                  <a:pt x="1212" y="25114"/>
-                </a:cubicBezTo>
-                <a:lnTo>
-                  <a:pt x="1212" y="25114"/>
-                </a:lnTo>
-                <a:cubicBezTo>
-                  <a:pt x="1301" y="28962"/>
-                  <a:pt x="4204" y="30446"/>
-                  <a:pt x="6906" y="31937"/>
-                </a:cubicBezTo>
-                <a:lnTo>
-                  <a:pt x="6906" y="31937"/>
-                </a:lnTo>
-                <a:cubicBezTo>
-                  <a:pt x="9246" y="33229"/>
-                  <a:pt x="19775" y="38395"/>
-                  <a:pt x="22112" y="39685"/>
-                </a:cubicBezTo>
-                <a:lnTo>
-                  <a:pt x="22112" y="39685"/>
-                </a:lnTo>
-                <a:cubicBezTo>
-                  <a:pt x="22112" y="39685"/>
-                  <a:pt x="27355" y="43200"/>
-                  <a:pt x="30298" y="38395"/>
-                </a:cubicBezTo>
-                <a:lnTo>
-                  <a:pt x="30298" y="38395"/>
-                </a:lnTo>
-                <a:cubicBezTo>
-                  <a:pt x="33277" y="33533"/>
-                  <a:pt x="36665" y="27667"/>
-                  <a:pt x="39367" y="23576"/>
-                </a:cubicBezTo>
-                <a:lnTo>
-                  <a:pt x="39367" y="23576"/>
-                </a:lnTo>
-                <a:cubicBezTo>
-                  <a:pt x="41761" y="19953"/>
-                  <a:pt x="43200" y="17587"/>
-                  <a:pt x="40977" y="12816"/>
-                </a:cubicBezTo>
-                <a:lnTo>
-                  <a:pt x="40977" y="12816"/>
-                </a:lnTo>
-                <a:cubicBezTo>
-                  <a:pt x="39697" y="10062"/>
-                  <a:pt x="35347" y="3936"/>
-                  <a:pt x="32864" y="0"/>
-                </a:cubicBezTo>
-                <a:close/>
-              </a:path>
-            </a:pathLst>
-          </a:custGeom>
-          <a:solidFill>
-            <a:schemeClr val="bg1">
-              <a:lumMod val="85000"/>
-            </a:schemeClr>
-          </a:solidFill>
-          <a:ln w="9524">
-            <a:solidFill>
-              <a:srgbClr val="000000"/>
-            </a:solidFill>
-            <a:round/>
-            <a:headEnd/>
-            <a:tailEnd/>
-          </a:ln>
-        </p:spPr>
-      </p:sp>
-      <p:sp>
-        <p:nvSpPr>
-          <p:cNvPr id="2" name="Заголовок 1"/>
-          <p:cNvSpPr>
-            <a:spLocks noGrp="1"/>
-          </p:cNvSpPr>
-          <p:nvPr>
-            <p:ph type="title"/>
-          </p:nvPr>
-        </p:nvSpPr>
-        <p:spPr bwMode="auto">
-          <a:xfrm>
-            <a:off x="609599" y="274638"/>
-            <a:ext cx="10972800" cy="1143000"/>
+            <a:off x="838199" y="365125"/>
+            <a:ext cx="10515600" cy="1325562"/>
           </a:xfrm>
           <a:prstGeom prst="rect">
             <a:avLst/>
@@ -3560,15 +2680,16 @@
               <a:defRPr/>
             </a:pPr>
             <a:r>
-              <a:rPr lang="ru-RU"/>
-              <a:t>Образец заголовка</a:t>
-            </a:r>
-          </a:p>
-        </p:txBody>
-      </p:sp>
-      <p:sp>
-        <p:nvSpPr>
-          <p:cNvPr id="3" name="Текст 2"/>
+              <a:rPr lang="en-US"/>
+              <a:t>Click to edit Master title style</a:t>
+            </a:r>
+            <a:endParaRPr lang="en-US"/>
+          </a:p>
+        </p:txBody>
+      </p:sp>
+      <p:sp>
+        <p:nvSpPr>
+          <p:cNvPr id="3" name="Text Placeholder 2"/>
           <p:cNvSpPr>
             <a:spLocks noGrp="1"/>
           </p:cNvSpPr>
@@ -3578,8 +2699,8 @@
         </p:nvSpPr>
         <p:spPr bwMode="auto">
           <a:xfrm>
-            <a:off x="609599" y="1600201"/>
-            <a:ext cx="10972800" cy="4525962"/>
+            <a:off x="838199" y="1825625"/>
+            <a:ext cx="10515600" cy="4351338"/>
           </a:xfrm>
           <a:prstGeom prst="rect">
             <a:avLst/>
@@ -3595,8 +2716,8 @@
               <a:defRPr/>
             </a:pPr>
             <a:r>
-              <a:rPr lang="ru-RU"/>
-              <a:t>Образец текста</a:t>
+              <a:rPr lang="en-US"/>
+              <a:t>Click to edit Master text styles</a:t>
             </a:r>
             <a:endParaRPr/>
           </a:p>
@@ -3605,8 +2726,8 @@
               <a:defRPr/>
             </a:pPr>
             <a:r>
-              <a:rPr lang="ru-RU"/>
-              <a:t>Второй уровень</a:t>
+              <a:rPr lang="en-US"/>
+              <a:t>Second level</a:t>
             </a:r>
             <a:endParaRPr/>
           </a:p>
@@ -3615,8 +2736,8 @@
               <a:defRPr/>
             </a:pPr>
             <a:r>
-              <a:rPr lang="ru-RU"/>
-              <a:t>Третий уровень</a:t>
+              <a:rPr lang="en-US"/>
+              <a:t>Third level</a:t>
             </a:r>
             <a:endParaRPr/>
           </a:p>
@@ -3625,8 +2746,8 @@
               <a:defRPr/>
             </a:pPr>
             <a:r>
-              <a:rPr lang="ru-RU"/>
-              <a:t>Четвертый уровень</a:t>
+              <a:rPr lang="en-US"/>
+              <a:t>Fourth level</a:t>
             </a:r>
             <a:endParaRPr/>
           </a:p>
@@ -3635,15 +2756,16 @@
               <a:defRPr/>
             </a:pPr>
             <a:r>
-              <a:rPr lang="ru-RU"/>
-              <a:t>Пятый уровень</a:t>
-            </a:r>
-          </a:p>
-        </p:txBody>
-      </p:sp>
-      <p:sp>
-        <p:nvSpPr>
-          <p:cNvPr id="4" name="Дата 3"/>
+              <a:rPr lang="en-US"/>
+              <a:t>Fifth level</a:t>
+            </a:r>
+            <a:endParaRPr lang="en-US"/>
+          </a:p>
+        </p:txBody>
+      </p:sp>
+      <p:sp>
+        <p:nvSpPr>
+          <p:cNvPr id="4" name="Date Placeholder 3"/>
           <p:cNvSpPr>
             <a:spLocks noGrp="1"/>
           </p:cNvSpPr>
@@ -3653,8 +2775,8 @@
         </p:nvSpPr>
         <p:spPr bwMode="auto">
           <a:xfrm>
-            <a:off x="609599" y="6356351"/>
-            <a:ext cx="2844799" cy="365125"/>
+            <a:off x="838199" y="6356350"/>
+            <a:ext cx="2743200" cy="365125"/>
           </a:xfrm>
           <a:prstGeom prst="rect">
             <a:avLst/>
@@ -3664,7 +2786,7 @@
           <a:bodyPr vert="horz" lIns="91440" tIns="45720" rIns="91440" bIns="45720" rtlCol="0" anchor="ctr"/>
           <a:lstStyle>
             <a:lvl1pPr algn="l">
-              <a:defRPr sz="1200">
+              <a:defRPr sz="900">
                 <a:solidFill>
                   <a:schemeClr val="tx1">
                     <a:tint val="75000"/>
@@ -3677,9 +2799,9 @@
             <a:pPr>
               <a:defRPr/>
             </a:pPr>
-            <a:fld id="{A69D51E0-3758-456B-809F-07B187805C7D}" type="datetimeFigureOut">
+            <a:fld id="{BCC18F51-09EC-435C-A3BA-64A766E099C0}" type="datetimeFigureOut">
               <a:rPr lang="ru-RU"/>
-              <a:t>28.07.2024</a:t>
+              <a:t/>
             </a:fld>
             <a:endParaRPr lang="ru-RU"/>
           </a:p>
@@ -3687,7 +2809,7 @@
       </p:sp>
       <p:sp>
         <p:nvSpPr>
-          <p:cNvPr id="5" name="Нижний колонтитул 4"/>
+          <p:cNvPr id="5" name="Footer Placeholder 4"/>
           <p:cNvSpPr>
             <a:spLocks noGrp="1"/>
           </p:cNvSpPr>
@@ -3697,8 +2819,8 @@
         </p:nvSpPr>
         <p:spPr bwMode="auto">
           <a:xfrm>
-            <a:off x="4165599" y="6356351"/>
-            <a:ext cx="3860799" cy="365125"/>
+            <a:off x="4038599" y="6356350"/>
+            <a:ext cx="4114800" cy="365125"/>
           </a:xfrm>
           <a:prstGeom prst="rect">
             <a:avLst/>
@@ -3708,7 +2830,7 @@
           <a:bodyPr vert="horz" lIns="91440" tIns="45720" rIns="91440" bIns="45720" rtlCol="0" anchor="ctr"/>
           <a:lstStyle>
             <a:lvl1pPr algn="ctr">
-              <a:defRPr sz="1200">
+              <a:defRPr sz="900">
                 <a:solidFill>
                   <a:schemeClr val="tx1">
                     <a:tint val="75000"/>
@@ -3727,7 +2849,7 @@
       </p:sp>
       <p:sp>
         <p:nvSpPr>
-          <p:cNvPr id="6" name="Номер слайда 5"/>
+          <p:cNvPr id="6" name="Slide Number Placeholder 5"/>
           <p:cNvSpPr>
             <a:spLocks noGrp="1"/>
           </p:cNvSpPr>
@@ -3737,8 +2859,8 @@
         </p:nvSpPr>
         <p:spPr bwMode="auto">
           <a:xfrm>
-            <a:off x="8737599" y="6356351"/>
-            <a:ext cx="2844799" cy="365125"/>
+            <a:off x="8610599" y="6356350"/>
+            <a:ext cx="2743200" cy="365125"/>
           </a:xfrm>
           <a:prstGeom prst="rect">
             <a:avLst/>
@@ -3748,7 +2870,7 @@
           <a:bodyPr vert="horz" lIns="91440" tIns="45720" rIns="91440" bIns="45720" rtlCol="0" anchor="ctr"/>
           <a:lstStyle>
             <a:lvl1pPr algn="r">
-              <a:defRPr sz="1200">
+              <a:defRPr sz="900">
                 <a:solidFill>
                   <a:schemeClr val="tx1">
                     <a:tint val="75000"/>
@@ -3761,9 +2883,9 @@
             <a:pPr>
               <a:defRPr/>
             </a:pPr>
-            <a:fld id="{4D3B38E7-149F-4D77-9EEF-9309C2CB69A9}" type="slidenum">
+            <a:fld id="{08395586-F03A-48D1-94DF-16B239DF4FB5}" type="slidenum">
               <a:rPr lang="ru-RU"/>
-              <a:t>‹#›</a:t>
+              <a:t/>
             </a:fld>
             <a:endParaRPr lang="ru-RU"/>
           </a:p>
@@ -3787,17 +2909,17 @@
   </p:sldLayoutIdLst>
   <p:txStyles>
     <p:titleStyle>
-      <a:lvl1pPr algn="r" defTabSz="914400">
+      <a:lvl1pPr algn="l" defTabSz="685800">
+        <a:lnSpc>
+          <a:spcPct val="90000"/>
+        </a:lnSpc>
         <a:spcBef>
           <a:spcPts val="0"/>
         </a:spcBef>
         <a:buNone/>
-        <a:defRPr sz="4400">
+        <a:defRPr sz="3300">
           <a:solidFill>
-            <a:schemeClr val="tx1">
-              <a:lumMod val="65000"/>
-              <a:lumOff val="35000"/>
-            </a:schemeClr>
+            <a:schemeClr val="tx1"/>
           </a:solidFill>
           <a:latin typeface="+mj-lt"/>
           <a:ea typeface="+mj-ea"/>
@@ -3806,103 +2928,106 @@
       </a:lvl1pPr>
     </p:titleStyle>
     <p:bodyStyle>
-      <a:lvl1pPr marL="342900" indent="-342900" algn="l" defTabSz="914400">
+      <a:lvl1pPr marL="171450" indent="-171450" algn="l" defTabSz="685800">
+        <a:lnSpc>
+          <a:spcPct val="90000"/>
+        </a:lnSpc>
         <a:spcBef>
-          <a:spcPts val="0"/>
+          <a:spcPts val="749"/>
         </a:spcBef>
         <a:buFont typeface="Arial"/>
         <a:buChar char="•"/>
-        <a:defRPr sz="3200">
+        <a:defRPr sz="2100">
           <a:solidFill>
-            <a:schemeClr val="tx1">
-              <a:lumMod val="75000"/>
-              <a:lumOff val="25000"/>
-            </a:schemeClr>
+            <a:schemeClr val="tx1"/>
           </a:solidFill>
           <a:latin typeface="+mn-lt"/>
           <a:ea typeface="+mn-ea"/>
           <a:cs typeface="+mn-cs"/>
         </a:defRPr>
       </a:lvl1pPr>
-      <a:lvl2pPr marL="742950" indent="-285750" algn="l" defTabSz="914400">
+      <a:lvl2pPr marL="514350" indent="-171450" algn="l" defTabSz="685800">
+        <a:lnSpc>
+          <a:spcPct val="90000"/>
+        </a:lnSpc>
         <a:spcBef>
-          <a:spcPts val="0"/>
+          <a:spcPts val="374"/>
         </a:spcBef>
         <a:buFont typeface="Arial"/>
-        <a:buChar char="–"/>
-        <a:defRPr sz="2800">
+        <a:buChar char="•"/>
+        <a:defRPr sz="1800">
           <a:solidFill>
-            <a:schemeClr val="tx1">
-              <a:lumMod val="75000"/>
-              <a:lumOff val="25000"/>
-            </a:schemeClr>
+            <a:schemeClr val="tx1"/>
           </a:solidFill>
           <a:latin typeface="+mn-lt"/>
           <a:ea typeface="+mn-ea"/>
           <a:cs typeface="+mn-cs"/>
         </a:defRPr>
       </a:lvl2pPr>
-      <a:lvl3pPr marL="1143000" indent="-228600" algn="l" defTabSz="914400">
+      <a:lvl3pPr marL="857250" indent="-171450" algn="l" defTabSz="685800">
+        <a:lnSpc>
+          <a:spcPct val="90000"/>
+        </a:lnSpc>
         <a:spcBef>
-          <a:spcPts val="0"/>
+          <a:spcPts val="374"/>
         </a:spcBef>
         <a:buFont typeface="Arial"/>
         <a:buChar char="•"/>
-        <a:defRPr sz="2400">
+        <a:defRPr sz="1500">
           <a:solidFill>
-            <a:schemeClr val="tx1">
-              <a:lumMod val="75000"/>
-              <a:lumOff val="25000"/>
-            </a:schemeClr>
+            <a:schemeClr val="tx1"/>
           </a:solidFill>
           <a:latin typeface="+mn-lt"/>
           <a:ea typeface="+mn-ea"/>
           <a:cs typeface="+mn-cs"/>
         </a:defRPr>
       </a:lvl3pPr>
-      <a:lvl4pPr marL="1600200" indent="-228600" algn="l" defTabSz="914400">
+      <a:lvl4pPr marL="1200150" indent="-171450" algn="l" defTabSz="685800">
+        <a:lnSpc>
+          <a:spcPct val="90000"/>
+        </a:lnSpc>
         <a:spcBef>
-          <a:spcPts val="0"/>
+          <a:spcPts val="374"/>
         </a:spcBef>
         <a:buFont typeface="Arial"/>
-        <a:buChar char="–"/>
-        <a:defRPr sz="2000">
+        <a:buChar char="•"/>
+        <a:defRPr sz="1350">
           <a:solidFill>
-            <a:schemeClr val="tx1">
-              <a:lumMod val="75000"/>
-              <a:lumOff val="25000"/>
-            </a:schemeClr>
+            <a:schemeClr val="tx1"/>
           </a:solidFill>
           <a:latin typeface="+mn-lt"/>
           <a:ea typeface="+mn-ea"/>
           <a:cs typeface="+mn-cs"/>
         </a:defRPr>
       </a:lvl4pPr>
-      <a:lvl5pPr marL="2057400" indent="-228600" algn="l" defTabSz="914400">
+      <a:lvl5pPr marL="1543050" indent="-171450" algn="l" defTabSz="685800">
+        <a:lnSpc>
+          <a:spcPct val="90000"/>
+        </a:lnSpc>
         <a:spcBef>
-          <a:spcPts val="0"/>
+          <a:spcPts val="374"/>
         </a:spcBef>
         <a:buFont typeface="Arial"/>
-        <a:buChar char="»"/>
-        <a:defRPr sz="2000">
+        <a:buChar char="•"/>
+        <a:defRPr sz="1350">
           <a:solidFill>
-            <a:schemeClr val="tx1">
-              <a:lumMod val="75000"/>
-              <a:lumOff val="25000"/>
-            </a:schemeClr>
+            <a:schemeClr val="tx1"/>
           </a:solidFill>
           <a:latin typeface="+mn-lt"/>
           <a:ea typeface="+mn-ea"/>
           <a:cs typeface="+mn-cs"/>
         </a:defRPr>
       </a:lvl5pPr>
-      <a:lvl6pPr marL="2514599" indent="-228600" algn="l" defTabSz="914400">
+      <a:lvl6pPr marL="1885950" indent="-171450" algn="l" defTabSz="685800">
+        <a:lnSpc>
+          <a:spcPct val="90000"/>
+        </a:lnSpc>
         <a:spcBef>
-          <a:spcPts val="0"/>
+          <a:spcPts val="374"/>
         </a:spcBef>
         <a:buFont typeface="Arial"/>
         <a:buChar char="•"/>
-        <a:defRPr sz="2000">
+        <a:defRPr sz="1350">
           <a:solidFill>
             <a:schemeClr val="tx1"/>
           </a:solidFill>
@@ -3911,13 +3036,16 @@
           <a:cs typeface="+mn-cs"/>
         </a:defRPr>
       </a:lvl6pPr>
-      <a:lvl7pPr marL="2971800" indent="-228600" algn="l" defTabSz="914400">
+      <a:lvl7pPr marL="2228850" indent="-171450" algn="l" defTabSz="685800">
+        <a:lnSpc>
+          <a:spcPct val="90000"/>
+        </a:lnSpc>
         <a:spcBef>
-          <a:spcPts val="0"/>
+          <a:spcPts val="374"/>
         </a:spcBef>
         <a:buFont typeface="Arial"/>
         <a:buChar char="•"/>
-        <a:defRPr sz="2000">
+        <a:defRPr sz="1350">
           <a:solidFill>
             <a:schemeClr val="tx1"/>
           </a:solidFill>
@@ -3926,13 +3054,16 @@
           <a:cs typeface="+mn-cs"/>
         </a:defRPr>
       </a:lvl7pPr>
-      <a:lvl8pPr marL="3429000" indent="-228600" algn="l" defTabSz="914400">
+      <a:lvl8pPr marL="2571750" indent="-171450" algn="l" defTabSz="685800">
+        <a:lnSpc>
+          <a:spcPct val="90000"/>
+        </a:lnSpc>
         <a:spcBef>
-          <a:spcPts val="0"/>
+          <a:spcPts val="374"/>
         </a:spcBef>
         <a:buFont typeface="Arial"/>
         <a:buChar char="•"/>
-        <a:defRPr sz="2000">
+        <a:defRPr sz="1350">
           <a:solidFill>
             <a:schemeClr val="tx1"/>
           </a:solidFill>
@@ -3941,13 +3072,16 @@
           <a:cs typeface="+mn-cs"/>
         </a:defRPr>
       </a:lvl8pPr>
-      <a:lvl9pPr marL="3886200" indent="-228600" algn="l" defTabSz="914400">
+      <a:lvl9pPr marL="2914650" indent="-171450" algn="l" defTabSz="685800">
+        <a:lnSpc>
+          <a:spcPct val="90000"/>
+        </a:lnSpc>
         <a:spcBef>
-          <a:spcPts val="0"/>
+          <a:spcPts val="374"/>
         </a:spcBef>
         <a:buFont typeface="Arial"/>
         <a:buChar char="•"/>
-        <a:defRPr sz="2000">
+        <a:defRPr sz="1350">
           <a:solidFill>
             <a:schemeClr val="tx1"/>
           </a:solidFill>
@@ -3959,10 +3093,10 @@
     </p:bodyStyle>
     <p:otherStyle>
       <a:defPPr>
-        <a:defRPr lang="ru-RU"/>
+        <a:defRPr lang="en-US"/>
       </a:defPPr>
-      <a:lvl1pPr marL="0" algn="l" defTabSz="914400">
-        <a:defRPr sz="1800">
+      <a:lvl1pPr marL="0" algn="l" defTabSz="685800">
+        <a:defRPr sz="1350">
           <a:solidFill>
             <a:schemeClr val="tx1"/>
           </a:solidFill>
@@ -3971,8 +3105,8 @@
           <a:cs typeface="+mn-cs"/>
         </a:defRPr>
       </a:lvl1pPr>
-      <a:lvl2pPr marL="457200" algn="l" defTabSz="914400">
-        <a:defRPr sz="1800">
+      <a:lvl2pPr marL="342900" algn="l" defTabSz="685800">
+        <a:defRPr sz="1350">
           <a:solidFill>
             <a:schemeClr val="tx1"/>
           </a:solidFill>
@@ -3981,8 +3115,8 @@
           <a:cs typeface="+mn-cs"/>
         </a:defRPr>
       </a:lvl2pPr>
-      <a:lvl3pPr marL="914400" algn="l" defTabSz="914400">
-        <a:defRPr sz="1800">
+      <a:lvl3pPr marL="685800" algn="l" defTabSz="685800">
+        <a:defRPr sz="1350">
           <a:solidFill>
             <a:schemeClr val="tx1"/>
           </a:solidFill>
@@ -3991,8 +3125,8 @@
           <a:cs typeface="+mn-cs"/>
         </a:defRPr>
       </a:lvl3pPr>
-      <a:lvl4pPr marL="1371600" algn="l" defTabSz="914400">
-        <a:defRPr sz="1800">
+      <a:lvl4pPr marL="1028700" algn="l" defTabSz="685800">
+        <a:defRPr sz="1350">
           <a:solidFill>
             <a:schemeClr val="tx1"/>
           </a:solidFill>
@@ -4001,8 +3135,8 @@
           <a:cs typeface="+mn-cs"/>
         </a:defRPr>
       </a:lvl4pPr>
-      <a:lvl5pPr marL="1828800" algn="l" defTabSz="914400">
-        <a:defRPr sz="1800">
+      <a:lvl5pPr marL="1371600" algn="l" defTabSz="685800">
+        <a:defRPr sz="1350">
           <a:solidFill>
             <a:schemeClr val="tx1"/>
           </a:solidFill>
@@ -4011,8 +3145,8 @@
           <a:cs typeface="+mn-cs"/>
         </a:defRPr>
       </a:lvl5pPr>
-      <a:lvl6pPr marL="2286000" algn="l" defTabSz="914400">
-        <a:defRPr sz="1800">
+      <a:lvl6pPr marL="1714500" algn="l" defTabSz="685800">
+        <a:defRPr sz="1350">
           <a:solidFill>
             <a:schemeClr val="tx1"/>
           </a:solidFill>
@@ -4021,8 +3155,8 @@
           <a:cs typeface="+mn-cs"/>
         </a:defRPr>
       </a:lvl6pPr>
-      <a:lvl7pPr marL="2743200" algn="l" defTabSz="914400">
-        <a:defRPr sz="1800">
+      <a:lvl7pPr marL="2057400" algn="l" defTabSz="685800">
+        <a:defRPr sz="1350">
           <a:solidFill>
             <a:schemeClr val="tx1"/>
           </a:solidFill>
@@ -4031,8 +3165,8 @@
           <a:cs typeface="+mn-cs"/>
         </a:defRPr>
       </a:lvl7pPr>
-      <a:lvl8pPr marL="3200400" algn="l" defTabSz="914400">
-        <a:defRPr sz="1800">
+      <a:lvl8pPr marL="2400300" algn="l" defTabSz="685800">
+        <a:defRPr sz="1350">
           <a:solidFill>
             <a:schemeClr val="tx1"/>
           </a:solidFill>
@@ -4041,8 +3175,8 @@
           <a:cs typeface="+mn-cs"/>
         </a:defRPr>
       </a:lvl8pPr>
-      <a:lvl9pPr marL="3657600" algn="l" defTabSz="914400">
-        <a:defRPr sz="1800">
+      <a:lvl9pPr marL="2743200" algn="l" defTabSz="685800">
+        <a:defRPr sz="1350">
           <a:solidFill>
             <a:schemeClr val="tx1"/>
           </a:solidFill>
@@ -4057,8 +3191,8 @@
 </file>
 
 <file path=ppt/slides/slide1.xml><?xml version="1.0" encoding="utf-8"?>
-<p:sld xmlns:a="http://schemas.openxmlformats.org/drawingml/2006/main" xmlns:r="http://schemas.openxmlformats.org/officeDocument/2006/relationships" xmlns:p="http://schemas.openxmlformats.org/presentationml/2006/main" showMasterPhAnim="0">
-  <p:cSld>
+<p:sld xmlns:a="http://schemas.openxmlformats.org/drawingml/2006/main" xmlns:r="http://schemas.openxmlformats.org/officeDocument/2006/relationships" xmlns:p="http://schemas.openxmlformats.org/presentationml/2006/main" xmlns:m="http://schemas.openxmlformats.org/officeDocument/2006/math" xmlns:w="http://schemas.openxmlformats.org/wordprocessingml/2006/main" showMasterPhAnim="0" show="1">
+  <p:cSld name="">
     <p:spTree>
       <p:nvGrpSpPr>
         <p:cNvPr id="1" name=""/>
@@ -4073,6 +3207,28 @@
           <a:chExt cx="0" cy="0"/>
         </a:xfrm>
       </p:grpSpPr>
+      <p:pic>
+        <p:nvPicPr>
+          <p:cNvPr id="2088201652" name=""/>
+          <p:cNvPicPr>
+            <a:picLocks noChangeAspect="1"/>
+          </p:cNvPicPr>
+          <p:nvPr/>
+        </p:nvPicPr>
+        <p:blipFill>
+          <a:blip r:embed="rId2"/>
+          <a:stretch/>
+        </p:blipFill>
+        <p:spPr bwMode="auto">
+          <a:xfrm flipH="0" flipV="0">
+            <a:off x="-36367" y="-1273668"/>
+            <a:ext cx="12249367" cy="8166245"/>
+          </a:xfrm>
+          <a:prstGeom prst="rect">
+            <a:avLst/>
+          </a:prstGeom>
+        </p:spPr>
+      </p:pic>
       <p:sp>
         <p:nvSpPr>
           <p:cNvPr id="2" name="Title 1"/>
@@ -4084,14 +3240,14 @@
           </p:nvPr>
         </p:nvSpPr>
         <p:spPr bwMode="auto">
-          <a:xfrm>
-            <a:off x="4788131" y="1808820"/>
-            <a:ext cx="6720746" cy="720079"/>
+          <a:xfrm flipH="0" flipV="0">
+            <a:off x="5194203" y="497031"/>
+            <a:ext cx="6720745" cy="2026671"/>
           </a:xfrm>
         </p:spPr>
         <p:txBody>
-          <a:bodyPr>
-            <a:normAutofit fontScale="90000"/>
+          <a:bodyPr vertOverflow="overflow" horzOverflow="overflow" vert="horz" wrap="square" lIns="91440" tIns="45720" rIns="91440" bIns="45720" numCol="1" spcCol="0" rtlCol="0" fromWordArt="0" anchor="b" anchorCtr="0" forceAA="0" upright="0" compatLnSpc="0">
+            <a:normAutofit/>
           </a:bodyPr>
           <a:lstStyle/>
           <a:p>
@@ -4100,6 +3256,11 @@
             </a:pPr>
             <a:r>
               <a:rPr lang="ru-RU">
+                <a:solidFill>
+                  <a:schemeClr val="accent2">
+                    <a:lumMod val="50000"/>
+                  </a:schemeClr>
+                </a:solidFill>
                 <a:latin typeface="Times New Roman"/>
                 <a:cs typeface="Times New Roman"/>
               </a:rPr>
@@ -4107,6 +3268,11 @@
             </a:r>
             <a:r>
               <a:rPr lang="ru-RU" sz="7200">
+                <a:solidFill>
+                  <a:schemeClr val="accent2">
+                    <a:lumMod val="50000"/>
+                  </a:schemeClr>
+                </a:solidFill>
                 <a:latin typeface="Times New Roman"/>
                 <a:cs typeface="Times New Roman"/>
               </a:rPr>
@@ -4114,6 +3280,11 @@
             </a:r>
             <a:r>
               <a:rPr lang="en-US" sz="7200">
+                <a:solidFill>
+                  <a:schemeClr val="accent2">
+                    <a:lumMod val="50000"/>
+                  </a:schemeClr>
+                </a:solidFill>
                 <a:latin typeface="Times New Roman"/>
                 <a:cs typeface="Times New Roman"/>
               </a:rPr>
@@ -4121,12 +3292,22 @@
             </a:r>
             <a:r>
               <a:rPr lang="ru-RU" sz="7200">
+                <a:solidFill>
+                  <a:schemeClr val="accent2">
+                    <a:lumMod val="50000"/>
+                  </a:schemeClr>
+                </a:solidFill>
                 <a:latin typeface="Times New Roman"/>
                 <a:cs typeface="Times New Roman"/>
               </a:rPr>
               <a:t> принтере</a:t>
             </a:r>
             <a:endParaRPr sz="7200">
+              <a:solidFill>
+                <a:schemeClr val="accent2">
+                  <a:lumMod val="50000"/>
+                </a:schemeClr>
+              </a:solidFill>
               <a:latin typeface="Times New Roman"/>
               <a:cs typeface="Times New Roman"/>
             </a:endParaRPr>
@@ -4144,14 +3325,14 @@
           </p:nvPr>
         </p:nvSpPr>
         <p:spPr bwMode="auto">
-          <a:xfrm>
-            <a:off x="4788131" y="3105794"/>
-            <a:ext cx="6720746" cy="720079"/>
+          <a:xfrm flipH="0" flipV="0">
+            <a:off x="5896494" y="2618953"/>
+            <a:ext cx="6720745" cy="1050569"/>
           </a:xfrm>
         </p:spPr>
         <p:txBody>
-          <a:bodyPr>
-            <a:normAutofit fontScale="62500" lnSpcReduction="20000"/>
+          <a:bodyPr vertOverflow="overflow" horzOverflow="overflow" vert="horz" wrap="square" lIns="91440" tIns="45720" rIns="91440" bIns="45720" numCol="1" spcCol="0" rtlCol="0" fromWordArt="0" anchor="t" anchorCtr="0" forceAA="0" upright="0" compatLnSpc="0">
+            <a:normAutofit/>
           </a:bodyPr>
           <a:lstStyle/>
           <a:p>
@@ -4159,13 +3340,19 @@
               <a:defRPr/>
             </a:pPr>
             <a:r>
-              <a:rPr lang="ru-RU" sz="4800">
+              <a:rPr lang="ru-RU" sz="3200">
+                <a:solidFill>
+                  <a:srgbClr val="5C2708"/>
+                </a:solidFill>
                 <a:latin typeface="Times New Roman"/>
                 <a:cs typeface="Times New Roman"/>
               </a:rPr>
               <a:t>Кузовлев Антон</a:t>
             </a:r>
             <a:endParaRPr sz="4800">
+              <a:solidFill>
+                <a:srgbClr val="5C2708"/>
+              </a:solidFill>
               <a:latin typeface="Times New Roman"/>
               <a:cs typeface="Times New Roman"/>
             </a:endParaRPr>
@@ -4175,12 +3362,20 @@
               <a:defRPr/>
             </a:pPr>
             <a:r>
-              <a:rPr lang="ru-RU" sz="2800">
-                <a:latin typeface="Times New Roman"/>
-                <a:cs typeface="Times New Roman"/>
-              </a:rPr>
-              <a:t>23.07.2024</a:t>
-            </a:r>
+              <a:rPr lang="ru-RU" sz="2400">
+                <a:solidFill>
+                  <a:srgbClr val="5C2708"/>
+                </a:solidFill>
+                <a:latin typeface="Times New Roman"/>
+                <a:cs typeface="Times New Roman"/>
+              </a:rPr>
+              <a:t>02.07.2024</a:t>
+            </a:r>
+            <a:endParaRPr>
+              <a:solidFill>
+                <a:srgbClr val="5C2708"/>
+              </a:solidFill>
+            </a:endParaRPr>
           </a:p>
         </p:txBody>
       </p:sp>
@@ -4189,11 +3384,11 @@
   <p:clrMapOvr>
     <a:masterClrMapping/>
   </p:clrMapOvr>
-  <mc:AlternateContent xmlns:mc="http://schemas.openxmlformats.org/markup-compatibility/2006" xmlns:p14="http://schemas.microsoft.com/office/powerpoint/2010/main">
-    <mc:Choice Requires="p14">
-      <p:transition spd="slow" p14:dur="2000"/>
+  <mc:AlternateContent xmlns:mc="http://schemas.openxmlformats.org/markup-compatibility/2006">
+    <mc:Choice xmlns:p14="http://schemas.microsoft.com/office/powerpoint/2010/main" Requires="p14">
+      <p:transition p14:dur="2000" advClick="1"/>
     </mc:Choice>
-    <mc:Fallback xmlns:w="http://schemas.openxmlformats.org/wordprocessingml/2006/main" xmlns:m="http://schemas.openxmlformats.org/officeDocument/2006/math" xmlns="">
+    <mc:Fallback>
       <p:transition advClick="1"/>
     </mc:Fallback>
   </mc:AlternateContent>
@@ -4208,8 +3403,8 @@
 </file>
 
 <file path=ppt/slides/slide10.xml><?xml version="1.0" encoding="utf-8"?>
-<p:sld xmlns:a="http://schemas.openxmlformats.org/drawingml/2006/main" xmlns:r="http://schemas.openxmlformats.org/officeDocument/2006/relationships" xmlns:p="http://schemas.openxmlformats.org/presentationml/2006/main" showMasterPhAnim="0">
-  <p:cSld>
+<p:sld xmlns:a="http://schemas.openxmlformats.org/drawingml/2006/main" xmlns:r="http://schemas.openxmlformats.org/officeDocument/2006/relationships" xmlns:p="http://schemas.openxmlformats.org/presentationml/2006/main" xmlns:m="http://schemas.openxmlformats.org/officeDocument/2006/math" xmlns:w="http://schemas.openxmlformats.org/wordprocessingml/2006/main" showMasterPhAnim="0" show="1">
+  <p:cSld name="">
     <p:spTree>
       <p:nvGrpSpPr>
         <p:cNvPr id="1" name=""/>
@@ -4243,43 +3438,43 @@
               <a:defRPr/>
             </a:pPr>
             <a:r>
-              <a:rPr dirty="0" err="1">
-                <a:latin typeface="Times New Roman" panose="02020603050405020304" pitchFamily="18" charset="0"/>
-                <a:cs typeface="Times New Roman" panose="02020603050405020304" pitchFamily="18" charset="0"/>
+              <a:rPr>
+                <a:latin typeface="Times New Roman"/>
+                <a:cs typeface="Times New Roman"/>
               </a:rPr>
               <a:t>Параметры</a:t>
             </a:r>
             <a:r>
-              <a:rPr dirty="0">
-                <a:latin typeface="Times New Roman" panose="02020603050405020304" pitchFamily="18" charset="0"/>
-                <a:cs typeface="Times New Roman" panose="02020603050405020304" pitchFamily="18" charset="0"/>
+              <a:rPr>
+                <a:latin typeface="Times New Roman"/>
+                <a:cs typeface="Times New Roman"/>
               </a:rPr>
               <a:t> </a:t>
             </a:r>
             <a:r>
-              <a:rPr lang="ru-RU" dirty="0" smtClean="0">
-                <a:latin typeface="Times New Roman" panose="02020603050405020304" pitchFamily="18" charset="0"/>
-                <a:cs typeface="Times New Roman" panose="02020603050405020304" pitchFamily="18" charset="0"/>
+              <a:rPr lang="ru-RU">
+                <a:latin typeface="Times New Roman"/>
+                <a:cs typeface="Times New Roman"/>
               </a:rPr>
               <a:t>слоя </a:t>
             </a:r>
             <a:r>
-              <a:rPr dirty="0" err="1" smtClean="0">
-                <a:latin typeface="Times New Roman" panose="02020603050405020304" pitchFamily="18" charset="0"/>
-                <a:cs typeface="Times New Roman" panose="02020603050405020304" pitchFamily="18" charset="0"/>
+              <a:rPr>
+                <a:latin typeface="Times New Roman"/>
+                <a:cs typeface="Times New Roman"/>
               </a:rPr>
               <a:t>печати</a:t>
             </a:r>
             <a:r>
-              <a:rPr lang="en-US" dirty="0">
-                <a:latin typeface="Times New Roman" panose="02020603050405020304" pitchFamily="18" charset="0"/>
-                <a:cs typeface="Times New Roman" panose="02020603050405020304" pitchFamily="18" charset="0"/>
+              <a:rPr lang="en-US">
+                <a:latin typeface="Times New Roman"/>
+                <a:cs typeface="Times New Roman"/>
               </a:rPr>
               <a:t>:</a:t>
             </a:r>
-            <a:endParaRPr dirty="0">
-              <a:latin typeface="Times New Roman" panose="02020603050405020304" pitchFamily="18" charset="0"/>
-              <a:cs typeface="Times New Roman" panose="02020603050405020304" pitchFamily="18" charset="0"/>
+            <a:endParaRPr>
+              <a:latin typeface="Times New Roman"/>
+              <a:cs typeface="Times New Roman"/>
             </a:endParaRPr>
           </a:p>
         </p:txBody>
@@ -4307,54 +3502,55 @@
               <a:defRPr/>
             </a:pPr>
             <a:r>
-              <a:rPr dirty="0" err="1">
-                <a:latin typeface="Times New Roman" panose="02020603050405020304" pitchFamily="18" charset="0"/>
-                <a:cs typeface="Times New Roman" panose="02020603050405020304" pitchFamily="18" charset="0"/>
+              <a:rPr>
+                <a:latin typeface="Times New Roman"/>
+                <a:cs typeface="Times New Roman"/>
               </a:rPr>
               <a:t>Высота</a:t>
             </a:r>
             <a:r>
-              <a:rPr dirty="0">
-                <a:latin typeface="Times New Roman" panose="02020603050405020304" pitchFamily="18" charset="0"/>
-                <a:cs typeface="Times New Roman" panose="02020603050405020304" pitchFamily="18" charset="0"/>
+              <a:rPr>
+                <a:latin typeface="Times New Roman"/>
+                <a:cs typeface="Times New Roman"/>
               </a:rPr>
               <a:t> </a:t>
             </a:r>
             <a:r>
-              <a:rPr dirty="0" smtClean="0">
-                <a:latin typeface="Times New Roman" panose="02020603050405020304" pitchFamily="18" charset="0"/>
-                <a:cs typeface="Times New Roman" panose="02020603050405020304" pitchFamily="18" charset="0"/>
+              <a:rPr>
+                <a:latin typeface="Times New Roman"/>
+                <a:cs typeface="Times New Roman"/>
               </a:rPr>
               <a:t>слоя</a:t>
             </a:r>
             <a:r>
-              <a:rPr lang="en-US" dirty="0" smtClean="0">
-                <a:latin typeface="Times New Roman" panose="02020603050405020304" pitchFamily="18" charset="0"/>
-                <a:cs typeface="Times New Roman" panose="02020603050405020304" pitchFamily="18" charset="0"/>
+              <a:rPr lang="en-US">
+                <a:latin typeface="Times New Roman"/>
+                <a:cs typeface="Times New Roman"/>
               </a:rPr>
               <a:t>:</a:t>
             </a:r>
             <a:r>
-              <a:rPr dirty="0" smtClean="0">
-                <a:latin typeface="Times New Roman" panose="02020603050405020304" pitchFamily="18" charset="0"/>
-                <a:cs typeface="Times New Roman" panose="02020603050405020304" pitchFamily="18" charset="0"/>
+              <a:rPr>
+                <a:latin typeface="Times New Roman"/>
+                <a:cs typeface="Times New Roman"/>
               </a:rPr>
               <a:t>0.25 </a:t>
             </a:r>
             <a:r>
-              <a:rPr dirty="0" err="1">
-                <a:latin typeface="Times New Roman" panose="02020603050405020304" pitchFamily="18" charset="0"/>
-                <a:cs typeface="Times New Roman" panose="02020603050405020304" pitchFamily="18" charset="0"/>
+              <a:rPr>
+                <a:latin typeface="Times New Roman"/>
+                <a:cs typeface="Times New Roman"/>
               </a:rPr>
               <a:t>мм</a:t>
             </a:r>
             <a:r>
-              <a:rPr dirty="0">
-                <a:latin typeface="Times New Roman" panose="02020603050405020304" pitchFamily="18" charset="0"/>
-                <a:cs typeface="Times New Roman" panose="02020603050405020304" pitchFamily="18" charset="0"/>
+              <a:rPr>
+                <a:latin typeface="Times New Roman"/>
+                <a:cs typeface="Times New Roman"/>
               </a:rPr>
               <a:t>.</a:t>
             </a:r>
+            <a:endParaRPr/>
           </a:p>
           <a:p>
             <a:pPr marL="0" indent="0">
@@ -4363,54 +3559,55 @@
               <a:defRPr/>
             </a:pPr>
             <a:r>
-              <a:rPr dirty="0" err="1">
-                <a:latin typeface="Times New Roman" panose="02020603050405020304" pitchFamily="18" charset="0"/>
-                <a:cs typeface="Times New Roman" panose="02020603050405020304" pitchFamily="18" charset="0"/>
+              <a:rPr>
+                <a:latin typeface="Times New Roman"/>
+                <a:cs typeface="Times New Roman"/>
               </a:rPr>
               <a:t>Первый</a:t>
             </a:r>
             <a:r>
-              <a:rPr dirty="0">
-                <a:latin typeface="Times New Roman" panose="02020603050405020304" pitchFamily="18" charset="0"/>
-                <a:cs typeface="Times New Roman" panose="02020603050405020304" pitchFamily="18" charset="0"/>
+              <a:rPr>
+                <a:latin typeface="Times New Roman"/>
+                <a:cs typeface="Times New Roman"/>
               </a:rPr>
               <a:t> </a:t>
             </a:r>
             <a:r>
-              <a:rPr dirty="0" err="1" smtClean="0">
-                <a:latin typeface="Times New Roman" panose="02020603050405020304" pitchFamily="18" charset="0"/>
-                <a:cs typeface="Times New Roman" panose="02020603050405020304" pitchFamily="18" charset="0"/>
+              <a:rPr>
+                <a:latin typeface="Times New Roman"/>
+                <a:cs typeface="Times New Roman"/>
               </a:rPr>
               <a:t>слой</a:t>
             </a:r>
             <a:r>
-              <a:rPr lang="en-US" dirty="0" smtClean="0">
-                <a:latin typeface="Times New Roman" panose="02020603050405020304" pitchFamily="18" charset="0"/>
-                <a:cs typeface="Times New Roman" panose="02020603050405020304" pitchFamily="18" charset="0"/>
+              <a:rPr lang="en-US">
+                <a:latin typeface="Times New Roman"/>
+                <a:cs typeface="Times New Roman"/>
               </a:rPr>
               <a:t>: </a:t>
             </a:r>
             <a:r>
-              <a:rPr dirty="0" smtClean="0">
-                <a:latin typeface="Times New Roman" panose="02020603050405020304" pitchFamily="18" charset="0"/>
-                <a:cs typeface="Times New Roman" panose="02020603050405020304" pitchFamily="18" charset="0"/>
+              <a:rPr>
+                <a:latin typeface="Times New Roman"/>
+                <a:cs typeface="Times New Roman"/>
               </a:rPr>
               <a:t>0.30 </a:t>
             </a:r>
             <a:r>
-              <a:rPr dirty="0" err="1">
-                <a:latin typeface="Times New Roman" panose="02020603050405020304" pitchFamily="18" charset="0"/>
-                <a:cs typeface="Times New Roman" panose="02020603050405020304" pitchFamily="18" charset="0"/>
+              <a:rPr>
+                <a:latin typeface="Times New Roman"/>
+                <a:cs typeface="Times New Roman"/>
               </a:rPr>
               <a:t>мм</a:t>
             </a:r>
             <a:r>
-              <a:rPr dirty="0">
-                <a:latin typeface="Times New Roman" panose="02020603050405020304" pitchFamily="18" charset="0"/>
-                <a:cs typeface="Times New Roman" panose="02020603050405020304" pitchFamily="18" charset="0"/>
+              <a:rPr>
+                <a:latin typeface="Times New Roman"/>
+                <a:cs typeface="Times New Roman"/>
               </a:rPr>
               <a:t>.</a:t>
             </a:r>
+            <a:endParaRPr/>
           </a:p>
           <a:p>
             <a:pPr marL="0" indent="0">
@@ -4419,57 +3616,57 @@
               <a:defRPr/>
             </a:pPr>
             <a:r>
-              <a:rPr dirty="0" err="1">
-                <a:latin typeface="Times New Roman" panose="02020603050405020304" pitchFamily="18" charset="0"/>
-                <a:cs typeface="Times New Roman" panose="02020603050405020304" pitchFamily="18" charset="0"/>
+              <a:rPr>
+                <a:latin typeface="Times New Roman"/>
+                <a:cs typeface="Times New Roman"/>
               </a:rPr>
               <a:t>Ширина</a:t>
             </a:r>
             <a:r>
-              <a:rPr dirty="0">
-                <a:latin typeface="Times New Roman" panose="02020603050405020304" pitchFamily="18" charset="0"/>
-                <a:cs typeface="Times New Roman" panose="02020603050405020304" pitchFamily="18" charset="0"/>
+              <a:rPr>
+                <a:latin typeface="Times New Roman"/>
+                <a:cs typeface="Times New Roman"/>
               </a:rPr>
               <a:t> </a:t>
             </a:r>
             <a:r>
-              <a:rPr dirty="0" smtClean="0">
-                <a:latin typeface="Times New Roman" panose="02020603050405020304" pitchFamily="18" charset="0"/>
-                <a:cs typeface="Times New Roman" panose="02020603050405020304" pitchFamily="18" charset="0"/>
+              <a:rPr>
+                <a:latin typeface="Times New Roman"/>
+                <a:cs typeface="Times New Roman"/>
               </a:rPr>
               <a:t>линии</a:t>
             </a:r>
             <a:r>
-              <a:rPr lang="en-US" dirty="0" smtClean="0">
-                <a:latin typeface="Times New Roman" panose="02020603050405020304" pitchFamily="18" charset="0"/>
-                <a:cs typeface="Times New Roman" panose="02020603050405020304" pitchFamily="18" charset="0"/>
+              <a:rPr lang="en-US">
+                <a:latin typeface="Times New Roman"/>
+                <a:cs typeface="Times New Roman"/>
               </a:rPr>
               <a:t>:</a:t>
             </a:r>
             <a:r>
-              <a:rPr dirty="0" smtClean="0">
-                <a:latin typeface="Times New Roman" panose="02020603050405020304" pitchFamily="18" charset="0"/>
-                <a:cs typeface="Times New Roman" panose="02020603050405020304" pitchFamily="18" charset="0"/>
+              <a:rPr>
+                <a:latin typeface="Times New Roman"/>
+                <a:cs typeface="Times New Roman"/>
               </a:rPr>
               <a:t>0.65 </a:t>
             </a:r>
             <a:r>
-              <a:rPr dirty="0" err="1">
-                <a:latin typeface="Times New Roman" panose="02020603050405020304" pitchFamily="18" charset="0"/>
-                <a:cs typeface="Times New Roman" panose="02020603050405020304" pitchFamily="18" charset="0"/>
+              <a:rPr>
+                <a:latin typeface="Times New Roman"/>
+                <a:cs typeface="Times New Roman"/>
               </a:rPr>
               <a:t>мм</a:t>
             </a:r>
             <a:r>
-              <a:rPr dirty="0" smtClean="0">
-                <a:latin typeface="Times New Roman" panose="02020603050405020304" pitchFamily="18" charset="0"/>
-                <a:cs typeface="Times New Roman" panose="02020603050405020304" pitchFamily="18" charset="0"/>
+              <a:rPr>
+                <a:latin typeface="Times New Roman"/>
+                <a:cs typeface="Times New Roman"/>
               </a:rPr>
               <a:t>.</a:t>
             </a:r>
-            <a:endParaRPr dirty="0">
-              <a:latin typeface="Times New Roman" panose="02020603050405020304" pitchFamily="18" charset="0"/>
-              <a:cs typeface="Times New Roman" panose="02020603050405020304" pitchFamily="18" charset="0"/>
+            <a:endParaRPr>
+              <a:latin typeface="Times New Roman"/>
+              <a:cs typeface="Times New Roman"/>
             </a:endParaRPr>
           </a:p>
           <a:p>
@@ -4479,40 +3676,41 @@
               <a:defRPr/>
             </a:pPr>
             <a:r>
-              <a:rPr dirty="0" err="1">
-                <a:latin typeface="Times New Roman" panose="02020603050405020304" pitchFamily="18" charset="0"/>
-                <a:cs typeface="Times New Roman" panose="02020603050405020304" pitchFamily="18" charset="0"/>
+              <a:rPr>
+                <a:latin typeface="Times New Roman"/>
+                <a:cs typeface="Times New Roman"/>
               </a:rPr>
               <a:t>Кратность</a:t>
             </a:r>
             <a:r>
-              <a:rPr dirty="0">
-                <a:latin typeface="Times New Roman" panose="02020603050405020304" pitchFamily="18" charset="0"/>
-                <a:cs typeface="Times New Roman" panose="02020603050405020304" pitchFamily="18" charset="0"/>
+              <a:rPr>
+                <a:latin typeface="Times New Roman"/>
+                <a:cs typeface="Times New Roman"/>
               </a:rPr>
               <a:t> </a:t>
             </a:r>
             <a:r>
-              <a:rPr dirty="0" err="1" smtClean="0">
-                <a:latin typeface="Times New Roman" panose="02020603050405020304" pitchFamily="18" charset="0"/>
-                <a:cs typeface="Times New Roman" panose="02020603050405020304" pitchFamily="18" charset="0"/>
+              <a:rPr>
+                <a:latin typeface="Times New Roman"/>
+                <a:cs typeface="Times New Roman"/>
               </a:rPr>
               <a:t>слоёв</a:t>
             </a:r>
             <a:r>
-              <a:rPr lang="en-US" dirty="0">
-                <a:latin typeface="Times New Roman" panose="02020603050405020304" pitchFamily="18" charset="0"/>
-                <a:cs typeface="Times New Roman" panose="02020603050405020304" pitchFamily="18" charset="0"/>
+              <a:rPr lang="en-US">
+                <a:latin typeface="Times New Roman"/>
+                <a:cs typeface="Times New Roman"/>
               </a:rPr>
               <a:t>:</a:t>
             </a:r>
             <a:r>
-              <a:rPr dirty="0" smtClean="0">
-                <a:latin typeface="Times New Roman" panose="02020603050405020304" pitchFamily="18" charset="0"/>
-                <a:cs typeface="Times New Roman" panose="02020603050405020304" pitchFamily="18" charset="0"/>
+              <a:rPr>
+                <a:latin typeface="Times New Roman"/>
+                <a:cs typeface="Times New Roman"/>
               </a:rPr>
               <a:t> 2.</a:t>
             </a:r>
+            <a:endParaRPr/>
           </a:p>
           <a:p>
             <a:pPr marL="0" indent="0">
@@ -4521,68 +3719,69 @@
               <a:defRPr/>
             </a:pPr>
             <a:r>
-              <a:rPr dirty="0" err="1" smtClean="0">
-                <a:latin typeface="Times New Roman" panose="02020603050405020304" pitchFamily="18" charset="0"/>
-                <a:cs typeface="Times New Roman" panose="02020603050405020304" pitchFamily="18" charset="0"/>
+              <a:rPr>
+                <a:latin typeface="Times New Roman"/>
+                <a:cs typeface="Times New Roman"/>
               </a:rPr>
               <a:t>Ширина</a:t>
             </a:r>
             <a:r>
-              <a:rPr dirty="0" smtClean="0">
-                <a:latin typeface="Times New Roman" panose="02020603050405020304" pitchFamily="18" charset="0"/>
-                <a:cs typeface="Times New Roman" panose="02020603050405020304" pitchFamily="18" charset="0"/>
+              <a:rPr>
+                <a:latin typeface="Times New Roman"/>
+                <a:cs typeface="Times New Roman"/>
               </a:rPr>
               <a:t> </a:t>
             </a:r>
             <a:r>
-              <a:rPr dirty="0" err="1" smtClean="0">
-                <a:latin typeface="Times New Roman" panose="02020603050405020304" pitchFamily="18" charset="0"/>
-                <a:cs typeface="Times New Roman" panose="02020603050405020304" pitchFamily="18" charset="0"/>
+              <a:rPr>
+                <a:latin typeface="Times New Roman"/>
+                <a:cs typeface="Times New Roman"/>
               </a:rPr>
               <a:t>линии</a:t>
             </a:r>
             <a:r>
-              <a:rPr dirty="0" smtClean="0">
-                <a:latin typeface="Times New Roman" panose="02020603050405020304" pitchFamily="18" charset="0"/>
-                <a:cs typeface="Times New Roman" panose="02020603050405020304" pitchFamily="18" charset="0"/>
+              <a:rPr>
+                <a:latin typeface="Times New Roman"/>
+                <a:cs typeface="Times New Roman"/>
               </a:rPr>
               <a:t> </a:t>
             </a:r>
             <a:r>
-              <a:rPr dirty="0" err="1" smtClean="0">
-                <a:latin typeface="Times New Roman" panose="02020603050405020304" pitchFamily="18" charset="0"/>
-                <a:cs typeface="Times New Roman" panose="02020603050405020304" pitchFamily="18" charset="0"/>
+              <a:rPr>
+                <a:latin typeface="Times New Roman"/>
+                <a:cs typeface="Times New Roman"/>
               </a:rPr>
               <a:t>периметров</a:t>
             </a:r>
             <a:r>
-              <a:rPr lang="en-US" dirty="0">
-                <a:latin typeface="Times New Roman" panose="02020603050405020304" pitchFamily="18" charset="0"/>
-                <a:cs typeface="Times New Roman" panose="02020603050405020304" pitchFamily="18" charset="0"/>
+              <a:rPr lang="en-US">
+                <a:latin typeface="Times New Roman"/>
+                <a:cs typeface="Times New Roman"/>
               </a:rPr>
               <a:t>:</a:t>
             </a:r>
             <a:r>
-              <a:rPr dirty="0" smtClean="0">
-                <a:latin typeface="Times New Roman" panose="02020603050405020304" pitchFamily="18" charset="0"/>
-                <a:cs typeface="Times New Roman" panose="02020603050405020304" pitchFamily="18" charset="0"/>
+              <a:rPr>
+                <a:latin typeface="Times New Roman"/>
+                <a:cs typeface="Times New Roman"/>
               </a:rPr>
               <a:t> 0.55 </a:t>
             </a:r>
             <a:r>
-              <a:rPr dirty="0" err="1" smtClean="0">
-                <a:latin typeface="Times New Roman" panose="02020603050405020304" pitchFamily="18" charset="0"/>
-                <a:cs typeface="Times New Roman" panose="02020603050405020304" pitchFamily="18" charset="0"/>
+              <a:rPr>
+                <a:latin typeface="Times New Roman"/>
+                <a:cs typeface="Times New Roman"/>
               </a:rPr>
               <a:t>мм</a:t>
             </a:r>
             <a:r>
-              <a:rPr dirty="0" smtClean="0">
-                <a:latin typeface="Times New Roman" panose="02020603050405020304" pitchFamily="18" charset="0"/>
-                <a:cs typeface="Times New Roman" panose="02020603050405020304" pitchFamily="18" charset="0"/>
+              <a:rPr>
+                <a:latin typeface="Times New Roman"/>
+                <a:cs typeface="Times New Roman"/>
               </a:rPr>
               <a:t>.</a:t>
             </a:r>
+            <a:endParaRPr/>
           </a:p>
           <a:p>
             <a:pPr marL="0" indent="0">
@@ -4591,47 +3790,48 @@
               <a:defRPr/>
             </a:pPr>
             <a:r>
-              <a:rPr dirty="0" err="1" smtClean="0">
-                <a:latin typeface="Times New Roman" panose="02020603050405020304" pitchFamily="18" charset="0"/>
-                <a:cs typeface="Times New Roman" panose="02020603050405020304" pitchFamily="18" charset="0"/>
+              <a:rPr>
+                <a:latin typeface="Times New Roman"/>
+                <a:cs typeface="Times New Roman"/>
               </a:rPr>
               <a:t>Количество</a:t>
             </a:r>
             <a:r>
-              <a:rPr dirty="0" smtClean="0">
-                <a:latin typeface="Times New Roman" panose="02020603050405020304" pitchFamily="18" charset="0"/>
-                <a:cs typeface="Times New Roman" panose="02020603050405020304" pitchFamily="18" charset="0"/>
+              <a:rPr>
+                <a:latin typeface="Times New Roman"/>
+                <a:cs typeface="Times New Roman"/>
               </a:rPr>
               <a:t> </a:t>
             </a:r>
             <a:r>
-              <a:rPr dirty="0" err="1" smtClean="0">
-                <a:latin typeface="Times New Roman" panose="02020603050405020304" pitchFamily="18" charset="0"/>
-                <a:cs typeface="Times New Roman" panose="02020603050405020304" pitchFamily="18" charset="0"/>
+              <a:rPr>
+                <a:latin typeface="Times New Roman"/>
+                <a:cs typeface="Times New Roman"/>
               </a:rPr>
               <a:t>периметров</a:t>
             </a:r>
             <a:r>
-              <a:rPr lang="en-US" dirty="0">
-                <a:latin typeface="Times New Roman" panose="02020603050405020304" pitchFamily="18" charset="0"/>
-                <a:cs typeface="Times New Roman" panose="02020603050405020304" pitchFamily="18" charset="0"/>
+              <a:rPr lang="en-US">
+                <a:latin typeface="Times New Roman"/>
+                <a:cs typeface="Times New Roman"/>
               </a:rPr>
               <a:t>:</a:t>
             </a:r>
             <a:r>
-              <a:rPr dirty="0" smtClean="0">
-                <a:latin typeface="Times New Roman" panose="02020603050405020304" pitchFamily="18" charset="0"/>
-                <a:cs typeface="Times New Roman" panose="02020603050405020304" pitchFamily="18" charset="0"/>
+              <a:rPr>
+                <a:latin typeface="Times New Roman"/>
+                <a:cs typeface="Times New Roman"/>
               </a:rPr>
               <a:t> </a:t>
             </a:r>
             <a:r>
-              <a:rPr dirty="0">
-                <a:latin typeface="Times New Roman" panose="02020603050405020304" pitchFamily="18" charset="0"/>
-                <a:cs typeface="Times New Roman" panose="02020603050405020304" pitchFamily="18" charset="0"/>
+              <a:rPr>
+                <a:latin typeface="Times New Roman"/>
+                <a:cs typeface="Times New Roman"/>
               </a:rPr>
               <a:t>2.</a:t>
             </a:r>
+            <a:endParaRPr/>
           </a:p>
           <a:p>
             <a:pPr marL="0" indent="0">
@@ -4640,64 +3840,64 @@
               <a:defRPr/>
             </a:pPr>
             <a:r>
-              <a:rPr dirty="0" err="1">
-                <a:latin typeface="Times New Roman" panose="02020603050405020304" pitchFamily="18" charset="0"/>
-                <a:cs typeface="Times New Roman" panose="02020603050405020304" pitchFamily="18" charset="0"/>
+              <a:rPr>
+                <a:latin typeface="Times New Roman"/>
+                <a:cs typeface="Times New Roman"/>
               </a:rPr>
               <a:t>Количество</a:t>
             </a:r>
             <a:r>
-              <a:rPr dirty="0">
-                <a:latin typeface="Times New Roman" panose="02020603050405020304" pitchFamily="18" charset="0"/>
-                <a:cs typeface="Times New Roman" panose="02020603050405020304" pitchFamily="18" charset="0"/>
+              <a:rPr>
+                <a:latin typeface="Times New Roman"/>
+                <a:cs typeface="Times New Roman"/>
               </a:rPr>
               <a:t> </a:t>
             </a:r>
             <a:r>
-              <a:rPr dirty="0" err="1">
-                <a:latin typeface="Times New Roman" panose="02020603050405020304" pitchFamily="18" charset="0"/>
-                <a:cs typeface="Times New Roman" panose="02020603050405020304" pitchFamily="18" charset="0"/>
+              <a:rPr>
+                <a:latin typeface="Times New Roman"/>
+                <a:cs typeface="Times New Roman"/>
               </a:rPr>
               <a:t>верхних</a:t>
             </a:r>
             <a:r>
-              <a:rPr dirty="0">
-                <a:latin typeface="Times New Roman" panose="02020603050405020304" pitchFamily="18" charset="0"/>
-                <a:cs typeface="Times New Roman" panose="02020603050405020304" pitchFamily="18" charset="0"/>
+              <a:rPr>
+                <a:latin typeface="Times New Roman"/>
+                <a:cs typeface="Times New Roman"/>
               </a:rPr>
               <a:t> </a:t>
             </a:r>
             <a:r>
-              <a:rPr dirty="0" err="1" smtClean="0">
-                <a:latin typeface="Times New Roman" panose="02020603050405020304" pitchFamily="18" charset="0"/>
-                <a:cs typeface="Times New Roman" panose="02020603050405020304" pitchFamily="18" charset="0"/>
+              <a:rPr>
+                <a:latin typeface="Times New Roman"/>
+                <a:cs typeface="Times New Roman"/>
               </a:rPr>
               <a:t>слоёв</a:t>
             </a:r>
             <a:r>
-              <a:rPr lang="en-US" dirty="0">
-                <a:latin typeface="Times New Roman" panose="02020603050405020304" pitchFamily="18" charset="0"/>
-                <a:cs typeface="Times New Roman" panose="02020603050405020304" pitchFamily="18" charset="0"/>
+              <a:rPr lang="en-US">
+                <a:latin typeface="Times New Roman"/>
+                <a:cs typeface="Times New Roman"/>
               </a:rPr>
               <a:t>:</a:t>
             </a:r>
             <a:r>
-              <a:rPr dirty="0" smtClean="0">
-                <a:latin typeface="Times New Roman" panose="02020603050405020304" pitchFamily="18" charset="0"/>
-                <a:cs typeface="Times New Roman" panose="02020603050405020304" pitchFamily="18" charset="0"/>
+              <a:rPr>
+                <a:latin typeface="Times New Roman"/>
+                <a:cs typeface="Times New Roman"/>
               </a:rPr>
               <a:t> </a:t>
             </a:r>
             <a:r>
-              <a:rPr dirty="0">
-                <a:latin typeface="Times New Roman" panose="02020603050405020304" pitchFamily="18" charset="0"/>
-                <a:cs typeface="Times New Roman" panose="02020603050405020304" pitchFamily="18" charset="0"/>
+              <a:rPr>
+                <a:latin typeface="Times New Roman"/>
+                <a:cs typeface="Times New Roman"/>
               </a:rPr>
               <a:t>4.</a:t>
             </a:r>
-            <a:endParaRPr sz="3200" dirty="0">
-              <a:latin typeface="Times New Roman" panose="02020603050405020304" pitchFamily="18" charset="0"/>
-              <a:cs typeface="Times New Roman" panose="02020603050405020304" pitchFamily="18" charset="0"/>
+            <a:endParaRPr sz="3200">
+              <a:latin typeface="Times New Roman"/>
+              <a:cs typeface="Times New Roman"/>
             </a:endParaRPr>
           </a:p>
           <a:p>
@@ -4707,86 +3907,86 @@
               <a:defRPr/>
             </a:pPr>
             <a:r>
-              <a:rPr lang="ru-RU" sz="3200" b="0" i="0" u="none" strike="noStrike" cap="none" spc="0" dirty="0">
+              <a:rPr lang="ru-RU" sz="3200" b="0" i="0" u="none" strike="noStrike" cap="none" spc="0">
                 <a:solidFill>
                   <a:schemeClr val="tx1">
                     <a:lumMod val="75000"/>
                     <a:lumOff val="25000"/>
                   </a:schemeClr>
                 </a:solidFill>
-                <a:latin typeface="Times New Roman" panose="02020603050405020304" pitchFamily="18" charset="0"/>
-                <a:cs typeface="Times New Roman" panose="02020603050405020304" pitchFamily="18" charset="0"/>
+                <a:latin typeface="Times New Roman"/>
+                <a:cs typeface="Times New Roman"/>
               </a:rPr>
               <a:t>Количество нижних </a:t>
             </a:r>
             <a:r>
-              <a:rPr lang="ru-RU" sz="3200" b="0" i="0" u="none" strike="noStrike" cap="none" spc="0" dirty="0" smtClean="0">
+              <a:rPr lang="ru-RU" sz="3200" b="0" i="0" u="none" strike="noStrike" cap="none" spc="0">
                 <a:solidFill>
                   <a:schemeClr val="tx1">
                     <a:lumMod val="75000"/>
                     <a:lumOff val="25000"/>
                   </a:schemeClr>
                 </a:solidFill>
-                <a:latin typeface="Times New Roman" panose="02020603050405020304" pitchFamily="18" charset="0"/>
-                <a:cs typeface="Times New Roman" panose="02020603050405020304" pitchFamily="18" charset="0"/>
+                <a:latin typeface="Times New Roman"/>
+                <a:cs typeface="Times New Roman"/>
               </a:rPr>
               <a:t>слоёв</a:t>
             </a:r>
             <a:r>
-              <a:rPr lang="en-US" sz="3200" b="0" i="0" u="none" strike="noStrike" cap="none" spc="0" dirty="0" smtClean="0">
+              <a:rPr lang="en-US" sz="3200" b="0" i="0" u="none" strike="noStrike" cap="none" spc="0">
                 <a:solidFill>
                   <a:schemeClr val="tx1">
                     <a:lumMod val="75000"/>
                     <a:lumOff val="25000"/>
                   </a:schemeClr>
                 </a:solidFill>
-                <a:latin typeface="Times New Roman" panose="02020603050405020304" pitchFamily="18" charset="0"/>
-                <a:cs typeface="Times New Roman" panose="02020603050405020304" pitchFamily="18" charset="0"/>
+                <a:latin typeface="Times New Roman"/>
+                <a:cs typeface="Times New Roman"/>
               </a:rPr>
               <a:t>:</a:t>
             </a:r>
             <a:r>
-              <a:rPr lang="ru-RU" sz="3200" b="0" i="0" u="none" strike="noStrike" cap="none" spc="0" dirty="0" smtClean="0">
+              <a:rPr lang="ru-RU" sz="3200" b="0" i="0" u="none" strike="noStrike" cap="none" spc="0">
                 <a:solidFill>
                   <a:schemeClr val="tx1">
                     <a:lumMod val="75000"/>
                     <a:lumOff val="25000"/>
                   </a:schemeClr>
                 </a:solidFill>
-                <a:latin typeface="Times New Roman" panose="02020603050405020304" pitchFamily="18" charset="0"/>
-                <a:cs typeface="Times New Roman" panose="02020603050405020304" pitchFamily="18" charset="0"/>
+                <a:latin typeface="Times New Roman"/>
+                <a:cs typeface="Times New Roman"/>
               </a:rPr>
               <a:t> </a:t>
             </a:r>
             <a:r>
-              <a:rPr lang="ru-RU" sz="3200" b="0" i="0" u="none" strike="noStrike" cap="none" spc="0" dirty="0">
+              <a:rPr lang="ru-RU" sz="3200" b="0" i="0" u="none" strike="noStrike" cap="none" spc="0">
                 <a:solidFill>
                   <a:schemeClr val="tx1">
                     <a:lumMod val="75000"/>
                     <a:lumOff val="25000"/>
                   </a:schemeClr>
                 </a:solidFill>
-                <a:latin typeface="Times New Roman" panose="02020603050405020304" pitchFamily="18" charset="0"/>
-                <a:cs typeface="Times New Roman" panose="02020603050405020304" pitchFamily="18" charset="0"/>
+                <a:latin typeface="Times New Roman"/>
+                <a:cs typeface="Times New Roman"/>
               </a:rPr>
               <a:t>3</a:t>
             </a:r>
             <a:r>
-              <a:rPr lang="ru-RU" sz="3200" b="0" i="0" u="none" strike="noStrike" cap="none" spc="0" dirty="0" smtClean="0">
+              <a:rPr lang="ru-RU" sz="3200" b="0" i="0" u="none" strike="noStrike" cap="none" spc="0">
                 <a:solidFill>
                   <a:schemeClr val="tx1">
                     <a:lumMod val="75000"/>
                     <a:lumOff val="25000"/>
                   </a:schemeClr>
                 </a:solidFill>
-                <a:latin typeface="Times New Roman" panose="02020603050405020304" pitchFamily="18" charset="0"/>
-                <a:cs typeface="Times New Roman" panose="02020603050405020304" pitchFamily="18" charset="0"/>
+                <a:latin typeface="Times New Roman"/>
+                <a:cs typeface="Times New Roman"/>
               </a:rPr>
               <a:t>.</a:t>
             </a:r>
-            <a:endParaRPr dirty="0">
-              <a:latin typeface="Times New Roman" panose="02020603050405020304" pitchFamily="18" charset="0"/>
-              <a:cs typeface="Times New Roman" panose="02020603050405020304" pitchFamily="18" charset="0"/>
+            <a:endParaRPr>
+              <a:latin typeface="Times New Roman"/>
+              <a:cs typeface="Times New Roman"/>
             </a:endParaRPr>
           </a:p>
         </p:txBody>
@@ -4796,11 +3996,11 @@
   <p:clrMapOvr>
     <a:masterClrMapping/>
   </p:clrMapOvr>
-  <mc:AlternateContent xmlns:mc="http://schemas.openxmlformats.org/markup-compatibility/2006" xmlns:p14="http://schemas.microsoft.com/office/powerpoint/2010/main">
-    <mc:Choice Requires="p14">
-      <p:transition spd="slow" p14:dur="2000"/>
+  <mc:AlternateContent xmlns:mc="http://schemas.openxmlformats.org/markup-compatibility/2006">
+    <mc:Choice xmlns:p14="http://schemas.microsoft.com/office/powerpoint/2010/main" Requires="p14">
+      <p:transition p14:dur="2000" advClick="1"/>
     </mc:Choice>
-    <mc:Fallback xmlns:w="http://schemas.openxmlformats.org/wordprocessingml/2006/main" xmlns:m="http://schemas.openxmlformats.org/officeDocument/2006/math" xmlns="">
+    <mc:Fallback>
       <p:transition advClick="1"/>
     </mc:Fallback>
   </mc:AlternateContent>
@@ -4815,8 +4015,8 @@
 </file>
 
 <file path=ppt/slides/slide11.xml><?xml version="1.0" encoding="utf-8"?>
-<p:sld xmlns:a="http://schemas.openxmlformats.org/drawingml/2006/main" xmlns:r="http://schemas.openxmlformats.org/officeDocument/2006/relationships" xmlns:p="http://schemas.openxmlformats.org/presentationml/2006/main" showMasterPhAnim="0">
-  <p:cSld>
+<p:sld xmlns:a="http://schemas.openxmlformats.org/drawingml/2006/main" xmlns:r="http://schemas.openxmlformats.org/officeDocument/2006/relationships" xmlns:p="http://schemas.openxmlformats.org/presentationml/2006/main" xmlns:m="http://schemas.openxmlformats.org/officeDocument/2006/math" xmlns:w="http://schemas.openxmlformats.org/wordprocessingml/2006/main" showMasterPhAnim="0" show="1">
+  <p:cSld name="">
     <p:spTree>
       <p:nvGrpSpPr>
         <p:cNvPr id="1" name=""/>
@@ -4850,36 +4050,36 @@
               <a:defRPr/>
             </a:pPr>
             <a:r>
-              <a:rPr dirty="0" err="1">
-                <a:latin typeface="Times New Roman" panose="02020603050405020304" pitchFamily="18" charset="0"/>
-                <a:cs typeface="Times New Roman" panose="02020603050405020304" pitchFamily="18" charset="0"/>
+              <a:rPr>
+                <a:latin typeface="Times New Roman"/>
+                <a:cs typeface="Times New Roman"/>
               </a:rPr>
               <a:t>Параметры</a:t>
             </a:r>
             <a:r>
-              <a:rPr dirty="0">
-                <a:latin typeface="Times New Roman" panose="02020603050405020304" pitchFamily="18" charset="0"/>
-                <a:cs typeface="Times New Roman" panose="02020603050405020304" pitchFamily="18" charset="0"/>
+              <a:rPr>
+                <a:latin typeface="Times New Roman"/>
+                <a:cs typeface="Times New Roman"/>
               </a:rPr>
               <a:t> </a:t>
             </a:r>
             <a:r>
-              <a:rPr lang="ru-RU" dirty="0" smtClean="0">
-                <a:latin typeface="Times New Roman" panose="02020603050405020304" pitchFamily="18" charset="0"/>
-                <a:cs typeface="Times New Roman" panose="02020603050405020304" pitchFamily="18" charset="0"/>
+              <a:rPr lang="ru-RU">
+                <a:latin typeface="Times New Roman"/>
+                <a:cs typeface="Times New Roman"/>
               </a:rPr>
               <a:t>заполнения и адгезии</a:t>
             </a:r>
             <a:r>
-              <a:rPr lang="en-US" dirty="0" smtClean="0">
-                <a:latin typeface="Times New Roman" panose="02020603050405020304" pitchFamily="18" charset="0"/>
-                <a:cs typeface="Times New Roman" panose="02020603050405020304" pitchFamily="18" charset="0"/>
+              <a:rPr lang="en-US">
+                <a:latin typeface="Times New Roman"/>
+                <a:cs typeface="Times New Roman"/>
               </a:rPr>
               <a:t>:</a:t>
             </a:r>
-            <a:endParaRPr dirty="0">
-              <a:latin typeface="Times New Roman" panose="02020603050405020304" pitchFamily="18" charset="0"/>
-              <a:cs typeface="Times New Roman" panose="02020603050405020304" pitchFamily="18" charset="0"/>
+            <a:endParaRPr>
+              <a:latin typeface="Times New Roman"/>
+              <a:cs typeface="Times New Roman"/>
             </a:endParaRPr>
           </a:p>
         </p:txBody>
@@ -4907,40 +4107,41 @@
               <a:defRPr/>
             </a:pPr>
             <a:r>
-              <a:rPr dirty="0" err="1" smtClean="0">
-                <a:latin typeface="Times New Roman" panose="02020603050405020304" pitchFamily="18" charset="0"/>
-                <a:cs typeface="Times New Roman" panose="02020603050405020304" pitchFamily="18" charset="0"/>
+              <a:rPr>
+                <a:latin typeface="Times New Roman"/>
+                <a:cs typeface="Times New Roman"/>
               </a:rPr>
               <a:t>Плотность</a:t>
             </a:r>
             <a:r>
-              <a:rPr dirty="0" smtClean="0">
-                <a:latin typeface="Times New Roman" panose="02020603050405020304" pitchFamily="18" charset="0"/>
-                <a:cs typeface="Times New Roman" panose="02020603050405020304" pitchFamily="18" charset="0"/>
+              <a:rPr>
+                <a:latin typeface="Times New Roman"/>
+                <a:cs typeface="Times New Roman"/>
               </a:rPr>
               <a:t> заполнения</a:t>
             </a:r>
             <a:r>
-              <a:rPr lang="en-US" dirty="0">
-                <a:latin typeface="Times New Roman" panose="02020603050405020304" pitchFamily="18" charset="0"/>
-                <a:cs typeface="Times New Roman" panose="02020603050405020304" pitchFamily="18" charset="0"/>
+              <a:rPr lang="en-US">
+                <a:latin typeface="Times New Roman"/>
+                <a:cs typeface="Times New Roman"/>
               </a:rPr>
               <a:t>:</a:t>
             </a:r>
             <a:r>
-              <a:rPr dirty="0" smtClean="0">
-                <a:latin typeface="Times New Roman" panose="02020603050405020304" pitchFamily="18" charset="0"/>
-                <a:cs typeface="Times New Roman" panose="02020603050405020304" pitchFamily="18" charset="0"/>
+              <a:rPr>
+                <a:latin typeface="Times New Roman"/>
+                <a:cs typeface="Times New Roman"/>
               </a:rPr>
               <a:t>15 </a:t>
             </a:r>
             <a:r>
-              <a:rPr dirty="0">
-                <a:latin typeface="Times New Roman" panose="02020603050405020304" pitchFamily="18" charset="0"/>
-                <a:cs typeface="Times New Roman" panose="02020603050405020304" pitchFamily="18" charset="0"/>
+              <a:rPr>
+                <a:latin typeface="Times New Roman"/>
+                <a:cs typeface="Times New Roman"/>
               </a:rPr>
               <a:t>%.</a:t>
             </a:r>
+            <a:endParaRPr/>
           </a:p>
           <a:p>
             <a:pPr marL="0" indent="0">
@@ -4949,50 +4150,50 @@
               <a:defRPr/>
             </a:pPr>
             <a:r>
-              <a:rPr dirty="0" err="1">
-                <a:latin typeface="Times New Roman" panose="02020603050405020304" pitchFamily="18" charset="0"/>
-                <a:cs typeface="Times New Roman" panose="02020603050405020304" pitchFamily="18" charset="0"/>
+              <a:rPr>
+                <a:latin typeface="Times New Roman"/>
+                <a:cs typeface="Times New Roman"/>
               </a:rPr>
               <a:t>Тип</a:t>
             </a:r>
             <a:r>
-              <a:rPr dirty="0">
-                <a:latin typeface="Times New Roman" panose="02020603050405020304" pitchFamily="18" charset="0"/>
-                <a:cs typeface="Times New Roman" panose="02020603050405020304" pitchFamily="18" charset="0"/>
+              <a:rPr>
+                <a:latin typeface="Times New Roman"/>
+                <a:cs typeface="Times New Roman"/>
               </a:rPr>
               <a:t> </a:t>
             </a:r>
             <a:r>
-              <a:rPr dirty="0" err="1" smtClean="0">
-                <a:latin typeface="Times New Roman" panose="02020603050405020304" pitchFamily="18" charset="0"/>
-                <a:cs typeface="Times New Roman" panose="02020603050405020304" pitchFamily="18" charset="0"/>
+              <a:rPr>
+                <a:latin typeface="Times New Roman"/>
+                <a:cs typeface="Times New Roman"/>
               </a:rPr>
               <a:t>заполнения</a:t>
             </a:r>
             <a:r>
-              <a:rPr lang="en-US" dirty="0" smtClean="0">
-                <a:latin typeface="Times New Roman" panose="02020603050405020304" pitchFamily="18" charset="0"/>
-                <a:cs typeface="Times New Roman" panose="02020603050405020304" pitchFamily="18" charset="0"/>
+              <a:rPr lang="en-US">
+                <a:latin typeface="Times New Roman"/>
+                <a:cs typeface="Times New Roman"/>
               </a:rPr>
               <a:t>: </a:t>
             </a:r>
             <a:r>
-              <a:rPr dirty="0" err="1" smtClean="0">
-                <a:latin typeface="Times New Roman" panose="02020603050405020304" pitchFamily="18" charset="0"/>
-                <a:cs typeface="Times New Roman" panose="02020603050405020304" pitchFamily="18" charset="0"/>
+              <a:rPr>
+                <a:latin typeface="Times New Roman"/>
+                <a:cs typeface="Times New Roman"/>
               </a:rPr>
               <a:t>Гироид</a:t>
             </a:r>
             <a:r>
-              <a:rPr dirty="0" smtClean="0">
-                <a:latin typeface="Times New Roman" panose="02020603050405020304" pitchFamily="18" charset="0"/>
-                <a:cs typeface="Times New Roman" panose="02020603050405020304" pitchFamily="18" charset="0"/>
+              <a:rPr>
+                <a:latin typeface="Times New Roman"/>
+                <a:cs typeface="Times New Roman"/>
               </a:rPr>
               <a:t>.</a:t>
             </a:r>
-            <a:endParaRPr lang="ru-RU" dirty="0" smtClean="0">
-              <a:latin typeface="Times New Roman" panose="02020603050405020304" pitchFamily="18" charset="0"/>
-              <a:cs typeface="Times New Roman" panose="02020603050405020304" pitchFamily="18" charset="0"/>
+            <a:endParaRPr lang="ru-RU">
+              <a:latin typeface="Times New Roman"/>
+              <a:cs typeface="Times New Roman"/>
             </a:endParaRPr>
           </a:p>
           <a:p>
@@ -5002,72 +4203,68 @@
               <a:defRPr/>
             </a:pPr>
             <a:r>
-              <a:rPr dirty="0" err="1" smtClean="0">
-                <a:latin typeface="Times New Roman" panose="02020603050405020304" pitchFamily="18" charset="0"/>
-                <a:cs typeface="Times New Roman" panose="02020603050405020304" pitchFamily="18" charset="0"/>
+              <a:rPr>
+                <a:latin typeface="Times New Roman"/>
+                <a:cs typeface="Times New Roman"/>
               </a:rPr>
               <a:t>Тип</a:t>
             </a:r>
             <a:r>
-              <a:rPr dirty="0" smtClean="0">
-                <a:latin typeface="Times New Roman" panose="02020603050405020304" pitchFamily="18" charset="0"/>
-                <a:cs typeface="Times New Roman" panose="02020603050405020304" pitchFamily="18" charset="0"/>
+              <a:rPr>
+                <a:latin typeface="Times New Roman"/>
+                <a:cs typeface="Times New Roman"/>
               </a:rPr>
               <a:t> </a:t>
             </a:r>
             <a:r>
-              <a:rPr dirty="0" err="1" smtClean="0">
-                <a:latin typeface="Times New Roman" panose="02020603050405020304" pitchFamily="18" charset="0"/>
-                <a:cs typeface="Times New Roman" panose="02020603050405020304" pitchFamily="18" charset="0"/>
+              <a:rPr>
+                <a:latin typeface="Times New Roman"/>
+                <a:cs typeface="Times New Roman"/>
               </a:rPr>
               <a:t>адгезии</a:t>
             </a:r>
             <a:r>
-              <a:rPr lang="en-US" dirty="0">
-                <a:latin typeface="Times New Roman" panose="02020603050405020304" pitchFamily="18" charset="0"/>
-                <a:cs typeface="Times New Roman" panose="02020603050405020304" pitchFamily="18" charset="0"/>
+              <a:rPr lang="en-US">
+                <a:latin typeface="Times New Roman"/>
+                <a:cs typeface="Times New Roman"/>
               </a:rPr>
               <a:t>:</a:t>
             </a:r>
             <a:r>
-              <a:rPr dirty="0" smtClean="0">
-                <a:latin typeface="Times New Roman" panose="02020603050405020304" pitchFamily="18" charset="0"/>
-                <a:cs typeface="Times New Roman" panose="02020603050405020304" pitchFamily="18" charset="0"/>
+              <a:rPr>
+                <a:latin typeface="Times New Roman"/>
+                <a:cs typeface="Times New Roman"/>
               </a:rPr>
               <a:t> </a:t>
             </a:r>
             <a:r>
-              <a:rPr dirty="0" err="1">
-                <a:latin typeface="Times New Roman" panose="02020603050405020304" pitchFamily="18" charset="0"/>
-                <a:cs typeface="Times New Roman" panose="02020603050405020304" pitchFamily="18" charset="0"/>
+              <a:rPr>
+                <a:latin typeface="Times New Roman"/>
+                <a:cs typeface="Times New Roman"/>
               </a:rPr>
               <a:t>Обрамление</a:t>
             </a:r>
             <a:r>
-              <a:rPr dirty="0">
-                <a:latin typeface="Times New Roman" panose="02020603050405020304" pitchFamily="18" charset="0"/>
-                <a:cs typeface="Times New Roman" panose="02020603050405020304" pitchFamily="18" charset="0"/>
+              <a:rPr>
+                <a:latin typeface="Times New Roman"/>
+                <a:cs typeface="Times New Roman"/>
               </a:rPr>
               <a:t>.</a:t>
             </a:r>
+            <a:endParaRPr/>
           </a:p>
         </p:txBody>
       </p:sp>
     </p:spTree>
-    <p:extLst>
-      <p:ext uri="{BB962C8B-B14F-4D97-AF65-F5344CB8AC3E}">
-        <p14:creationId xmlns:p14="http://schemas.microsoft.com/office/powerpoint/2010/main" val="659926461"/>
-      </p:ext>
-    </p:extLst>
   </p:cSld>
   <p:clrMapOvr>
     <a:masterClrMapping/>
   </p:clrMapOvr>
-  <mc:AlternateContent xmlns:mc="http://schemas.openxmlformats.org/markup-compatibility/2006" xmlns:p14="http://schemas.microsoft.com/office/powerpoint/2010/main">
-    <mc:Choice Requires="p14">
-      <p:transition spd="slow" p14:dur="2000"/>
+  <mc:AlternateContent xmlns:mc="http://schemas.openxmlformats.org/markup-compatibility/2006">
+    <mc:Choice xmlns:p14="http://schemas.microsoft.com/office/powerpoint/2010/main" Requires="p14">
+      <p:transition p14:dur="2000" advClick="1"/>
     </mc:Choice>
-    <mc:Fallback xmlns:w="http://schemas.openxmlformats.org/wordprocessingml/2006/main" xmlns:m="http://schemas.openxmlformats.org/officeDocument/2006/math" xmlns="">
+    <mc:Fallback>
       <p:transition advClick="1"/>
     </mc:Fallback>
   </mc:AlternateContent>
@@ -5082,8 +4279,8 @@
 </file>
 
 <file path=ppt/slides/slide12.xml><?xml version="1.0" encoding="utf-8"?>
-<p:sld xmlns:a="http://schemas.openxmlformats.org/drawingml/2006/main" xmlns:r="http://schemas.openxmlformats.org/officeDocument/2006/relationships" xmlns:p="http://schemas.openxmlformats.org/presentationml/2006/main" showMasterPhAnim="0">
-  <p:cSld>
+<p:sld xmlns:a="http://schemas.openxmlformats.org/drawingml/2006/main" xmlns:r="http://schemas.openxmlformats.org/officeDocument/2006/relationships" xmlns:p="http://schemas.openxmlformats.org/presentationml/2006/main" xmlns:m="http://schemas.openxmlformats.org/officeDocument/2006/math" xmlns:w="http://schemas.openxmlformats.org/wordprocessingml/2006/main" showMasterPhAnim="0" show="1">
+  <p:cSld name="">
     <p:spTree>
       <p:nvGrpSpPr>
         <p:cNvPr id="1" name=""/>
@@ -5117,22 +4314,22 @@
               <a:defRPr/>
             </a:pPr>
             <a:r>
-              <a:rPr lang="ru-RU" dirty="0" smtClean="0">
-                <a:latin typeface="Times New Roman" panose="02020603050405020304" pitchFamily="18" charset="0"/>
-                <a:cs typeface="Times New Roman" panose="02020603050405020304" pitchFamily="18" charset="0"/>
+              <a:rPr lang="ru-RU">
+                <a:latin typeface="Times New Roman"/>
+                <a:cs typeface="Times New Roman"/>
               </a:rPr>
               <a:t>Постобработка модели</a:t>
             </a:r>
             <a:r>
-              <a:rPr lang="en-US" dirty="0" smtClean="0">
-                <a:latin typeface="Times New Roman" panose="02020603050405020304" pitchFamily="18" charset="0"/>
-                <a:cs typeface="Times New Roman" panose="02020603050405020304" pitchFamily="18" charset="0"/>
+              <a:rPr lang="en-US">
+                <a:latin typeface="Times New Roman"/>
+                <a:cs typeface="Times New Roman"/>
               </a:rPr>
               <a:t>:</a:t>
             </a:r>
-            <a:endParaRPr dirty="0">
-              <a:latin typeface="Times New Roman" panose="02020603050405020304" pitchFamily="18" charset="0"/>
-              <a:cs typeface="Times New Roman" panose="02020603050405020304" pitchFamily="18" charset="0"/>
+            <a:endParaRPr>
+              <a:latin typeface="Times New Roman"/>
+              <a:cs typeface="Times New Roman"/>
             </a:endParaRPr>
           </a:p>
         </p:txBody>
@@ -5147,61 +4344,85 @@
             <p:ph idx="1"/>
           </p:nvPr>
         </p:nvSpPr>
-        <p:spPr bwMode="auto"/>
-        <p:txBody>
-          <a:bodyPr vertOverflow="overflow" horzOverflow="overflow" vert="horz" wrap="square" lIns="91440" tIns="45720" rIns="91440" bIns="45720" numCol="1" spcCol="0" rtlCol="0" fromWordArt="0" anchor="t" anchorCtr="0" forceAA="0" compatLnSpc="0">
-            <a:normAutofit fontScale="92500" lnSpcReduction="13000"/>
+        <p:spPr bwMode="auto">
+          <a:xfrm flipH="0" flipV="0">
+            <a:off x="332507" y="1417637"/>
+            <a:ext cx="5107173" cy="1188025"/>
+          </a:xfrm>
+        </p:spPr>
+        <p:txBody>
+          <a:bodyPr vertOverflow="overflow" horzOverflow="overflow" vert="horz" wrap="square" lIns="91440" tIns="45720" rIns="91440" bIns="45720" numCol="1" spcCol="0" rtlCol="0" fromWordArt="0" anchor="t" anchorCtr="0" forceAA="0" upright="0" compatLnSpc="0">
+            <a:normAutofit/>
           </a:bodyPr>
           <a:lstStyle/>
           <a:p>
-            <a:pPr marL="514350" indent="-514350">
+            <a:pPr marL="0" indent="0">
               <a:buFont typeface="Arial"/>
-              <a:buAutoNum type="arabicPeriod"/>
-              <a:defRPr/>
-            </a:pPr>
-            <a:r>
-              <a:rPr lang="ru-RU" dirty="0" smtClean="0">
-                <a:latin typeface="Times New Roman" panose="02020603050405020304" pitchFamily="18" charset="0"/>
-                <a:cs typeface="Times New Roman" panose="02020603050405020304" pitchFamily="18" charset="0"/>
-              </a:rPr>
-              <a:t>Снятие поддержек</a:t>
-            </a:r>
-          </a:p>
-          <a:p>
-            <a:pPr marL="514350" indent="-514350">
+              <a:buNone/>
+              <a:defRPr/>
+            </a:pPr>
+            <a:r>
+              <a:rPr lang="ru-RU"/>
+              <a:t>Прикрепление фигуры коня к основанию.</a:t>
+            </a:r>
+            <a:endParaRPr lang="ru-RU"/>
+          </a:p>
+        </p:txBody>
+      </p:sp>
+      <p:sp>
+        <p:nvSpPr>
+          <p:cNvPr id="824610836" name=""/>
+          <p:cNvSpPr txBox="1"/>
+          <p:nvPr/>
+        </p:nvSpPr>
+        <p:spPr bwMode="auto">
+          <a:xfrm flipH="0" flipV="0">
+            <a:off x="5543590" y="5714999"/>
+            <a:ext cx="6390696" cy="579155"/>
+          </a:xfrm>
+          <a:prstGeom prst="rect">
+            <a:avLst/>
+          </a:prstGeom>
+          <a:noFill/>
+        </p:spPr>
+        <p:txBody>
+          <a:bodyPr vertOverflow="overflow" horzOverflow="overflow" vert="horz" wrap="square" lIns="91440" tIns="45720" rIns="91440" bIns="45720" numCol="1" spcCol="0" rtlCol="0" fromWordArt="0" anchor="t" anchorCtr="0" forceAA="0" upright="0" compatLnSpc="0">
+            <a:spAutoFit/>
+          </a:bodyPr>
+          <a:p>
+            <a:pPr marL="0" indent="0">
               <a:buFont typeface="Arial"/>
-              <a:buAutoNum type="arabicPeriod"/>
-              <a:defRPr/>
-            </a:pPr>
-            <a:r>
-              <a:rPr lang="ru-RU" dirty="0" smtClean="0">
-                <a:latin typeface="Times New Roman" panose="02020603050405020304" pitchFamily="18" charset="0"/>
-                <a:cs typeface="Times New Roman" panose="02020603050405020304" pitchFamily="18" charset="0"/>
-              </a:rPr>
-              <a:t>Сборка коня</a:t>
-            </a:r>
-            <a:endParaRPr dirty="0">
-              <a:latin typeface="Times New Roman" panose="02020603050405020304" pitchFamily="18" charset="0"/>
-              <a:cs typeface="Times New Roman" panose="02020603050405020304" pitchFamily="18" charset="0"/>
-            </a:endParaRPr>
+              <a:buNone/>
+              <a:defRPr/>
+            </a:pPr>
+            <a:r>
+              <a:rPr lang="ru-RU" sz="3200" b="0" i="0" u="none" strike="noStrike" cap="none" spc="0">
+                <a:solidFill>
+                  <a:schemeClr val="tx1">
+                    <a:lumMod val="75000"/>
+                    <a:lumOff val="25000"/>
+                  </a:schemeClr>
+                </a:solidFill>
+                <a:latin typeface="Arial"/>
+                <a:ea typeface="Arial"/>
+                <a:cs typeface="Arial"/>
+              </a:rPr>
+              <a:t>Прикрепление креста к королю.</a:t>
+            </a:r>
+            <a:endParaRPr sz="3200"/>
           </a:p>
         </p:txBody>
       </p:sp>
     </p:spTree>
-    <p:extLst>
-      <p:ext uri="{BB962C8B-B14F-4D97-AF65-F5344CB8AC3E}">
-        <p14:creationId xmlns:p14="http://schemas.microsoft.com/office/powerpoint/2010/main" val="2526833186"/>
-      </p:ext>
-    </p:extLst>
   </p:cSld>
   <p:clrMapOvr>
     <a:masterClrMapping/>
   </p:clrMapOvr>
-  <mc:AlternateContent xmlns:mc="http://schemas.openxmlformats.org/markup-compatibility/2006" xmlns:p14="http://schemas.microsoft.com/office/powerpoint/2010/main">
-    <mc:Choice Requires="p14">
-      <p:transition spd="slow" p14:dur="2000"/>
+  <mc:AlternateContent xmlns:mc="http://schemas.openxmlformats.org/markup-compatibility/2006">
+    <mc:Choice xmlns:p14="http://schemas.microsoft.com/office/powerpoint/2010/main" Requires="p14">
+      <p:transition p14:dur="2000" advClick="1"/>
     </mc:Choice>
-    <mc:Fallback xmlns:w="http://schemas.openxmlformats.org/wordprocessingml/2006/main" xmlns:m="http://schemas.openxmlformats.org/officeDocument/2006/math" xmlns="">
+    <mc:Fallback>
       <p:transition advClick="1"/>
     </mc:Fallback>
   </mc:AlternateContent>
@@ -5216,8 +4437,8 @@
 </file>
 
 <file path=ppt/slides/slide2.xml><?xml version="1.0" encoding="utf-8"?>
-<p:sld xmlns:a="http://schemas.openxmlformats.org/drawingml/2006/main" xmlns:r="http://schemas.openxmlformats.org/officeDocument/2006/relationships" xmlns:p="http://schemas.openxmlformats.org/presentationml/2006/main" showMasterPhAnim="0">
-  <p:cSld>
+<p:sld xmlns:a="http://schemas.openxmlformats.org/drawingml/2006/main" xmlns:r="http://schemas.openxmlformats.org/officeDocument/2006/relationships" xmlns:p="http://schemas.openxmlformats.org/presentationml/2006/main" xmlns:m="http://schemas.openxmlformats.org/officeDocument/2006/math" xmlns:w="http://schemas.openxmlformats.org/wordprocessingml/2006/main" showMasterPhAnim="0" show="1">
+  <p:cSld name="">
     <p:spTree>
       <p:nvGrpSpPr>
         <p:cNvPr id="1" name=""/>
@@ -5232,6 +4453,77 @@
           <a:chExt cx="0" cy="0"/>
         </a:xfrm>
       </p:grpSpPr>
+      <p:pic>
+        <p:nvPicPr>
+          <p:cNvPr id="86801814" name=""/>
+          <p:cNvPicPr>
+            <a:picLocks noChangeAspect="1"/>
+          </p:cNvPicPr>
+          <p:nvPr/>
+        </p:nvPicPr>
+        <p:blipFill>
+          <a:blip r:embed="rId2"/>
+          <a:stretch/>
+        </p:blipFill>
+        <p:spPr bwMode="auto">
+          <a:xfrm flipH="0" flipV="0">
+            <a:off x="-104815" y="-103895"/>
+            <a:ext cx="12325428" cy="8197693"/>
+          </a:xfrm>
+          <a:prstGeom prst="rect">
+            <a:avLst/>
+          </a:prstGeom>
+          <a:effectLst/>
+        </p:spPr>
+      </p:pic>
+      <p:sp>
+        <p:nvSpPr>
+          <p:cNvPr id="2133189108" name=""/>
+          <p:cNvSpPr/>
+          <p:nvPr/>
+        </p:nvSpPr>
+        <p:spPr bwMode="auto">
+          <a:xfrm flipH="0" flipV="0">
+            <a:off x="-257175" y="-250101"/>
+            <a:ext cx="12630150" cy="8343899"/>
+          </a:xfrm>
+          <a:prstGeom prst="rect">
+            <a:avLst/>
+          </a:prstGeom>
+          <a:solidFill>
+            <a:schemeClr val="tx1">
+              <a:lumMod val="90000"/>
+              <a:lumOff val="5000"/>
+              <a:alpha val="24999"/>
+            </a:schemeClr>
+          </a:solidFill>
+        </p:spPr>
+        <p:style>
+          <a:lnRef idx="2">
+            <a:schemeClr val="accent1">
+              <a:shade val="50000"/>
+            </a:schemeClr>
+          </a:lnRef>
+          <a:fillRef idx="1">
+            <a:schemeClr val="accent1"/>
+          </a:fillRef>
+          <a:effectRef idx="0">
+            <a:schemeClr val="accent1"/>
+          </a:effectRef>
+          <a:fontRef idx="minor">
+            <a:schemeClr val="lt1"/>
+          </a:fontRef>
+        </p:style>
+        <p:txBody>
+          <a:bodyPr/>
+          <a:p>
+            <a:pPr>
+              <a:defRPr/>
+            </a:pPr>
+            <a:endParaRPr/>
+          </a:p>
+        </p:txBody>
+      </p:sp>
       <p:sp>
         <p:nvSpPr>
           <p:cNvPr id="479222588" name="Заголовок 1"/>
@@ -5244,7 +4536,7 @@
         </p:nvSpPr>
         <p:spPr bwMode="auto">
           <a:xfrm>
-            <a:off x="838199" y="153458"/>
+            <a:off x="800098" y="199935"/>
             <a:ext cx="10515600" cy="1325562"/>
           </a:xfrm>
         </p:spPr>
@@ -5256,20 +4548,29 @@
               <a:defRPr/>
             </a:pPr>
             <a:r>
-              <a:rPr lang="ru-RU">
+              <a:rPr lang="ru-RU" sz="5600">
+                <a:solidFill>
+                  <a:schemeClr val="bg1"/>
+                </a:solidFill>
                 <a:latin typeface="Times New Roman"/>
                 <a:cs typeface="Times New Roman"/>
               </a:rPr>
               <a:t>Описание проекта</a:t>
             </a:r>
             <a:r>
-              <a:rPr lang="en-US">
+              <a:rPr lang="en-US" sz="5600">
+                <a:solidFill>
+                  <a:schemeClr val="bg1"/>
+                </a:solidFill>
                 <a:latin typeface="Times New Roman"/>
                 <a:cs typeface="Times New Roman"/>
               </a:rPr>
               <a:t>:</a:t>
             </a:r>
-            <a:endParaRPr>
+            <a:endParaRPr sz="5600">
+              <a:solidFill>
+                <a:schemeClr val="bg1"/>
+              </a:solidFill>
               <a:latin typeface="Times New Roman"/>
               <a:cs typeface="Times New Roman"/>
             </a:endParaRPr>
@@ -5287,10 +4588,19 @@
           </p:nvPr>
         </p:nvSpPr>
         <p:spPr bwMode="auto">
-          <a:xfrm>
-            <a:off x="838199" y="1389062"/>
-            <a:ext cx="10515600" cy="4787900"/>
+          <a:xfrm flipH="0" flipV="0">
+            <a:off x="800098" y="1258797"/>
+            <a:ext cx="10515600" cy="2121429"/>
           </a:xfrm>
+          <a:prstGeom prst="rect">
+            <a:avLst/>
+          </a:prstGeom>
+          <a:solidFill>
+            <a:schemeClr val="tx2">
+              <a:alpha val="0"/>
+            </a:schemeClr>
+          </a:solidFill>
+          <a:ln/>
         </p:spPr>
         <p:txBody>
           <a:bodyPr vertOverflow="overflow" horzOverflow="overflow" vert="horz" wrap="square" lIns="91440" tIns="45720" rIns="91440" bIns="45720" numCol="1" spcCol="0" rtlCol="0" fromWordArt="0" anchor="t" anchorCtr="0" forceAA="0" compatLnSpc="0">
@@ -5304,53 +4614,126 @@
               <a:defRPr/>
             </a:pPr>
             <a:r>
-              <a:rPr>
-                <a:latin typeface="Times New Roman"/>
-                <a:cs typeface="Times New Roman"/>
-              </a:rPr>
-              <a:t>Проект представляет собой программу в среде </a:t>
-            </a:r>
-            <a:r>
-              <a:rPr lang="en-US">
+              <a:rPr sz="3600">
+                <a:solidFill>
+                  <a:schemeClr val="bg1"/>
+                </a:solidFill>
+                <a:latin typeface="Times New Roman"/>
+                <a:cs typeface="Times New Roman"/>
+              </a:rPr>
+              <a:t>Проект </a:t>
+            </a:r>
+            <a:r>
+              <a:rPr sz="3600">
+                <a:solidFill>
+                  <a:schemeClr val="bg1"/>
+                </a:solidFill>
+                <a:latin typeface="Times New Roman"/>
+                <a:cs typeface="Times New Roman"/>
+              </a:rPr>
+              <a:t>представляет собой программу в среде </a:t>
+            </a:r>
+            <a:r>
+              <a:rPr lang="en-US" sz="3600">
+                <a:solidFill>
+                  <a:schemeClr val="bg1"/>
+                </a:solidFill>
                 <a:latin typeface="Times New Roman"/>
                 <a:cs typeface="Times New Roman"/>
               </a:rPr>
               <a:t>Tinkercad Codeblocks </a:t>
             </a:r>
             <a:r>
-              <a:rPr lang="ru-RU">
+              <a:rPr lang="ru-RU" sz="3600">
+                <a:solidFill>
+                  <a:schemeClr val="bg1"/>
+                </a:solidFill>
                 <a:latin typeface="Times New Roman"/>
                 <a:cs typeface="Times New Roman"/>
               </a:rPr>
               <a:t>(</a:t>
             </a:r>
             <a:r>
-              <a:rPr lang="ru-RU" u="sng">
-                <a:latin typeface="Times New Roman"/>
-                <a:cs typeface="Times New Roman"/>
-                <a:hlinkClick r:id="rId2" tooltip="https://www.tinkercad.com/codeblocks/9UoP7KFguWk-chesskuzovlev"/>
+              <a:rPr lang="ru-RU" sz="3600" u="sng">
+                <a:solidFill>
+                  <a:schemeClr val="bg1"/>
+                </a:solidFill>
+                <a:latin typeface="Times New Roman"/>
+                <a:cs typeface="Times New Roman"/>
+                <a:hlinkClick r:id="rId3" tooltip="https://www.tinkercad.com/codeblocks/9UoP7KFguWk-chesskuzovlev"/>
               </a:rPr>
               <a:t>ссылка на проект</a:t>
             </a:r>
             <a:r>
-              <a:rPr lang="en-US">
+              <a:rPr lang="en-US" sz="3600">
+                <a:solidFill>
+                  <a:schemeClr val="bg1"/>
+                </a:solidFill>
                 <a:latin typeface="Times New Roman"/>
                 <a:cs typeface="Times New Roman"/>
               </a:rPr>
               <a:t>),</a:t>
             </a:r>
             <a:r>
-              <a:rPr lang="ru-RU">
-                <a:latin typeface="Times New Roman"/>
-                <a:cs typeface="Times New Roman"/>
-              </a:rPr>
-              <a:t> предназначенную для создание модели шахмат, с меняемыми параметрами.</a:t>
-            </a:r>
-            <a:endParaRPr>
+              <a:rPr lang="ru-RU" sz="3600">
+                <a:solidFill>
+                  <a:schemeClr val="bg1"/>
+                </a:solidFill>
+                <a:latin typeface="Times New Roman"/>
+                <a:cs typeface="Times New Roman"/>
+              </a:rPr>
+              <a:t> предназначенную для создание модели шахмат, с</a:t>
+            </a:r>
+            <a:r>
+              <a:rPr lang="ru-RU" sz="3600">
+                <a:solidFill>
+                  <a:schemeClr val="bg1"/>
+                </a:solidFill>
+                <a:latin typeface="Times New Roman"/>
+                <a:cs typeface="Times New Roman"/>
+              </a:rPr>
+              <a:t> из</a:t>
+            </a:r>
+            <a:r>
+              <a:rPr lang="ru-RU" sz="3600">
+                <a:solidFill>
+                  <a:schemeClr val="bg1"/>
+                </a:solidFill>
+                <a:latin typeface="Times New Roman"/>
+                <a:cs typeface="Times New Roman"/>
+              </a:rPr>
+              <a:t>меняемыми параметрами.</a:t>
+            </a:r>
+            <a:endParaRPr lang="ru-RU" sz="3600">
+              <a:solidFill>
+                <a:schemeClr val="bg1"/>
+              </a:solidFill>
               <a:latin typeface="Times New Roman"/>
               <a:cs typeface="Times New Roman"/>
             </a:endParaRPr>
           </a:p>
+        </p:txBody>
+      </p:sp>
+      <p:sp>
+        <p:nvSpPr>
+          <p:cNvPr id="200721450" name=""/>
+          <p:cNvSpPr txBox="1"/>
+          <p:nvPr/>
+        </p:nvSpPr>
+        <p:spPr bwMode="auto">
+          <a:xfrm flipH="0" flipV="0">
+            <a:off x="7211331" y="6127219"/>
+            <a:ext cx="5559928" cy="487715"/>
+          </a:xfrm>
+          <a:prstGeom prst="rect">
+            <a:avLst/>
+          </a:prstGeom>
+          <a:noFill/>
+        </p:spPr>
+        <p:txBody>
+          <a:bodyPr vertOverflow="overflow" horzOverflow="overflow" vert="horz" wrap="square" lIns="91440" tIns="45720" rIns="91440" bIns="45720" numCol="1" spcCol="0" rtlCol="0" fromWordArt="0" anchor="t" anchorCtr="0" forceAA="0" upright="0" compatLnSpc="0">
+            <a:spAutoFit/>
+          </a:bodyPr>
           <a:p>
             <a:pPr marL="0" indent="0">
               <a:buFont typeface="Arial"/>
@@ -5358,27 +4741,42 @@
               <a:defRPr/>
             </a:pPr>
             <a:r>
-              <a:rPr lang="ru-RU">
-                <a:latin typeface="Times New Roman"/>
+              <a:rPr lang="ru-RU" sz="2600" b="0" i="0" u="none" strike="noStrike" cap="none" spc="0">
+                <a:solidFill>
+                  <a:schemeClr val="bg1"/>
+                </a:solidFill>
+                <a:latin typeface="Times New Roman"/>
+                <a:ea typeface="Times New Roman"/>
                 <a:cs typeface="Times New Roman"/>
               </a:rPr>
               <a:t>Общее время разработки</a:t>
             </a:r>
             <a:r>
-              <a:rPr lang="en-US">
-                <a:latin typeface="Times New Roman"/>
+              <a:rPr lang="en-US" sz="2600" b="0" i="0" u="none" strike="noStrike" cap="none" spc="0">
+                <a:solidFill>
+                  <a:schemeClr val="bg1"/>
+                </a:solidFill>
+                <a:latin typeface="Times New Roman"/>
+                <a:ea typeface="Times New Roman"/>
                 <a:cs typeface="Times New Roman"/>
               </a:rPr>
               <a:t>: 8</a:t>
             </a:r>
             <a:r>
-              <a:rPr lang="ru-RU">
-                <a:latin typeface="Times New Roman"/>
+              <a:rPr lang="ru-RU" sz="2600" b="0" i="0" u="none" strike="noStrike" cap="none" spc="0">
+                <a:solidFill>
+                  <a:schemeClr val="bg1"/>
+                </a:solidFill>
+                <a:latin typeface="Times New Roman"/>
+                <a:ea typeface="Times New Roman"/>
                 <a:cs typeface="Times New Roman"/>
               </a:rPr>
               <a:t> часов.</a:t>
             </a:r>
-            <a:endParaRPr>
+            <a:endParaRPr sz="2600">
+              <a:solidFill>
+                <a:schemeClr val="bg1"/>
+              </a:solidFill>
               <a:latin typeface="Times New Roman"/>
               <a:cs typeface="Times New Roman"/>
             </a:endParaRPr>
@@ -5390,11 +4788,11 @@
   <p:clrMapOvr>
     <a:masterClrMapping/>
   </p:clrMapOvr>
-  <mc:AlternateContent xmlns:mc="http://schemas.openxmlformats.org/markup-compatibility/2006" xmlns:p14="http://schemas.microsoft.com/office/powerpoint/2010/main">
-    <mc:Choice Requires="p14">
-      <p:transition spd="slow" p14:dur="2000"/>
+  <mc:AlternateContent xmlns:mc="http://schemas.openxmlformats.org/markup-compatibility/2006">
+    <mc:Choice xmlns:p14="http://schemas.microsoft.com/office/powerpoint/2010/main" Requires="p14">
+      <p:transition p14:dur="2000" advClick="1"/>
     </mc:Choice>
-    <mc:Fallback xmlns:w="http://schemas.openxmlformats.org/wordprocessingml/2006/main" xmlns:m="http://schemas.openxmlformats.org/officeDocument/2006/math" xmlns="">
+    <mc:Fallback>
       <p:transition advClick="1"/>
     </mc:Fallback>
   </mc:AlternateContent>
@@ -5409,761 +4807,15 @@
 </file>
 
 <file path=ppt/slides/slide3.xml><?xml version="1.0" encoding="utf-8"?>
-<p:sld xmlns:a="http://schemas.openxmlformats.org/drawingml/2006/main" xmlns:r="http://schemas.openxmlformats.org/officeDocument/2006/relationships" xmlns:p="http://schemas.openxmlformats.org/presentationml/2006/main" showMasterPhAnim="0">
-  <p:cSld>
-    <p:spTree>
-      <p:nvGrpSpPr>
-        <p:cNvPr id="1" name=""/>
-        <p:cNvGrpSpPr/>
-        <p:nvPr/>
-      </p:nvGrpSpPr>
-      <p:grpSpPr bwMode="auto">
-        <a:xfrm>
-          <a:off x="0" y="0"/>
-          <a:ext cx="0" cy="0"/>
-          <a:chOff x="0" y="0"/>
-          <a:chExt cx="0" cy="0"/>
-        </a:xfrm>
-      </p:grpSpPr>
-      <p:sp>
-        <p:nvSpPr>
-          <p:cNvPr id="1953838888" name="Заголовок 1"/>
-          <p:cNvSpPr>
-            <a:spLocks noGrp="1"/>
-          </p:cNvSpPr>
-          <p:nvPr>
-            <p:ph type="title"/>
-          </p:nvPr>
-        </p:nvSpPr>
-        <p:spPr bwMode="auto"/>
-        <p:txBody>
-          <a:bodyPr vertOverflow="overflow" horzOverflow="overflow" vert="horz" wrap="square" lIns="91440" tIns="45720" rIns="91440" bIns="45720" numCol="1" spcCol="0" rtlCol="0" fromWordArt="0" anchor="ctr" anchorCtr="0" forceAA="0" compatLnSpc="0">
-            <a:normAutofit/>
-          </a:bodyPr>
-          <a:lstStyle/>
-          <a:p>
-            <a:pPr marL="0" indent="0">
-              <a:buFont typeface="Arial"/>
-              <a:buNone/>
-              <a:defRPr/>
-            </a:pPr>
-            <a:r>
-              <a:rPr lang="ru-RU" sz="3600" b="0" i="0" u="none" strike="noStrike" cap="none" spc="0">
-                <a:solidFill>
-                  <a:schemeClr val="tx1">
-                    <a:lumMod val="75000"/>
-                    <a:lumOff val="25000"/>
-                  </a:schemeClr>
-                </a:solidFill>
-                <a:latin typeface="Times New Roman"/>
-                <a:ea typeface="Arial"/>
-                <a:cs typeface="Times New Roman"/>
-              </a:rPr>
-              <a:t>Габариты фигур заданы параметрами, изначально</a:t>
-            </a:r>
-            <a:r>
-              <a:rPr lang="en-US" sz="3600" b="0" i="0" u="none" strike="noStrike" cap="none" spc="0">
-                <a:solidFill>
-                  <a:schemeClr val="tx1">
-                    <a:lumMod val="75000"/>
-                    <a:lumOff val="25000"/>
-                  </a:schemeClr>
-                </a:solidFill>
-                <a:latin typeface="Times New Roman"/>
-                <a:ea typeface="Arial"/>
-                <a:cs typeface="Times New Roman"/>
-              </a:rPr>
-              <a:t>:</a:t>
-            </a:r>
-            <a:endParaRPr sz="4400"/>
-          </a:p>
-        </p:txBody>
-      </p:sp>
-      <p:sp>
-        <p:nvSpPr>
-          <p:cNvPr id="507881140" name="Объект 2"/>
-          <p:cNvSpPr>
-            <a:spLocks noGrp="1"/>
-          </p:cNvSpPr>
-          <p:nvPr>
-            <p:ph idx="1"/>
-          </p:nvPr>
-        </p:nvSpPr>
-        <p:spPr bwMode="auto"/>
-        <p:txBody>
-          <a:bodyPr/>
-          <a:lstStyle/>
-          <a:p>
-            <a:pPr marL="0" indent="0">
-              <a:buFont typeface="Arial"/>
-              <a:buNone/>
-              <a:defRPr/>
-            </a:pPr>
-            <a:r>
-              <a:rPr lang="ru-RU" sz="3200" b="0" i="0" u="none" strike="noStrike" cap="none" spc="0">
-                <a:solidFill>
-                  <a:schemeClr val="tx1">
-                    <a:lumMod val="75000"/>
-                    <a:lumOff val="25000"/>
-                  </a:schemeClr>
-                </a:solidFill>
-                <a:latin typeface="Times New Roman"/>
-                <a:ea typeface="+mn-ea"/>
-                <a:cs typeface="Times New Roman"/>
-              </a:rPr>
-              <a:t>Ферзь</a:t>
-            </a:r>
-            <a:r>
-              <a:rPr lang="en-US" sz="3200" b="0" i="0" u="none" strike="noStrike" cap="none" spc="0">
-                <a:solidFill>
-                  <a:schemeClr val="tx1">
-                    <a:lumMod val="75000"/>
-                    <a:lumOff val="25000"/>
-                  </a:schemeClr>
-                </a:solidFill>
-                <a:latin typeface="Times New Roman"/>
-                <a:ea typeface="+mn-ea"/>
-                <a:cs typeface="Times New Roman"/>
-              </a:rPr>
-              <a:t>: 30 x 30 x 59 </a:t>
-            </a:r>
-            <a:r>
-              <a:rPr lang="ru-RU" sz="3200" b="0" i="0" u="none" strike="noStrike" cap="none" spc="0">
-                <a:solidFill>
-                  <a:schemeClr val="tx1">
-                    <a:lumMod val="75000"/>
-                    <a:lumOff val="25000"/>
-                  </a:schemeClr>
-                </a:solidFill>
-                <a:latin typeface="Times New Roman"/>
-                <a:ea typeface="+mn-ea"/>
-                <a:cs typeface="Times New Roman"/>
-              </a:rPr>
-              <a:t>мм</a:t>
-            </a:r>
-            <a:r>
-              <a:rPr lang="en-US" sz="3200" b="0" i="0" u="none" strike="noStrike" cap="none" spc="0">
-                <a:solidFill>
-                  <a:schemeClr val="tx1">
-                    <a:lumMod val="75000"/>
-                    <a:lumOff val="25000"/>
-                  </a:schemeClr>
-                </a:solidFill>
-                <a:latin typeface="Times New Roman"/>
-                <a:ea typeface="+mn-ea"/>
-                <a:cs typeface="Times New Roman"/>
-              </a:rPr>
-              <a:t>.</a:t>
-            </a:r>
-            <a:endParaRPr sz="3200">
-              <a:latin typeface="Times New Roman"/>
-              <a:cs typeface="Times New Roman"/>
-            </a:endParaRPr>
-          </a:p>
-          <a:p>
-            <a:pPr marL="0" indent="0">
-              <a:buFont typeface="Arial"/>
-              <a:buNone/>
-              <a:defRPr/>
-            </a:pPr>
-            <a:r>
-              <a:rPr lang="ru-RU" sz="3200" b="0" i="0" u="none" strike="noStrike" cap="none" spc="0">
-                <a:solidFill>
-                  <a:schemeClr val="tx1"/>
-                </a:solidFill>
-                <a:latin typeface="Times New Roman"/>
-                <a:ea typeface="Arial"/>
-                <a:cs typeface="Times New Roman"/>
-              </a:rPr>
-              <a:t>Король</a:t>
-            </a:r>
-            <a:r>
-              <a:rPr lang="en-US" sz="3200" b="0" i="0" u="none" strike="noStrike" cap="none" spc="0">
-                <a:solidFill>
-                  <a:schemeClr val="tx1"/>
-                </a:solidFill>
-                <a:latin typeface="Times New Roman"/>
-                <a:ea typeface="Arial"/>
-                <a:cs typeface="Times New Roman"/>
-              </a:rPr>
-              <a:t>: 30 x 30 x </a:t>
-            </a:r>
-            <a:r>
-              <a:rPr lang="ru-RU" sz="3200" b="0" i="0" u="none" strike="noStrike" cap="none" spc="0">
-                <a:solidFill>
-                  <a:schemeClr val="tx1"/>
-                </a:solidFill>
-                <a:latin typeface="Times New Roman"/>
-                <a:ea typeface="Arial"/>
-                <a:cs typeface="Times New Roman"/>
-              </a:rPr>
-              <a:t>68</a:t>
-            </a:r>
-            <a:r>
-              <a:rPr lang="en-US" sz="3200" b="0" i="0" u="none" strike="noStrike" cap="none" spc="0">
-                <a:solidFill>
-                  <a:schemeClr val="tx1"/>
-                </a:solidFill>
-                <a:latin typeface="Times New Roman"/>
-                <a:ea typeface="Arial"/>
-                <a:cs typeface="Times New Roman"/>
-              </a:rPr>
-              <a:t> </a:t>
-            </a:r>
-            <a:r>
-              <a:rPr lang="ru-RU" sz="3200" b="0" i="0" u="none" strike="noStrike" cap="none" spc="0">
-                <a:solidFill>
-                  <a:schemeClr val="tx1"/>
-                </a:solidFill>
-                <a:latin typeface="Times New Roman"/>
-                <a:ea typeface="Arial"/>
-                <a:cs typeface="Times New Roman"/>
-              </a:rPr>
-              <a:t>мм</a:t>
-            </a:r>
-            <a:r>
-              <a:rPr lang="en-US" sz="3200" b="0" i="0" u="none" strike="noStrike" cap="none" spc="0">
-                <a:solidFill>
-                  <a:schemeClr val="tx1"/>
-                </a:solidFill>
-                <a:latin typeface="Times New Roman"/>
-                <a:ea typeface="Arial"/>
-                <a:cs typeface="Times New Roman"/>
-              </a:rPr>
-              <a:t>.</a:t>
-            </a:r>
-            <a:endParaRPr sz="3200">
-              <a:latin typeface="Times New Roman"/>
-              <a:cs typeface="Times New Roman"/>
-            </a:endParaRPr>
-          </a:p>
-          <a:p>
-            <a:pPr marL="0" indent="0">
-              <a:buFont typeface="Arial"/>
-              <a:buNone/>
-              <a:defRPr/>
-            </a:pPr>
-            <a:r>
-              <a:rPr lang="ru-RU" sz="3200" b="0" i="0" u="none" strike="noStrike" cap="none" spc="0">
-                <a:solidFill>
-                  <a:schemeClr val="tx1"/>
-                </a:solidFill>
-                <a:latin typeface="Times New Roman"/>
-                <a:ea typeface="Arial"/>
-                <a:cs typeface="Times New Roman"/>
-              </a:rPr>
-              <a:t>Ладья</a:t>
-            </a:r>
-            <a:r>
-              <a:rPr lang="en-US" sz="3200" b="0" i="0" u="none" strike="noStrike" cap="none" spc="0">
-                <a:solidFill>
-                  <a:schemeClr val="tx1"/>
-                </a:solidFill>
-                <a:latin typeface="Times New Roman"/>
-                <a:ea typeface="Arial"/>
-                <a:cs typeface="Times New Roman"/>
-              </a:rPr>
-              <a:t>: </a:t>
-            </a:r>
-            <a:r>
-              <a:rPr lang="ru-RU" sz="3200" b="0" i="0" u="none" strike="noStrike" cap="none" spc="0">
-                <a:solidFill>
-                  <a:schemeClr val="tx1"/>
-                </a:solidFill>
-                <a:latin typeface="Times New Roman"/>
-                <a:ea typeface="Arial"/>
-                <a:cs typeface="Times New Roman"/>
-              </a:rPr>
-              <a:t>28</a:t>
-            </a:r>
-            <a:r>
-              <a:rPr lang="en-US" sz="3200" b="0" i="0" u="none" strike="noStrike" cap="none" spc="0">
-                <a:solidFill>
-                  <a:schemeClr val="tx1"/>
-                </a:solidFill>
-                <a:latin typeface="Times New Roman"/>
-                <a:ea typeface="Arial"/>
-                <a:cs typeface="Times New Roman"/>
-              </a:rPr>
-              <a:t> x </a:t>
-            </a:r>
-            <a:r>
-              <a:rPr lang="ru-RU" sz="3200" b="0" i="0" u="none" strike="noStrike" cap="none" spc="0">
-                <a:solidFill>
-                  <a:schemeClr val="tx1"/>
-                </a:solidFill>
-                <a:latin typeface="Times New Roman"/>
-                <a:ea typeface="Arial"/>
-                <a:cs typeface="Times New Roman"/>
-              </a:rPr>
-              <a:t>28</a:t>
-            </a:r>
-            <a:r>
-              <a:rPr lang="en-US" sz="3200" b="0" i="0" u="none" strike="noStrike" cap="none" spc="0">
-                <a:solidFill>
-                  <a:schemeClr val="tx1"/>
-                </a:solidFill>
-                <a:latin typeface="Times New Roman"/>
-                <a:ea typeface="Arial"/>
-                <a:cs typeface="Times New Roman"/>
-              </a:rPr>
-              <a:t> x 5</a:t>
-            </a:r>
-            <a:r>
-              <a:rPr lang="ru-RU" sz="3200" b="0" i="0" u="none" strike="noStrike" cap="none" spc="0">
-                <a:solidFill>
-                  <a:schemeClr val="tx1"/>
-                </a:solidFill>
-                <a:latin typeface="Times New Roman"/>
-                <a:ea typeface="Arial"/>
-                <a:cs typeface="Times New Roman"/>
-              </a:rPr>
-              <a:t>0</a:t>
-            </a:r>
-            <a:r>
-              <a:rPr lang="en-US" sz="3200" b="0" i="0" u="none" strike="noStrike" cap="none" spc="0">
-                <a:solidFill>
-                  <a:schemeClr val="tx1"/>
-                </a:solidFill>
-                <a:latin typeface="Times New Roman"/>
-                <a:ea typeface="Arial"/>
-                <a:cs typeface="Times New Roman"/>
-              </a:rPr>
-              <a:t> </a:t>
-            </a:r>
-            <a:r>
-              <a:rPr lang="ru-RU" sz="3200" b="0" i="0" u="none" strike="noStrike" cap="none" spc="0">
-                <a:solidFill>
-                  <a:schemeClr val="tx1"/>
-                </a:solidFill>
-                <a:latin typeface="Times New Roman"/>
-                <a:ea typeface="Arial"/>
-                <a:cs typeface="Times New Roman"/>
-              </a:rPr>
-              <a:t>мм</a:t>
-            </a:r>
-            <a:r>
-              <a:rPr lang="en-US" sz="3200" b="0" i="0" u="none" strike="noStrike" cap="none" spc="0">
-                <a:solidFill>
-                  <a:schemeClr val="tx1"/>
-                </a:solidFill>
-                <a:latin typeface="Times New Roman"/>
-                <a:ea typeface="Arial"/>
-                <a:cs typeface="Times New Roman"/>
-              </a:rPr>
-              <a:t>.</a:t>
-            </a:r>
-            <a:endParaRPr sz="3200">
-              <a:latin typeface="Times New Roman"/>
-              <a:cs typeface="Times New Roman"/>
-            </a:endParaRPr>
-          </a:p>
-          <a:p>
-            <a:pPr marL="0" indent="0">
-              <a:buFont typeface="Arial"/>
-              <a:buNone/>
-              <a:defRPr/>
-            </a:pPr>
-            <a:r>
-              <a:rPr lang="ru-RU" sz="3200" b="0" i="0" u="none" strike="noStrike" cap="none" spc="0">
-                <a:solidFill>
-                  <a:schemeClr val="tx1"/>
-                </a:solidFill>
-                <a:latin typeface="Times New Roman"/>
-                <a:ea typeface="Arial"/>
-                <a:cs typeface="Times New Roman"/>
-              </a:rPr>
-              <a:t>Слон</a:t>
-            </a:r>
-            <a:r>
-              <a:rPr lang="en-US" sz="3200" b="0" i="0" u="none" strike="noStrike" cap="none" spc="0">
-                <a:solidFill>
-                  <a:schemeClr val="tx1"/>
-                </a:solidFill>
-                <a:latin typeface="Times New Roman"/>
-                <a:ea typeface="Arial"/>
-                <a:cs typeface="Times New Roman"/>
-              </a:rPr>
-              <a:t>: </a:t>
-            </a:r>
-            <a:r>
-              <a:rPr lang="ru-RU" sz="3200" b="0" i="0" u="none" strike="noStrike" cap="none" spc="0">
-                <a:solidFill>
-                  <a:schemeClr val="tx1"/>
-                </a:solidFill>
-                <a:latin typeface="Times New Roman"/>
-                <a:ea typeface="Arial"/>
-                <a:cs typeface="Times New Roman"/>
-              </a:rPr>
-              <a:t>28 </a:t>
-            </a:r>
-            <a:r>
-              <a:rPr lang="en-US" sz="3200" b="0" i="0" u="none" strike="noStrike" cap="none" spc="0">
-                <a:solidFill>
-                  <a:schemeClr val="tx1"/>
-                </a:solidFill>
-                <a:latin typeface="Times New Roman"/>
-                <a:ea typeface="Arial"/>
-                <a:cs typeface="Times New Roman"/>
-              </a:rPr>
-              <a:t>x </a:t>
-            </a:r>
-            <a:r>
-              <a:rPr lang="ru-RU" sz="3200" b="0" i="0" u="none" strike="noStrike" cap="none" spc="0">
-                <a:solidFill>
-                  <a:schemeClr val="tx1"/>
-                </a:solidFill>
-                <a:latin typeface="Times New Roman"/>
-                <a:ea typeface="Arial"/>
-                <a:cs typeface="Times New Roman"/>
-              </a:rPr>
-              <a:t>28</a:t>
-            </a:r>
-            <a:r>
-              <a:rPr lang="en-US" sz="3200" b="0" i="0" u="none" strike="noStrike" cap="none" spc="0">
-                <a:solidFill>
-                  <a:schemeClr val="tx1"/>
-                </a:solidFill>
-                <a:latin typeface="Times New Roman"/>
-                <a:ea typeface="Arial"/>
-                <a:cs typeface="Times New Roman"/>
-              </a:rPr>
-              <a:t> x </a:t>
-            </a:r>
-            <a:r>
-              <a:rPr lang="ru-RU" sz="3200" b="0" i="0" u="none" strike="noStrike" cap="none" spc="0">
-                <a:solidFill>
-                  <a:schemeClr val="tx1"/>
-                </a:solidFill>
-                <a:latin typeface="Times New Roman"/>
-                <a:ea typeface="Arial"/>
-                <a:cs typeface="Times New Roman"/>
-              </a:rPr>
-              <a:t>60</a:t>
-            </a:r>
-            <a:r>
-              <a:rPr lang="en-US" sz="3200" b="0" i="0" u="none" strike="noStrike" cap="none" spc="0">
-                <a:solidFill>
-                  <a:schemeClr val="tx1"/>
-                </a:solidFill>
-                <a:latin typeface="Times New Roman"/>
-                <a:ea typeface="Arial"/>
-                <a:cs typeface="Times New Roman"/>
-              </a:rPr>
-              <a:t> </a:t>
-            </a:r>
-            <a:r>
-              <a:rPr lang="ru-RU" sz="3200" b="0" i="0" u="none" strike="noStrike" cap="none" spc="0">
-                <a:solidFill>
-                  <a:schemeClr val="tx1"/>
-                </a:solidFill>
-                <a:latin typeface="Times New Roman"/>
-                <a:ea typeface="Arial"/>
-                <a:cs typeface="Times New Roman"/>
-              </a:rPr>
-              <a:t>мм</a:t>
-            </a:r>
-            <a:r>
-              <a:rPr lang="en-US" sz="3200" b="0" i="0" u="none" strike="noStrike" cap="none" spc="0">
-                <a:solidFill>
-                  <a:schemeClr val="tx1"/>
-                </a:solidFill>
-                <a:latin typeface="Times New Roman"/>
-                <a:ea typeface="Arial"/>
-                <a:cs typeface="Times New Roman"/>
-              </a:rPr>
-              <a:t>.</a:t>
-            </a:r>
-            <a:endParaRPr sz="3200" b="0" i="0" u="none" strike="noStrike" cap="none" spc="0">
-              <a:solidFill>
-                <a:schemeClr val="tx1"/>
-              </a:solidFill>
-              <a:latin typeface="Times New Roman"/>
-              <a:cs typeface="Times New Roman"/>
-            </a:endParaRPr>
-          </a:p>
-          <a:p>
-            <a:pPr marL="0" indent="0">
-              <a:buFont typeface="Arial"/>
-              <a:buNone/>
-              <a:defRPr/>
-            </a:pPr>
-            <a:r>
-              <a:rPr lang="ru-RU" sz="3200" b="0" i="0" u="none" strike="noStrike" cap="none" spc="0">
-                <a:solidFill>
-                  <a:schemeClr val="tx1"/>
-                </a:solidFill>
-                <a:latin typeface="Times New Roman"/>
-                <a:ea typeface="Arial"/>
-                <a:cs typeface="Times New Roman"/>
-              </a:rPr>
-              <a:t>Конь</a:t>
-            </a:r>
-            <a:r>
-              <a:rPr lang="en-US" sz="3200" b="0" i="0" u="none" strike="noStrike" cap="none" spc="0">
-                <a:solidFill>
-                  <a:schemeClr val="tx1"/>
-                </a:solidFill>
-                <a:latin typeface="Times New Roman"/>
-                <a:ea typeface="Arial"/>
-                <a:cs typeface="Times New Roman"/>
-              </a:rPr>
-              <a:t>: </a:t>
-            </a:r>
-            <a:r>
-              <a:rPr lang="ru-RU" sz="3200" b="0" i="0" u="none" strike="noStrike" cap="none" spc="0">
-                <a:solidFill>
-                  <a:schemeClr val="tx1"/>
-                </a:solidFill>
-                <a:latin typeface="Times New Roman"/>
-                <a:ea typeface="Arial"/>
-                <a:cs typeface="Times New Roman"/>
-              </a:rPr>
-              <a:t>28 </a:t>
-            </a:r>
-            <a:r>
-              <a:rPr lang="en-US" sz="3200" b="0" i="0" u="none" strike="noStrike" cap="none" spc="0">
-                <a:solidFill>
-                  <a:schemeClr val="tx1"/>
-                </a:solidFill>
-                <a:latin typeface="Times New Roman"/>
-                <a:ea typeface="Arial"/>
-                <a:cs typeface="Times New Roman"/>
-              </a:rPr>
-              <a:t>x 3</a:t>
-            </a:r>
-            <a:r>
-              <a:rPr lang="ru-RU" sz="3200" b="0" i="0" u="none" strike="noStrike" cap="none" spc="0">
-                <a:solidFill>
-                  <a:schemeClr val="tx1"/>
-                </a:solidFill>
-                <a:latin typeface="Times New Roman"/>
-                <a:ea typeface="Arial"/>
-                <a:cs typeface="Times New Roman"/>
-              </a:rPr>
-              <a:t>4</a:t>
-            </a:r>
-            <a:r>
-              <a:rPr lang="en-US" sz="3200" b="0" i="0" u="none" strike="noStrike" cap="none" spc="0">
-                <a:solidFill>
-                  <a:schemeClr val="tx1"/>
-                </a:solidFill>
-                <a:latin typeface="Times New Roman"/>
-                <a:ea typeface="Arial"/>
-                <a:cs typeface="Times New Roman"/>
-              </a:rPr>
-              <a:t> x </a:t>
-            </a:r>
-            <a:r>
-              <a:rPr lang="ru-RU" sz="3200" b="0" i="0" u="none" strike="noStrike" cap="none" spc="0">
-                <a:solidFill>
-                  <a:schemeClr val="tx1"/>
-                </a:solidFill>
-                <a:latin typeface="Times New Roman"/>
-                <a:ea typeface="Arial"/>
-                <a:cs typeface="Times New Roman"/>
-              </a:rPr>
-              <a:t>58</a:t>
-            </a:r>
-            <a:r>
-              <a:rPr lang="en-US" sz="3200" b="0" i="0" u="none" strike="noStrike" cap="none" spc="0">
-                <a:solidFill>
-                  <a:schemeClr val="tx1"/>
-                </a:solidFill>
-                <a:latin typeface="Times New Roman"/>
-                <a:ea typeface="Arial"/>
-                <a:cs typeface="Times New Roman"/>
-              </a:rPr>
-              <a:t> </a:t>
-            </a:r>
-            <a:r>
-              <a:rPr lang="ru-RU" sz="3200" b="0" i="0" u="none" strike="noStrike" cap="none" spc="0">
-                <a:solidFill>
-                  <a:schemeClr val="tx1"/>
-                </a:solidFill>
-                <a:latin typeface="Times New Roman"/>
-                <a:ea typeface="Arial"/>
-                <a:cs typeface="Times New Roman"/>
-              </a:rPr>
-              <a:t>мм</a:t>
-            </a:r>
-            <a:r>
-              <a:rPr lang="en-US" sz="3200" b="0" i="0" u="none" strike="noStrike" cap="none" spc="0">
-                <a:solidFill>
-                  <a:schemeClr val="tx1"/>
-                </a:solidFill>
-                <a:latin typeface="Times New Roman"/>
-                <a:ea typeface="Arial"/>
-                <a:cs typeface="Times New Roman"/>
-              </a:rPr>
-              <a:t>.</a:t>
-            </a:r>
-            <a:endParaRPr sz="3200">
-              <a:latin typeface="Times New Roman"/>
-              <a:cs typeface="Times New Roman"/>
-            </a:endParaRPr>
-          </a:p>
-          <a:p>
-            <a:pPr marL="0" indent="0">
-              <a:buFont typeface="Arial"/>
-              <a:buNone/>
-              <a:defRPr/>
-            </a:pPr>
-            <a:r>
-              <a:rPr lang="ru-RU" sz="3200" b="0" i="0" u="none" strike="noStrike" cap="none" spc="0">
-                <a:solidFill>
-                  <a:schemeClr val="tx1"/>
-                </a:solidFill>
-                <a:latin typeface="Times New Roman"/>
-                <a:ea typeface="Arial"/>
-                <a:cs typeface="Times New Roman"/>
-              </a:rPr>
-              <a:t>Пешка</a:t>
-            </a:r>
-            <a:r>
-              <a:rPr lang="en-US" sz="3200" b="0" i="0" u="none" strike="noStrike" cap="none" spc="0">
-                <a:solidFill>
-                  <a:schemeClr val="tx1"/>
-                </a:solidFill>
-                <a:latin typeface="Times New Roman"/>
-                <a:ea typeface="Arial"/>
-                <a:cs typeface="Times New Roman"/>
-              </a:rPr>
-              <a:t>: </a:t>
-            </a:r>
-            <a:r>
-              <a:rPr lang="ru-RU" sz="3200" b="0" i="0" u="none" strike="noStrike" cap="none" spc="0">
-                <a:solidFill>
-                  <a:schemeClr val="tx1"/>
-                </a:solidFill>
-                <a:latin typeface="Times New Roman"/>
-                <a:ea typeface="Arial"/>
-                <a:cs typeface="Times New Roman"/>
-              </a:rPr>
-              <a:t>26</a:t>
-            </a:r>
-            <a:r>
-              <a:rPr lang="en-US" sz="3200" b="0" i="0" u="none" strike="noStrike" cap="none" spc="0">
-                <a:solidFill>
-                  <a:schemeClr val="tx1"/>
-                </a:solidFill>
-                <a:latin typeface="Times New Roman"/>
-                <a:ea typeface="Arial"/>
-                <a:cs typeface="Times New Roman"/>
-              </a:rPr>
-              <a:t> x </a:t>
-            </a:r>
-            <a:r>
-              <a:rPr lang="ru-RU" sz="3200" b="0" i="0" u="none" strike="noStrike" cap="none" spc="0">
-                <a:solidFill>
-                  <a:schemeClr val="tx1"/>
-                </a:solidFill>
-                <a:latin typeface="Times New Roman"/>
-                <a:ea typeface="Arial"/>
-                <a:cs typeface="Times New Roman"/>
-              </a:rPr>
-              <a:t>26</a:t>
-            </a:r>
-            <a:r>
-              <a:rPr lang="en-US" sz="3200" b="0" i="0" u="none" strike="noStrike" cap="none" spc="0">
-                <a:solidFill>
-                  <a:schemeClr val="tx1"/>
-                </a:solidFill>
-                <a:latin typeface="Times New Roman"/>
-                <a:ea typeface="Arial"/>
-                <a:cs typeface="Times New Roman"/>
-              </a:rPr>
-              <a:t> x 5</a:t>
-            </a:r>
-            <a:r>
-              <a:rPr lang="ru-RU" sz="3200" b="0" i="0" u="none" strike="noStrike" cap="none" spc="0">
-                <a:solidFill>
-                  <a:schemeClr val="tx1"/>
-                </a:solidFill>
-                <a:latin typeface="Times New Roman"/>
-                <a:ea typeface="Arial"/>
-                <a:cs typeface="Times New Roman"/>
-              </a:rPr>
-              <a:t>0</a:t>
-            </a:r>
-            <a:r>
-              <a:rPr lang="en-US" sz="3200" b="0" i="0" u="none" strike="noStrike" cap="none" spc="0">
-                <a:solidFill>
-                  <a:schemeClr val="tx1"/>
-                </a:solidFill>
-                <a:latin typeface="Times New Roman"/>
-                <a:ea typeface="Arial"/>
-                <a:cs typeface="Times New Roman"/>
-              </a:rPr>
-              <a:t> </a:t>
-            </a:r>
-            <a:r>
-              <a:rPr lang="ru-RU" sz="3200" b="0" i="0" u="none" strike="noStrike" cap="none" spc="0">
-                <a:solidFill>
-                  <a:schemeClr val="tx1"/>
-                </a:solidFill>
-                <a:latin typeface="Times New Roman"/>
-                <a:ea typeface="Arial"/>
-                <a:cs typeface="Times New Roman"/>
-              </a:rPr>
-              <a:t>мм</a:t>
-            </a:r>
-            <a:r>
-              <a:rPr lang="en-US" sz="3200" b="0" i="0" u="none" strike="noStrike" cap="none" spc="0">
-                <a:solidFill>
-                  <a:schemeClr val="tx1"/>
-                </a:solidFill>
-                <a:latin typeface="Times New Roman"/>
-                <a:ea typeface="Arial"/>
-                <a:cs typeface="Times New Roman"/>
-              </a:rPr>
-              <a:t>.</a:t>
-            </a:r>
-            <a:endParaRPr sz="3200">
-              <a:latin typeface="Times New Roman"/>
-              <a:cs typeface="Times New Roman"/>
-            </a:endParaRPr>
-          </a:p>
-          <a:p>
-            <a:pPr>
-              <a:defRPr/>
-            </a:pPr>
-            <a:endParaRPr/>
-          </a:p>
-        </p:txBody>
-      </p:sp>
-    </p:spTree>
-  </p:cSld>
-  <p:clrMapOvr>
-    <a:masterClrMapping/>
-  </p:clrMapOvr>
-  <mc:AlternateContent xmlns:mc="http://schemas.openxmlformats.org/markup-compatibility/2006" xmlns:p14="http://schemas.microsoft.com/office/powerpoint/2010/main">
-    <mc:Choice Requires="p14">
-      <p:transition spd="slow" p14:dur="2000"/>
-    </mc:Choice>
-    <mc:Fallback xmlns:w="http://schemas.openxmlformats.org/wordprocessingml/2006/main" xmlns:m="http://schemas.openxmlformats.org/officeDocument/2006/math" xmlns="">
-      <p:transition advClick="1"/>
-    </mc:Fallback>
-  </mc:AlternateContent>
-  <p:timing>
-    <p:tnLst>
-      <p:par>
-        <p:cTn id="1" dur="indefinite" restart="never" nodeType="tmRoot"/>
-      </p:par>
-    </p:tnLst>
-  </p:timing>
-</p:sld>
-</file>
-
-<file path=ppt/slides/slide4.xml><?xml version="1.0" encoding="utf-8"?>
-<p:sld xmlns:a="http://schemas.openxmlformats.org/drawingml/2006/main" xmlns:r="http://schemas.openxmlformats.org/officeDocument/2006/relationships" xmlns:p="http://schemas.openxmlformats.org/presentationml/2006/main" showMasterPhAnim="0">
-  <p:cSld>
+<p:sld xmlns:a="http://schemas.openxmlformats.org/drawingml/2006/main" xmlns:r="http://schemas.openxmlformats.org/officeDocument/2006/relationships" xmlns:p="http://schemas.openxmlformats.org/presentationml/2006/main" xmlns:m="http://schemas.openxmlformats.org/officeDocument/2006/math" xmlns:w="http://schemas.openxmlformats.org/wordprocessingml/2006/main" showMasterPhAnim="0" show="1">
+  <p:cSld name="">
     <p:bg>
-      <p:bgPr>
+      <p:bgPr shadeToTitle="0">
         <a:solidFill>
-          <a:schemeClr val="bg1"/>
+          <a:schemeClr val="bg1">
+            <a:alpha val="99999"/>
+          </a:schemeClr>
         </a:solidFill>
-        <a:effectLst/>
       </p:bgPr>
     </p:bg>
     <p:spTree>
@@ -6180,6 +4832,1045 @@
           <a:chExt cx="0" cy="0"/>
         </a:xfrm>
       </p:grpSpPr>
+      <p:pic>
+        <p:nvPicPr>
+          <p:cNvPr id="530719117" name=""/>
+          <p:cNvPicPr>
+            <a:picLocks noChangeAspect="1"/>
+          </p:cNvPicPr>
+          <p:nvPr/>
+        </p:nvPicPr>
+        <p:blipFill>
+          <a:blip r:embed="rId2"/>
+          <a:stretch/>
+        </p:blipFill>
+        <p:spPr bwMode="auto">
+          <a:xfrm flipH="0" flipV="0">
+            <a:off x="-19049" y="-989377"/>
+            <a:ext cx="12213000" cy="8152177"/>
+          </a:xfrm>
+          <a:prstGeom prst="rect">
+            <a:avLst/>
+          </a:prstGeom>
+        </p:spPr>
+      </p:pic>
+      <p:sp>
+        <p:nvSpPr>
+          <p:cNvPr id="553950001" name=""/>
+          <p:cNvSpPr/>
+          <p:nvPr/>
+        </p:nvSpPr>
+        <p:spPr bwMode="auto">
+          <a:xfrm flipH="0" flipV="0">
+            <a:off x="-93299" y="-95249"/>
+            <a:ext cx="12630150" cy="7258050"/>
+          </a:xfrm>
+          <a:prstGeom prst="rect">
+            <a:avLst/>
+          </a:prstGeom>
+          <a:solidFill>
+            <a:schemeClr val="tx1">
+              <a:alpha val="35000"/>
+            </a:schemeClr>
+          </a:solidFill>
+        </p:spPr>
+        <p:style>
+          <a:lnRef idx="2">
+            <a:schemeClr val="accent1">
+              <a:shade val="50000"/>
+            </a:schemeClr>
+          </a:lnRef>
+          <a:fillRef idx="1">
+            <a:schemeClr val="accent1"/>
+          </a:fillRef>
+          <a:effectRef idx="0">
+            <a:schemeClr val="accent1"/>
+          </a:effectRef>
+          <a:fontRef idx="minor">
+            <a:schemeClr val="lt1"/>
+          </a:fontRef>
+        </p:style>
+      </p:sp>
+      <p:sp>
+        <p:nvSpPr>
+          <p:cNvPr id="1953838888" name="Заголовок 1"/>
+          <p:cNvSpPr>
+            <a:spLocks noGrp="1"/>
+          </p:cNvSpPr>
+          <p:nvPr>
+            <p:ph type="title"/>
+          </p:nvPr>
+        </p:nvSpPr>
+        <p:spPr bwMode="auto">
+          <a:xfrm flipH="0" flipV="0">
+            <a:off x="230549" y="212725"/>
+            <a:ext cx="11810999" cy="1325562"/>
+          </a:xfrm>
+        </p:spPr>
+        <p:txBody>
+          <a:bodyPr vertOverflow="overflow" horzOverflow="overflow" vert="horz" wrap="square" lIns="91440" tIns="45720" rIns="91440" bIns="45720" numCol="1" spcCol="0" rtlCol="0" fromWordArt="0" anchor="ctr" anchorCtr="0" forceAA="0" upright="0" compatLnSpc="0">
+            <a:normAutofit/>
+          </a:bodyPr>
+          <a:lstStyle/>
+          <a:p>
+            <a:pPr marL="0" indent="0">
+              <a:buFont typeface="Arial"/>
+              <a:buNone/>
+              <a:defRPr/>
+            </a:pPr>
+            <a:r>
+              <a:rPr lang="ru-RU" sz="4200" b="0" i="0" u="none" strike="noStrike" cap="none" spc="0">
+                <a:solidFill>
+                  <a:schemeClr val="bg1"/>
+                </a:solidFill>
+                <a:latin typeface="Times New Roman"/>
+                <a:ea typeface="Arial"/>
+                <a:cs typeface="Times New Roman"/>
+              </a:rPr>
+              <a:t>Габариты </a:t>
+            </a:r>
+            <a:r>
+              <a:rPr lang="ru-RU" sz="4200" b="0" i="0" u="none" strike="noStrike" cap="none" spc="0">
+                <a:solidFill>
+                  <a:schemeClr val="bg1"/>
+                </a:solidFill>
+                <a:latin typeface="Times New Roman"/>
+                <a:ea typeface="Arial"/>
+                <a:cs typeface="Times New Roman"/>
+              </a:rPr>
+              <a:t>фигур </a:t>
+            </a:r>
+            <a:r>
+              <a:rPr lang="ru-RU" sz="4200" b="0" i="0" u="none" strike="noStrike" cap="none" spc="0">
+                <a:solidFill>
+                  <a:schemeClr val="bg1"/>
+                </a:solidFill>
+                <a:latin typeface="Times New Roman"/>
+                <a:ea typeface="Arial"/>
+                <a:cs typeface="Times New Roman"/>
+              </a:rPr>
+              <a:t>заданы </a:t>
+            </a:r>
+            <a:r>
+              <a:rPr lang="ru-RU" sz="4200" b="0" i="0" u="none" strike="noStrike" cap="none" spc="0">
+                <a:solidFill>
+                  <a:schemeClr val="bg1"/>
+                </a:solidFill>
+                <a:latin typeface="Times New Roman"/>
+                <a:ea typeface="Arial"/>
+                <a:cs typeface="Times New Roman"/>
+              </a:rPr>
+              <a:t>параметрами</a:t>
+            </a:r>
+            <a:r>
+              <a:rPr lang="ru-RU" sz="4200" b="0" i="0" u="none" strike="noStrike" cap="none" spc="0">
+                <a:solidFill>
+                  <a:schemeClr val="bg1"/>
+                </a:solidFill>
+                <a:latin typeface="Times New Roman"/>
+                <a:ea typeface="Arial"/>
+                <a:cs typeface="Times New Roman"/>
+              </a:rPr>
+              <a:t>, изначально</a:t>
+            </a:r>
+            <a:r>
+              <a:rPr lang="en-US" sz="4200" b="0" i="0" u="none" strike="noStrike" cap="none" spc="0">
+                <a:solidFill>
+                  <a:schemeClr val="bg1"/>
+                </a:solidFill>
+                <a:latin typeface="Times New Roman"/>
+                <a:ea typeface="Arial"/>
+                <a:cs typeface="Times New Roman"/>
+              </a:rPr>
+              <a:t>:</a:t>
+            </a:r>
+            <a:endParaRPr sz="4200">
+              <a:solidFill>
+                <a:schemeClr val="bg1"/>
+              </a:solidFill>
+            </a:endParaRPr>
+          </a:p>
+        </p:txBody>
+      </p:sp>
+      <p:sp>
+        <p:nvSpPr>
+          <p:cNvPr id="507881140" name="Объект 2"/>
+          <p:cNvSpPr>
+            <a:spLocks noGrp="1"/>
+          </p:cNvSpPr>
+          <p:nvPr>
+            <p:ph idx="1"/>
+          </p:nvPr>
+        </p:nvSpPr>
+        <p:spPr bwMode="auto">
+          <a:xfrm>
+            <a:off x="230549" y="1538287"/>
+            <a:ext cx="10515600" cy="4351338"/>
+          </a:xfrm>
+        </p:spPr>
+        <p:txBody>
+          <a:bodyPr vertOverflow="overflow" horzOverflow="overflow" vert="horz" wrap="square" lIns="91440" tIns="45720" rIns="91440" bIns="45720" numCol="1" spcCol="0" rtlCol="0" fromWordArt="0" anchor="t" anchorCtr="0" forceAA="0" upright="0" compatLnSpc="0">
+            <a:normAutofit/>
+          </a:bodyPr>
+          <a:lstStyle/>
+          <a:p>
+            <a:pPr marL="0" indent="0">
+              <a:buFont typeface="Arial"/>
+              <a:buNone/>
+              <a:defRPr/>
+            </a:pPr>
+            <a:r>
+              <a:rPr lang="ru-RU" sz="3600" b="0" i="0" u="none" strike="noStrike" cap="none" spc="0">
+                <a:solidFill>
+                  <a:schemeClr val="bg1"/>
+                </a:solidFill>
+                <a:latin typeface="Times New Roman"/>
+                <a:ea typeface="+mn-ea"/>
+                <a:cs typeface="Times New Roman"/>
+              </a:rPr>
+              <a:t>Ферзь</a:t>
+            </a:r>
+            <a:r>
+              <a:rPr lang="en-US" sz="3600" b="0" i="0" u="none" strike="noStrike" cap="none" spc="0">
+                <a:solidFill>
+                  <a:schemeClr val="bg1"/>
+                </a:solidFill>
+                <a:latin typeface="Times New Roman"/>
+                <a:ea typeface="+mn-ea"/>
+                <a:cs typeface="Times New Roman"/>
+              </a:rPr>
+              <a:t>: </a:t>
+            </a:r>
+            <a:r>
+              <a:rPr lang="en-US" sz="3600" b="0" i="0" u="none" strike="noStrike" cap="none" spc="0">
+                <a:solidFill>
+                  <a:schemeClr val="bg1"/>
+                </a:solidFill>
+                <a:latin typeface="Times New Roman"/>
+                <a:ea typeface="Arial"/>
+                <a:cs typeface="Times New Roman"/>
+              </a:rPr>
+              <a:t>30 </a:t>
+            </a:r>
+            <a:r>
+              <a:rPr lang="en-US" sz="3600" b="0" i="0" u="none" strike="noStrike" cap="none" spc="0">
+                <a:solidFill>
+                  <a:schemeClr val="bg1"/>
+                </a:solidFill>
+                <a:latin typeface="Times New Roman"/>
+                <a:ea typeface="Arial"/>
+                <a:cs typeface="Times New Roman"/>
+              </a:rPr>
+              <a:t>x </a:t>
+            </a:r>
+            <a:r>
+              <a:rPr lang="en-US" sz="3600" b="0" i="0" u="none" strike="noStrike" cap="none" spc="0">
+                <a:solidFill>
+                  <a:schemeClr val="bg1"/>
+                </a:solidFill>
+                <a:latin typeface="Times New Roman"/>
+                <a:ea typeface="Arial"/>
+                <a:cs typeface="Times New Roman"/>
+              </a:rPr>
+              <a:t>30 </a:t>
+            </a:r>
+            <a:r>
+              <a:rPr lang="en-US" sz="3600" b="0" i="0" u="none" strike="noStrike" cap="none" spc="0">
+                <a:solidFill>
+                  <a:schemeClr val="bg1"/>
+                </a:solidFill>
+                <a:latin typeface="Times New Roman"/>
+                <a:ea typeface="Arial"/>
+                <a:cs typeface="Times New Roman"/>
+              </a:rPr>
+              <a:t>x </a:t>
+            </a:r>
+            <a:r>
+              <a:rPr lang="en-US" sz="3600" b="0" i="0" u="none" strike="noStrike" cap="none" spc="0">
+                <a:solidFill>
+                  <a:schemeClr val="bg1"/>
+                </a:solidFill>
+                <a:latin typeface="Times New Roman"/>
+                <a:ea typeface="Arial"/>
+                <a:cs typeface="Times New Roman"/>
+              </a:rPr>
+              <a:t>59 </a:t>
+            </a:r>
+            <a:r>
+              <a:rPr lang="ru-RU" sz="3600" b="0" i="0" u="none" strike="noStrike" cap="none" spc="0">
+                <a:solidFill>
+                  <a:schemeClr val="bg1"/>
+                </a:solidFill>
+                <a:latin typeface="Times New Roman"/>
+                <a:ea typeface="+mn-ea"/>
+                <a:cs typeface="Times New Roman"/>
+              </a:rPr>
+              <a:t>мм</a:t>
+            </a:r>
+            <a:r>
+              <a:rPr lang="en-US" sz="3600" b="0" i="0" u="none" strike="noStrike" cap="none" spc="0">
+                <a:solidFill>
+                  <a:schemeClr val="bg1"/>
+                </a:solidFill>
+                <a:latin typeface="Times New Roman"/>
+                <a:ea typeface="+mn-ea"/>
+                <a:cs typeface="Times New Roman"/>
+              </a:rPr>
+              <a:t>.</a:t>
+            </a:r>
+            <a:endParaRPr sz="3600">
+              <a:solidFill>
+                <a:schemeClr val="bg1"/>
+              </a:solidFill>
+              <a:latin typeface="Times New Roman"/>
+              <a:cs typeface="Times New Roman"/>
+            </a:endParaRPr>
+          </a:p>
+          <a:p>
+            <a:pPr marL="0" indent="0">
+              <a:buFont typeface="Arial"/>
+              <a:buNone/>
+              <a:defRPr/>
+            </a:pPr>
+            <a:r>
+              <a:rPr lang="ru-RU" sz="3600" b="0" i="0" u="none" strike="noStrike" cap="none" spc="0">
+                <a:solidFill>
+                  <a:schemeClr val="bg1"/>
+                </a:solidFill>
+                <a:latin typeface="Times New Roman"/>
+                <a:ea typeface="Arial"/>
+                <a:cs typeface="Times New Roman"/>
+              </a:rPr>
+              <a:t>Король</a:t>
+            </a:r>
+            <a:r>
+              <a:rPr lang="en-US" sz="3600" b="0" i="0" u="none" strike="noStrike" cap="none" spc="0">
+                <a:solidFill>
+                  <a:schemeClr val="bg1"/>
+                </a:solidFill>
+                <a:latin typeface="Times New Roman"/>
+                <a:ea typeface="Arial"/>
+                <a:cs typeface="Times New Roman"/>
+              </a:rPr>
+              <a:t>: </a:t>
+            </a:r>
+            <a:r>
+              <a:rPr lang="en-US" sz="3600" b="0" i="0" u="none" strike="noStrike" cap="none" spc="0">
+                <a:solidFill>
+                  <a:schemeClr val="bg1"/>
+                </a:solidFill>
+                <a:latin typeface="Times New Roman"/>
+                <a:ea typeface="Arial"/>
+                <a:cs typeface="Times New Roman"/>
+              </a:rPr>
+              <a:t>30</a:t>
+            </a:r>
+            <a:r>
+              <a:rPr lang="en-US" sz="3600" b="0" i="0" u="none" strike="noStrike" cap="none" spc="0">
+                <a:solidFill>
+                  <a:schemeClr val="bg1"/>
+                </a:solidFill>
+                <a:latin typeface="Times New Roman"/>
+                <a:ea typeface="Arial"/>
+                <a:cs typeface="Times New Roman"/>
+              </a:rPr>
+              <a:t> </a:t>
+            </a:r>
+            <a:r>
+              <a:rPr lang="en-US" sz="3600" b="0" i="0" u="none" strike="noStrike" cap="none" spc="0">
+                <a:solidFill>
+                  <a:schemeClr val="bg1"/>
+                </a:solidFill>
+                <a:latin typeface="Times New Roman"/>
+                <a:ea typeface="Arial"/>
+                <a:cs typeface="Times New Roman"/>
+              </a:rPr>
+              <a:t>x </a:t>
+            </a:r>
+            <a:r>
+              <a:rPr lang="en-US" sz="3600" b="0" i="0" u="none" strike="noStrike" cap="none" spc="0">
+                <a:solidFill>
+                  <a:schemeClr val="bg1"/>
+                </a:solidFill>
+                <a:latin typeface="Times New Roman"/>
+                <a:ea typeface="Arial"/>
+                <a:cs typeface="Times New Roman"/>
+              </a:rPr>
+              <a:t>30 </a:t>
+            </a:r>
+            <a:r>
+              <a:rPr lang="en-US" sz="3600" b="0" i="0" u="none" strike="noStrike" cap="none" spc="0">
+                <a:solidFill>
+                  <a:schemeClr val="bg1"/>
+                </a:solidFill>
+                <a:latin typeface="Times New Roman"/>
+                <a:ea typeface="Arial"/>
+                <a:cs typeface="Times New Roman"/>
+              </a:rPr>
+              <a:t>x </a:t>
+            </a:r>
+            <a:r>
+              <a:rPr lang="ru-RU" sz="3600" b="0" i="0" u="none" strike="noStrike" cap="none" spc="0">
+                <a:solidFill>
+                  <a:schemeClr val="bg1"/>
+                </a:solidFill>
+                <a:latin typeface="Times New Roman"/>
+                <a:ea typeface="Arial"/>
+                <a:cs typeface="Times New Roman"/>
+              </a:rPr>
+              <a:t>68</a:t>
+            </a:r>
+            <a:r>
+              <a:rPr lang="en-US" sz="3600" b="0" i="0" u="none" strike="noStrike" cap="none" spc="0">
+                <a:solidFill>
+                  <a:schemeClr val="bg1"/>
+                </a:solidFill>
+                <a:latin typeface="Times New Roman"/>
+                <a:ea typeface="Arial"/>
+                <a:cs typeface="Times New Roman"/>
+              </a:rPr>
+              <a:t> </a:t>
+            </a:r>
+            <a:r>
+              <a:rPr lang="ru-RU" sz="3600" b="0" i="0" u="none" strike="noStrike" cap="none" spc="0">
+                <a:solidFill>
+                  <a:schemeClr val="bg1"/>
+                </a:solidFill>
+                <a:latin typeface="Times New Roman"/>
+                <a:ea typeface="Arial"/>
+                <a:cs typeface="Times New Roman"/>
+              </a:rPr>
+              <a:t>мм</a:t>
+            </a:r>
+            <a:r>
+              <a:rPr lang="en-US" sz="3600" b="0" i="0" u="none" strike="noStrike" cap="none" spc="0">
+                <a:solidFill>
+                  <a:schemeClr val="bg1"/>
+                </a:solidFill>
+                <a:latin typeface="Times New Roman"/>
+                <a:ea typeface="Arial"/>
+                <a:cs typeface="Times New Roman"/>
+              </a:rPr>
+              <a:t>.</a:t>
+            </a:r>
+            <a:endParaRPr sz="3600">
+              <a:solidFill>
+                <a:schemeClr val="bg1"/>
+              </a:solidFill>
+              <a:latin typeface="Times New Roman"/>
+              <a:cs typeface="Times New Roman"/>
+            </a:endParaRPr>
+          </a:p>
+          <a:p>
+            <a:pPr marL="0" indent="0">
+              <a:buFont typeface="Arial"/>
+              <a:buNone/>
+              <a:defRPr/>
+            </a:pPr>
+            <a:r>
+              <a:rPr lang="ru-RU" sz="3600" b="0" i="0" u="none" strike="noStrike" cap="none" spc="0">
+                <a:solidFill>
+                  <a:schemeClr val="bg1"/>
+                </a:solidFill>
+                <a:latin typeface="Times New Roman"/>
+                <a:ea typeface="Arial"/>
+                <a:cs typeface="Times New Roman"/>
+              </a:rPr>
+              <a:t>Ладья</a:t>
+            </a:r>
+            <a:r>
+              <a:rPr lang="en-US" sz="3600" b="0" i="0" u="none" strike="noStrike" cap="none" spc="0">
+                <a:solidFill>
+                  <a:schemeClr val="bg1"/>
+                </a:solidFill>
+                <a:latin typeface="Times New Roman"/>
+                <a:ea typeface="Arial"/>
+                <a:cs typeface="Times New Roman"/>
+              </a:rPr>
+              <a:t>: </a:t>
+            </a:r>
+            <a:r>
+              <a:rPr lang="ru-RU" sz="3600" b="0" i="0" u="none" strike="noStrike" cap="none" spc="0">
+                <a:solidFill>
+                  <a:schemeClr val="bg1"/>
+                </a:solidFill>
+                <a:latin typeface="Times New Roman"/>
+                <a:ea typeface="Arial"/>
+                <a:cs typeface="Times New Roman"/>
+              </a:rPr>
+              <a:t>28</a:t>
+            </a:r>
+            <a:r>
+              <a:rPr lang="en-US" sz="3600" b="0" i="0" u="none" strike="noStrike" cap="none" spc="0">
+                <a:solidFill>
+                  <a:schemeClr val="bg1"/>
+                </a:solidFill>
+                <a:latin typeface="Times New Roman"/>
+                <a:ea typeface="Arial"/>
+                <a:cs typeface="Times New Roman"/>
+              </a:rPr>
+              <a:t> x </a:t>
+            </a:r>
+            <a:r>
+              <a:rPr lang="ru-RU" sz="3600" b="0" i="0" u="none" strike="noStrike" cap="none" spc="0">
+                <a:solidFill>
+                  <a:schemeClr val="bg1"/>
+                </a:solidFill>
+                <a:latin typeface="Times New Roman"/>
+                <a:ea typeface="Arial"/>
+                <a:cs typeface="Times New Roman"/>
+              </a:rPr>
+              <a:t>28</a:t>
+            </a:r>
+            <a:r>
+              <a:rPr lang="en-US" sz="3600" b="0" i="0" u="none" strike="noStrike" cap="none" spc="0">
+                <a:solidFill>
+                  <a:schemeClr val="bg1"/>
+                </a:solidFill>
+                <a:latin typeface="Times New Roman"/>
+                <a:ea typeface="Arial"/>
+                <a:cs typeface="Times New Roman"/>
+              </a:rPr>
+              <a:t> x 5</a:t>
+            </a:r>
+            <a:r>
+              <a:rPr lang="ru-RU" sz="3600" b="0" i="0" u="none" strike="noStrike" cap="none" spc="0">
+                <a:solidFill>
+                  <a:schemeClr val="bg1"/>
+                </a:solidFill>
+                <a:latin typeface="Times New Roman"/>
+                <a:ea typeface="Arial"/>
+                <a:cs typeface="Times New Roman"/>
+              </a:rPr>
+              <a:t>0</a:t>
+            </a:r>
+            <a:r>
+              <a:rPr lang="en-US" sz="3600" b="0" i="0" u="none" strike="noStrike" cap="none" spc="0">
+                <a:solidFill>
+                  <a:schemeClr val="bg1"/>
+                </a:solidFill>
+                <a:latin typeface="Times New Roman"/>
+                <a:ea typeface="Arial"/>
+                <a:cs typeface="Times New Roman"/>
+              </a:rPr>
+              <a:t> </a:t>
+            </a:r>
+            <a:r>
+              <a:rPr lang="ru-RU" sz="3600" b="0" i="0" u="none" strike="noStrike" cap="none" spc="0">
+                <a:solidFill>
+                  <a:schemeClr val="bg1"/>
+                </a:solidFill>
+                <a:latin typeface="Times New Roman"/>
+                <a:ea typeface="Arial"/>
+                <a:cs typeface="Times New Roman"/>
+              </a:rPr>
+              <a:t>мм</a:t>
+            </a:r>
+            <a:r>
+              <a:rPr lang="en-US" sz="3600" b="0" i="0" u="none" strike="noStrike" cap="none" spc="0">
+                <a:solidFill>
+                  <a:schemeClr val="bg1"/>
+                </a:solidFill>
+                <a:latin typeface="Times New Roman"/>
+                <a:ea typeface="Arial"/>
+                <a:cs typeface="Times New Roman"/>
+              </a:rPr>
+              <a:t>.</a:t>
+            </a:r>
+            <a:endParaRPr sz="3600">
+              <a:solidFill>
+                <a:schemeClr val="bg1"/>
+              </a:solidFill>
+              <a:latin typeface="Times New Roman"/>
+              <a:cs typeface="Times New Roman"/>
+            </a:endParaRPr>
+          </a:p>
+          <a:p>
+            <a:pPr marL="0" indent="0">
+              <a:buFont typeface="Arial"/>
+              <a:buNone/>
+              <a:defRPr/>
+            </a:pPr>
+            <a:r>
+              <a:rPr lang="ru-RU" sz="3600" b="0" i="0" u="none" strike="noStrike" cap="none" spc="0">
+                <a:solidFill>
+                  <a:schemeClr val="bg1"/>
+                </a:solidFill>
+                <a:latin typeface="Times New Roman"/>
+                <a:ea typeface="Arial"/>
+                <a:cs typeface="Times New Roman"/>
+              </a:rPr>
+              <a:t>Слон</a:t>
+            </a:r>
+            <a:r>
+              <a:rPr lang="en-US" sz="3600" b="0" i="0" u="none" strike="noStrike" cap="none" spc="0">
+                <a:solidFill>
+                  <a:schemeClr val="bg1"/>
+                </a:solidFill>
+                <a:latin typeface="Times New Roman"/>
+                <a:ea typeface="Arial"/>
+                <a:cs typeface="Times New Roman"/>
+              </a:rPr>
+              <a:t>: </a:t>
+            </a:r>
+            <a:r>
+              <a:rPr lang="ru-RU" sz="3600" b="0" i="0" u="none" strike="noStrike" cap="none" spc="0">
+                <a:solidFill>
+                  <a:schemeClr val="bg1"/>
+                </a:solidFill>
+                <a:latin typeface="Times New Roman"/>
+                <a:ea typeface="Arial"/>
+                <a:cs typeface="Times New Roman"/>
+              </a:rPr>
+              <a:t>28 </a:t>
+            </a:r>
+            <a:r>
+              <a:rPr lang="en-US" sz="3600" b="0" i="0" u="none" strike="noStrike" cap="none" spc="0">
+                <a:solidFill>
+                  <a:schemeClr val="bg1"/>
+                </a:solidFill>
+                <a:latin typeface="Times New Roman"/>
+                <a:ea typeface="Arial"/>
+                <a:cs typeface="Times New Roman"/>
+              </a:rPr>
+              <a:t>x </a:t>
+            </a:r>
+            <a:r>
+              <a:rPr lang="ru-RU" sz="3600" b="0" i="0" u="none" strike="noStrike" cap="none" spc="0">
+                <a:solidFill>
+                  <a:schemeClr val="bg1"/>
+                </a:solidFill>
+                <a:latin typeface="Times New Roman"/>
+                <a:ea typeface="Arial"/>
+                <a:cs typeface="Times New Roman"/>
+              </a:rPr>
+              <a:t>28</a:t>
+            </a:r>
+            <a:r>
+              <a:rPr lang="en-US" sz="3600" b="0" i="0" u="none" strike="noStrike" cap="none" spc="0">
+                <a:solidFill>
+                  <a:schemeClr val="bg1"/>
+                </a:solidFill>
+                <a:latin typeface="Times New Roman"/>
+                <a:ea typeface="Arial"/>
+                <a:cs typeface="Times New Roman"/>
+              </a:rPr>
+              <a:t> x </a:t>
+            </a:r>
+            <a:r>
+              <a:rPr lang="ru-RU" sz="3600" b="0" i="0" u="none" strike="noStrike" cap="none" spc="0">
+                <a:solidFill>
+                  <a:schemeClr val="bg1"/>
+                </a:solidFill>
+                <a:latin typeface="Times New Roman"/>
+                <a:ea typeface="Arial"/>
+                <a:cs typeface="Times New Roman"/>
+              </a:rPr>
+              <a:t>60</a:t>
+            </a:r>
+            <a:r>
+              <a:rPr lang="en-US" sz="3600" b="0" i="0" u="none" strike="noStrike" cap="none" spc="0">
+                <a:solidFill>
+                  <a:schemeClr val="bg1"/>
+                </a:solidFill>
+                <a:latin typeface="Times New Roman"/>
+                <a:ea typeface="Arial"/>
+                <a:cs typeface="Times New Roman"/>
+              </a:rPr>
+              <a:t> </a:t>
+            </a:r>
+            <a:r>
+              <a:rPr lang="ru-RU" sz="3600" b="0" i="0" u="none" strike="noStrike" cap="none" spc="0">
+                <a:solidFill>
+                  <a:schemeClr val="bg1"/>
+                </a:solidFill>
+                <a:latin typeface="Times New Roman"/>
+                <a:ea typeface="Arial"/>
+                <a:cs typeface="Times New Roman"/>
+              </a:rPr>
+              <a:t>мм</a:t>
+            </a:r>
+            <a:r>
+              <a:rPr lang="en-US" sz="3600" b="0" i="0" u="none" strike="noStrike" cap="none" spc="0">
+                <a:solidFill>
+                  <a:schemeClr val="bg1"/>
+                </a:solidFill>
+                <a:latin typeface="Times New Roman"/>
+                <a:ea typeface="Arial"/>
+                <a:cs typeface="Times New Roman"/>
+              </a:rPr>
+              <a:t>.</a:t>
+            </a:r>
+            <a:endParaRPr sz="3600" b="0" i="0" u="none" strike="noStrike" cap="none" spc="0">
+              <a:solidFill>
+                <a:schemeClr val="bg1"/>
+              </a:solidFill>
+              <a:latin typeface="Times New Roman"/>
+              <a:cs typeface="Times New Roman"/>
+            </a:endParaRPr>
+          </a:p>
+          <a:p>
+            <a:pPr marL="0" indent="0">
+              <a:buFont typeface="Arial"/>
+              <a:buNone/>
+              <a:defRPr/>
+            </a:pPr>
+            <a:r>
+              <a:rPr lang="ru-RU" sz="3600" b="0" i="0" u="none" strike="noStrike" cap="none" spc="0">
+                <a:solidFill>
+                  <a:schemeClr val="bg1"/>
+                </a:solidFill>
+                <a:latin typeface="Times New Roman"/>
+                <a:ea typeface="Arial"/>
+                <a:cs typeface="Times New Roman"/>
+              </a:rPr>
+              <a:t>Конь</a:t>
+            </a:r>
+            <a:r>
+              <a:rPr lang="en-US" sz="3600" b="0" i="0" u="none" strike="noStrike" cap="none" spc="0">
+                <a:solidFill>
+                  <a:schemeClr val="bg1"/>
+                </a:solidFill>
+                <a:latin typeface="Times New Roman"/>
+                <a:ea typeface="Arial"/>
+                <a:cs typeface="Times New Roman"/>
+              </a:rPr>
+              <a:t>: </a:t>
+            </a:r>
+            <a:r>
+              <a:rPr lang="ru-RU" sz="3600" b="0" i="0" u="none" strike="noStrike" cap="none" spc="0">
+                <a:solidFill>
+                  <a:schemeClr val="bg1"/>
+                </a:solidFill>
+                <a:latin typeface="Times New Roman"/>
+                <a:ea typeface="Arial"/>
+                <a:cs typeface="Times New Roman"/>
+              </a:rPr>
+              <a:t>28 </a:t>
+            </a:r>
+            <a:r>
+              <a:rPr lang="en-US" sz="3600" b="0" i="0" u="none" strike="noStrike" cap="none" spc="0">
+                <a:solidFill>
+                  <a:schemeClr val="bg1"/>
+                </a:solidFill>
+                <a:latin typeface="Times New Roman"/>
+                <a:ea typeface="Arial"/>
+                <a:cs typeface="Times New Roman"/>
+              </a:rPr>
+              <a:t>x 3</a:t>
+            </a:r>
+            <a:r>
+              <a:rPr lang="ru-RU" sz="3600" b="0" i="0" u="none" strike="noStrike" cap="none" spc="0">
+                <a:solidFill>
+                  <a:schemeClr val="bg1"/>
+                </a:solidFill>
+                <a:latin typeface="Times New Roman"/>
+                <a:ea typeface="Arial"/>
+                <a:cs typeface="Times New Roman"/>
+              </a:rPr>
+              <a:t>4</a:t>
+            </a:r>
+            <a:r>
+              <a:rPr lang="en-US" sz="3600" b="0" i="0" u="none" strike="noStrike" cap="none" spc="0">
+                <a:solidFill>
+                  <a:schemeClr val="bg1"/>
+                </a:solidFill>
+                <a:latin typeface="Times New Roman"/>
+                <a:ea typeface="Arial"/>
+                <a:cs typeface="Times New Roman"/>
+              </a:rPr>
+              <a:t> x </a:t>
+            </a:r>
+            <a:r>
+              <a:rPr lang="ru-RU" sz="3600" b="0" i="0" u="none" strike="noStrike" cap="none" spc="0">
+                <a:solidFill>
+                  <a:schemeClr val="bg1"/>
+                </a:solidFill>
+                <a:latin typeface="Times New Roman"/>
+                <a:ea typeface="Arial"/>
+                <a:cs typeface="Times New Roman"/>
+              </a:rPr>
+              <a:t>58</a:t>
+            </a:r>
+            <a:r>
+              <a:rPr lang="en-US" sz="3600" b="0" i="0" u="none" strike="noStrike" cap="none" spc="0">
+                <a:solidFill>
+                  <a:schemeClr val="bg1"/>
+                </a:solidFill>
+                <a:latin typeface="Times New Roman"/>
+                <a:ea typeface="Arial"/>
+                <a:cs typeface="Times New Roman"/>
+              </a:rPr>
+              <a:t> </a:t>
+            </a:r>
+            <a:r>
+              <a:rPr lang="ru-RU" sz="3600" b="0" i="0" u="none" strike="noStrike" cap="none" spc="0">
+                <a:solidFill>
+                  <a:schemeClr val="bg1"/>
+                </a:solidFill>
+                <a:latin typeface="Times New Roman"/>
+                <a:ea typeface="Arial"/>
+                <a:cs typeface="Times New Roman"/>
+              </a:rPr>
+              <a:t>мм</a:t>
+            </a:r>
+            <a:r>
+              <a:rPr lang="en-US" sz="3600" b="0" i="0" u="none" strike="noStrike" cap="none" spc="0">
+                <a:solidFill>
+                  <a:schemeClr val="bg1"/>
+                </a:solidFill>
+                <a:latin typeface="Times New Roman"/>
+                <a:ea typeface="Arial"/>
+                <a:cs typeface="Times New Roman"/>
+              </a:rPr>
+              <a:t>.</a:t>
+            </a:r>
+            <a:endParaRPr sz="3600">
+              <a:solidFill>
+                <a:schemeClr val="bg1"/>
+              </a:solidFill>
+              <a:latin typeface="Times New Roman"/>
+              <a:cs typeface="Times New Roman"/>
+            </a:endParaRPr>
+          </a:p>
+          <a:p>
+            <a:pPr marL="0" indent="0">
+              <a:buFont typeface="Arial"/>
+              <a:buNone/>
+              <a:defRPr/>
+            </a:pPr>
+            <a:r>
+              <a:rPr lang="ru-RU" sz="3600" b="0" i="0" u="none" strike="noStrike" cap="none" spc="0">
+                <a:solidFill>
+                  <a:schemeClr val="bg1"/>
+                </a:solidFill>
+                <a:latin typeface="Times New Roman"/>
+                <a:ea typeface="Arial"/>
+                <a:cs typeface="Times New Roman"/>
+              </a:rPr>
+              <a:t>Пешка</a:t>
+            </a:r>
+            <a:r>
+              <a:rPr lang="en-US" sz="3600" b="0" i="0" u="none" strike="noStrike" cap="none" spc="0">
+                <a:solidFill>
+                  <a:schemeClr val="bg1"/>
+                </a:solidFill>
+                <a:latin typeface="Times New Roman"/>
+                <a:ea typeface="Arial"/>
+                <a:cs typeface="Times New Roman"/>
+              </a:rPr>
+              <a:t>: </a:t>
+            </a:r>
+            <a:r>
+              <a:rPr lang="ru-RU" sz="3600" b="0" i="0" u="none" strike="noStrike" cap="none" spc="0">
+                <a:solidFill>
+                  <a:schemeClr val="bg1"/>
+                </a:solidFill>
+                <a:latin typeface="Times New Roman"/>
+                <a:ea typeface="Arial"/>
+                <a:cs typeface="Times New Roman"/>
+              </a:rPr>
+              <a:t>26</a:t>
+            </a:r>
+            <a:r>
+              <a:rPr lang="en-US" sz="3600" b="0" i="0" u="none" strike="noStrike" cap="none" spc="0">
+                <a:solidFill>
+                  <a:schemeClr val="bg1"/>
+                </a:solidFill>
+                <a:latin typeface="Times New Roman"/>
+                <a:ea typeface="Arial"/>
+                <a:cs typeface="Times New Roman"/>
+              </a:rPr>
+              <a:t> x </a:t>
+            </a:r>
+            <a:r>
+              <a:rPr lang="ru-RU" sz="3600" b="0" i="0" u="none" strike="noStrike" cap="none" spc="0">
+                <a:solidFill>
+                  <a:schemeClr val="bg1"/>
+                </a:solidFill>
+                <a:latin typeface="Times New Roman"/>
+                <a:ea typeface="Arial"/>
+                <a:cs typeface="Times New Roman"/>
+              </a:rPr>
+              <a:t>26</a:t>
+            </a:r>
+            <a:r>
+              <a:rPr lang="en-US" sz="3600" b="0" i="0" u="none" strike="noStrike" cap="none" spc="0">
+                <a:solidFill>
+                  <a:schemeClr val="bg1"/>
+                </a:solidFill>
+                <a:latin typeface="Times New Roman"/>
+                <a:ea typeface="Arial"/>
+                <a:cs typeface="Times New Roman"/>
+              </a:rPr>
+              <a:t> x 5</a:t>
+            </a:r>
+            <a:r>
+              <a:rPr lang="ru-RU" sz="3600" b="0" i="0" u="none" strike="noStrike" cap="none" spc="0">
+                <a:solidFill>
+                  <a:schemeClr val="bg1"/>
+                </a:solidFill>
+                <a:latin typeface="Times New Roman"/>
+                <a:ea typeface="Arial"/>
+                <a:cs typeface="Times New Roman"/>
+              </a:rPr>
+              <a:t>0</a:t>
+            </a:r>
+            <a:r>
+              <a:rPr lang="en-US" sz="3600" b="0" i="0" u="none" strike="noStrike" cap="none" spc="0">
+                <a:solidFill>
+                  <a:schemeClr val="bg1"/>
+                </a:solidFill>
+                <a:latin typeface="Times New Roman"/>
+                <a:ea typeface="Arial"/>
+                <a:cs typeface="Times New Roman"/>
+              </a:rPr>
+              <a:t> </a:t>
+            </a:r>
+            <a:r>
+              <a:rPr lang="ru-RU" sz="3600" b="0" i="0" u="none" strike="noStrike" cap="none" spc="0">
+                <a:solidFill>
+                  <a:schemeClr val="bg1"/>
+                </a:solidFill>
+                <a:latin typeface="Times New Roman"/>
+                <a:ea typeface="Arial"/>
+                <a:cs typeface="Times New Roman"/>
+              </a:rPr>
+              <a:t>мм</a:t>
+            </a:r>
+            <a:r>
+              <a:rPr lang="en-US" sz="3600" b="0" i="0" u="none" strike="noStrike" cap="none" spc="0">
+                <a:solidFill>
+                  <a:schemeClr val="bg1"/>
+                </a:solidFill>
+                <a:latin typeface="Times New Roman"/>
+                <a:ea typeface="Arial"/>
+                <a:cs typeface="Times New Roman"/>
+              </a:rPr>
+              <a:t>.</a:t>
+            </a:r>
+            <a:endParaRPr sz="3600">
+              <a:solidFill>
+                <a:schemeClr val="bg1"/>
+              </a:solidFill>
+              <a:latin typeface="Times New Roman"/>
+              <a:cs typeface="Times New Roman"/>
+            </a:endParaRPr>
+          </a:p>
+          <a:p>
+            <a:pPr>
+              <a:defRPr/>
+            </a:pPr>
+            <a:endParaRPr/>
+          </a:p>
+        </p:txBody>
+      </p:sp>
+    </p:spTree>
+  </p:cSld>
+  <p:clrMapOvr>
+    <a:masterClrMapping/>
+  </p:clrMapOvr>
+  <mc:AlternateContent xmlns:mc="http://schemas.openxmlformats.org/markup-compatibility/2006">
+    <mc:Choice xmlns:p14="http://schemas.microsoft.com/office/powerpoint/2010/main" Requires="p14">
+      <p:transition p14:dur="2000" advClick="1"/>
+    </mc:Choice>
+    <mc:Fallback>
+      <p:transition advClick="1"/>
+    </mc:Fallback>
+  </mc:AlternateContent>
+  <p:timing>
+    <p:tnLst>
+      <p:par>
+        <p:cTn id="1" dur="indefinite" restart="never" nodeType="tmRoot"/>
+      </p:par>
+    </p:tnLst>
+  </p:timing>
+</p:sld>
+</file>
+
+<file path=ppt/slides/slide4.xml><?xml version="1.0" encoding="utf-8"?>
+<p:sld xmlns:a="http://schemas.openxmlformats.org/drawingml/2006/main" xmlns:r="http://schemas.openxmlformats.org/officeDocument/2006/relationships" xmlns:p="http://schemas.openxmlformats.org/presentationml/2006/main" xmlns:m="http://schemas.openxmlformats.org/officeDocument/2006/math" xmlns:w="http://schemas.openxmlformats.org/wordprocessingml/2006/main" showMasterPhAnim="0" show="1">
+  <p:cSld name="">
+    <p:bg>
+      <p:bgPr shadeToTitle="0">
+        <a:solidFill>
+          <a:schemeClr val="bg1"/>
+        </a:solidFill>
+      </p:bgPr>
+    </p:bg>
+    <p:spTree>
+      <p:nvGrpSpPr>
+        <p:cNvPr id="1" name=""/>
+        <p:cNvGrpSpPr/>
+        <p:nvPr/>
+      </p:nvGrpSpPr>
+      <p:grpSpPr bwMode="auto">
+        <a:xfrm>
+          <a:off x="0" y="0"/>
+          <a:ext cx="0" cy="0"/>
+          <a:chOff x="0" y="0"/>
+          <a:chExt cx="0" cy="0"/>
+        </a:xfrm>
+      </p:grpSpPr>
+      <p:pic>
+        <p:nvPicPr>
+          <p:cNvPr id="591278220" name=""/>
+          <p:cNvPicPr>
+            <a:picLocks noChangeAspect="1"/>
+          </p:cNvPicPr>
+          <p:nvPr/>
+        </p:nvPicPr>
+        <p:blipFill>
+          <a:blip r:embed="rId2"/>
+          <a:stretch/>
+        </p:blipFill>
+        <p:spPr bwMode="auto">
+          <a:xfrm flipH="0" flipV="0">
+            <a:off x="-28086" y="-705501"/>
+            <a:ext cx="12248173" cy="8165449"/>
+          </a:xfrm>
+          <a:prstGeom prst="rect">
+            <a:avLst/>
+          </a:prstGeom>
+        </p:spPr>
+      </p:pic>
+      <p:sp>
+        <p:nvSpPr>
+          <p:cNvPr id="1591266683" name=""/>
+          <p:cNvSpPr/>
+          <p:nvPr/>
+        </p:nvSpPr>
+        <p:spPr bwMode="auto">
+          <a:xfrm flipH="0" flipV="0">
+            <a:off x="-93299" y="-95248"/>
+            <a:ext cx="12630150" cy="7258050"/>
+          </a:xfrm>
+          <a:prstGeom prst="rect">
+            <a:avLst/>
+          </a:prstGeom>
+          <a:solidFill>
+            <a:schemeClr val="tx1">
+              <a:alpha val="10000"/>
+            </a:schemeClr>
+          </a:solidFill>
+        </p:spPr>
+        <p:style>
+          <a:lnRef idx="2">
+            <a:schemeClr val="accent1">
+              <a:shade val="50000"/>
+            </a:schemeClr>
+          </a:lnRef>
+          <a:fillRef idx="1">
+            <a:schemeClr val="accent1"/>
+          </a:fillRef>
+          <a:effectRef idx="0">
+            <a:schemeClr val="accent1"/>
+          </a:effectRef>
+          <a:fontRef idx="minor">
+            <a:schemeClr val="lt1"/>
+          </a:fontRef>
+        </p:style>
+      </p:sp>
       <p:sp>
         <p:nvSpPr>
           <p:cNvPr id="718934941" name="Заголовок 1"/>
@@ -6231,7 +5922,7 @@
         </p:nvSpPr>
         <p:spPr bwMode="auto">
           <a:xfrm>
-            <a:off x="609599" y="2539999"/>
+            <a:off x="38098" y="463548"/>
             <a:ext cx="10972800" cy="3586163"/>
           </a:xfrm>
         </p:spPr>
@@ -6245,12 +5936,9 @@
               <a:defRPr/>
             </a:pPr>
             <a:r>
-              <a:rPr>
-                <a:solidFill>
-                  <a:schemeClr val="tx1">
-                    <a:lumMod val="75000"/>
-                    <a:lumOff val="25000"/>
-                  </a:schemeClr>
+              <a:rPr sz="4800">
+                <a:solidFill>
+                  <a:schemeClr val="bg1"/>
                 </a:solidFill>
                 <a:latin typeface="Times New Roman"/>
                 <a:cs typeface="Times New Roman"/>
@@ -6258,193 +5946,35 @@
               <a:t>Типы использованных объектов</a:t>
             </a:r>
             <a:r>
-              <a:rPr lang="en-US">
-                <a:solidFill>
-                  <a:schemeClr val="tx1">
-                    <a:lumMod val="75000"/>
-                    <a:lumOff val="25000"/>
-                  </a:schemeClr>
+              <a:rPr lang="en-US" sz="4800">
+                <a:solidFill>
+                  <a:schemeClr val="bg1"/>
                 </a:solidFill>
                 <a:latin typeface="Times New Roman"/>
                 <a:cs typeface="Times New Roman"/>
               </a:rPr>
               <a:t>:</a:t>
             </a:r>
-            <a:endParaRPr>
+            <a:endParaRPr sz="4800">
               <a:solidFill>
-                <a:schemeClr val="tx1">
-                  <a:lumMod val="75000"/>
-                  <a:lumOff val="25000"/>
-                </a:schemeClr>
+                <a:schemeClr val="bg1"/>
               </a:solidFill>
               <a:latin typeface="Times New Roman"/>
               <a:cs typeface="Times New Roman"/>
             </a:endParaRPr>
           </a:p>
-          <a:p>
-            <a:pPr>
-              <a:defRPr/>
-            </a:pPr>
-            <a:r>
-              <a:rPr lang="ru-RU">
-                <a:solidFill>
-                  <a:schemeClr val="tx1">
-                    <a:lumMod val="75000"/>
-                    <a:lumOff val="25000"/>
-                  </a:schemeClr>
-                </a:solidFill>
-                <a:latin typeface="Times New Roman"/>
-                <a:cs typeface="Times New Roman"/>
-              </a:rPr>
-              <a:t>Параллелепипед</a:t>
-            </a:r>
-            <a:endParaRPr>
-              <a:solidFill>
-                <a:schemeClr val="tx1">
-                  <a:lumMod val="75000"/>
-                  <a:lumOff val="25000"/>
-                </a:schemeClr>
-              </a:solidFill>
-              <a:latin typeface="Times New Roman"/>
-              <a:cs typeface="Times New Roman"/>
-            </a:endParaRPr>
-          </a:p>
-          <a:p>
-            <a:pPr>
-              <a:defRPr/>
-            </a:pPr>
-            <a:r>
-              <a:rPr lang="ru-RU">
-                <a:solidFill>
-                  <a:schemeClr val="tx1">
-                    <a:lumMod val="75000"/>
-                    <a:lumOff val="25000"/>
-                  </a:schemeClr>
-                </a:solidFill>
-                <a:latin typeface="Times New Roman"/>
-                <a:cs typeface="Times New Roman"/>
-              </a:rPr>
-              <a:t>Цилиндр</a:t>
-            </a:r>
-            <a:endParaRPr>
-              <a:solidFill>
-                <a:schemeClr val="tx1">
-                  <a:lumMod val="75000"/>
-                  <a:lumOff val="25000"/>
-                </a:schemeClr>
-              </a:solidFill>
-              <a:latin typeface="Times New Roman"/>
-              <a:cs typeface="Times New Roman"/>
-            </a:endParaRPr>
-          </a:p>
-          <a:p>
-            <a:pPr>
-              <a:defRPr/>
-            </a:pPr>
-            <a:r>
-              <a:rPr lang="ru-RU">
-                <a:solidFill>
-                  <a:schemeClr val="tx1">
-                    <a:lumMod val="75000"/>
-                    <a:lumOff val="25000"/>
-                  </a:schemeClr>
-                </a:solidFill>
-                <a:latin typeface="Times New Roman"/>
-                <a:cs typeface="Times New Roman"/>
-              </a:rPr>
-              <a:t>Сфера</a:t>
-            </a:r>
-            <a:endParaRPr>
-              <a:solidFill>
-                <a:schemeClr val="tx1">
-                  <a:lumMod val="75000"/>
-                  <a:lumOff val="25000"/>
-                </a:schemeClr>
-              </a:solidFill>
-              <a:latin typeface="Times New Roman"/>
-              <a:cs typeface="Times New Roman"/>
-            </a:endParaRPr>
-          </a:p>
-          <a:p>
-            <a:pPr>
-              <a:defRPr/>
-            </a:pPr>
-            <a:r>
-              <a:rPr lang="ru-RU">
-                <a:solidFill>
-                  <a:schemeClr val="tx1">
-                    <a:lumMod val="75000"/>
-                    <a:lumOff val="25000"/>
-                  </a:schemeClr>
-                </a:solidFill>
-                <a:latin typeface="Times New Roman"/>
-                <a:cs typeface="Times New Roman"/>
-              </a:rPr>
-              <a:t>Крыша</a:t>
-            </a:r>
-            <a:endParaRPr>
-              <a:solidFill>
-                <a:schemeClr val="tx1">
-                  <a:lumMod val="75000"/>
-                  <a:lumOff val="25000"/>
-                </a:schemeClr>
-              </a:solidFill>
-              <a:latin typeface="Times New Roman"/>
-              <a:cs typeface="Times New Roman"/>
-            </a:endParaRPr>
-          </a:p>
-          <a:p>
-            <a:pPr>
-              <a:defRPr/>
-            </a:pPr>
-            <a:r>
-              <a:rPr lang="ru-RU">
-                <a:solidFill>
-                  <a:schemeClr val="tx1">
-                    <a:lumMod val="75000"/>
-                    <a:lumOff val="25000"/>
-                  </a:schemeClr>
-                </a:solidFill>
-                <a:latin typeface="Times New Roman"/>
-                <a:cs typeface="Times New Roman"/>
-              </a:rPr>
-              <a:t>Конус</a:t>
-            </a:r>
-            <a:endParaRPr>
-              <a:solidFill>
-                <a:schemeClr val="tx1">
-                  <a:lumMod val="75000"/>
-                  <a:lumOff val="25000"/>
-                </a:schemeClr>
-              </a:solidFill>
-              <a:latin typeface="Times New Roman"/>
-              <a:cs typeface="Times New Roman"/>
-            </a:endParaRPr>
-          </a:p>
-          <a:p>
-            <a:pPr marL="0" indent="0">
-              <a:buFont typeface="Arial"/>
-              <a:buNone/>
-              <a:defRPr/>
-            </a:pPr>
-            <a:endParaRPr>
-              <a:solidFill>
-                <a:schemeClr val="tx1"/>
-              </a:solidFill>
-            </a:endParaRPr>
-          </a:p>
-        </p:txBody>
-      </p:sp>
-      <p:sp>
-        <p:nvSpPr>
-          <p:cNvPr id="2070367433" name="TextBox 2070367432"/>
+        </p:txBody>
+      </p:sp>
+      <p:sp>
+        <p:nvSpPr>
+          <p:cNvPr id="838282545" name=""/>
           <p:cNvSpPr txBox="1"/>
           <p:nvPr/>
         </p:nvSpPr>
         <p:spPr bwMode="auto">
-          <a:xfrm>
-            <a:off x="609599" y="1336145"/>
-            <a:ext cx="10973159" cy="1554516"/>
+          <a:xfrm flipH="0" flipV="0">
+            <a:off x="611549" y="2495214"/>
+            <a:ext cx="7829694" cy="3108995"/>
           </a:xfrm>
           <a:prstGeom prst="rect">
             <a:avLst/>
@@ -6452,35 +5982,30 @@
           <a:noFill/>
         </p:spPr>
         <p:txBody>
-          <a:bodyPr vertOverflow="overflow" horzOverflow="overflow" vert="horz" wrap="square" lIns="91440" tIns="45720" rIns="91440" bIns="45720" numCol="1" spcCol="0" rtlCol="0" fromWordArt="0" anchor="t" anchorCtr="0" forceAA="0" compatLnSpc="0">
+          <a:bodyPr vertOverflow="overflow" horzOverflow="overflow" vert="horz" wrap="square" lIns="91440" tIns="45720" rIns="91440" bIns="45720" numCol="1" spcCol="0" rtlCol="0" fromWordArt="0" anchor="t" anchorCtr="0" forceAA="0" upright="0" compatLnSpc="0">
             <a:spAutoFit/>
           </a:bodyPr>
-          <a:lstStyle/>
-          <a:p>
-            <a:pPr marL="0" indent="0">
-              <a:buFont typeface="Arial"/>
-              <a:buNone/>
-              <a:defRPr/>
-            </a:pPr>
-            <a:r>
-              <a:rPr lang="ru-RU" sz="3200" b="0" i="0" u="none" strike="noStrike" cap="none" spc="0">
-                <a:solidFill>
-                  <a:schemeClr val="tx1">
+          <a:p>
+            <a:pPr>
+              <a:defRPr/>
+            </a:pPr>
+            <a:r>
+              <a:rPr lang="ru-RU" sz="3600" b="0" i="0" u="none" strike="noStrike" cap="none" spc="0">
+                <a:solidFill>
+                  <a:schemeClr val="bg1">
                     <a:lumMod val="85000"/>
-                    <a:lumOff val="15000"/>
                   </a:schemeClr>
                 </a:solidFill>
                 <a:latin typeface="Times New Roman"/>
-                <a:ea typeface="+mn-ea"/>
-                <a:cs typeface="Times New Roman"/>
-              </a:rPr>
-              <a:t>Всего использовано 63 объекта, но это количество можно изменить параметрами.</a:t>
-            </a:r>
-            <a:endParaRPr sz="3200">
+                <a:ea typeface="Times New Roman"/>
+                <a:cs typeface="Times New Roman"/>
+              </a:rPr>
+              <a:t>Параллелепипед</a:t>
+            </a:r>
+            <a:endParaRPr sz="3600">
               <a:solidFill>
-                <a:schemeClr val="tx1">
+                <a:schemeClr val="bg1">
                   <a:lumMod val="85000"/>
-                  <a:lumOff val="15000"/>
                 </a:schemeClr>
               </a:solidFill>
               <a:latin typeface="Times New Roman"/>
@@ -6491,7 +6016,115 @@
             <a:pPr>
               <a:defRPr/>
             </a:pPr>
-            <a:endParaRPr sz="3200"/>
+            <a:r>
+              <a:rPr lang="ru-RU" sz="3600" b="0" i="0" u="none" strike="noStrike" cap="none" spc="0">
+                <a:solidFill>
+                  <a:schemeClr val="bg1">
+                    <a:lumMod val="85000"/>
+                  </a:schemeClr>
+                </a:solidFill>
+                <a:latin typeface="Times New Roman"/>
+                <a:ea typeface="Times New Roman"/>
+                <a:cs typeface="Times New Roman"/>
+              </a:rPr>
+              <a:t>Цилиндр</a:t>
+            </a:r>
+            <a:endParaRPr sz="3600">
+              <a:solidFill>
+                <a:schemeClr val="bg1">
+                  <a:lumMod val="85000"/>
+                </a:schemeClr>
+              </a:solidFill>
+              <a:latin typeface="Times New Roman"/>
+              <a:cs typeface="Times New Roman"/>
+            </a:endParaRPr>
+          </a:p>
+          <a:p>
+            <a:pPr>
+              <a:defRPr/>
+            </a:pPr>
+            <a:r>
+              <a:rPr lang="ru-RU" sz="3600" b="0" i="0" u="none" strike="noStrike" cap="none" spc="0">
+                <a:solidFill>
+                  <a:schemeClr val="bg1">
+                    <a:lumMod val="85000"/>
+                  </a:schemeClr>
+                </a:solidFill>
+                <a:latin typeface="Times New Roman"/>
+                <a:ea typeface="Times New Roman"/>
+                <a:cs typeface="Times New Roman"/>
+              </a:rPr>
+              <a:t>Сфера</a:t>
+            </a:r>
+            <a:endParaRPr sz="3600">
+              <a:solidFill>
+                <a:schemeClr val="bg1">
+                  <a:lumMod val="85000"/>
+                </a:schemeClr>
+              </a:solidFill>
+              <a:latin typeface="Times New Roman"/>
+              <a:cs typeface="Times New Roman"/>
+            </a:endParaRPr>
+          </a:p>
+          <a:p>
+            <a:pPr>
+              <a:defRPr/>
+            </a:pPr>
+            <a:r>
+              <a:rPr lang="ru-RU" sz="3600" b="0" i="0" u="none" strike="noStrike" cap="none" spc="0">
+                <a:solidFill>
+                  <a:schemeClr val="bg1">
+                    <a:lumMod val="85000"/>
+                  </a:schemeClr>
+                </a:solidFill>
+                <a:latin typeface="Times New Roman"/>
+                <a:ea typeface="Times New Roman"/>
+                <a:cs typeface="Times New Roman"/>
+              </a:rPr>
+              <a:t>Крыша</a:t>
+            </a:r>
+            <a:endParaRPr sz="3600">
+              <a:solidFill>
+                <a:schemeClr val="bg1">
+                  <a:lumMod val="85000"/>
+                </a:schemeClr>
+              </a:solidFill>
+              <a:latin typeface="Times New Roman"/>
+              <a:cs typeface="Times New Roman"/>
+            </a:endParaRPr>
+          </a:p>
+          <a:p>
+            <a:pPr>
+              <a:defRPr/>
+            </a:pPr>
+            <a:r>
+              <a:rPr lang="ru-RU" sz="3600" b="0" i="0" u="none" strike="noStrike" cap="none" spc="0">
+                <a:solidFill>
+                  <a:schemeClr val="bg1">
+                    <a:lumMod val="85000"/>
+                  </a:schemeClr>
+                </a:solidFill>
+                <a:latin typeface="Times New Roman"/>
+                <a:ea typeface="Times New Roman"/>
+                <a:cs typeface="Times New Roman"/>
+              </a:rPr>
+              <a:t>Конус</a:t>
+            </a:r>
+            <a:endParaRPr sz="3600">
+              <a:solidFill>
+                <a:schemeClr val="bg1">
+                  <a:lumMod val="85000"/>
+                </a:schemeClr>
+              </a:solidFill>
+              <a:latin typeface="Times New Roman"/>
+              <a:cs typeface="Times New Roman"/>
+            </a:endParaRPr>
+          </a:p>
+          <a:p>
+            <a:pPr>
+              <a:defRPr/>
+            </a:pPr>
+            <a:endParaRPr/>
           </a:p>
         </p:txBody>
       </p:sp>
@@ -6500,11 +6133,11 @@
   <p:clrMapOvr>
     <a:masterClrMapping/>
   </p:clrMapOvr>
-  <mc:AlternateContent xmlns:mc="http://schemas.openxmlformats.org/markup-compatibility/2006" xmlns:p14="http://schemas.microsoft.com/office/powerpoint/2010/main">
-    <mc:Choice Requires="p14">
-      <p:transition spd="slow" p14:dur="2000"/>
+  <mc:AlternateContent xmlns:mc="http://schemas.openxmlformats.org/markup-compatibility/2006">
+    <mc:Choice xmlns:p14="http://schemas.microsoft.com/office/powerpoint/2010/main" Requires="p14">
+      <p:transition p14:dur="2000" advClick="1"/>
     </mc:Choice>
-    <mc:Fallback xmlns:w="http://schemas.openxmlformats.org/wordprocessingml/2006/main" xmlns:m="http://schemas.openxmlformats.org/officeDocument/2006/math" xmlns="">
+    <mc:Fallback>
       <p:transition advClick="1"/>
     </mc:Fallback>
   </mc:AlternateContent>
@@ -6519,8 +6152,8 @@
 </file>
 
 <file path=ppt/slides/slide5.xml><?xml version="1.0" encoding="utf-8"?>
-<p:sld xmlns:a="http://schemas.openxmlformats.org/drawingml/2006/main" xmlns:r="http://schemas.openxmlformats.org/officeDocument/2006/relationships" xmlns:p="http://schemas.openxmlformats.org/presentationml/2006/main" showMasterPhAnim="0">
-  <p:cSld>
+<p:sld xmlns:a="http://schemas.openxmlformats.org/drawingml/2006/main" xmlns:r="http://schemas.openxmlformats.org/officeDocument/2006/relationships" xmlns:p="http://schemas.openxmlformats.org/presentationml/2006/main" xmlns:m="http://schemas.openxmlformats.org/officeDocument/2006/math" xmlns:w="http://schemas.openxmlformats.org/wordprocessingml/2006/main" showMasterPhAnim="0" show="1">
+  <p:cSld name="">
     <p:spTree>
       <p:nvGrpSpPr>
         <p:cNvPr id="1" name=""/>
@@ -6683,8 +6316,8 @@
         </p:nvSpPr>
         <p:spPr bwMode="auto">
           <a:xfrm>
-            <a:off x="609599" y="1600201"/>
-            <a:ext cx="10973447" cy="1554516"/>
+            <a:off x="609598" y="1600200"/>
+            <a:ext cx="10973626" cy="1554516"/>
           </a:xfrm>
           <a:prstGeom prst="rect">
             <a:avLst/>
@@ -6745,11 +6378,11 @@
   <p:clrMapOvr>
     <a:masterClrMapping/>
   </p:clrMapOvr>
-  <mc:AlternateContent xmlns:mc="http://schemas.openxmlformats.org/markup-compatibility/2006" xmlns:p14="http://schemas.microsoft.com/office/powerpoint/2010/main">
-    <mc:Choice Requires="p14">
-      <p:transition spd="slow" p14:dur="2000"/>
+  <mc:AlternateContent xmlns:mc="http://schemas.openxmlformats.org/markup-compatibility/2006">
+    <mc:Choice xmlns:p14="http://schemas.microsoft.com/office/powerpoint/2010/main" Requires="p14">
+      <p:transition p14:dur="2000" advClick="1"/>
     </mc:Choice>
-    <mc:Fallback xmlns:w="http://schemas.openxmlformats.org/wordprocessingml/2006/main" xmlns:m="http://schemas.openxmlformats.org/officeDocument/2006/math" xmlns="">
+    <mc:Fallback>
       <p:transition advClick="1"/>
     </mc:Fallback>
   </mc:AlternateContent>
@@ -6764,8 +6397,8 @@
 </file>
 
 <file path=ppt/slides/slide6.xml><?xml version="1.0" encoding="utf-8"?>
-<p:sld xmlns:a="http://schemas.openxmlformats.org/drawingml/2006/main" xmlns:r="http://schemas.openxmlformats.org/officeDocument/2006/relationships" xmlns:p="http://schemas.openxmlformats.org/presentationml/2006/main" showMasterPhAnim="0">
-  <p:cSld>
+<p:sld xmlns:a="http://schemas.openxmlformats.org/drawingml/2006/main" xmlns:r="http://schemas.openxmlformats.org/officeDocument/2006/relationships" xmlns:p="http://schemas.openxmlformats.org/presentationml/2006/main" xmlns:m="http://schemas.openxmlformats.org/officeDocument/2006/math" xmlns:w="http://schemas.openxmlformats.org/wordprocessingml/2006/main" showMasterPhAnim="0" show="1">
+  <p:cSld name="">
     <p:spTree>
       <p:nvGrpSpPr>
         <p:cNvPr id="1" name=""/>
@@ -6919,8 +6552,8 @@
         </p:nvSpPr>
         <p:spPr bwMode="auto">
           <a:xfrm>
-            <a:off x="609895" y="1296458"/>
-            <a:ext cx="11033232" cy="1554516"/>
+            <a:off x="609894" y="1296457"/>
+            <a:ext cx="11033411" cy="1554516"/>
           </a:xfrm>
           <a:prstGeom prst="rect">
             <a:avLst/>
@@ -6990,11 +6623,11 @@
   <p:clrMapOvr>
     <a:masterClrMapping/>
   </p:clrMapOvr>
-  <mc:AlternateContent xmlns:mc="http://schemas.openxmlformats.org/markup-compatibility/2006" xmlns:p14="http://schemas.microsoft.com/office/powerpoint/2010/main">
-    <mc:Choice Requires="p14">
-      <p:transition spd="slow" p14:dur="2000"/>
+  <mc:AlternateContent xmlns:mc="http://schemas.openxmlformats.org/markup-compatibility/2006">
+    <mc:Choice xmlns:p14="http://schemas.microsoft.com/office/powerpoint/2010/main" Requires="p14">
+      <p:transition p14:dur="2000" advClick="1"/>
     </mc:Choice>
-    <mc:Fallback xmlns:w="http://schemas.openxmlformats.org/wordprocessingml/2006/main" xmlns:m="http://schemas.openxmlformats.org/officeDocument/2006/math" xmlns="">
+    <mc:Fallback>
       <p:transition advClick="1"/>
     </mc:Fallback>
   </mc:AlternateContent>
@@ -7009,8 +6642,8 @@
 </file>
 
 <file path=ppt/slides/slide7.xml><?xml version="1.0" encoding="utf-8"?>
-<p:sld xmlns:a="http://schemas.openxmlformats.org/drawingml/2006/main" xmlns:r="http://schemas.openxmlformats.org/officeDocument/2006/relationships" xmlns:p="http://schemas.openxmlformats.org/presentationml/2006/main" showMasterPhAnim="0">
-  <p:cSld>
+<p:sld xmlns:a="http://schemas.openxmlformats.org/drawingml/2006/main" xmlns:r="http://schemas.openxmlformats.org/officeDocument/2006/relationships" xmlns:p="http://schemas.openxmlformats.org/presentationml/2006/main" xmlns:m="http://schemas.openxmlformats.org/officeDocument/2006/math" xmlns:w="http://schemas.openxmlformats.org/wordprocessingml/2006/main" showMasterPhAnim="0" show="1">
+  <p:cSld name="">
     <p:spTree>
       <p:nvGrpSpPr>
         <p:cNvPr id="1" name=""/>
@@ -7198,8 +6831,8 @@
         </p:nvSpPr>
         <p:spPr bwMode="auto">
           <a:xfrm>
-            <a:off x="625739" y="1336145"/>
-            <a:ext cx="10940520" cy="365795"/>
+            <a:off x="625738" y="1336144"/>
+            <a:ext cx="10940699" cy="365795"/>
           </a:xfrm>
           <a:prstGeom prst="rect">
             <a:avLst/>
@@ -7227,8 +6860,8 @@
         </p:nvSpPr>
         <p:spPr bwMode="auto">
           <a:xfrm>
-            <a:off x="609599" y="1199003"/>
-            <a:ext cx="10956840" cy="1341155"/>
+            <a:off x="609598" y="1199002"/>
+            <a:ext cx="10957019" cy="1341155"/>
           </a:xfrm>
           <a:prstGeom prst="rect">
             <a:avLst/>
@@ -7284,11 +6917,11 @@
   <p:clrMapOvr>
     <a:masterClrMapping/>
   </p:clrMapOvr>
-  <mc:AlternateContent xmlns:mc="http://schemas.openxmlformats.org/markup-compatibility/2006" xmlns:p14="http://schemas.microsoft.com/office/powerpoint/2010/main">
-    <mc:Choice Requires="p14">
-      <p:transition spd="slow" p14:dur="2000"/>
+  <mc:AlternateContent xmlns:mc="http://schemas.openxmlformats.org/markup-compatibility/2006">
+    <mc:Choice xmlns:p14="http://schemas.microsoft.com/office/powerpoint/2010/main" Requires="p14">
+      <p:transition p14:dur="2000" advClick="1"/>
     </mc:Choice>
-    <mc:Fallback xmlns:w="http://schemas.openxmlformats.org/wordprocessingml/2006/main" xmlns:m="http://schemas.openxmlformats.org/officeDocument/2006/math" xmlns="">
+    <mc:Fallback>
       <p:transition advClick="1"/>
     </mc:Fallback>
   </mc:AlternateContent>
@@ -7303,8 +6936,8 @@
 </file>
 
 <file path=ppt/slides/slide8.xml><?xml version="1.0" encoding="utf-8"?>
-<p:sld xmlns:a="http://schemas.openxmlformats.org/drawingml/2006/main" xmlns:r="http://schemas.openxmlformats.org/officeDocument/2006/relationships" xmlns:p="http://schemas.openxmlformats.org/presentationml/2006/main" showMasterPhAnim="0">
-  <p:cSld>
+<p:sld xmlns:a="http://schemas.openxmlformats.org/drawingml/2006/main" xmlns:r="http://schemas.openxmlformats.org/officeDocument/2006/relationships" xmlns:p="http://schemas.openxmlformats.org/presentationml/2006/main" xmlns:m="http://schemas.openxmlformats.org/officeDocument/2006/math" xmlns:w="http://schemas.openxmlformats.org/wordprocessingml/2006/main" showMasterPhAnim="0" show="1">
+  <p:cSld name="">
     <p:spTree>
       <p:nvGrpSpPr>
         <p:cNvPr id="1" name=""/>
@@ -7533,11 +7166,11 @@
   <p:clrMapOvr>
     <a:masterClrMapping/>
   </p:clrMapOvr>
-  <mc:AlternateContent xmlns:mc="http://schemas.openxmlformats.org/markup-compatibility/2006" xmlns:p14="http://schemas.microsoft.com/office/powerpoint/2010/main">
-    <mc:Choice Requires="p14">
-      <p:transition spd="slow" p14:dur="2000"/>
+  <mc:AlternateContent xmlns:mc="http://schemas.openxmlformats.org/markup-compatibility/2006">
+    <mc:Choice xmlns:p14="http://schemas.microsoft.com/office/powerpoint/2010/main" Requires="p14">
+      <p:transition p14:dur="2000" advClick="1"/>
     </mc:Choice>
-    <mc:Fallback xmlns:w="http://schemas.openxmlformats.org/wordprocessingml/2006/main" xmlns:m="http://schemas.openxmlformats.org/officeDocument/2006/math" xmlns="">
+    <mc:Fallback>
       <p:transition advClick="1"/>
     </mc:Fallback>
   </mc:AlternateContent>
@@ -7552,8 +7185,8 @@
 </file>
 
 <file path=ppt/slides/slide9.xml><?xml version="1.0" encoding="utf-8"?>
-<p:sld xmlns:a="http://schemas.openxmlformats.org/drawingml/2006/main" xmlns:r="http://schemas.openxmlformats.org/officeDocument/2006/relationships" xmlns:p="http://schemas.openxmlformats.org/presentationml/2006/main" showMasterPhAnim="0">
-  <p:cSld>
+<p:sld xmlns:a="http://schemas.openxmlformats.org/drawingml/2006/main" xmlns:r="http://schemas.openxmlformats.org/officeDocument/2006/relationships" xmlns:p="http://schemas.openxmlformats.org/presentationml/2006/main" xmlns:m="http://schemas.openxmlformats.org/officeDocument/2006/math" xmlns:w="http://schemas.openxmlformats.org/wordprocessingml/2006/main" showMasterPhAnim="0" show="1">
+  <p:cSld name="">
     <p:spTree>
       <p:nvGrpSpPr>
         <p:cNvPr id="1" name=""/>
@@ -7587,36 +7220,36 @@
               <a:defRPr/>
             </a:pPr>
             <a:r>
-              <a:rPr dirty="0" err="1">
-                <a:latin typeface="Times New Roman" panose="02020603050405020304" pitchFamily="18" charset="0"/>
-                <a:cs typeface="Times New Roman" panose="02020603050405020304" pitchFamily="18" charset="0"/>
+              <a:rPr>
+                <a:latin typeface="Times New Roman"/>
+                <a:cs typeface="Times New Roman"/>
               </a:rPr>
               <a:t>Назначения</a:t>
             </a:r>
             <a:r>
-              <a:rPr dirty="0">
-                <a:latin typeface="Times New Roman" panose="02020603050405020304" pitchFamily="18" charset="0"/>
-                <a:cs typeface="Times New Roman" panose="02020603050405020304" pitchFamily="18" charset="0"/>
+              <a:rPr>
+                <a:latin typeface="Times New Roman"/>
+                <a:cs typeface="Times New Roman"/>
               </a:rPr>
               <a:t> </a:t>
             </a:r>
             <a:r>
-              <a:rPr dirty="0" err="1">
-                <a:latin typeface="Times New Roman" panose="02020603050405020304" pitchFamily="18" charset="0"/>
-                <a:cs typeface="Times New Roman" panose="02020603050405020304" pitchFamily="18" charset="0"/>
+              <a:rPr>
+                <a:latin typeface="Times New Roman"/>
+                <a:cs typeface="Times New Roman"/>
               </a:rPr>
               <a:t>переменных</a:t>
             </a:r>
             <a:r>
-              <a:rPr lang="en-US" dirty="0">
-                <a:latin typeface="Times New Roman" panose="02020603050405020304" pitchFamily="18" charset="0"/>
-                <a:cs typeface="Times New Roman" panose="02020603050405020304" pitchFamily="18" charset="0"/>
+              <a:rPr lang="en-US">
+                <a:latin typeface="Times New Roman"/>
+                <a:cs typeface="Times New Roman"/>
               </a:rPr>
               <a:t>:</a:t>
             </a:r>
-            <a:endParaRPr dirty="0">
-              <a:latin typeface="Times New Roman" panose="02020603050405020304" pitchFamily="18" charset="0"/>
-              <a:cs typeface="Times New Roman" panose="02020603050405020304" pitchFamily="18" charset="0"/>
+            <a:endParaRPr>
+              <a:latin typeface="Times New Roman"/>
+              <a:cs typeface="Times New Roman"/>
             </a:endParaRPr>
           </a:p>
         </p:txBody>
@@ -7975,11 +7608,11 @@
   <p:clrMapOvr>
     <a:masterClrMapping/>
   </p:clrMapOvr>
-  <mc:AlternateContent xmlns:mc="http://schemas.openxmlformats.org/markup-compatibility/2006" xmlns:p14="http://schemas.microsoft.com/office/powerpoint/2010/main">
-    <mc:Choice Requires="p14">
-      <p:transition spd="slow" p14:dur="2000"/>
+  <mc:AlternateContent xmlns:mc="http://schemas.openxmlformats.org/markup-compatibility/2006">
+    <mc:Choice xmlns:p14="http://schemas.microsoft.com/office/powerpoint/2010/main" Requires="p14">
+      <p:transition p14:dur="2000" advClick="1"/>
     </mc:Choice>
-    <mc:Fallback xmlns:w="http://schemas.openxmlformats.org/wordprocessingml/2006/main" xmlns:m="http://schemas.openxmlformats.org/officeDocument/2006/math" xmlns="">
+    <mc:Fallback>
       <p:transition advClick="1"/>
     </mc:Fallback>
   </mc:AlternateContent>
@@ -7994,9 +7627,9 @@
 </file>
 
 <file path=ppt/theme/theme1.xml><?xml version="1.0" encoding="utf-8"?>
-<a:theme xmlns:a="http://schemas.openxmlformats.org/drawingml/2006/main" name="Turtle">
+<a:theme xmlns:a="http://schemas.openxmlformats.org/drawingml/2006/main" xmlns:r="http://schemas.openxmlformats.org/officeDocument/2006/relationships" xmlns:p="http://schemas.openxmlformats.org/presentationml/2006/main" name="Blank">
   <a:themeElements>
-    <a:clrScheme name="Office">
+    <a:clrScheme name="Office Theme">
       <a:dk1>
         <a:sysClr val="windowText" lastClr="000000"/>
       </a:dk1>
@@ -8004,37 +7637,37 @@
         <a:sysClr val="window" lastClr="FFFFFF"/>
       </a:lt1>
       <a:dk2>
-        <a:srgbClr val="1F497D"/>
+        <a:srgbClr val="44546A"/>
       </a:dk2>
       <a:lt2>
-        <a:srgbClr val="EEECE1"/>
+        <a:srgbClr val="E7E6E6"/>
       </a:lt2>
       <a:accent1>
-        <a:srgbClr val="4F81BD"/>
+        <a:srgbClr val="5B9BD5"/>
       </a:accent1>
       <a:accent2>
-        <a:srgbClr val="C0504D"/>
+        <a:srgbClr val="ED7D31"/>
       </a:accent2>
       <a:accent3>
-        <a:srgbClr val="9BBB59"/>
+        <a:srgbClr val="A5A5A5"/>
       </a:accent3>
       <a:accent4>
-        <a:srgbClr val="8064A2"/>
+        <a:srgbClr val="FFC000"/>
       </a:accent4>
       <a:accent5>
-        <a:srgbClr val="4BACC6"/>
+        <a:srgbClr val="4472C4"/>
       </a:accent5>
       <a:accent6>
-        <a:srgbClr val="F79646"/>
+        <a:srgbClr val="70AD47"/>
       </a:accent6>
       <a:hlink>
-        <a:srgbClr val="0000FF"/>
+        <a:srgbClr val="0563C1"/>
       </a:hlink>
       <a:folHlink>
-        <a:srgbClr val="800080"/>
+        <a:srgbClr val="954F72"/>
       </a:folHlink>
     </a:clrScheme>
-    <a:fontScheme name="Классическая 2">
+    <a:fontScheme name="Office Theme">
       <a:majorFont>
         <a:latin typeface="Arial"/>
         <a:ea typeface="Arial"/>
@@ -8046,7 +7679,7 @@
         <a:cs typeface="Arial"/>
       </a:minorFont>
     </a:fontScheme>
-    <a:fmtScheme name="Стандартная">
+    <a:fmtScheme name="Office Theme">
       <a:fillStyleLst>
         <a:solidFill>
           <a:schemeClr val="phClr"/>
@@ -8055,70 +7688,76 @@
           <a:gsLst>
             <a:gs pos="0">
               <a:schemeClr val="phClr">
-                <a:tint val="50000"/>
-                <a:satMod val="300000"/>
+                <a:lumMod val="110000"/>
+                <a:satMod val="105000"/>
+                <a:tint val="67000"/>
               </a:schemeClr>
             </a:gs>
-            <a:gs pos="35000">
+            <a:gs pos="50000">
               <a:schemeClr val="phClr">
-                <a:tint val="37000"/>
-                <a:satMod val="300000"/>
+                <a:lumMod val="105000"/>
+                <a:satMod val="103000"/>
+                <a:tint val="73000"/>
               </a:schemeClr>
             </a:gs>
             <a:gs pos="100000">
               <a:schemeClr val="phClr">
-                <a:tint val="15000"/>
-                <a:satMod val="350000"/>
+                <a:lumMod val="105000"/>
+                <a:satMod val="109000"/>
+                <a:tint val="81000"/>
               </a:schemeClr>
             </a:gs>
           </a:gsLst>
-          <a:lin ang="16200000" scaled="1"/>
+          <a:lin ang="5400000" scaled="0"/>
         </a:gradFill>
         <a:gradFill>
           <a:gsLst>
             <a:gs pos="0">
               <a:schemeClr val="phClr">
-                <a:shade val="51000"/>
-                <a:satMod val="130000"/>
+                <a:satMod val="103000"/>
+                <a:lumMod val="102000"/>
+                <a:tint val="94000"/>
               </a:schemeClr>
             </a:gs>
-            <a:gs pos="80000">
+            <a:gs pos="50000">
               <a:schemeClr val="phClr">
-                <a:shade val="93000"/>
-                <a:satMod val="130000"/>
+                <a:satMod val="110000"/>
+                <a:lumMod val="100000"/>
+                <a:shade val="100000"/>
               </a:schemeClr>
             </a:gs>
             <a:gs pos="100000">
               <a:schemeClr val="phClr">
-                <a:shade val="94000"/>
-                <a:satMod val="135000"/>
+                <a:lumMod val="99000"/>
+                <a:satMod val="120000"/>
+                <a:shade val="78000"/>
               </a:schemeClr>
             </a:gs>
           </a:gsLst>
-          <a:lin ang="16200000" scaled="0"/>
+          <a:lin ang="5400000" scaled="0"/>
         </a:gradFill>
       </a:fillStyleLst>
       <a:lnStyleLst>
-        <a:ln w="9525" cap="flat" cmpd="sng" algn="ctr">
-          <a:solidFill>
-            <a:schemeClr val="phClr">
-              <a:shade val="95000"/>
-              <a:satMod val="105000"/>
-            </a:schemeClr>
-          </a:solidFill>
-          <a:prstDash val="solid"/>
-        </a:ln>
-        <a:ln w="25400" cap="flat" cmpd="sng" algn="ctr">
+        <a:ln w="6350" cap="flat" cmpd="sng" algn="ctr">
           <a:solidFill>
             <a:schemeClr val="phClr"/>
           </a:solidFill>
           <a:prstDash val="solid"/>
+          <a:miter lim="800000"/>
         </a:ln>
-        <a:ln w="38100" cap="flat" cmpd="sng" algn="ctr">
+        <a:ln w="12700" cap="flat" cmpd="sng" algn="ctr">
           <a:solidFill>
             <a:schemeClr val="phClr"/>
           </a:solidFill>
           <a:prstDash val="solid"/>
+          <a:miter lim="800000"/>
+        </a:ln>
+        <a:ln w="19050" cap="flat" cmpd="sng" algn="ctr">
+          <a:solidFill>
+            <a:schemeClr val="phClr"/>
+          </a:solidFill>
+          <a:prstDash val="solid"/>
+          <a:miter lim="800000"/>
         </a:ln>
       </a:lnStyleLst>
       <a:effectStyleLst>
@@ -8154,51 +7793,42 @@
         <a:solidFill>
           <a:schemeClr val="phClr"/>
         </a:solidFill>
+        <a:solidFill>
+          <a:schemeClr val="phClr">
+            <a:tint val="95000"/>
+            <a:satMod val="170000"/>
+          </a:schemeClr>
+        </a:solidFill>
         <a:gradFill>
           <a:gsLst>
             <a:gs pos="0">
               <a:schemeClr val="phClr">
-                <a:tint val="40000"/>
-                <a:satMod val="350000"/>
+                <a:tint val="93000"/>
+                <a:satMod val="150000"/>
+                <a:shade val="98000"/>
+                <a:lumMod val="102000"/>
               </a:schemeClr>
             </a:gs>
-            <a:gs pos="40000">
+            <a:gs pos="50000">
               <a:schemeClr val="phClr">
-                <a:tint val="45000"/>
-                <a:shade val="99000"/>
-                <a:satMod val="350000"/>
+                <a:tint val="98000"/>
+                <a:satMod val="130000"/>
+                <a:shade val="90000"/>
+                <a:lumMod val="103000"/>
               </a:schemeClr>
             </a:gs>
             <a:gs pos="100000">
               <a:schemeClr val="phClr">
-                <a:shade val="20000"/>
-                <a:satMod val="255000"/>
+                <a:shade val="63000"/>
+                <a:satMod val="120000"/>
               </a:schemeClr>
             </a:gs>
           </a:gsLst>
-          <a:path path="circle"/>
-        </a:gradFill>
-        <a:gradFill>
-          <a:gsLst>
-            <a:gs pos="0">
-              <a:schemeClr val="phClr">
-                <a:tint val="80000"/>
-                <a:satMod val="300000"/>
-              </a:schemeClr>
-            </a:gs>
-            <a:gs pos="100000">
-              <a:schemeClr val="phClr">
-                <a:shade val="30000"/>
-                <a:satMod val="200000"/>
-              </a:schemeClr>
-            </a:gs>
-          </a:gsLst>
-          <a:path path="circle"/>
+          <a:lin ang="5400000" scaled="0"/>
         </a:gradFill>
       </a:bgFillStyleLst>
     </a:fmtScheme>
   </a:themeElements>
   <a:objectDefaults/>
-  <a:extraClrSchemeLst/>
 </a:theme>
 </file>
--- a/Кузовлев Антон Презентация Шахматы.pptx
+++ b/Кузовлев Антон Презентация Шахматы.pptx
@@ -571,7 +571,7 @@
         </p:nvSpPr>
         <p:spPr bwMode="auto">
           <a:xfrm>
-            <a:off x="838199" y="365125"/>
+            <a:off x="838198" y="365125"/>
             <a:ext cx="7734299" cy="5811838"/>
           </a:xfrm>
         </p:spPr>
@@ -1214,7 +1214,7 @@
         </p:nvSpPr>
         <p:spPr bwMode="auto">
           <a:xfrm>
-            <a:off x="838199" y="1825625"/>
+            <a:off x="838198" y="1825625"/>
             <a:ext cx="5181599" cy="4351338"/>
           </a:xfrm>
         </p:spPr>
@@ -1487,7 +1487,7 @@
         <p:spPr bwMode="auto">
           <a:xfrm>
             <a:off x="839789" y="1681162"/>
-            <a:ext cx="5157786" cy="823911"/>
+            <a:ext cx="5157785" cy="823911"/>
           </a:xfrm>
         </p:spPr>
         <p:txBody>
@@ -1555,7 +1555,7 @@
         <p:spPr bwMode="auto">
           <a:xfrm>
             <a:off x="839789" y="2505074"/>
-            <a:ext cx="5157786" cy="3684587"/>
+            <a:ext cx="5157785" cy="3684587"/>
           </a:xfrm>
         </p:spPr>
         <p:txBody>
@@ -2663,7 +2663,7 @@
         </p:nvSpPr>
         <p:spPr bwMode="auto">
           <a:xfrm>
-            <a:off x="838199" y="365125"/>
+            <a:off x="838198" y="365125"/>
             <a:ext cx="10515600" cy="1325562"/>
           </a:xfrm>
           <a:prstGeom prst="rect">
@@ -2699,7 +2699,7 @@
         </p:nvSpPr>
         <p:spPr bwMode="auto">
           <a:xfrm>
-            <a:off x="838199" y="1825625"/>
+            <a:off x="838198" y="1825625"/>
             <a:ext cx="10515600" cy="4351338"/>
           </a:xfrm>
           <a:prstGeom prst="rect">
@@ -2775,7 +2775,7 @@
         </p:nvSpPr>
         <p:spPr bwMode="auto">
           <a:xfrm>
-            <a:off x="838199" y="6356350"/>
+            <a:off x="838198" y="6356350"/>
             <a:ext cx="2743200" cy="365125"/>
           </a:xfrm>
           <a:prstGeom prst="rect">
@@ -2819,7 +2819,7 @@
         </p:nvSpPr>
         <p:spPr bwMode="auto">
           <a:xfrm>
-            <a:off x="4038599" y="6356350"/>
+            <a:off x="4038598" y="6356350"/>
             <a:ext cx="4114800" cy="365125"/>
           </a:xfrm>
           <a:prstGeom prst="rect">
@@ -3241,7 +3241,7 @@
         </p:nvSpPr>
         <p:spPr bwMode="auto">
           <a:xfrm flipH="0" flipV="0">
-            <a:off x="5194203" y="497031"/>
+            <a:off x="5194202" y="497031"/>
             <a:ext cx="6720745" cy="2026671"/>
           </a:xfrm>
         </p:spPr>
@@ -3419,6 +3419,70 @@
           <a:chExt cx="0" cy="0"/>
         </a:xfrm>
       </p:grpSpPr>
+      <p:pic>
+        <p:nvPicPr>
+          <p:cNvPr id="1508523279" name=""/>
+          <p:cNvPicPr>
+            <a:picLocks noChangeAspect="1"/>
+          </p:cNvPicPr>
+          <p:nvPr/>
+        </p:nvPicPr>
+        <p:blipFill>
+          <a:blip r:embed="rId2"/>
+          <a:stretch/>
+        </p:blipFill>
+        <p:spPr bwMode="auto">
+          <a:xfrm flipH="0" flipV="0">
+            <a:off x="-371474" y="-247649"/>
+            <a:ext cx="12567674" cy="8378449"/>
+          </a:xfrm>
+          <a:prstGeom prst="rect">
+            <a:avLst/>
+          </a:prstGeom>
+        </p:spPr>
+      </p:pic>
+      <p:sp>
+        <p:nvSpPr>
+          <p:cNvPr id="1246430422" name=""/>
+          <p:cNvSpPr/>
+          <p:nvPr/>
+        </p:nvSpPr>
+        <p:spPr bwMode="auto">
+          <a:xfrm flipH="0" flipV="0">
+            <a:off x="-967349" y="-1504949"/>
+            <a:ext cx="13906499" cy="9982199"/>
+          </a:xfrm>
+          <a:prstGeom prst="rect">
+            <a:avLst/>
+          </a:prstGeom>
+          <a:solidFill>
+            <a:schemeClr val="tx1">
+              <a:alpha val="24999"/>
+            </a:schemeClr>
+          </a:solidFill>
+          <a:ln w="12700" cap="flat" cmpd="sng" algn="ctr">
+            <a:noFill/>
+            <a:prstDash val="solid"/>
+            <a:miter lim="800000"/>
+          </a:ln>
+        </p:spPr>
+        <p:style>
+          <a:lnRef idx="2">
+            <a:schemeClr val="accent1">
+              <a:shade val="50000"/>
+            </a:schemeClr>
+          </a:lnRef>
+          <a:fillRef idx="1">
+            <a:schemeClr val="accent1"/>
+          </a:fillRef>
+          <a:effectRef idx="0">
+            <a:schemeClr val="accent1"/>
+          </a:effectRef>
+          <a:fontRef idx="minor">
+            <a:schemeClr val="lt1"/>
+          </a:fontRef>
+        </p:style>
+      </p:sp>
       <p:sp>
         <p:nvSpPr>
           <p:cNvPr id="1257594394" name="Заголовок 1"/>
@@ -3439,6 +3503,9 @@
             </a:pPr>
             <a:r>
               <a:rPr>
+                <a:solidFill>
+                  <a:schemeClr val="bg1"/>
+                </a:solidFill>
                 <a:latin typeface="Times New Roman"/>
                 <a:cs typeface="Times New Roman"/>
               </a:rPr>
@@ -3446,6 +3513,9 @@
             </a:r>
             <a:r>
               <a:rPr>
+                <a:solidFill>
+                  <a:schemeClr val="bg1"/>
+                </a:solidFill>
                 <a:latin typeface="Times New Roman"/>
                 <a:cs typeface="Times New Roman"/>
               </a:rPr>
@@ -3453,6 +3523,9 @@
             </a:r>
             <a:r>
               <a:rPr lang="ru-RU">
+                <a:solidFill>
+                  <a:schemeClr val="bg1"/>
+                </a:solidFill>
                 <a:latin typeface="Times New Roman"/>
                 <a:cs typeface="Times New Roman"/>
               </a:rPr>
@@ -3460,6 +3533,9 @@
             </a:r>
             <a:r>
               <a:rPr>
+                <a:solidFill>
+                  <a:schemeClr val="bg1"/>
+                </a:solidFill>
                 <a:latin typeface="Times New Roman"/>
                 <a:cs typeface="Times New Roman"/>
               </a:rPr>
@@ -3467,12 +3543,18 @@
             </a:r>
             <a:r>
               <a:rPr lang="en-US">
+                <a:solidFill>
+                  <a:schemeClr val="bg1"/>
+                </a:solidFill>
                 <a:latin typeface="Times New Roman"/>
                 <a:cs typeface="Times New Roman"/>
               </a:rPr>
               <a:t>:</a:t>
             </a:r>
             <a:endParaRPr>
+              <a:solidFill>
+                <a:schemeClr val="bg1"/>
+              </a:solidFill>
               <a:latin typeface="Times New Roman"/>
               <a:cs typeface="Times New Roman"/>
             </a:endParaRPr>
@@ -3491,8 +3573,8 @@
         </p:nvSpPr>
         <p:spPr bwMode="auto"/>
         <p:txBody>
-          <a:bodyPr vertOverflow="overflow" horzOverflow="overflow" vert="horz" wrap="square" lIns="91440" tIns="45720" rIns="91440" bIns="45720" numCol="1" spcCol="0" rtlCol="0" fromWordArt="0" anchor="t" anchorCtr="0" forceAA="0" compatLnSpc="0">
-            <a:normAutofit fontScale="92500" lnSpcReduction="13000"/>
+          <a:bodyPr vertOverflow="overflow" horzOverflow="overflow" vert="horz" wrap="square" lIns="91440" tIns="45720" rIns="91440" bIns="45720" numCol="1" spcCol="0" rtlCol="0" fromWordArt="0" anchor="t" anchorCtr="0" forceAA="0" upright="0" compatLnSpc="0">
+            <a:normAutofit/>
           </a:bodyPr>
           <a:lstStyle/>
           <a:p>
@@ -3502,55 +3584,80 @@
               <a:defRPr/>
             </a:pPr>
             <a:r>
-              <a:rPr>
+              <a:rPr sz="2800">
+                <a:solidFill>
+                  <a:schemeClr val="bg1"/>
+                </a:solidFill>
                 <a:latin typeface="Times New Roman"/>
                 <a:cs typeface="Times New Roman"/>
               </a:rPr>
               <a:t>Высота</a:t>
             </a:r>
             <a:r>
-              <a:rPr>
+              <a:rPr sz="2800">
+                <a:solidFill>
+                  <a:schemeClr val="bg1"/>
+                </a:solidFill>
                 <a:latin typeface="Times New Roman"/>
                 <a:cs typeface="Times New Roman"/>
               </a:rPr>
               <a:t> </a:t>
             </a:r>
             <a:r>
-              <a:rPr>
+              <a:rPr sz="2800">
+                <a:solidFill>
+                  <a:schemeClr val="bg1"/>
+                </a:solidFill>
                 <a:latin typeface="Times New Roman"/>
                 <a:cs typeface="Times New Roman"/>
               </a:rPr>
               <a:t>слоя</a:t>
             </a:r>
             <a:r>
-              <a:rPr lang="en-US">
+              <a:rPr lang="en-US" sz="2800">
+                <a:solidFill>
+                  <a:schemeClr val="bg1"/>
+                </a:solidFill>
                 <a:latin typeface="Times New Roman"/>
                 <a:cs typeface="Times New Roman"/>
               </a:rPr>
               <a:t>:</a:t>
             </a:r>
             <a:r>
-              <a:rPr>
+              <a:rPr sz="2800">
+                <a:solidFill>
+                  <a:schemeClr val="bg1"/>
+                </a:solidFill>
                 <a:latin typeface="Times New Roman"/>
                 <a:cs typeface="Times New Roman"/>
               </a:rPr>
               <a:t>0.25 </a:t>
             </a:r>
             <a:r>
-              <a:rPr>
+              <a:rPr sz="2800">
+                <a:solidFill>
+                  <a:schemeClr val="bg1"/>
+                </a:solidFill>
                 <a:latin typeface="Times New Roman"/>
                 <a:cs typeface="Times New Roman"/>
               </a:rPr>
               <a:t>мм</a:t>
             </a:r>
             <a:r>
-              <a:rPr>
+              <a:rPr sz="2800">
+                <a:solidFill>
+                  <a:schemeClr val="bg1"/>
+                </a:solidFill>
                 <a:latin typeface="Times New Roman"/>
                 <a:cs typeface="Times New Roman"/>
               </a:rPr>
               <a:t>.</a:t>
             </a:r>
-            <a:endParaRPr/>
+            <a:endParaRPr sz="2800">
+              <a:solidFill>
+                <a:schemeClr val="bg1"/>
+              </a:solidFill>
+            </a:endParaRPr>
           </a:p>
           <a:p>
             <a:pPr marL="0" indent="0">
@@ -3559,55 +3666,80 @@
               <a:defRPr/>
             </a:pPr>
             <a:r>
-              <a:rPr>
+              <a:rPr sz="2800">
+                <a:solidFill>
+                  <a:schemeClr val="bg1"/>
+                </a:solidFill>
                 <a:latin typeface="Times New Roman"/>
                 <a:cs typeface="Times New Roman"/>
               </a:rPr>
               <a:t>Первый</a:t>
             </a:r>
             <a:r>
-              <a:rPr>
+              <a:rPr sz="2800">
+                <a:solidFill>
+                  <a:schemeClr val="bg1"/>
+                </a:solidFill>
                 <a:latin typeface="Times New Roman"/>
                 <a:cs typeface="Times New Roman"/>
               </a:rPr>
               <a:t> </a:t>
             </a:r>
             <a:r>
-              <a:rPr>
+              <a:rPr sz="2800">
+                <a:solidFill>
+                  <a:schemeClr val="bg1"/>
+                </a:solidFill>
                 <a:latin typeface="Times New Roman"/>
                 <a:cs typeface="Times New Roman"/>
               </a:rPr>
               <a:t>слой</a:t>
             </a:r>
             <a:r>
-              <a:rPr lang="en-US">
+              <a:rPr lang="en-US" sz="2800">
+                <a:solidFill>
+                  <a:schemeClr val="bg1"/>
+                </a:solidFill>
                 <a:latin typeface="Times New Roman"/>
                 <a:cs typeface="Times New Roman"/>
               </a:rPr>
               <a:t>: </a:t>
             </a:r>
             <a:r>
-              <a:rPr>
+              <a:rPr sz="2800">
+                <a:solidFill>
+                  <a:schemeClr val="bg1"/>
+                </a:solidFill>
                 <a:latin typeface="Times New Roman"/>
                 <a:cs typeface="Times New Roman"/>
               </a:rPr>
               <a:t>0.30 </a:t>
             </a:r>
             <a:r>
-              <a:rPr>
+              <a:rPr sz="2800">
+                <a:solidFill>
+                  <a:schemeClr val="bg1"/>
+                </a:solidFill>
                 <a:latin typeface="Times New Roman"/>
                 <a:cs typeface="Times New Roman"/>
               </a:rPr>
               <a:t>мм</a:t>
             </a:r>
             <a:r>
-              <a:rPr>
+              <a:rPr sz="2800">
+                <a:solidFill>
+                  <a:schemeClr val="bg1"/>
+                </a:solidFill>
                 <a:latin typeface="Times New Roman"/>
                 <a:cs typeface="Times New Roman"/>
               </a:rPr>
               <a:t>.</a:t>
             </a:r>
-            <a:endParaRPr/>
+            <a:endParaRPr sz="2800">
+              <a:solidFill>
+                <a:schemeClr val="bg1"/>
+              </a:solidFill>
+            </a:endParaRPr>
           </a:p>
           <a:p>
             <a:pPr marL="0" indent="0">
@@ -3616,55 +3748,79 @@
               <a:defRPr/>
             </a:pPr>
             <a:r>
-              <a:rPr>
+              <a:rPr sz="2800">
+                <a:solidFill>
+                  <a:schemeClr val="bg1"/>
+                </a:solidFill>
                 <a:latin typeface="Times New Roman"/>
                 <a:cs typeface="Times New Roman"/>
               </a:rPr>
               <a:t>Ширина</a:t>
             </a:r>
             <a:r>
-              <a:rPr>
+              <a:rPr sz="2800">
+                <a:solidFill>
+                  <a:schemeClr val="bg1"/>
+                </a:solidFill>
                 <a:latin typeface="Times New Roman"/>
                 <a:cs typeface="Times New Roman"/>
               </a:rPr>
               <a:t> </a:t>
             </a:r>
             <a:r>
-              <a:rPr>
+              <a:rPr sz="2800">
+                <a:solidFill>
+                  <a:schemeClr val="bg1"/>
+                </a:solidFill>
                 <a:latin typeface="Times New Roman"/>
                 <a:cs typeface="Times New Roman"/>
               </a:rPr>
               <a:t>линии</a:t>
             </a:r>
             <a:r>
-              <a:rPr lang="en-US">
+              <a:rPr lang="en-US" sz="2800">
+                <a:solidFill>
+                  <a:schemeClr val="bg1"/>
+                </a:solidFill>
                 <a:latin typeface="Times New Roman"/>
                 <a:cs typeface="Times New Roman"/>
               </a:rPr>
               <a:t>:</a:t>
             </a:r>
             <a:r>
-              <a:rPr>
+              <a:rPr sz="2800">
+                <a:solidFill>
+                  <a:schemeClr val="bg1"/>
+                </a:solidFill>
                 <a:latin typeface="Times New Roman"/>
                 <a:cs typeface="Times New Roman"/>
               </a:rPr>
               <a:t>0.65 </a:t>
             </a:r>
             <a:r>
-              <a:rPr>
+              <a:rPr sz="2800">
+                <a:solidFill>
+                  <a:schemeClr val="bg1"/>
+                </a:solidFill>
                 <a:latin typeface="Times New Roman"/>
                 <a:cs typeface="Times New Roman"/>
               </a:rPr>
               <a:t>мм</a:t>
             </a:r>
             <a:r>
-              <a:rPr>
+              <a:rPr sz="2800">
+                <a:solidFill>
+                  <a:schemeClr val="bg1"/>
+                </a:solidFill>
                 <a:latin typeface="Times New Roman"/>
                 <a:cs typeface="Times New Roman"/>
               </a:rPr>
               <a:t>.</a:t>
             </a:r>
-            <a:endParaRPr>
+            <a:endParaRPr sz="2800">
+              <a:solidFill>
+                <a:schemeClr val="bg1"/>
+              </a:solidFill>
               <a:latin typeface="Times New Roman"/>
               <a:cs typeface="Times New Roman"/>
             </a:endParaRPr>
@@ -3676,41 +3832,60 @@
               <a:defRPr/>
             </a:pPr>
             <a:r>
-              <a:rPr>
+              <a:rPr sz="2800">
+                <a:solidFill>
+                  <a:schemeClr val="bg1"/>
+                </a:solidFill>
                 <a:latin typeface="Times New Roman"/>
                 <a:cs typeface="Times New Roman"/>
               </a:rPr>
               <a:t>Кратность</a:t>
             </a:r>
             <a:r>
-              <a:rPr>
+              <a:rPr sz="2800">
+                <a:solidFill>
+                  <a:schemeClr val="bg1"/>
+                </a:solidFill>
                 <a:latin typeface="Times New Roman"/>
                 <a:cs typeface="Times New Roman"/>
               </a:rPr>
               <a:t> </a:t>
             </a:r>
             <a:r>
-              <a:rPr>
+              <a:rPr sz="2800">
+                <a:solidFill>
+                  <a:schemeClr val="bg1"/>
+                </a:solidFill>
                 <a:latin typeface="Times New Roman"/>
                 <a:cs typeface="Times New Roman"/>
               </a:rPr>
               <a:t>слоёв</a:t>
             </a:r>
             <a:r>
-              <a:rPr lang="en-US">
+              <a:rPr lang="en-US" sz="2800">
+                <a:solidFill>
+                  <a:schemeClr val="bg1"/>
+                </a:solidFill>
                 <a:latin typeface="Times New Roman"/>
                 <a:cs typeface="Times New Roman"/>
               </a:rPr>
               <a:t>:</a:t>
             </a:r>
             <a:r>
-              <a:rPr>
+              <a:rPr sz="2800">
+                <a:solidFill>
+                  <a:schemeClr val="bg1"/>
+                </a:solidFill>
                 <a:latin typeface="Times New Roman"/>
                 <a:cs typeface="Times New Roman"/>
               </a:rPr>
               <a:t> 2.</a:t>
             </a:r>
-            <a:endParaRPr/>
+            <a:endParaRPr sz="2800">
+              <a:solidFill>
+                <a:schemeClr val="bg1"/>
+              </a:solidFill>
+            </a:endParaRPr>
           </a:p>
           <a:p>
             <a:pPr marL="0" indent="0">
@@ -3719,69 +3894,100 @@
               <a:defRPr/>
             </a:pPr>
             <a:r>
-              <a:rPr>
+              <a:rPr sz="2800">
+                <a:solidFill>
+                  <a:schemeClr val="bg1"/>
+                </a:solidFill>
                 <a:latin typeface="Times New Roman"/>
                 <a:cs typeface="Times New Roman"/>
               </a:rPr>
               <a:t>Ширина</a:t>
             </a:r>
             <a:r>
-              <a:rPr>
+              <a:rPr sz="2800">
+                <a:solidFill>
+                  <a:schemeClr val="bg1"/>
+                </a:solidFill>
                 <a:latin typeface="Times New Roman"/>
                 <a:cs typeface="Times New Roman"/>
               </a:rPr>
               <a:t> </a:t>
             </a:r>
             <a:r>
-              <a:rPr>
+              <a:rPr sz="2800">
+                <a:solidFill>
+                  <a:schemeClr val="bg1"/>
+                </a:solidFill>
                 <a:latin typeface="Times New Roman"/>
                 <a:cs typeface="Times New Roman"/>
               </a:rPr>
               <a:t>линии</a:t>
             </a:r>
             <a:r>
-              <a:rPr>
+              <a:rPr sz="2800">
+                <a:solidFill>
+                  <a:schemeClr val="bg1"/>
+                </a:solidFill>
                 <a:latin typeface="Times New Roman"/>
                 <a:cs typeface="Times New Roman"/>
               </a:rPr>
               <a:t> </a:t>
             </a:r>
             <a:r>
-              <a:rPr>
+              <a:rPr sz="2800">
+                <a:solidFill>
+                  <a:schemeClr val="bg1"/>
+                </a:solidFill>
                 <a:latin typeface="Times New Roman"/>
                 <a:cs typeface="Times New Roman"/>
               </a:rPr>
               <a:t>периметров</a:t>
             </a:r>
             <a:r>
-              <a:rPr lang="en-US">
+              <a:rPr lang="en-US" sz="2800">
+                <a:solidFill>
+                  <a:schemeClr val="bg1"/>
+                </a:solidFill>
                 <a:latin typeface="Times New Roman"/>
                 <a:cs typeface="Times New Roman"/>
               </a:rPr>
               <a:t>:</a:t>
             </a:r>
             <a:r>
-              <a:rPr>
+              <a:rPr sz="2800">
+                <a:solidFill>
+                  <a:schemeClr val="bg1"/>
+                </a:solidFill>
                 <a:latin typeface="Times New Roman"/>
                 <a:cs typeface="Times New Roman"/>
               </a:rPr>
               <a:t> 0.55 </a:t>
             </a:r>
             <a:r>
-              <a:rPr>
+              <a:rPr sz="2800">
+                <a:solidFill>
+                  <a:schemeClr val="bg1"/>
+                </a:solidFill>
                 <a:latin typeface="Times New Roman"/>
                 <a:cs typeface="Times New Roman"/>
               </a:rPr>
               <a:t>мм</a:t>
             </a:r>
             <a:r>
-              <a:rPr>
+              <a:rPr sz="2800">
+                <a:solidFill>
+                  <a:schemeClr val="bg1"/>
+                </a:solidFill>
                 <a:latin typeface="Times New Roman"/>
                 <a:cs typeface="Times New Roman"/>
               </a:rPr>
               <a:t>.</a:t>
             </a:r>
-            <a:endParaRPr/>
+            <a:endParaRPr sz="2800">
+              <a:solidFill>
+                <a:schemeClr val="bg1"/>
+              </a:solidFill>
+            </a:endParaRPr>
           </a:p>
           <a:p>
             <a:pPr marL="0" indent="0">
@@ -3790,48 +3996,70 @@
               <a:defRPr/>
             </a:pPr>
             <a:r>
-              <a:rPr>
+              <a:rPr sz="2800">
+                <a:solidFill>
+                  <a:schemeClr val="bg1"/>
+                </a:solidFill>
                 <a:latin typeface="Times New Roman"/>
                 <a:cs typeface="Times New Roman"/>
               </a:rPr>
               <a:t>Количество</a:t>
             </a:r>
             <a:r>
-              <a:rPr>
+              <a:rPr sz="2800">
+                <a:solidFill>
+                  <a:schemeClr val="bg1"/>
+                </a:solidFill>
                 <a:latin typeface="Times New Roman"/>
                 <a:cs typeface="Times New Roman"/>
               </a:rPr>
               <a:t> </a:t>
             </a:r>
             <a:r>
-              <a:rPr>
+              <a:rPr sz="2800">
+                <a:solidFill>
+                  <a:schemeClr val="bg1"/>
+                </a:solidFill>
                 <a:latin typeface="Times New Roman"/>
                 <a:cs typeface="Times New Roman"/>
               </a:rPr>
               <a:t>периметров</a:t>
             </a:r>
             <a:r>
-              <a:rPr lang="en-US">
+              <a:rPr lang="en-US" sz="2800">
+                <a:solidFill>
+                  <a:schemeClr val="bg1"/>
+                </a:solidFill>
                 <a:latin typeface="Times New Roman"/>
                 <a:cs typeface="Times New Roman"/>
               </a:rPr>
               <a:t>:</a:t>
             </a:r>
             <a:r>
-              <a:rPr>
+              <a:rPr sz="2800">
+                <a:solidFill>
+                  <a:schemeClr val="bg1"/>
+                </a:solidFill>
                 <a:latin typeface="Times New Roman"/>
                 <a:cs typeface="Times New Roman"/>
               </a:rPr>
               <a:t> </a:t>
             </a:r>
             <a:r>
-              <a:rPr>
+              <a:rPr sz="2800">
+                <a:solidFill>
+                  <a:schemeClr val="bg1"/>
+                </a:solidFill>
                 <a:latin typeface="Times New Roman"/>
                 <a:cs typeface="Times New Roman"/>
               </a:rPr>
               <a:t>2.</a:t>
             </a:r>
-            <a:endParaRPr/>
+            <a:endParaRPr sz="2800">
+              <a:solidFill>
+                <a:schemeClr val="bg1"/>
+              </a:solidFill>
+            </a:endParaRPr>
           </a:p>
           <a:p>
             <a:pPr marL="0" indent="0">
@@ -3840,62 +4068,89 @@
               <a:defRPr/>
             </a:pPr>
             <a:r>
-              <a:rPr>
+              <a:rPr sz="2800">
+                <a:solidFill>
+                  <a:schemeClr val="bg1"/>
+                </a:solidFill>
                 <a:latin typeface="Times New Roman"/>
                 <a:cs typeface="Times New Roman"/>
               </a:rPr>
               <a:t>Количество</a:t>
             </a:r>
             <a:r>
-              <a:rPr>
+              <a:rPr sz="2800">
+                <a:solidFill>
+                  <a:schemeClr val="bg1"/>
+                </a:solidFill>
                 <a:latin typeface="Times New Roman"/>
                 <a:cs typeface="Times New Roman"/>
               </a:rPr>
               <a:t> </a:t>
             </a:r>
             <a:r>
-              <a:rPr>
+              <a:rPr sz="2800">
+                <a:solidFill>
+                  <a:schemeClr val="bg1"/>
+                </a:solidFill>
                 <a:latin typeface="Times New Roman"/>
                 <a:cs typeface="Times New Roman"/>
               </a:rPr>
               <a:t>верхних</a:t>
             </a:r>
             <a:r>
-              <a:rPr>
+              <a:rPr sz="2800">
+                <a:solidFill>
+                  <a:schemeClr val="bg1"/>
+                </a:solidFill>
                 <a:latin typeface="Times New Roman"/>
                 <a:cs typeface="Times New Roman"/>
               </a:rPr>
               <a:t> </a:t>
             </a:r>
             <a:r>
-              <a:rPr>
+              <a:rPr sz="2800">
+                <a:solidFill>
+                  <a:schemeClr val="bg1"/>
+                </a:solidFill>
                 <a:latin typeface="Times New Roman"/>
                 <a:cs typeface="Times New Roman"/>
               </a:rPr>
               <a:t>слоёв</a:t>
             </a:r>
             <a:r>
-              <a:rPr lang="en-US">
+              <a:rPr lang="en-US" sz="2800">
+                <a:solidFill>
+                  <a:schemeClr val="bg1"/>
+                </a:solidFill>
                 <a:latin typeface="Times New Roman"/>
                 <a:cs typeface="Times New Roman"/>
               </a:rPr>
               <a:t>:</a:t>
             </a:r>
             <a:r>
-              <a:rPr>
+              <a:rPr sz="2800">
+                <a:solidFill>
+                  <a:schemeClr val="bg1"/>
+                </a:solidFill>
                 <a:latin typeface="Times New Roman"/>
                 <a:cs typeface="Times New Roman"/>
               </a:rPr>
               <a:t> </a:t>
             </a:r>
             <a:r>
-              <a:rPr>
+              <a:rPr sz="2800">
+                <a:solidFill>
+                  <a:schemeClr val="bg1"/>
+                </a:solidFill>
                 <a:latin typeface="Times New Roman"/>
                 <a:cs typeface="Times New Roman"/>
               </a:rPr>
               <a:t>4.</a:t>
             </a:r>
-            <a:endParaRPr sz="3200">
+            <a:endParaRPr sz="2800">
+              <a:solidFill>
+                <a:schemeClr val="bg1"/>
+              </a:solidFill>
               <a:latin typeface="Times New Roman"/>
               <a:cs typeface="Times New Roman"/>
             </a:endParaRPr>
@@ -3907,12 +4162,9 @@
               <a:defRPr/>
             </a:pPr>
             <a:r>
-              <a:rPr lang="ru-RU" sz="3200" b="0" i="0" u="none" strike="noStrike" cap="none" spc="0">
-                <a:solidFill>
-                  <a:schemeClr val="tx1">
-                    <a:lumMod val="75000"/>
-                    <a:lumOff val="25000"/>
-                  </a:schemeClr>
+              <a:rPr lang="ru-RU" sz="2800" b="0" i="0" u="none" strike="noStrike" cap="none" spc="0">
+                <a:solidFill>
+                  <a:schemeClr val="bg1"/>
                 </a:solidFill>
                 <a:latin typeface="Times New Roman"/>
                 <a:cs typeface="Times New Roman"/>
@@ -3920,12 +4172,9 @@
               <a:t>Количество нижних </a:t>
             </a:r>
             <a:r>
-              <a:rPr lang="ru-RU" sz="3200" b="0" i="0" u="none" strike="noStrike" cap="none" spc="0">
-                <a:solidFill>
-                  <a:schemeClr val="tx1">
-                    <a:lumMod val="75000"/>
-                    <a:lumOff val="25000"/>
-                  </a:schemeClr>
+              <a:rPr lang="ru-RU" sz="2800" b="0" i="0" u="none" strike="noStrike" cap="none" spc="0">
+                <a:solidFill>
+                  <a:schemeClr val="bg1"/>
                 </a:solidFill>
                 <a:latin typeface="Times New Roman"/>
                 <a:cs typeface="Times New Roman"/>
@@ -3933,12 +4182,9 @@
               <a:t>слоёв</a:t>
             </a:r>
             <a:r>
-              <a:rPr lang="en-US" sz="3200" b="0" i="0" u="none" strike="noStrike" cap="none" spc="0">
-                <a:solidFill>
-                  <a:schemeClr val="tx1">
-                    <a:lumMod val="75000"/>
-                    <a:lumOff val="25000"/>
-                  </a:schemeClr>
+              <a:rPr lang="en-US" sz="2800" b="0" i="0" u="none" strike="noStrike" cap="none" spc="0">
+                <a:solidFill>
+                  <a:schemeClr val="bg1"/>
                 </a:solidFill>
                 <a:latin typeface="Times New Roman"/>
                 <a:cs typeface="Times New Roman"/>
@@ -3946,12 +4192,9 @@
               <a:t>:</a:t>
             </a:r>
             <a:r>
-              <a:rPr lang="ru-RU" sz="3200" b="0" i="0" u="none" strike="noStrike" cap="none" spc="0">
-                <a:solidFill>
-                  <a:schemeClr val="tx1">
-                    <a:lumMod val="75000"/>
-                    <a:lumOff val="25000"/>
-                  </a:schemeClr>
+              <a:rPr lang="ru-RU" sz="2800" b="0" i="0" u="none" strike="noStrike" cap="none" spc="0">
+                <a:solidFill>
+                  <a:schemeClr val="bg1"/>
                 </a:solidFill>
                 <a:latin typeface="Times New Roman"/>
                 <a:cs typeface="Times New Roman"/>
@@ -3959,12 +4202,9 @@
               <a:t> </a:t>
             </a:r>
             <a:r>
-              <a:rPr lang="ru-RU" sz="3200" b="0" i="0" u="none" strike="noStrike" cap="none" spc="0">
-                <a:solidFill>
-                  <a:schemeClr val="tx1">
-                    <a:lumMod val="75000"/>
-                    <a:lumOff val="25000"/>
-                  </a:schemeClr>
+              <a:rPr lang="ru-RU" sz="2800" b="0" i="0" u="none" strike="noStrike" cap="none" spc="0">
+                <a:solidFill>
+                  <a:schemeClr val="bg1"/>
                 </a:solidFill>
                 <a:latin typeface="Times New Roman"/>
                 <a:cs typeface="Times New Roman"/>
@@ -3972,19 +4212,19 @@
               <a:t>3</a:t>
             </a:r>
             <a:r>
-              <a:rPr lang="ru-RU" sz="3200" b="0" i="0" u="none" strike="noStrike" cap="none" spc="0">
-                <a:solidFill>
-                  <a:schemeClr val="tx1">
-                    <a:lumMod val="75000"/>
-                    <a:lumOff val="25000"/>
-                  </a:schemeClr>
+              <a:rPr lang="ru-RU" sz="2800" b="0" i="0" u="none" strike="noStrike" cap="none" spc="0">
+                <a:solidFill>
+                  <a:schemeClr val="bg1"/>
                 </a:solidFill>
                 <a:latin typeface="Times New Roman"/>
                 <a:cs typeface="Times New Roman"/>
               </a:rPr>
               <a:t>.</a:t>
             </a:r>
-            <a:endParaRPr>
+            <a:endParaRPr sz="2800">
+              <a:solidFill>
+                <a:schemeClr val="bg1"/>
+              </a:solidFill>
               <a:latin typeface="Times New Roman"/>
               <a:cs typeface="Times New Roman"/>
             </a:endParaRPr>
@@ -5842,7 +6082,7 @@
         </p:nvSpPr>
         <p:spPr bwMode="auto">
           <a:xfrm flipH="0" flipV="0">
-            <a:off x="-93299" y="-95248"/>
+            <a:off x="-93299" y="-95247"/>
             <a:ext cx="12630150" cy="7258050"/>
           </a:xfrm>
           <a:prstGeom prst="rect">
@@ -6168,6 +6408,79 @@
           <a:chExt cx="0" cy="0"/>
         </a:xfrm>
       </p:grpSpPr>
+      <p:pic>
+        <p:nvPicPr>
+          <p:cNvPr id="980800470" name=""/>
+          <p:cNvPicPr>
+            <a:picLocks noChangeAspect="1"/>
+          </p:cNvPicPr>
+          <p:nvPr/>
+        </p:nvPicPr>
+        <p:blipFill>
+          <a:blip r:embed="rId2"/>
+          <a:stretch/>
+        </p:blipFill>
+        <p:spPr bwMode="auto">
+          <a:xfrm flipH="0" flipV="0">
+            <a:off x="-70068" y="-628649"/>
+            <a:ext cx="12281943" cy="8162375"/>
+          </a:xfrm>
+          <a:prstGeom prst="rect">
+            <a:avLst/>
+          </a:prstGeom>
+        </p:spPr>
+      </p:pic>
+      <p:sp>
+        <p:nvSpPr>
+          <p:cNvPr id="1099411755" name=""/>
+          <p:cNvSpPr/>
+          <p:nvPr/>
+        </p:nvSpPr>
+        <p:spPr bwMode="auto">
+          <a:xfrm flipH="0" flipV="0">
+            <a:off x="1353" y="-52916"/>
+            <a:ext cx="12408958" cy="7818437"/>
+          </a:xfrm>
+          <a:prstGeom prst="rect">
+            <a:avLst/>
+          </a:prstGeom>
+          <a:solidFill>
+            <a:schemeClr val="tx1">
+              <a:alpha val="30000"/>
+            </a:schemeClr>
+          </a:solidFill>
+          <a:ln w="12699" cap="flat" cmpd="sng" algn="ctr">
+            <a:noFill/>
+            <a:prstDash val="solid"/>
+            <a:miter lim="800000"/>
+          </a:ln>
+        </p:spPr>
+        <p:style>
+          <a:lnRef idx="2">
+            <a:schemeClr val="accent1">
+              <a:shade val="50000"/>
+            </a:schemeClr>
+          </a:lnRef>
+          <a:fillRef idx="1">
+            <a:schemeClr val="accent1"/>
+          </a:fillRef>
+          <a:effectRef idx="0">
+            <a:schemeClr val="accent1"/>
+          </a:effectRef>
+          <a:fontRef idx="minor">
+            <a:schemeClr val="lt1"/>
+          </a:fontRef>
+        </p:style>
+        <p:txBody>
+          <a:bodyPr/>
+          <a:p>
+            <a:pPr>
+              <a:defRPr/>
+            </a:pPr>
+            <a:endParaRPr/>
+          </a:p>
+        </p:txBody>
+      </p:sp>
       <p:sp>
         <p:nvSpPr>
           <p:cNvPr id="533563470" name="Заголовок 1"/>
@@ -6187,14 +6500,26 @@
               <a:defRPr/>
             </a:pPr>
             <a:r>
-              <a:rPr/>
+              <a:rPr>
+                <a:solidFill>
+                  <a:schemeClr val="bg1"/>
+                </a:solidFill>
+              </a:rPr>
               <a:t>Модификаторы</a:t>
             </a:r>
             <a:r>
-              <a:rPr lang="en-US"/>
+              <a:rPr lang="en-US">
+                <a:solidFill>
+                  <a:schemeClr val="bg1"/>
+                </a:solidFill>
+              </a:rPr>
               <a:t>:</a:t>
             </a:r>
-            <a:endParaRPr/>
+            <a:endParaRPr>
+              <a:solidFill>
+                <a:schemeClr val="bg1"/>
+              </a:solidFill>
+            </a:endParaRPr>
           </a:p>
         </p:txBody>
       </p:sp>
@@ -6224,20 +6549,29 @@
               <a:defRPr/>
             </a:pPr>
             <a:r>
-              <a:rPr>
+              <a:rPr sz="2800">
+                <a:solidFill>
+                  <a:schemeClr val="bg1"/>
+                </a:solidFill>
                 <a:latin typeface="Times New Roman"/>
                 <a:cs typeface="Times New Roman"/>
               </a:rPr>
               <a:t>Использованные модификаторы</a:t>
             </a:r>
             <a:r>
-              <a:rPr lang="en-US">
+              <a:rPr lang="en-US" sz="2800">
+                <a:solidFill>
+                  <a:schemeClr val="bg1"/>
+                </a:solidFill>
                 <a:latin typeface="Times New Roman"/>
                 <a:cs typeface="Times New Roman"/>
               </a:rPr>
               <a:t>:</a:t>
             </a:r>
-            <a:endParaRPr>
+            <a:endParaRPr sz="2800">
+              <a:solidFill>
+                <a:schemeClr val="bg1"/>
+              </a:solidFill>
               <a:latin typeface="Times New Roman"/>
               <a:cs typeface="Times New Roman"/>
             </a:endParaRPr>
@@ -6247,13 +6581,19 @@
               <a:defRPr/>
             </a:pPr>
             <a:r>
-              <a:rPr lang="ru-RU">
+              <a:rPr lang="ru-RU" sz="2800">
+                <a:solidFill>
+                  <a:schemeClr val="bg1"/>
+                </a:solidFill>
                 <a:latin typeface="Times New Roman"/>
                 <a:cs typeface="Times New Roman"/>
               </a:rPr>
               <a:t>Движение</a:t>
             </a:r>
-            <a:endParaRPr>
+            <a:endParaRPr sz="2800">
+              <a:solidFill>
+                <a:schemeClr val="bg1"/>
+              </a:solidFill>
               <a:latin typeface="Times New Roman"/>
               <a:cs typeface="Times New Roman"/>
             </a:endParaRPr>
@@ -6263,13 +6603,19 @@
               <a:defRPr/>
             </a:pPr>
             <a:r>
-              <a:rPr lang="ru-RU">
+              <a:rPr lang="ru-RU" sz="2800">
+                <a:solidFill>
+                  <a:schemeClr val="bg1"/>
+                </a:solidFill>
                 <a:latin typeface="Times New Roman"/>
                 <a:cs typeface="Times New Roman"/>
               </a:rPr>
               <a:t>Поворот</a:t>
             </a:r>
-            <a:endParaRPr>
+            <a:endParaRPr sz="2800">
+              <a:solidFill>
+                <a:schemeClr val="bg1"/>
+              </a:solidFill>
               <a:latin typeface="Times New Roman"/>
               <a:cs typeface="Times New Roman"/>
             </a:endParaRPr>
@@ -6279,13 +6625,19 @@
               <a:defRPr/>
             </a:pPr>
             <a:r>
-              <a:rPr lang="ru-RU">
+              <a:rPr lang="ru-RU" sz="2800">
+                <a:solidFill>
+                  <a:schemeClr val="bg1"/>
+                </a:solidFill>
                 <a:latin typeface="Times New Roman"/>
                 <a:cs typeface="Times New Roman"/>
               </a:rPr>
               <a:t>Изменение размера</a:t>
             </a:r>
-            <a:endParaRPr>
+            <a:endParaRPr sz="2800">
+              <a:solidFill>
+                <a:schemeClr val="bg1"/>
+              </a:solidFill>
               <a:latin typeface="Times New Roman"/>
               <a:cs typeface="Times New Roman"/>
             </a:endParaRPr>
@@ -6295,13 +6647,19 @@
               <a:defRPr/>
             </a:pPr>
             <a:r>
-              <a:rPr lang="ru-RU">
+              <a:rPr lang="ru-RU" sz="2800">
+                <a:solidFill>
+                  <a:schemeClr val="bg1"/>
+                </a:solidFill>
                 <a:latin typeface="Times New Roman"/>
                 <a:cs typeface="Times New Roman"/>
               </a:rPr>
               <a:t>Группировка</a:t>
             </a:r>
-            <a:endParaRPr>
+            <a:endParaRPr sz="2800">
+              <a:solidFill>
+                <a:schemeClr val="bg1"/>
+              </a:solidFill>
               <a:latin typeface="Times New Roman"/>
               <a:cs typeface="Times New Roman"/>
             </a:endParaRPr>
@@ -6316,8 +6674,8 @@
         </p:nvSpPr>
         <p:spPr bwMode="auto">
           <a:xfrm>
-            <a:off x="609598" y="1600200"/>
-            <a:ext cx="10973626" cy="1554516"/>
+            <a:off x="609597" y="1600200"/>
+            <a:ext cx="10973661" cy="1554516"/>
           </a:xfrm>
           <a:prstGeom prst="rect">
             <a:avLst/>
@@ -6336,10 +6694,7 @@
             <a:r>
               <a:rPr lang="ru-RU" sz="3200" b="0" i="0" u="none" strike="noStrike" cap="none" spc="0">
                 <a:solidFill>
-                  <a:schemeClr val="tx1">
-                    <a:lumMod val="85000"/>
-                    <a:lumOff val="15000"/>
-                  </a:schemeClr>
+                  <a:schemeClr val="bg1"/>
                 </a:solidFill>
                 <a:latin typeface="Times New Roman"/>
                 <a:ea typeface="+mn-ea"/>
@@ -6349,10 +6704,7 @@
             </a:r>
             <a:endParaRPr sz="3200" b="0" i="0" u="none" strike="noStrike" cap="none" spc="0">
               <a:solidFill>
-                <a:schemeClr val="tx1">
-                  <a:lumMod val="85000"/>
-                  <a:lumOff val="15000"/>
-                </a:schemeClr>
+                <a:schemeClr val="bg1"/>
               </a:solidFill>
               <a:latin typeface="Times New Roman"/>
               <a:cs typeface="Times New Roman"/>
@@ -6364,10 +6716,7 @@
             </a:pPr>
             <a:endParaRPr sz="3200">
               <a:solidFill>
-                <a:schemeClr val="tx1">
-                  <a:lumMod val="65000"/>
-                  <a:lumOff val="35000"/>
-                </a:schemeClr>
+                <a:schemeClr val="bg1"/>
               </a:solidFill>
             </a:endParaRPr>
           </a:p>
@@ -6413,6 +6762,70 @@
           <a:chExt cx="0" cy="0"/>
         </a:xfrm>
       </p:grpSpPr>
+      <p:pic>
+        <p:nvPicPr>
+          <p:cNvPr id="1559999054" name=""/>
+          <p:cNvPicPr>
+            <a:picLocks noChangeAspect="1"/>
+          </p:cNvPicPr>
+          <p:nvPr/>
+        </p:nvPicPr>
+        <p:blipFill>
+          <a:blip r:embed="rId2"/>
+          <a:stretch/>
+        </p:blipFill>
+        <p:spPr bwMode="auto">
+          <a:xfrm flipH="0" flipV="0">
+            <a:off x="0" y="0"/>
+            <a:ext cx="12272400" cy="6903224"/>
+          </a:xfrm>
+          <a:prstGeom prst="rect">
+            <a:avLst/>
+          </a:prstGeom>
+        </p:spPr>
+      </p:pic>
+      <p:sp>
+        <p:nvSpPr>
+          <p:cNvPr id="755119968" name=""/>
+          <p:cNvSpPr/>
+          <p:nvPr/>
+        </p:nvSpPr>
+        <p:spPr bwMode="auto">
+          <a:xfrm flipH="0" flipV="0">
+            <a:off x="-814950" y="-552449"/>
+            <a:ext cx="15106649" cy="8648699"/>
+          </a:xfrm>
+          <a:prstGeom prst="rect">
+            <a:avLst/>
+          </a:prstGeom>
+          <a:solidFill>
+            <a:schemeClr val="tx1">
+              <a:alpha val="30000"/>
+            </a:schemeClr>
+          </a:solidFill>
+          <a:ln w="12700" cap="flat" cmpd="sng" algn="ctr">
+            <a:noFill/>
+            <a:prstDash val="solid"/>
+            <a:miter lim="800000"/>
+          </a:ln>
+        </p:spPr>
+        <p:style>
+          <a:lnRef idx="2">
+            <a:schemeClr val="accent1">
+              <a:shade val="50000"/>
+            </a:schemeClr>
+          </a:lnRef>
+          <a:fillRef idx="1">
+            <a:schemeClr val="accent1"/>
+          </a:fillRef>
+          <a:effectRef idx="0">
+            <a:schemeClr val="accent1"/>
+          </a:effectRef>
+          <a:fontRef idx="minor">
+            <a:schemeClr val="lt1"/>
+          </a:fontRef>
+        </p:style>
+      </p:sp>
       <p:sp>
         <p:nvSpPr>
           <p:cNvPr id="612777901" name="Заголовок 1"/>
@@ -6434,10 +6847,7 @@
             <a:r>
               <a:rPr lang="ru-RU" sz="4400" b="0" i="0" u="none" strike="noStrike" cap="none" spc="0">
                 <a:solidFill>
-                  <a:schemeClr val="tx1">
-                    <a:lumMod val="65000"/>
-                    <a:lumOff val="35000"/>
-                  </a:schemeClr>
+                  <a:schemeClr val="bg1"/>
                 </a:solidFill>
                 <a:latin typeface="Times New Roman"/>
                 <a:ea typeface="Arial"/>
@@ -6448,10 +6858,7 @@
             <a:r>
               <a:rPr lang="en-US" sz="4400" b="0" i="0" u="none" strike="noStrike" cap="none" spc="0">
                 <a:solidFill>
-                  <a:schemeClr val="tx1">
-                    <a:lumMod val="65000"/>
-                    <a:lumOff val="35000"/>
-                  </a:schemeClr>
+                  <a:schemeClr val="bg1"/>
                 </a:solidFill>
                 <a:latin typeface="Times New Roman"/>
                 <a:ea typeface="+mj-ea"/>
@@ -6492,20 +6899,29 @@
               <a:defRPr/>
             </a:pPr>
             <a:r>
-              <a:rPr>
+              <a:rPr sz="2800">
+                <a:solidFill>
+                  <a:schemeClr val="bg1"/>
+                </a:solidFill>
                 <a:latin typeface="Times New Roman"/>
                 <a:cs typeface="Times New Roman"/>
               </a:rPr>
               <a:t>Например</a:t>
             </a:r>
             <a:r>
-              <a:rPr lang="en-US">
+              <a:rPr lang="en-US" sz="2800">
+                <a:solidFill>
+                  <a:schemeClr val="bg1"/>
+                </a:solidFill>
                 <a:latin typeface="Times New Roman"/>
                 <a:cs typeface="Times New Roman"/>
               </a:rPr>
               <a:t>:</a:t>
             </a:r>
-            <a:endParaRPr>
+            <a:endParaRPr sz="2800">
+              <a:solidFill>
+                <a:schemeClr val="bg1"/>
+              </a:solidFill>
               <a:latin typeface="Times New Roman"/>
               <a:cs typeface="Times New Roman"/>
             </a:endParaRPr>
@@ -6515,13 +6931,19 @@
               <a:defRPr/>
             </a:pPr>
             <a:r>
-              <a:rPr lang="ru-RU">
+              <a:rPr lang="ru-RU" sz="2800">
+                <a:solidFill>
+                  <a:schemeClr val="bg1"/>
+                </a:solidFill>
                 <a:latin typeface="Times New Roman"/>
                 <a:cs typeface="Times New Roman"/>
               </a:rPr>
               <a:t>Корона ферзя</a:t>
             </a:r>
-            <a:endParaRPr>
+            <a:endParaRPr sz="2800">
+              <a:solidFill>
+                <a:schemeClr val="bg1"/>
+              </a:solidFill>
               <a:latin typeface="Times New Roman"/>
               <a:cs typeface="Times New Roman"/>
             </a:endParaRPr>
@@ -6531,13 +6953,19 @@
               <a:defRPr/>
             </a:pPr>
             <a:r>
-              <a:rPr lang="ru-RU">
+              <a:rPr lang="ru-RU" sz="2800">
+                <a:solidFill>
+                  <a:schemeClr val="bg1"/>
+                </a:solidFill>
                 <a:latin typeface="Times New Roman"/>
                 <a:cs typeface="Times New Roman"/>
               </a:rPr>
               <a:t>Зубья ладьи</a:t>
             </a:r>
-            <a:endParaRPr>
+            <a:endParaRPr sz="2800">
+              <a:solidFill>
+                <a:schemeClr val="bg1"/>
+              </a:solidFill>
               <a:latin typeface="Times New Roman"/>
               <a:cs typeface="Times New Roman"/>
             </a:endParaRPr>
@@ -6552,8 +6980,8 @@
         </p:nvSpPr>
         <p:spPr bwMode="auto">
           <a:xfrm>
-            <a:off x="609894" y="1296457"/>
-            <a:ext cx="11033411" cy="1554516"/>
+            <a:off x="579293" y="1429806"/>
+            <a:ext cx="11033446" cy="1554516"/>
           </a:xfrm>
           <a:prstGeom prst="rect">
             <a:avLst/>
@@ -6574,10 +7002,7 @@
             <a:r>
               <a:rPr lang="ru-RU" sz="3200" b="0" i="0" u="none" strike="noStrike" cap="none" spc="0">
                 <a:solidFill>
-                  <a:schemeClr val="tx1">
-                    <a:lumMod val="85000"/>
-                    <a:lumOff val="15000"/>
-                  </a:schemeClr>
+                  <a:schemeClr val="bg1"/>
                 </a:solidFill>
                 <a:latin typeface="Times New Roman"/>
                 <a:ea typeface="Times New Roman"/>
@@ -6588,10 +7013,7 @@
             <a:r>
               <a:rPr lang="en-US" sz="3200" b="0" i="0" u="none" strike="noStrike" cap="none" spc="0">
                 <a:solidFill>
-                  <a:schemeClr val="tx1">
-                    <a:lumMod val="85000"/>
-                    <a:lumOff val="15000"/>
-                  </a:schemeClr>
+                  <a:schemeClr val="bg1"/>
                 </a:solidFill>
                 <a:latin typeface="Times New Roman"/>
                 <a:ea typeface="Times New Roman"/>
@@ -6601,10 +7023,7 @@
             </a:r>
             <a:endParaRPr sz="3200">
               <a:solidFill>
-                <a:schemeClr val="tx1">
-                  <a:lumMod val="85000"/>
-                  <a:lumOff val="15000"/>
-                </a:schemeClr>
+                <a:schemeClr val="bg1"/>
               </a:solidFill>
               <a:latin typeface="Times New Roman"/>
               <a:cs typeface="Times New Roman"/>
@@ -6614,7 +7033,11 @@
             <a:pPr>
               <a:defRPr/>
             </a:pPr>
-            <a:endParaRPr sz="3200"/>
+            <a:endParaRPr sz="3200">
+              <a:solidFill>
+                <a:schemeClr val="bg1"/>
+              </a:solidFill>
+            </a:endParaRPr>
           </a:p>
         </p:txBody>
       </p:sp>
@@ -6658,6 +7081,70 @@
           <a:chExt cx="0" cy="0"/>
         </a:xfrm>
       </p:grpSpPr>
+      <p:pic>
+        <p:nvPicPr>
+          <p:cNvPr id="779705023" name=""/>
+          <p:cNvPicPr>
+            <a:picLocks noChangeAspect="1"/>
+          </p:cNvPicPr>
+          <p:nvPr/>
+        </p:nvPicPr>
+        <p:blipFill>
+          <a:blip r:embed="rId2"/>
+          <a:stretch/>
+        </p:blipFill>
+        <p:spPr bwMode="auto">
+          <a:xfrm flipH="0" flipV="0">
+            <a:off x="-101599" y="-57150"/>
+            <a:ext cx="12278749" cy="6906796"/>
+          </a:xfrm>
+          <a:prstGeom prst="rect">
+            <a:avLst/>
+          </a:prstGeom>
+        </p:spPr>
+      </p:pic>
+      <p:sp>
+        <p:nvSpPr>
+          <p:cNvPr id="1136820353" name=""/>
+          <p:cNvSpPr/>
+          <p:nvPr/>
+        </p:nvSpPr>
+        <p:spPr bwMode="auto">
+          <a:xfrm flipH="0" flipV="0">
+            <a:off x="-1272150" y="-476249"/>
+            <a:ext cx="14477999" cy="8115300"/>
+          </a:xfrm>
+          <a:prstGeom prst="rect">
+            <a:avLst/>
+          </a:prstGeom>
+          <a:solidFill>
+            <a:schemeClr val="tx1">
+              <a:alpha val="30000"/>
+            </a:schemeClr>
+          </a:solidFill>
+          <a:ln w="12700" cap="flat" cmpd="sng" algn="ctr">
+            <a:noFill/>
+            <a:prstDash val="solid"/>
+            <a:miter lim="800000"/>
+          </a:ln>
+        </p:spPr>
+        <p:style>
+          <a:lnRef idx="2">
+            <a:schemeClr val="accent1">
+              <a:shade val="50000"/>
+            </a:schemeClr>
+          </a:lnRef>
+          <a:fillRef idx="1">
+            <a:schemeClr val="accent1"/>
+          </a:fillRef>
+          <a:effectRef idx="0">
+            <a:schemeClr val="accent1"/>
+          </a:effectRef>
+          <a:fontRef idx="minor">
+            <a:schemeClr val="lt1"/>
+          </a:fontRef>
+        </p:style>
+      </p:sp>
       <p:sp>
         <p:nvSpPr>
           <p:cNvPr id="1555647949" name="Заголовок 1"/>
@@ -6679,10 +7166,7 @@
             <a:r>
               <a:rPr lang="ru-RU" sz="4400" b="0" i="0" u="none" strike="noStrike" cap="none" spc="0">
                 <a:solidFill>
-                  <a:schemeClr val="tx1">
-                    <a:lumMod val="65000"/>
-                    <a:lumOff val="35000"/>
-                  </a:schemeClr>
+                  <a:schemeClr val="bg1"/>
                 </a:solidFill>
                 <a:latin typeface="Times New Roman"/>
                 <a:ea typeface="Arial"/>
@@ -6693,10 +7177,7 @@
             <a:r>
               <a:rPr lang="en-US" sz="4400" b="0" i="0" u="none" strike="noStrike" cap="none" spc="0">
                 <a:solidFill>
-                  <a:schemeClr val="tx1">
-                    <a:lumMod val="65000"/>
-                    <a:lumOff val="35000"/>
-                  </a:schemeClr>
+                  <a:schemeClr val="bg1"/>
                 </a:solidFill>
                 <a:latin typeface="Times New Roman"/>
                 <a:ea typeface="Arial"/>
@@ -6705,6 +7186,9 @@
               <a:t>:</a:t>
             </a:r>
             <a:endParaRPr>
+              <a:solidFill>
+                <a:schemeClr val="bg1"/>
+              </a:solidFill>
               <a:latin typeface="Times New Roman"/>
               <a:cs typeface="Times New Roman"/>
             </a:endParaRPr>
@@ -6739,10 +7223,7 @@
             <a:r>
               <a:rPr lang="ru-RU" sz="3200" b="0" i="0" u="none" strike="noStrike" cap="none" spc="0">
                 <a:solidFill>
-                  <a:schemeClr val="tx1">
-                    <a:lumMod val="75000"/>
-                    <a:lumOff val="25000"/>
-                  </a:schemeClr>
+                  <a:schemeClr val="bg1"/>
                 </a:solidFill>
                 <a:latin typeface="Times New Roman"/>
                 <a:ea typeface="Arial"/>
@@ -6753,10 +7234,7 @@
             <a:r>
               <a:rPr lang="en-US" sz="3200" b="0" i="0" u="none" strike="noStrike" cap="none" spc="0">
                 <a:solidFill>
-                  <a:schemeClr val="tx1">
-                    <a:lumMod val="75000"/>
-                    <a:lumOff val="25000"/>
-                  </a:schemeClr>
+                  <a:schemeClr val="bg1"/>
                 </a:solidFill>
                 <a:latin typeface="Times New Roman"/>
                 <a:ea typeface="Arial"/>
@@ -6765,6 +7243,9 @@
               <a:t>:</a:t>
             </a:r>
             <a:endParaRPr sz="3200">
+              <a:solidFill>
+                <a:schemeClr val="bg1"/>
+              </a:solidFill>
               <a:latin typeface="Times New Roman"/>
               <a:cs typeface="Times New Roman"/>
             </a:endParaRPr>
@@ -6776,10 +7257,7 @@
             <a:r>
               <a:rPr lang="ru-RU" sz="3200" b="0" i="0" u="none" strike="noStrike" cap="none" spc="0">
                 <a:solidFill>
-                  <a:schemeClr val="tx1">
-                    <a:lumMod val="75000"/>
-                    <a:lumOff val="25000"/>
-                  </a:schemeClr>
+                  <a:schemeClr val="bg1"/>
                 </a:solidFill>
                 <a:latin typeface="Times New Roman"/>
                 <a:ea typeface="+mn-ea"/>
@@ -6788,6 +7266,9 @@
               <a:t>Математические операции (сложение, вычитание...).</a:t>
             </a:r>
             <a:endParaRPr sz="3200">
+              <a:solidFill>
+                <a:schemeClr val="bg1"/>
+              </a:solidFill>
               <a:latin typeface="Times New Roman"/>
               <a:cs typeface="Times New Roman"/>
             </a:endParaRPr>
@@ -6799,10 +7280,7 @@
             <a:r>
               <a:rPr lang="ru-RU" sz="3200" b="0" i="0" u="none" strike="noStrike" cap="none" spc="0">
                 <a:solidFill>
-                  <a:schemeClr val="tx1">
-                    <a:lumMod val="75000"/>
-                    <a:lumOff val="25000"/>
-                  </a:schemeClr>
+                  <a:schemeClr val="bg1"/>
                 </a:solidFill>
                 <a:latin typeface="Times New Roman"/>
                 <a:ea typeface="+mn-ea"/>
@@ -6811,6 +7289,9 @@
               <a:t>Позиционирование, оси, углы.</a:t>
             </a:r>
             <a:endParaRPr sz="3200">
+              <a:solidFill>
+                <a:schemeClr val="bg1"/>
+              </a:solidFill>
               <a:latin typeface="Times New Roman"/>
               <a:cs typeface="Times New Roman"/>
             </a:endParaRPr>
@@ -6819,7 +7300,11 @@
             <a:pPr>
               <a:defRPr/>
             </a:pPr>
-            <a:endParaRPr/>
+            <a:endParaRPr>
+              <a:solidFill>
+                <a:schemeClr val="bg1"/>
+              </a:solidFill>
+            </a:endParaRPr>
           </a:p>
         </p:txBody>
       </p:sp>
@@ -6860,8 +7345,8 @@
         </p:nvSpPr>
         <p:spPr bwMode="auto">
           <a:xfrm>
-            <a:off x="609598" y="1199002"/>
-            <a:ext cx="10957019" cy="1341155"/>
+            <a:off x="609597" y="1519041"/>
+            <a:ext cx="10957054" cy="1341155"/>
           </a:xfrm>
           <a:prstGeom prst="rect">
             <a:avLst/>
@@ -6882,10 +7367,7 @@
             <a:r>
               <a:rPr lang="ru-RU" sz="3200" b="0" i="0" u="none" strike="noStrike" cap="none" spc="0">
                 <a:solidFill>
-                  <a:schemeClr val="tx1">
-                    <a:lumMod val="85000"/>
-                    <a:lumOff val="15000"/>
-                  </a:schemeClr>
+                  <a:schemeClr val="bg1"/>
                 </a:solidFill>
                 <a:latin typeface="Times New Roman"/>
                 <a:ea typeface="Arial"/>
@@ -6895,10 +7377,7 @@
             </a:r>
             <a:endParaRPr sz="3200" b="0" i="0" u="none" strike="noStrike" cap="none" spc="0">
               <a:solidFill>
-                <a:schemeClr val="tx1">
-                  <a:lumMod val="85000"/>
-                  <a:lumOff val="15000"/>
-                </a:schemeClr>
+                <a:schemeClr val="bg1"/>
               </a:solidFill>
               <a:latin typeface="Times New Roman"/>
               <a:cs typeface="Times New Roman"/>
@@ -6908,7 +7387,11 @@
             <a:pPr>
               <a:defRPr/>
             </a:pPr>
-            <a:endParaRPr/>
+            <a:endParaRPr>
+              <a:solidFill>
+                <a:schemeClr val="bg1"/>
+              </a:solidFill>
+            </a:endParaRPr>
           </a:p>
         </p:txBody>
       </p:sp>
@@ -6952,6 +7435,79 @@
           <a:chExt cx="0" cy="0"/>
         </a:xfrm>
       </p:grpSpPr>
+      <p:pic>
+        <p:nvPicPr>
+          <p:cNvPr id="904154032" name=""/>
+          <p:cNvPicPr>
+            <a:picLocks noChangeAspect="1"/>
+          </p:cNvPicPr>
+          <p:nvPr/>
+        </p:nvPicPr>
+        <p:blipFill>
+          <a:blip r:embed="rId2"/>
+          <a:stretch/>
+        </p:blipFill>
+        <p:spPr bwMode="auto">
+          <a:xfrm flipH="0" flipV="0">
+            <a:off x="-91049" y="-49318"/>
+            <a:ext cx="12751972" cy="6907318"/>
+          </a:xfrm>
+          <a:prstGeom prst="rect">
+            <a:avLst/>
+          </a:prstGeom>
+        </p:spPr>
+      </p:pic>
+      <p:sp>
+        <p:nvSpPr>
+          <p:cNvPr id="1658679593" name=""/>
+          <p:cNvSpPr/>
+          <p:nvPr/>
+        </p:nvSpPr>
+        <p:spPr bwMode="auto">
+          <a:xfrm flipH="0" flipV="0">
+            <a:off x="-738749" y="-552449"/>
+            <a:ext cx="14401800" cy="8153399"/>
+          </a:xfrm>
+          <a:prstGeom prst="rect">
+            <a:avLst/>
+          </a:prstGeom>
+          <a:solidFill>
+            <a:schemeClr val="tx1">
+              <a:alpha val="30000"/>
+            </a:schemeClr>
+          </a:solidFill>
+          <a:ln w="12700" cap="flat" cmpd="sng" algn="ctr">
+            <a:noFill/>
+            <a:prstDash val="solid"/>
+            <a:miter lim="800000"/>
+          </a:ln>
+        </p:spPr>
+        <p:style>
+          <a:lnRef idx="2">
+            <a:schemeClr val="accent1">
+              <a:shade val="50000"/>
+            </a:schemeClr>
+          </a:lnRef>
+          <a:fillRef idx="1">
+            <a:schemeClr val="accent1"/>
+          </a:fillRef>
+          <a:effectRef idx="0">
+            <a:schemeClr val="accent1"/>
+          </a:effectRef>
+          <a:fontRef idx="minor">
+            <a:schemeClr val="lt1"/>
+          </a:fontRef>
+        </p:style>
+        <p:txBody>
+          <a:bodyPr/>
+          <a:p>
+            <a:pPr>
+              <a:defRPr/>
+            </a:pPr>
+            <a:endParaRPr/>
+          </a:p>
+        </p:txBody>
+      </p:sp>
       <p:sp>
         <p:nvSpPr>
           <p:cNvPr id="1861081067" name="Заголовок 1"/>
@@ -6972,6 +7528,9 @@
             </a:pPr>
             <a:r>
               <a:rPr>
+                <a:solidFill>
+                  <a:schemeClr val="bg1"/>
+                </a:solidFill>
                 <a:latin typeface="Times New Roman"/>
                 <a:cs typeface="Times New Roman"/>
               </a:rPr>
@@ -6979,12 +7538,18 @@
             </a:r>
             <a:r>
               <a:rPr lang="en-US">
+                <a:solidFill>
+                  <a:schemeClr val="bg1"/>
+                </a:solidFill>
                 <a:latin typeface="Times New Roman"/>
                 <a:cs typeface="Times New Roman"/>
               </a:rPr>
               <a:t>:</a:t>
             </a:r>
             <a:endParaRPr>
+              <a:solidFill>
+                <a:schemeClr val="bg1"/>
+              </a:solidFill>
               <a:latin typeface="Times New Roman"/>
               <a:cs typeface="Times New Roman"/>
             </a:endParaRPr>
@@ -7015,6 +7580,9 @@
             </a:pPr>
             <a:r>
               <a:rPr>
+                <a:solidFill>
+                  <a:schemeClr val="bg1"/>
+                </a:solidFill>
                 <a:latin typeface="Times New Roman"/>
                 <a:cs typeface="Times New Roman"/>
               </a:rPr>
@@ -7022,6 +7590,9 @@
             </a:r>
             <a:r>
               <a:rPr lang="en-US">
+                <a:solidFill>
+                  <a:schemeClr val="bg1"/>
+                </a:solidFill>
                 <a:latin typeface="Times New Roman"/>
                 <a:cs typeface="Times New Roman"/>
               </a:rPr>
@@ -7029,6 +7600,9 @@
             </a:r>
             <a:r>
               <a:rPr lang="ru-RU">
+                <a:solidFill>
+                  <a:schemeClr val="bg1"/>
+                </a:solidFill>
                 <a:latin typeface="Times New Roman"/>
                 <a:cs typeface="Times New Roman"/>
               </a:rPr>
@@ -7036,12 +7610,18 @@
             </a:r>
             <a:r>
               <a:rPr lang="en-US">
+                <a:solidFill>
+                  <a:schemeClr val="bg1"/>
+                </a:solidFill>
                 <a:latin typeface="Times New Roman"/>
                 <a:cs typeface="Times New Roman"/>
               </a:rPr>
               <a:t>:</a:t>
             </a:r>
             <a:endParaRPr>
+              <a:solidFill>
+                <a:schemeClr val="bg1"/>
+              </a:solidFill>
               <a:latin typeface="Times New Roman"/>
               <a:cs typeface="Times New Roman"/>
             </a:endParaRPr>
@@ -7054,6 +7634,9 @@
             </a:pPr>
             <a:r>
               <a:rPr lang="en-US">
+                <a:solidFill>
+                  <a:schemeClr val="bg1"/>
+                </a:solidFill>
                 <a:latin typeface="Times New Roman"/>
                 <a:cs typeface="Times New Roman"/>
               </a:rPr>
@@ -7061,6 +7644,9 @@
             </a:r>
             <a:r>
               <a:rPr lang="ru-RU">
+                <a:solidFill>
+                  <a:schemeClr val="bg1"/>
+                </a:solidFill>
                 <a:latin typeface="Times New Roman"/>
                 <a:cs typeface="Times New Roman"/>
               </a:rPr>
@@ -7068,6 +7654,9 @@
             </a:r>
             <a:r>
               <a:rPr lang="en-US">
+                <a:solidFill>
+                  <a:schemeClr val="bg1"/>
+                </a:solidFill>
                 <a:latin typeface="Times New Roman"/>
                 <a:cs typeface="Times New Roman"/>
               </a:rPr>
@@ -7075,6 +7664,9 @@
             </a:r>
             <a:r>
               <a:rPr lang="ru-RU">
+                <a:solidFill>
+                  <a:schemeClr val="bg1"/>
+                </a:solidFill>
                 <a:latin typeface="Times New Roman"/>
                 <a:cs typeface="Times New Roman"/>
               </a:rPr>
@@ -7082,12 +7674,18 @@
             </a:r>
             <a:r>
               <a:rPr lang="en-US">
+                <a:solidFill>
+                  <a:schemeClr val="bg1"/>
+                </a:solidFill>
                 <a:latin typeface="Times New Roman"/>
                 <a:cs typeface="Times New Roman"/>
               </a:rPr>
               <a:t>&gt;.</a:t>
             </a:r>
             <a:endParaRPr>
+              <a:solidFill>
+                <a:schemeClr val="bg1"/>
+              </a:solidFill>
               <a:latin typeface="Times New Roman"/>
               <a:cs typeface="Times New Roman"/>
             </a:endParaRPr>
@@ -7100,6 +7698,9 @@
             </a:pPr>
             <a:r>
               <a:rPr lang="ru-RU">
+                <a:solidFill>
+                  <a:schemeClr val="bg1"/>
+                </a:solidFill>
                 <a:latin typeface="Times New Roman"/>
                 <a:cs typeface="Times New Roman"/>
               </a:rPr>
@@ -7107,6 +7708,9 @@
             </a:r>
             <a:r>
               <a:rPr lang="en-US">
+                <a:solidFill>
+                  <a:schemeClr val="bg1"/>
+                </a:solidFill>
                 <a:latin typeface="Times New Roman"/>
                 <a:cs typeface="Times New Roman"/>
               </a:rPr>
@@ -7114,6 +7718,9 @@
             </a:r>
             <a:r>
               <a:rPr lang="ru-RU">
+                <a:solidFill>
+                  <a:schemeClr val="bg1"/>
+                </a:solidFill>
                 <a:latin typeface="Times New Roman"/>
                 <a:cs typeface="Times New Roman"/>
               </a:rPr>
@@ -7121,6 +7728,9 @@
             </a:r>
             <a:r>
               <a:rPr lang="en-US">
+                <a:solidFill>
+                  <a:schemeClr val="bg1"/>
+                </a:solidFill>
                 <a:latin typeface="Times New Roman"/>
                 <a:cs typeface="Times New Roman"/>
               </a:rPr>
@@ -7128,6 +7738,9 @@
             </a:r>
             <a:r>
               <a:rPr lang="ru-RU">
+                <a:solidFill>
+                  <a:schemeClr val="bg1"/>
+                </a:solidFill>
                 <a:latin typeface="Times New Roman"/>
                 <a:cs typeface="Times New Roman"/>
               </a:rPr>
@@ -7135,6 +7748,9 @@
             </a:r>
             <a:r>
               <a:rPr lang="en-US">
+                <a:solidFill>
+                  <a:schemeClr val="bg1"/>
+                </a:solidFill>
                 <a:latin typeface="Times New Roman"/>
                 <a:cs typeface="Times New Roman"/>
               </a:rPr>
@@ -7142,6 +7758,9 @@
             </a:r>
             <a:r>
               <a:rPr lang="ru-RU">
+                <a:solidFill>
+                  <a:schemeClr val="bg1"/>
+                </a:solidFill>
                 <a:latin typeface="Times New Roman"/>
                 <a:cs typeface="Times New Roman"/>
               </a:rPr>
@@ -7149,12 +7768,18 @@
             </a:r>
             <a:r>
               <a:rPr lang="en-US">
+                <a:solidFill>
+                  <a:schemeClr val="bg1"/>
+                </a:solidFill>
                 <a:latin typeface="Times New Roman"/>
                 <a:cs typeface="Times New Roman"/>
               </a:rPr>
               <a:t>.</a:t>
             </a:r>
             <a:endParaRPr>
+              <a:solidFill>
+                <a:schemeClr val="bg1"/>
+              </a:solidFill>
               <a:latin typeface="Times New Roman"/>
               <a:cs typeface="Times New Roman"/>
             </a:endParaRPr>
@@ -7201,6 +7826,70 @@
           <a:chExt cx="0" cy="0"/>
         </a:xfrm>
       </p:grpSpPr>
+      <p:pic>
+        <p:nvPicPr>
+          <p:cNvPr id="650433582" name=""/>
+          <p:cNvPicPr>
+            <a:picLocks noChangeAspect="1"/>
+          </p:cNvPicPr>
+          <p:nvPr/>
+        </p:nvPicPr>
+        <p:blipFill>
+          <a:blip r:embed="rId2"/>
+          <a:stretch/>
+        </p:blipFill>
+        <p:spPr bwMode="auto">
+          <a:xfrm flipH="0" flipV="0">
+            <a:off x="-110099" y="-71196"/>
+            <a:ext cx="12363449" cy="7994840"/>
+          </a:xfrm>
+          <a:prstGeom prst="rect">
+            <a:avLst/>
+          </a:prstGeom>
+        </p:spPr>
+      </p:pic>
+      <p:sp>
+        <p:nvSpPr>
+          <p:cNvPr id="2021981466" name=""/>
+          <p:cNvSpPr/>
+          <p:nvPr/>
+        </p:nvSpPr>
+        <p:spPr bwMode="auto">
+          <a:xfrm flipH="0" flipV="0">
+            <a:off x="-872100" y="-781049"/>
+            <a:ext cx="14173200" cy="8991599"/>
+          </a:xfrm>
+          <a:prstGeom prst="rect">
+            <a:avLst/>
+          </a:prstGeom>
+          <a:solidFill>
+            <a:schemeClr val="tx1">
+              <a:alpha val="24999"/>
+            </a:schemeClr>
+          </a:solidFill>
+          <a:ln w="12700" cap="flat" cmpd="sng" algn="ctr">
+            <a:noFill/>
+            <a:prstDash val="solid"/>
+            <a:miter lim="800000"/>
+          </a:ln>
+        </p:spPr>
+        <p:style>
+          <a:lnRef idx="2">
+            <a:schemeClr val="accent1">
+              <a:shade val="50000"/>
+            </a:schemeClr>
+          </a:lnRef>
+          <a:fillRef idx="1">
+            <a:schemeClr val="accent1"/>
+          </a:fillRef>
+          <a:effectRef idx="0">
+            <a:schemeClr val="accent1"/>
+          </a:effectRef>
+          <a:fontRef idx="minor">
+            <a:schemeClr val="lt1"/>
+          </a:fontRef>
+        </p:style>
+      </p:sp>
       <p:sp>
         <p:nvSpPr>
           <p:cNvPr id="391401439" name="Заголовок 1"/>
@@ -7221,6 +7910,9 @@
             </a:pPr>
             <a:r>
               <a:rPr>
+                <a:solidFill>
+                  <a:schemeClr val="bg1"/>
+                </a:solidFill>
                 <a:latin typeface="Times New Roman"/>
                 <a:cs typeface="Times New Roman"/>
               </a:rPr>
@@ -7228,6 +7920,9 @@
             </a:r>
             <a:r>
               <a:rPr>
+                <a:solidFill>
+                  <a:schemeClr val="bg1"/>
+                </a:solidFill>
                 <a:latin typeface="Times New Roman"/>
                 <a:cs typeface="Times New Roman"/>
               </a:rPr>
@@ -7235,6 +7930,9 @@
             </a:r>
             <a:r>
               <a:rPr>
+                <a:solidFill>
+                  <a:schemeClr val="bg1"/>
+                </a:solidFill>
                 <a:latin typeface="Times New Roman"/>
                 <a:cs typeface="Times New Roman"/>
               </a:rPr>
@@ -7242,12 +7940,18 @@
             </a:r>
             <a:r>
               <a:rPr lang="en-US">
+                <a:solidFill>
+                  <a:schemeClr val="bg1"/>
+                </a:solidFill>
                 <a:latin typeface="Times New Roman"/>
                 <a:cs typeface="Times New Roman"/>
               </a:rPr>
               <a:t>:</a:t>
             </a:r>
             <a:endParaRPr>
+              <a:solidFill>
+                <a:schemeClr val="bg1"/>
+              </a:solidFill>
               <a:latin typeface="Times New Roman"/>
               <a:cs typeface="Times New Roman"/>
             </a:endParaRPr>
@@ -7275,10 +7979,7 @@
             <a:r>
               <a:rPr lang="en-US" sz="3200" b="0" i="0" u="none" strike="noStrike" cap="none" spc="0">
                 <a:solidFill>
-                  <a:schemeClr val="tx1">
-                    <a:lumMod val="75000"/>
-                    <a:lumOff val="25000"/>
-                  </a:schemeClr>
+                  <a:schemeClr val="bg1"/>
                 </a:solidFill>
                 <a:latin typeface="Times New Roman"/>
                 <a:ea typeface="Times New Roman"/>
@@ -7289,10 +7990,7 @@
             <a:r>
               <a:rPr lang="ru-RU" sz="3200" b="0" i="0" u="none" strike="noStrike" cap="none" spc="0">
                 <a:solidFill>
-                  <a:schemeClr val="tx1">
-                    <a:lumMod val="75000"/>
-                    <a:lumOff val="25000"/>
-                  </a:schemeClr>
+                  <a:schemeClr val="bg1"/>
                 </a:solidFill>
                 <a:latin typeface="Times New Roman"/>
                 <a:ea typeface="Times New Roman"/>
@@ -7303,10 +8001,7 @@
             <a:r>
               <a:rPr lang="en-US" sz="3200" b="0" i="0" u="none" strike="noStrike" cap="none" spc="0">
                 <a:solidFill>
-                  <a:schemeClr val="tx1">
-                    <a:lumMod val="75000"/>
-                    <a:lumOff val="25000"/>
-                  </a:schemeClr>
+                  <a:schemeClr val="bg1"/>
                 </a:solidFill>
                 <a:latin typeface="Times New Roman"/>
                 <a:ea typeface="Times New Roman"/>
@@ -7317,10 +8012,7 @@
             <a:r>
               <a:rPr lang="ru-RU" sz="3200" b="0" i="0" u="none" strike="noStrike" cap="none" spc="0">
                 <a:solidFill>
-                  <a:schemeClr val="tx1">
-                    <a:lumMod val="75000"/>
-                    <a:lumOff val="25000"/>
-                  </a:schemeClr>
+                  <a:schemeClr val="bg1"/>
                 </a:solidFill>
                 <a:latin typeface="Times New Roman"/>
                 <a:ea typeface="Times New Roman"/>
@@ -7331,10 +8023,7 @@
             <a:r>
               <a:rPr lang="en-US" sz="3200" b="0" i="0" u="none" strike="noStrike" cap="none" spc="0">
                 <a:solidFill>
-                  <a:schemeClr val="tx1">
-                    <a:lumMod val="75000"/>
-                    <a:lumOff val="25000"/>
-                  </a:schemeClr>
+                  <a:schemeClr val="bg1"/>
                 </a:solidFill>
                 <a:latin typeface="Times New Roman"/>
                 <a:ea typeface="Times New Roman"/>
@@ -7343,6 +8032,9 @@
               <a:t>.</a:t>
             </a:r>
             <a:endParaRPr sz="3200">
+              <a:solidFill>
+                <a:schemeClr val="bg1"/>
+              </a:solidFill>
               <a:latin typeface="Times New Roman"/>
               <a:cs typeface="Times New Roman"/>
             </a:endParaRPr>
@@ -7354,10 +8046,7 @@
             <a:r>
               <a:rPr lang="en-US" sz="3200" b="0" i="0" u="none" strike="noStrike" cap="none" spc="0">
                 <a:solidFill>
-                  <a:schemeClr val="tx1">
-                    <a:lumMod val="75000"/>
-                    <a:lumOff val="25000"/>
-                  </a:schemeClr>
+                  <a:schemeClr val="bg1"/>
                 </a:solidFill>
                 <a:latin typeface="Times New Roman"/>
                 <a:ea typeface="Times New Roman"/>
@@ -7368,10 +8057,7 @@
             <a:r>
               <a:rPr lang="ru-RU" sz="3200" b="0" i="0" u="none" strike="noStrike" cap="none" spc="0">
                 <a:solidFill>
-                  <a:schemeClr val="tx1">
-                    <a:lumMod val="75000"/>
-                    <a:lumOff val="25000"/>
-                  </a:schemeClr>
+                  <a:schemeClr val="bg1"/>
                 </a:solidFill>
                 <a:latin typeface="Times New Roman"/>
                 <a:ea typeface="Times New Roman"/>
@@ -7382,10 +8068,7 @@
             <a:r>
               <a:rPr lang="en-US" sz="3200" b="0" i="0" u="none" strike="noStrike" cap="none" spc="0">
                 <a:solidFill>
-                  <a:schemeClr val="tx1">
-                    <a:lumMod val="75000"/>
-                    <a:lumOff val="25000"/>
-                  </a:schemeClr>
+                  <a:schemeClr val="bg1"/>
                 </a:solidFill>
                 <a:latin typeface="Times New Roman"/>
                 <a:ea typeface="Times New Roman"/>
@@ -7396,10 +8079,7 @@
             <a:r>
               <a:rPr lang="ru-RU" sz="3200" b="0" i="0" u="none" strike="noStrike" cap="none" spc="0">
                 <a:solidFill>
-                  <a:schemeClr val="tx1">
-                    <a:lumMod val="75000"/>
-                    <a:lumOff val="25000"/>
-                  </a:schemeClr>
+                  <a:schemeClr val="bg1"/>
                 </a:solidFill>
                 <a:latin typeface="Times New Roman"/>
                 <a:ea typeface="Times New Roman"/>
@@ -7410,10 +8090,7 @@
             <a:r>
               <a:rPr lang="en-US" sz="3200" b="0" i="0" u="none" strike="noStrike" cap="none" spc="0">
                 <a:solidFill>
-                  <a:schemeClr val="tx1">
-                    <a:lumMod val="75000"/>
-                    <a:lumOff val="25000"/>
-                  </a:schemeClr>
+                  <a:schemeClr val="bg1"/>
                 </a:solidFill>
                 <a:latin typeface="Times New Roman"/>
                 <a:ea typeface="Times New Roman"/>
@@ -7424,10 +8101,7 @@
             <a:r>
               <a:rPr lang="ru-RU" sz="3200" b="0" i="0" u="none" strike="noStrike" cap="none" spc="0">
                 <a:solidFill>
-                  <a:schemeClr val="tx1">
-                    <a:lumMod val="75000"/>
-                    <a:lumOff val="25000"/>
-                  </a:schemeClr>
+                  <a:schemeClr val="bg1"/>
                 </a:solidFill>
                 <a:latin typeface="Times New Roman"/>
                 <a:ea typeface="Times New Roman"/>
@@ -7438,10 +8112,7 @@
             <a:r>
               <a:rPr lang="en-US" sz="3200" b="0" i="0" u="none" strike="noStrike" cap="none" spc="0">
                 <a:solidFill>
-                  <a:schemeClr val="tx1">
-                    <a:lumMod val="75000"/>
-                    <a:lumOff val="25000"/>
-                  </a:schemeClr>
+                  <a:schemeClr val="bg1"/>
                 </a:solidFill>
                 <a:latin typeface="Times New Roman"/>
                 <a:ea typeface="Times New Roman"/>
@@ -7450,6 +8121,9 @@
               <a:t>.</a:t>
             </a:r>
             <a:endParaRPr sz="3200">
+              <a:solidFill>
+                <a:schemeClr val="bg1"/>
+              </a:solidFill>
               <a:latin typeface="Times New Roman"/>
               <a:cs typeface="Times New Roman"/>
             </a:endParaRPr>
@@ -7461,10 +8135,7 @@
             <a:r>
               <a:rPr lang="en-US" sz="3200" b="0" i="0" u="none" strike="noStrike" cap="none" spc="0">
                 <a:solidFill>
-                  <a:schemeClr val="tx1">
-                    <a:lumMod val="75000"/>
-                    <a:lumOff val="25000"/>
-                  </a:schemeClr>
+                  <a:schemeClr val="bg1"/>
                 </a:solidFill>
                 <a:latin typeface="Times New Roman"/>
                 <a:ea typeface="Times New Roman"/>
@@ -7475,10 +8146,7 @@
             <a:r>
               <a:rPr lang="ru-RU" sz="3200" b="0" i="0" u="none" strike="noStrike" cap="none" spc="0">
                 <a:solidFill>
-                  <a:schemeClr val="tx1">
-                    <a:lumMod val="75000"/>
-                    <a:lumOff val="25000"/>
-                  </a:schemeClr>
+                  <a:schemeClr val="bg1"/>
                 </a:solidFill>
                 <a:latin typeface="Times New Roman"/>
                 <a:ea typeface="Times New Roman"/>
@@ -7489,10 +8157,7 @@
             <a:r>
               <a:rPr lang="en-US" sz="3200" b="0" i="0" u="none" strike="noStrike" cap="none" spc="0">
                 <a:solidFill>
-                  <a:schemeClr val="tx1">
-                    <a:lumMod val="75000"/>
-                    <a:lumOff val="25000"/>
-                  </a:schemeClr>
+                  <a:schemeClr val="bg1"/>
                 </a:solidFill>
                 <a:latin typeface="Times New Roman"/>
                 <a:ea typeface="Times New Roman"/>
@@ -7501,6 +8166,9 @@
               <a:t>.</a:t>
             </a:r>
             <a:endParaRPr sz="3200">
+              <a:solidFill>
+                <a:schemeClr val="bg1"/>
+              </a:solidFill>
               <a:latin typeface="Times New Roman"/>
               <a:cs typeface="Times New Roman"/>
             </a:endParaRPr>
@@ -7512,10 +8180,7 @@
             <a:r>
               <a:rPr lang="en-US" sz="3200" b="0" i="0" u="none" strike="noStrike" cap="none" spc="0">
                 <a:solidFill>
-                  <a:schemeClr val="tx1">
-                    <a:lumMod val="75000"/>
-                    <a:lumOff val="25000"/>
-                  </a:schemeClr>
+                  <a:schemeClr val="bg1"/>
                 </a:solidFill>
                 <a:latin typeface="Times New Roman"/>
                 <a:ea typeface="Times New Roman"/>
@@ -7526,10 +8191,7 @@
             <a:r>
               <a:rPr lang="ru-RU" sz="3200" b="0" i="0" u="none" strike="noStrike" cap="none" spc="0">
                 <a:solidFill>
-                  <a:schemeClr val="tx1">
-                    <a:lumMod val="75000"/>
-                    <a:lumOff val="25000"/>
-                  </a:schemeClr>
+                  <a:schemeClr val="bg1"/>
                 </a:solidFill>
                 <a:latin typeface="Times New Roman"/>
                 <a:ea typeface="Times New Roman"/>
@@ -7540,10 +8202,7 @@
             <a:r>
               <a:rPr lang="en-US" sz="3200" b="0" i="0" u="none" strike="noStrike" cap="none" spc="0">
                 <a:solidFill>
-                  <a:schemeClr val="tx1">
-                    <a:lumMod val="75000"/>
-                    <a:lumOff val="25000"/>
-                  </a:schemeClr>
+                  <a:schemeClr val="bg1"/>
                 </a:solidFill>
                 <a:latin typeface="Times New Roman"/>
                 <a:ea typeface="Times New Roman"/>
@@ -7552,6 +8211,9 @@
               <a:t>.</a:t>
             </a:r>
             <a:endParaRPr sz="3200">
+              <a:solidFill>
+                <a:schemeClr val="bg1"/>
+              </a:solidFill>
               <a:latin typeface="Times New Roman"/>
               <a:cs typeface="Times New Roman"/>
             </a:endParaRPr>
@@ -7565,10 +8227,7 @@
             <a:r>
               <a:rPr lang="ru-RU" sz="3200" b="0" i="0" u="none" strike="noStrike" cap="none" spc="0">
                 <a:solidFill>
-                  <a:schemeClr val="tx1">
-                    <a:lumMod val="75000"/>
-                    <a:lumOff val="25000"/>
-                  </a:schemeClr>
+                  <a:schemeClr val="bg1"/>
                 </a:solidFill>
                 <a:latin typeface="Times New Roman"/>
                 <a:ea typeface="Times New Roman"/>
@@ -7579,10 +8238,7 @@
             <a:r>
               <a:rPr lang="en-US" sz="3200" b="0" i="0" u="none" strike="noStrike" cap="none" spc="0">
                 <a:solidFill>
-                  <a:schemeClr val="tx1">
-                    <a:lumMod val="75000"/>
-                    <a:lumOff val="25000"/>
-                  </a:schemeClr>
+                  <a:schemeClr val="bg1"/>
                 </a:solidFill>
                 <a:latin typeface="Times New Roman"/>
                 <a:ea typeface="Times New Roman"/>
@@ -7591,6 +8247,9 @@
               <a:t>: 95.</a:t>
             </a:r>
             <a:endParaRPr sz="3200">
+              <a:solidFill>
+                <a:schemeClr val="bg1"/>
+              </a:solidFill>
               <a:latin typeface="Times New Roman"/>
               <a:cs typeface="Times New Roman"/>
             </a:endParaRPr>
@@ -7599,7 +8258,11 @@
             <a:pPr>
               <a:defRPr/>
             </a:pPr>
-            <a:endParaRPr/>
+            <a:endParaRPr>
+              <a:solidFill>
+                <a:schemeClr val="bg1"/>
+              </a:solidFill>
+            </a:endParaRPr>
           </a:p>
         </p:txBody>
       </p:sp>
